--- a/Lecture/Lecture 25/Lecture 25.pptx
+++ b/Lecture/Lecture 25/Lecture 25.pptx
@@ -6,25 +6,34 @@
     <p:sldMasterId id="2147483676" r:id="rId2"/>
   </p:sldMasterIdLst>
   <p:notesMasterIdLst>
-    <p:notesMasterId r:id="rId11"/>
+    <p:notesMasterId r:id="rId20"/>
   </p:notesMasterIdLst>
   <p:handoutMasterIdLst>
-    <p:handoutMasterId r:id="rId12"/>
+    <p:handoutMasterId r:id="rId21"/>
   </p:handoutMasterIdLst>
   <p:sldIdLst>
     <p:sldId id="320" r:id="rId3"/>
     <p:sldId id="399" r:id="rId4"/>
-    <p:sldId id="413" r:id="rId5"/>
-    <p:sldId id="415" r:id="rId6"/>
-    <p:sldId id="416" r:id="rId7"/>
-    <p:sldId id="417" r:id="rId8"/>
-    <p:sldId id="414" r:id="rId9"/>
-    <p:sldId id="329" r:id="rId10"/>
+    <p:sldId id="427" r:id="rId5"/>
+    <p:sldId id="413" r:id="rId6"/>
+    <p:sldId id="415" r:id="rId7"/>
+    <p:sldId id="416" r:id="rId8"/>
+    <p:sldId id="417" r:id="rId9"/>
+    <p:sldId id="419" r:id="rId10"/>
+    <p:sldId id="420" r:id="rId11"/>
+    <p:sldId id="421" r:id="rId12"/>
+    <p:sldId id="422" r:id="rId13"/>
+    <p:sldId id="423" r:id="rId14"/>
+    <p:sldId id="424" r:id="rId15"/>
+    <p:sldId id="414" r:id="rId16"/>
+    <p:sldId id="428" r:id="rId17"/>
+    <p:sldId id="429" r:id="rId18"/>
+    <p:sldId id="329" r:id="rId19"/>
   </p:sldIdLst>
   <p:sldSz cx="9144000" cy="6858000" type="screen4x3"/>
   <p:notesSz cx="6858000" cy="9144000"/>
   <p:custDataLst>
-    <p:tags r:id="rId13"/>
+    <p:tags r:id="rId22"/>
   </p:custDataLst>
   <p:defaultTextStyle>
     <a:defPPr>
@@ -295,7 +304,7 @@
               <a:pPr>
                 <a:defRPr/>
               </a:pPr>
-              <a:t>10/30/2018</a:t>
+              <a:t>10/31/2018</a:t>
             </a:fld>
             <a:endParaRPr lang="en-US" dirty="0"/>
           </a:p>
@@ -507,7 +516,7 @@
               <a:pPr>
                 <a:defRPr/>
               </a:pPr>
-              <a:t>10/30/2018</a:t>
+              <a:t>10/31/2018</a:t>
             </a:fld>
             <a:endParaRPr lang="en-US" dirty="0"/>
           </a:p>
@@ -1026,7 +1035,7 @@
               <a:pPr>
                 <a:defRPr/>
               </a:pPr>
-              <a:t>10/30/2018</a:t>
+              <a:t>10/31/2018</a:t>
             </a:fld>
             <a:endParaRPr lang="en-US" dirty="0"/>
           </a:p>
@@ -1216,7 +1225,7 @@
               <a:pPr>
                 <a:defRPr/>
               </a:pPr>
-              <a:t>10/30/2018</a:t>
+              <a:t>10/31/2018</a:t>
             </a:fld>
             <a:endParaRPr lang="en-US" dirty="0"/>
           </a:p>
@@ -1416,7 +1425,7 @@
               <a:pPr>
                 <a:defRPr/>
               </a:pPr>
-              <a:t>10/30/2018</a:t>
+              <a:t>10/31/2018</a:t>
             </a:fld>
             <a:endParaRPr lang="en-US" dirty="0"/>
           </a:p>
@@ -1684,7 +1693,7 @@
               <a:pPr>
                 <a:defRPr/>
               </a:pPr>
-              <a:t>10/30/2018</a:t>
+              <a:t>10/31/2018</a:t>
             </a:fld>
             <a:endParaRPr lang="en-US" dirty="0">
               <a:solidFill>
@@ -1898,7 +1907,7 @@
               <a:pPr>
                 <a:defRPr/>
               </a:pPr>
-              <a:t>10/30/2018</a:t>
+              <a:t>10/31/2018</a:t>
             </a:fld>
             <a:endParaRPr lang="en-US" dirty="0">
               <a:solidFill>
@@ -2189,7 +2198,7 @@
               <a:pPr>
                 <a:defRPr/>
               </a:pPr>
-              <a:t>10/30/2018</a:t>
+              <a:t>10/31/2018</a:t>
             </a:fld>
             <a:endParaRPr lang="en-US" dirty="0">
               <a:solidFill>
@@ -2520,7 +2529,7 @@
               <a:pPr>
                 <a:defRPr/>
               </a:pPr>
-              <a:t>10/30/2018</a:t>
+              <a:t>10/31/2018</a:t>
             </a:fld>
             <a:endParaRPr lang="en-US" dirty="0">
               <a:solidFill>
@@ -2985,7 +2994,7 @@
               <a:pPr>
                 <a:defRPr/>
               </a:pPr>
-              <a:t>10/30/2018</a:t>
+              <a:t>10/31/2018</a:t>
             </a:fld>
             <a:endParaRPr lang="en-US" dirty="0">
               <a:solidFill>
@@ -3148,7 +3157,7 @@
               <a:pPr>
                 <a:defRPr/>
               </a:pPr>
-              <a:t>10/30/2018</a:t>
+              <a:t>10/31/2018</a:t>
             </a:fld>
             <a:endParaRPr lang="en-US" dirty="0">
               <a:solidFill>
@@ -3289,7 +3298,7 @@
               <a:pPr>
                 <a:defRPr/>
               </a:pPr>
-              <a:t>10/30/2018</a:t>
+              <a:t>10/31/2018</a:t>
             </a:fld>
             <a:endParaRPr lang="en-US" dirty="0">
               <a:solidFill>
@@ -3610,7 +3619,7 @@
               <a:pPr>
                 <a:defRPr/>
               </a:pPr>
-              <a:t>10/30/2018</a:t>
+              <a:t>10/31/2018</a:t>
             </a:fld>
             <a:endParaRPr lang="en-US" dirty="0">
               <a:solidFill>
@@ -3818,7 +3827,7 @@
               <a:pPr>
                 <a:defRPr/>
               </a:pPr>
-              <a:t>10/30/2018</a:t>
+              <a:t>10/31/2018</a:t>
             </a:fld>
             <a:endParaRPr lang="en-US" dirty="0"/>
           </a:p>
@@ -4101,7 +4110,7 @@
               <a:pPr>
                 <a:defRPr/>
               </a:pPr>
-              <a:t>10/30/2018</a:t>
+              <a:t>10/31/2018</a:t>
             </a:fld>
             <a:endParaRPr lang="en-US" dirty="0">
               <a:solidFill>
@@ -4315,7 +4324,7 @@
               <a:pPr>
                 <a:defRPr/>
               </a:pPr>
-              <a:t>10/30/2018</a:t>
+              <a:t>10/31/2018</a:t>
             </a:fld>
             <a:endParaRPr lang="en-US" dirty="0">
               <a:solidFill>
@@ -4539,7 +4548,7 @@
               <a:pPr>
                 <a:defRPr/>
               </a:pPr>
-              <a:t>10/30/2018</a:t>
+              <a:t>10/31/2018</a:t>
             </a:fld>
             <a:endParaRPr lang="en-US" dirty="0">
               <a:solidFill>
@@ -4749,7 +4758,7 @@
               <a:pPr>
                 <a:defRPr/>
               </a:pPr>
-              <a:t>10/30/2018</a:t>
+              <a:t>10/31/2018</a:t>
             </a:fld>
             <a:endParaRPr lang="en-US" dirty="0">
               <a:solidFill>
@@ -5026,7 +5035,7 @@
               <a:pPr>
                 <a:defRPr/>
               </a:pPr>
-              <a:t>10/30/2018</a:t>
+              <a:t>10/31/2018</a:t>
             </a:fld>
             <a:endParaRPr lang="en-US" dirty="0"/>
           </a:p>
@@ -5333,7 +5342,7 @@
               <a:pPr>
                 <a:defRPr/>
               </a:pPr>
-              <a:t>10/30/2018</a:t>
+              <a:t>10/31/2018</a:t>
             </a:fld>
             <a:endParaRPr lang="en-US" dirty="0"/>
           </a:p>
@@ -5774,7 +5783,7 @@
               <a:pPr>
                 <a:defRPr/>
               </a:pPr>
-              <a:t>10/30/2018</a:t>
+              <a:t>10/31/2018</a:t>
             </a:fld>
             <a:endParaRPr lang="en-US" dirty="0"/>
           </a:p>
@@ -5913,7 +5922,7 @@
               <a:pPr>
                 <a:defRPr/>
               </a:pPr>
-              <a:t>10/30/2018</a:t>
+              <a:t>10/31/2018</a:t>
             </a:fld>
             <a:endParaRPr lang="en-US" dirty="0"/>
           </a:p>
@@ -6030,7 +6039,7 @@
               <a:pPr>
                 <a:defRPr/>
               </a:pPr>
-              <a:t>10/30/2018</a:t>
+              <a:t>10/31/2018</a:t>
             </a:fld>
             <a:endParaRPr lang="en-US" dirty="0"/>
           </a:p>
@@ -6327,7 +6336,7 @@
               <a:pPr>
                 <a:defRPr/>
               </a:pPr>
-              <a:t>10/30/2018</a:t>
+              <a:t>10/31/2018</a:t>
             </a:fld>
             <a:endParaRPr lang="en-US" dirty="0"/>
           </a:p>
@@ -6604,7 +6613,7 @@
               <a:pPr>
                 <a:defRPr/>
               </a:pPr>
-              <a:t>10/30/2018</a:t>
+              <a:t>10/31/2018</a:t>
             </a:fld>
             <a:endParaRPr lang="en-US" dirty="0"/>
           </a:p>
@@ -6861,7 +6870,7 @@
               <a:pPr>
                 <a:defRPr/>
               </a:pPr>
-              <a:t>10/30/2018</a:t>
+              <a:t>10/31/2018</a:t>
             </a:fld>
             <a:endParaRPr lang="en-US" dirty="0"/>
           </a:p>
@@ -7571,7 +7580,7 @@
               <a:pPr>
                 <a:defRPr/>
               </a:pPr>
-              <a:t>10/30/2018</a:t>
+              <a:t>10/31/2018</a:t>
             </a:fld>
             <a:endParaRPr lang="en-US" dirty="0">
               <a:solidFill>
@@ -8455,7 +8464,7 @@
 </p:sld>
 </file>
 
-<file path=ppt/slides/slide2.xml><?xml version="1.0" encoding="utf-8"?>
+<file path=ppt/slides/slide10.xml><?xml version="1.0" encoding="utf-8"?>
 <p:sld xmlns:a="http://schemas.openxmlformats.org/drawingml/2006/main" xmlns:r="http://schemas.openxmlformats.org/officeDocument/2006/relationships" xmlns:p="http://schemas.openxmlformats.org/presentationml/2006/main">
   <p:cSld>
     <p:bg>
@@ -8613,10 +8622,38 @@
                 <a:solidFill>
                   <a:schemeClr val="bg1"/>
                 </a:solidFill>
-                <a:ea typeface="+mj-ea"/>
-                <a:cs typeface="+mj-cs"/>
-              </a:rPr>
-              <a:t>Introduction</a:t>
+              </a:rPr>
+              <a:t>Part 1: </a:t>
+            </a:r>
+            <a:br>
+              <a:rPr lang="en-US" sz="2400" dirty="0">
+                <a:solidFill>
+                  <a:schemeClr val="bg1"/>
+                </a:solidFill>
+              </a:rPr>
+            </a:br>
+            <a:r>
+              <a:rPr lang="en-US" sz="2400" dirty="0">
+                <a:solidFill>
+                  <a:schemeClr val="bg1"/>
+                </a:solidFill>
+              </a:rPr>
+              <a:t>Cross Validation </a:t>
+            </a:r>
+            <a:br>
+              <a:rPr lang="en-US" sz="2400" dirty="0">
+                <a:solidFill>
+                  <a:schemeClr val="bg1"/>
+                </a:solidFill>
+              </a:rPr>
+            </a:br>
+            <a:r>
+              <a:rPr lang="en-US" sz="2400" dirty="0">
+                <a:solidFill>
+                  <a:schemeClr val="bg1"/>
+                </a:solidFill>
+              </a:rPr>
+              <a:t>by Location</a:t>
             </a:r>
             <a:endParaRPr lang="en-US" sz="2400" kern="1200" dirty="0">
               <a:solidFill>
@@ -8661,10 +8698,10 @@
       </p:pic>
       <p:sp>
         <p:nvSpPr>
-          <p:cNvPr id="7" name="TextBox 6">
+          <p:cNvPr id="5" name="TextBox 4">
             <a:extLst>
               <a:ext uri="{FF2B5EF4-FFF2-40B4-BE49-F238E27FC236}">
-                <a16:creationId xmlns:a16="http://schemas.microsoft.com/office/drawing/2014/main" id="{DF060353-BDFF-427E-8ABE-861948AE3B71}"/>
+                <a16:creationId xmlns:a16="http://schemas.microsoft.com/office/drawing/2014/main" id="{B0ED2E22-6C3D-4129-B22C-FA462A587E09}"/>
               </a:ext>
             </a:extLst>
           </p:cNvPr>
@@ -8673,217 +8710,8 @@
         </p:nvSpPr>
         <p:spPr>
           <a:xfrm>
-            <a:off x="3810000" y="643467"/>
-            <a:ext cx="5334000" cy="4524315"/>
-          </a:xfrm>
-          <a:prstGeom prst="rect">
-            <a:avLst/>
-          </a:prstGeom>
-          <a:noFill/>
-        </p:spPr>
-        <p:txBody>
-          <a:bodyPr wrap="square" rtlCol="0">
-            <a:spAutoFit/>
-          </a:bodyPr>
-          <a:lstStyle/>
-          <a:p>
-            <a:pPr marL="342900" indent="-342900">
-              <a:buFont typeface="Arial" panose="020B0604020202020204" pitchFamily="34" charset="0"/>
-              <a:buChar char="•"/>
-              <a:defRPr/>
-            </a:pPr>
-            <a:r>
-              <a:rPr lang="en-US" dirty="0">
-                <a:solidFill>
-                  <a:srgbClr val="404040"/>
-                </a:solidFill>
-              </a:rPr>
-              <a:t>Instructions</a:t>
-            </a:r>
-          </a:p>
-          <a:p>
-            <a:pPr>
-              <a:defRPr/>
-            </a:pPr>
-            <a:endParaRPr lang="en-US" dirty="0">
-              <a:solidFill>
-                <a:srgbClr val="404040"/>
-              </a:solidFill>
-            </a:endParaRPr>
-          </a:p>
-          <a:p>
-            <a:pPr marL="800100" lvl="1" indent="-342900">
-              <a:buFont typeface="Arial" panose="020B0604020202020204" pitchFamily="34" charset="0"/>
-              <a:buChar char="•"/>
-              <a:defRPr/>
-            </a:pPr>
-            <a:r>
-              <a:rPr lang="en-US" dirty="0">
-                <a:solidFill>
-                  <a:srgbClr val="404040"/>
-                </a:solidFill>
-              </a:rPr>
-              <a:t>Download Tutorial 13 Zip</a:t>
-            </a:r>
-          </a:p>
-          <a:p>
-            <a:pPr marL="800100" lvl="1" indent="-342900">
-              <a:buFont typeface="Arial" panose="020B0604020202020204" pitchFamily="34" charset="0"/>
-              <a:buChar char="•"/>
-              <a:defRPr/>
-            </a:pPr>
-            <a:r>
-              <a:rPr lang="en-US" dirty="0">
-                <a:solidFill>
-                  <a:srgbClr val="404040"/>
-                </a:solidFill>
-              </a:rPr>
-              <a:t>Unzip Folder</a:t>
-            </a:r>
-          </a:p>
-          <a:p>
-            <a:pPr marL="800100" lvl="1" indent="-342900">
-              <a:buFont typeface="Arial" panose="020B0604020202020204" pitchFamily="34" charset="0"/>
-              <a:buChar char="•"/>
-              <a:defRPr/>
-            </a:pPr>
-            <a:r>
-              <a:rPr lang="en-US" dirty="0">
-                <a:solidFill>
-                  <a:srgbClr val="404040"/>
-                </a:solidFill>
-              </a:rPr>
-              <a:t>Required Packages</a:t>
-            </a:r>
-          </a:p>
-          <a:p>
-            <a:pPr marL="1257300" lvl="2" indent="-342900">
-              <a:buFont typeface="Arial" panose="020B0604020202020204" pitchFamily="34" charset="0"/>
-              <a:buChar char="•"/>
-              <a:defRPr/>
-            </a:pPr>
-            <a:r>
-              <a:rPr lang="en-US" dirty="0">
-                <a:solidFill>
-                  <a:srgbClr val="404040"/>
-                </a:solidFill>
-              </a:rPr>
-              <a:t> </a:t>
-            </a:r>
-          </a:p>
-          <a:p>
-            <a:pPr lvl="2">
-              <a:defRPr/>
-            </a:pPr>
-            <a:endParaRPr lang="en-US" dirty="0">
-              <a:solidFill>
-                <a:srgbClr val="404040"/>
-              </a:solidFill>
-            </a:endParaRPr>
-          </a:p>
-          <a:p>
-            <a:pPr marL="1257300" lvl="2" indent="-342900">
-              <a:buFont typeface="Arial" panose="020B0604020202020204" pitchFamily="34" charset="0"/>
-              <a:buChar char="•"/>
-              <a:defRPr/>
-            </a:pPr>
-            <a:r>
-              <a:rPr lang="en-US" dirty="0">
-                <a:solidFill>
-                  <a:srgbClr val="404040"/>
-                </a:solidFill>
-              </a:rPr>
-              <a:t> </a:t>
-            </a:r>
-          </a:p>
-          <a:p>
-            <a:pPr marL="1257300" lvl="2" indent="-342900">
-              <a:buFont typeface="Arial" panose="020B0604020202020204" pitchFamily="34" charset="0"/>
-              <a:buChar char="•"/>
-              <a:defRPr/>
-            </a:pPr>
-            <a:endParaRPr lang="en-US" dirty="0">
-              <a:solidFill>
-                <a:srgbClr val="404040"/>
-              </a:solidFill>
-            </a:endParaRPr>
-          </a:p>
-          <a:p>
-            <a:pPr marL="1257300" lvl="2" indent="-342900">
-              <a:buFont typeface="Arial" panose="020B0604020202020204" pitchFamily="34" charset="0"/>
-              <a:buChar char="•"/>
-              <a:defRPr/>
-            </a:pPr>
-            <a:r>
-              <a:rPr lang="en-US" dirty="0">
-                <a:solidFill>
-                  <a:srgbClr val="404040"/>
-                </a:solidFill>
-              </a:rPr>
-              <a:t> </a:t>
-            </a:r>
-          </a:p>
-          <a:p>
-            <a:pPr marL="800100" lvl="1" indent="-342900">
-              <a:buFont typeface="Arial" panose="020B0604020202020204" pitchFamily="34" charset="0"/>
-              <a:buChar char="•"/>
-              <a:defRPr/>
-            </a:pPr>
-            <a:r>
-              <a:rPr lang="en-US" dirty="0">
-                <a:solidFill>
-                  <a:srgbClr val="404040"/>
-                </a:solidFill>
-              </a:rPr>
-              <a:t>Open .</a:t>
-            </a:r>
-            <a:r>
-              <a:rPr lang="en-US" dirty="0" err="1">
-                <a:solidFill>
-                  <a:srgbClr val="404040"/>
-                </a:solidFill>
-              </a:rPr>
-              <a:t>Rmd</a:t>
-            </a:r>
-            <a:r>
-              <a:rPr lang="en-US" dirty="0">
-                <a:solidFill>
-                  <a:srgbClr val="404040"/>
-                </a:solidFill>
-              </a:rPr>
-              <a:t> File and Knit</a:t>
-            </a:r>
-          </a:p>
-          <a:p>
-            <a:pPr marL="800100" lvl="1" indent="-342900">
-              <a:buFont typeface="Arial" panose="020B0604020202020204" pitchFamily="34" charset="0"/>
-              <a:buChar char="•"/>
-              <a:defRPr/>
-            </a:pPr>
-            <a:endParaRPr lang="en-US" dirty="0">
-              <a:solidFill>
-                <a:srgbClr val="404040"/>
-              </a:solidFill>
-            </a:endParaRPr>
-          </a:p>
-        </p:txBody>
-      </p:sp>
-      <p:sp>
-        <p:nvSpPr>
-          <p:cNvPr id="6" name="TextBox 5">
-            <a:extLst>
-              <a:ext uri="{FF2B5EF4-FFF2-40B4-BE49-F238E27FC236}">
-                <a16:creationId xmlns:a16="http://schemas.microsoft.com/office/drawing/2014/main" id="{BD249506-538F-4D06-A28A-D8F3DE7114AE}"/>
-              </a:ext>
-            </a:extLst>
-          </p:cNvPr>
-          <p:cNvSpPr txBox="1"/>
-          <p:nvPr/>
-        </p:nvSpPr>
-        <p:spPr>
-          <a:xfrm>
-            <a:off x="5029200" y="2590800"/>
-            <a:ext cx="1924050" cy="369332"/>
+            <a:off x="3657600" y="1143000"/>
+            <a:ext cx="5334000" cy="3970318"/>
           </a:xfrm>
           <a:prstGeom prst="rect">
             <a:avLst/>
@@ -8898,13 +8726,65 @@
           </a:bodyPr>
           <a:lstStyle/>
           <a:p>
+            <a:pPr>
+              <a:defRPr/>
+            </a:pPr>
             <a:r>
               <a:rPr lang="en-US" sz="1800" dirty="0">
                 <a:solidFill>
                   <a:schemeClr val="bg1"/>
                 </a:solidFill>
               </a:rPr>
-              <a:t>library(</a:t>
+              <a:t>DATA2=DATA</a:t>
+            </a:r>
+          </a:p>
+          <a:p>
+            <a:pPr>
+              <a:defRPr/>
+            </a:pPr>
+            <a:r>
+              <a:rPr lang="en-US" sz="1800" dirty="0">
+                <a:solidFill>
+                  <a:schemeClr val="bg1"/>
+                </a:solidFill>
+              </a:rPr>
+              <a:t>DATA2$linpred=NA</a:t>
+            </a:r>
+          </a:p>
+          <a:p>
+            <a:pPr>
+              <a:defRPr/>
+            </a:pPr>
+            <a:endParaRPr lang="en-US" sz="1800" dirty="0">
+              <a:solidFill>
+                <a:schemeClr val="bg1"/>
+              </a:solidFill>
+            </a:endParaRPr>
+          </a:p>
+          <a:p>
+            <a:pPr>
+              <a:defRPr/>
+            </a:pPr>
+            <a:r>
+              <a:rPr lang="en-US" sz="1800" dirty="0">
+                <a:solidFill>
+                  <a:schemeClr val="bg1"/>
+                </a:solidFill>
+              </a:rPr>
+              <a:t>for(k in unique(DATA2$L)){</a:t>
+            </a:r>
+          </a:p>
+          <a:p>
+            <a:pPr>
+              <a:defRPr/>
+            </a:pPr>
+            <a:r>
+              <a:rPr lang="en-US" sz="1800" dirty="0">
+                <a:solidFill>
+                  <a:schemeClr val="bg1"/>
+                </a:solidFill>
+              </a:rPr>
+              <a:t>  TEST = NEST.DATA %&gt;% filter(L==k) %&gt;% </a:t>
             </a:r>
             <a:r>
               <a:rPr lang="en-US" sz="1800" dirty="0" err="1">
@@ -8912,7 +8792,7 @@
                   <a:schemeClr val="bg1"/>
                 </a:solidFill>
               </a:rPr>
-              <a:t>tidyverse</a:t>
+              <a:t>unnest</a:t>
             </a:r>
             <a:r>
               <a:rPr lang="en-US" sz="1800" dirty="0">
@@ -8920,17 +8800,217 @@
                   <a:schemeClr val="bg1"/>
                 </a:solidFill>
               </a:rPr>
-              <a:t>)</a:t>
-            </a:r>
-          </a:p>
-        </p:txBody>
-      </p:sp>
-      <p:sp>
-        <p:nvSpPr>
-          <p:cNvPr id="9" name="TextBox 8">
+              <a:t>()</a:t>
+            </a:r>
+          </a:p>
+          <a:p>
+            <a:pPr>
+              <a:defRPr/>
+            </a:pPr>
+            <a:r>
+              <a:rPr lang="en-US" sz="1800" dirty="0">
+                <a:solidFill>
+                  <a:schemeClr val="bg1"/>
+                </a:solidFill>
+              </a:rPr>
+              <a:t>  TRAIN  = NEST.DATA %&gt;% filter(L!=k) %&gt;% </a:t>
+            </a:r>
+            <a:r>
+              <a:rPr lang="en-US" sz="1800" dirty="0" err="1">
+                <a:solidFill>
+                  <a:schemeClr val="bg1"/>
+                </a:solidFill>
+              </a:rPr>
+              <a:t>unnest</a:t>
+            </a:r>
+            <a:r>
+              <a:rPr lang="en-US" sz="1800" dirty="0">
+                <a:solidFill>
+                  <a:schemeClr val="bg1"/>
+                </a:solidFill>
+              </a:rPr>
+              <a:t>()</a:t>
+            </a:r>
+          </a:p>
+          <a:p>
+            <a:pPr>
+              <a:defRPr/>
+            </a:pPr>
+            <a:r>
+              <a:rPr lang="en-US" sz="1800" dirty="0">
+                <a:solidFill>
+                  <a:schemeClr val="bg1"/>
+                </a:solidFill>
+              </a:rPr>
+              <a:t>  </a:t>
+            </a:r>
+          </a:p>
+          <a:p>
+            <a:pPr>
+              <a:defRPr/>
+            </a:pPr>
+            <a:r>
+              <a:rPr lang="en-US" sz="1800" dirty="0">
+                <a:solidFill>
+                  <a:schemeClr val="bg1"/>
+                </a:solidFill>
+              </a:rPr>
+              <a:t>  </a:t>
+            </a:r>
+            <a:r>
+              <a:rPr lang="en-US" sz="1800" dirty="0" err="1">
+                <a:solidFill>
+                  <a:schemeClr val="bg1"/>
+                </a:solidFill>
+              </a:rPr>
+              <a:t>linmod</a:t>
+            </a:r>
+            <a:r>
+              <a:rPr lang="en-US" sz="1800" dirty="0">
+                <a:solidFill>
+                  <a:schemeClr val="bg1"/>
+                </a:solidFill>
+              </a:rPr>
+              <a:t>=</a:t>
+            </a:r>
+            <a:r>
+              <a:rPr lang="en-US" sz="1800" dirty="0" err="1">
+                <a:solidFill>
+                  <a:schemeClr val="bg1"/>
+                </a:solidFill>
+              </a:rPr>
+              <a:t>lm</a:t>
+            </a:r>
+            <a:r>
+              <a:rPr lang="en-US" sz="1800" dirty="0">
+                <a:solidFill>
+                  <a:schemeClr val="bg1"/>
+                </a:solidFill>
+              </a:rPr>
+              <a:t>(</a:t>
+            </a:r>
+            <a:r>
+              <a:rPr lang="en-US" sz="1800" dirty="0" err="1">
+                <a:solidFill>
+                  <a:schemeClr val="bg1"/>
+                </a:solidFill>
+              </a:rPr>
+              <a:t>W~dplyr</a:t>
+            </a:r>
+            <a:r>
+              <a:rPr lang="en-US" sz="1800" dirty="0">
+                <a:solidFill>
+                  <a:schemeClr val="bg1"/>
+                </a:solidFill>
+              </a:rPr>
+              <a:t>::lag(A,1),data=TRAIN)</a:t>
+            </a:r>
+          </a:p>
+          <a:p>
+            <a:pPr>
+              <a:defRPr/>
+            </a:pPr>
+            <a:r>
+              <a:rPr lang="en-US" sz="1800" dirty="0">
+                <a:solidFill>
+                  <a:schemeClr val="bg1"/>
+                </a:solidFill>
+              </a:rPr>
+              <a:t>  </a:t>
+            </a:r>
+            <a:r>
+              <a:rPr lang="en-US" sz="1800" dirty="0" err="1">
+                <a:solidFill>
+                  <a:schemeClr val="bg1"/>
+                </a:solidFill>
+              </a:rPr>
+              <a:t>linmodpred</a:t>
+            </a:r>
+            <a:r>
+              <a:rPr lang="en-US" sz="1800" dirty="0">
+                <a:solidFill>
+                  <a:schemeClr val="bg1"/>
+                </a:solidFill>
+              </a:rPr>
+              <a:t>=predict(</a:t>
+            </a:r>
+            <a:r>
+              <a:rPr lang="en-US" sz="1800" dirty="0" err="1">
+                <a:solidFill>
+                  <a:schemeClr val="bg1"/>
+                </a:solidFill>
+              </a:rPr>
+              <a:t>linmod,newdata</a:t>
+            </a:r>
+            <a:r>
+              <a:rPr lang="en-US" sz="1800" dirty="0">
+                <a:solidFill>
+                  <a:schemeClr val="bg1"/>
+                </a:solidFill>
+              </a:rPr>
+              <a:t>=TEST)</a:t>
+            </a:r>
+          </a:p>
+          <a:p>
+            <a:pPr>
+              <a:defRPr/>
+            </a:pPr>
+            <a:r>
+              <a:rPr lang="en-US" sz="1800" dirty="0">
+                <a:solidFill>
+                  <a:schemeClr val="bg1"/>
+                </a:solidFill>
+              </a:rPr>
+              <a:t>  </a:t>
+            </a:r>
+          </a:p>
+          <a:p>
+            <a:pPr>
+              <a:defRPr/>
+            </a:pPr>
+            <a:r>
+              <a:rPr lang="en-US" sz="1800" dirty="0">
+                <a:solidFill>
+                  <a:schemeClr val="bg1"/>
+                </a:solidFill>
+              </a:rPr>
+              <a:t>  DATA2$linpred[which(DATA2$L==k)]=</a:t>
+            </a:r>
+            <a:r>
+              <a:rPr lang="en-US" sz="1800" dirty="0" err="1">
+                <a:solidFill>
+                  <a:schemeClr val="bg1"/>
+                </a:solidFill>
+              </a:rPr>
+              <a:t>linmodpred</a:t>
+            </a:r>
+            <a:endParaRPr lang="en-US" sz="1800" dirty="0">
+              <a:solidFill>
+                <a:schemeClr val="bg1"/>
+              </a:solidFill>
+            </a:endParaRPr>
+          </a:p>
+          <a:p>
+            <a:pPr>
+              <a:defRPr/>
+            </a:pPr>
+            <a:r>
+              <a:rPr lang="en-US" sz="1800" dirty="0">
+                <a:solidFill>
+                  <a:schemeClr val="bg1"/>
+                </a:solidFill>
+              </a:rPr>
+              <a:t>}</a:t>
+            </a:r>
+          </a:p>
+        </p:txBody>
+      </p:sp>
+      <p:sp>
+        <p:nvSpPr>
+          <p:cNvPr id="6" name="TextBox 5">
             <a:extLst>
               <a:ext uri="{FF2B5EF4-FFF2-40B4-BE49-F238E27FC236}">
-                <a16:creationId xmlns:a16="http://schemas.microsoft.com/office/drawing/2014/main" id="{74389C11-EAAF-4941-BFF5-B583EAEB6C28}"/>
+                <a16:creationId xmlns:a16="http://schemas.microsoft.com/office/drawing/2014/main" id="{8DB59467-18FE-43FE-A7CD-C188A0845810}"/>
               </a:ext>
             </a:extLst>
           </p:cNvPr>
@@ -8939,15 +9019,13 @@
         </p:nvSpPr>
         <p:spPr>
           <a:xfrm>
-            <a:off x="5029200" y="3244334"/>
-            <a:ext cx="1924050" cy="369332"/>
+            <a:off x="3810000" y="645990"/>
+            <a:ext cx="5334000" cy="461665"/>
           </a:xfrm>
           <a:prstGeom prst="rect">
             <a:avLst/>
           </a:prstGeom>
-          <a:solidFill>
-            <a:srgbClr val="404040"/>
-          </a:solidFill>
+          <a:noFill/>
         </p:spPr>
         <p:txBody>
           <a:bodyPr wrap="square" rtlCol="0">
@@ -8955,86 +9033,18 @@
           </a:bodyPr>
           <a:lstStyle/>
           <a:p>
-            <a:r>
-              <a:rPr lang="en-US" sz="1800" dirty="0">
-                <a:solidFill>
-                  <a:schemeClr val="bg1"/>
-                </a:solidFill>
-              </a:rPr>
-              <a:t>library(</a:t>
-            </a:r>
-            <a:r>
-              <a:rPr lang="en-US" sz="1800" dirty="0" err="1">
-                <a:solidFill>
-                  <a:schemeClr val="bg1"/>
-                </a:solidFill>
-              </a:rPr>
-              <a:t>modelr</a:t>
-            </a:r>
-            <a:r>
-              <a:rPr lang="en-US" sz="1800" dirty="0">
-                <a:solidFill>
-                  <a:schemeClr val="bg1"/>
-                </a:solidFill>
-              </a:rPr>
-              <a:t>)</a:t>
-            </a:r>
-          </a:p>
-        </p:txBody>
-      </p:sp>
-      <p:sp>
-        <p:nvSpPr>
-          <p:cNvPr id="10" name="TextBox 9">
-            <a:extLst>
-              <a:ext uri="{FF2B5EF4-FFF2-40B4-BE49-F238E27FC236}">
-                <a16:creationId xmlns:a16="http://schemas.microsoft.com/office/drawing/2014/main" id="{3CF73EA1-D416-41FA-9CB2-03023BB51D5E}"/>
-              </a:ext>
-            </a:extLst>
-          </p:cNvPr>
-          <p:cNvSpPr txBox="1"/>
-          <p:nvPr/>
-        </p:nvSpPr>
-        <p:spPr>
-          <a:xfrm>
-            <a:off x="5029200" y="3921856"/>
-            <a:ext cx="1924050" cy="369332"/>
-          </a:xfrm>
-          <a:prstGeom prst="rect">
-            <a:avLst/>
-          </a:prstGeom>
-          <a:solidFill>
-            <a:srgbClr val="404040"/>
-          </a:solidFill>
-        </p:spPr>
-        <p:txBody>
-          <a:bodyPr wrap="square" rtlCol="0">
-            <a:spAutoFit/>
-          </a:bodyPr>
-          <a:lstStyle/>
-          <a:p>
-            <a:r>
-              <a:rPr lang="en-US" sz="1800" dirty="0">
-                <a:solidFill>
-                  <a:schemeClr val="bg1"/>
-                </a:solidFill>
-              </a:rPr>
-              <a:t>library(</a:t>
-            </a:r>
-            <a:r>
-              <a:rPr lang="en-US" sz="1800" dirty="0" err="1">
-                <a:solidFill>
-                  <a:schemeClr val="bg1"/>
-                </a:solidFill>
-              </a:rPr>
-              <a:t>xtable</a:t>
-            </a:r>
-            <a:r>
-              <a:rPr lang="en-US" sz="1800" dirty="0">
-                <a:solidFill>
-                  <a:schemeClr val="bg1"/>
-                </a:solidFill>
-              </a:rPr>
-              <a:t>)</a:t>
+            <a:pPr marL="342900" indent="-342900">
+              <a:buFont typeface="Arial" panose="020B0604020202020204" pitchFamily="34" charset="0"/>
+              <a:buChar char="•"/>
+              <a:defRPr/>
+            </a:pPr>
+            <a:r>
+              <a:rPr lang="en-US" dirty="0">
+                <a:solidFill>
+                  <a:srgbClr val="404040"/>
+                </a:solidFill>
+              </a:rPr>
+              <a:t>Chunk 4 (Continued)</a:t>
             </a:r>
           </a:p>
         </p:txBody>
@@ -9045,7 +9055,7 @@
     </p:custDataLst>
     <p:extLst>
       <p:ext uri="{BB962C8B-B14F-4D97-AF65-F5344CB8AC3E}">
-        <p14:creationId xmlns:p14="http://schemas.microsoft.com/office/powerpoint/2010/main" val="2056469305"/>
+        <p14:creationId xmlns:p14="http://schemas.microsoft.com/office/powerpoint/2010/main" val="4216312234"/>
       </p:ext>
     </p:extLst>
   </p:cSld>
@@ -9055,7 +9065,7 @@
 </p:sld>
 </file>
 
-<file path=ppt/slides/slide3.xml><?xml version="1.0" encoding="utf-8"?>
+<file path=ppt/slides/slide11.xml><?xml version="1.0" encoding="utf-8"?>
 <p:sld xmlns:a="http://schemas.openxmlformats.org/drawingml/2006/main" xmlns:r="http://schemas.openxmlformats.org/officeDocument/2006/relationships" xmlns:p="http://schemas.openxmlformats.org/presentationml/2006/main">
   <p:cSld>
     <p:bg>
@@ -9213,8 +9223,6 @@
                 <a:solidFill>
                   <a:schemeClr val="bg1"/>
                 </a:solidFill>
-                <a:ea typeface="+mj-ea"/>
-                <a:cs typeface="+mj-cs"/>
               </a:rPr>
               <a:t>Part 1: </a:t>
             </a:r>
@@ -9223,8 +9231,6 @@
                 <a:solidFill>
                   <a:schemeClr val="bg1"/>
                 </a:solidFill>
-                <a:ea typeface="+mj-ea"/>
-                <a:cs typeface="+mj-cs"/>
               </a:rPr>
             </a:br>
             <a:r>
@@ -9232,10 +9238,23 @@
                 <a:solidFill>
                   <a:schemeClr val="bg1"/>
                 </a:solidFill>
-                <a:ea typeface="+mj-ea"/>
-                <a:cs typeface="+mj-cs"/>
-              </a:rPr>
-              <a:t>Cross Validation</a:t>
+              </a:rPr>
+              <a:t>Cross Validation </a:t>
+            </a:r>
+            <a:br>
+              <a:rPr lang="en-US" sz="2400" dirty="0">
+                <a:solidFill>
+                  <a:schemeClr val="bg1"/>
+                </a:solidFill>
+              </a:rPr>
+            </a:br>
+            <a:r>
+              <a:rPr lang="en-US" sz="2400" dirty="0">
+                <a:solidFill>
+                  <a:schemeClr val="bg1"/>
+                </a:solidFill>
+              </a:rPr>
+              <a:t>by Location</a:t>
             </a:r>
             <a:endParaRPr lang="en-US" sz="2400" kern="1200" dirty="0">
               <a:solidFill>
@@ -9280,10 +9299,10 @@
       </p:pic>
       <p:sp>
         <p:nvSpPr>
-          <p:cNvPr id="10" name="TextBox 9">
+          <p:cNvPr id="6" name="TextBox 5">
             <a:extLst>
               <a:ext uri="{FF2B5EF4-FFF2-40B4-BE49-F238E27FC236}">
-                <a16:creationId xmlns:a16="http://schemas.microsoft.com/office/drawing/2014/main" id="{65722F6D-DA0E-4285-A21D-ABAAFCB59AC0}"/>
+                <a16:creationId xmlns:a16="http://schemas.microsoft.com/office/drawing/2014/main" id="{8DB59467-18FE-43FE-A7CD-C188A0845810}"/>
               </a:ext>
             </a:extLst>
           </p:cNvPr>
@@ -9292,7 +9311,7 @@
         </p:nvSpPr>
         <p:spPr>
           <a:xfrm>
-            <a:off x="3810000" y="643467"/>
+            <a:off x="3810000" y="645990"/>
             <a:ext cx="5334000" cy="6001643"/>
           </a:xfrm>
           <a:prstGeom prst="rect">
@@ -9317,11 +9336,13 @@
                   <a:srgbClr val="404040"/>
                 </a:solidFill>
               </a:rPr>
-              <a:t>Previously</a:t>
-            </a:r>
-          </a:p>
-          <a:p>
-            <a:pPr>
+              <a:t>Chunk 5</a:t>
+            </a:r>
+          </a:p>
+          <a:p>
+            <a:pPr marL="342900" indent="-342900">
+              <a:buFont typeface="Arial" panose="020B0604020202020204" pitchFamily="34" charset="0"/>
+              <a:buChar char="•"/>
               <a:defRPr/>
             </a:pPr>
             <a:endParaRPr lang="en-US" dirty="0">
@@ -9342,7 +9363,7 @@
                   <a:srgbClr val="404040"/>
                 </a:solidFill>
               </a:rPr>
-              <a:t>Split Data in Train and Test</a:t>
+              <a:t>In Our Data, We Have:</a:t>
             </a:r>
           </a:p>
           <a:p>
@@ -9357,7 +9378,7 @@
                   <a:srgbClr val="404040"/>
                 </a:solidFill>
               </a:rPr>
-              <a:t>Train (28 Rivers)</a:t>
+              <a:t>Actual Water Temperatures</a:t>
             </a:r>
           </a:p>
           <a:p>
@@ -9372,120 +9393,127 @@
                   <a:srgbClr val="404040"/>
                 </a:solidFill>
               </a:rPr>
-              <a:t>Test (3 Rivers)</a:t>
-            </a:r>
-          </a:p>
-          <a:p>
-            <a:pPr lvl="2">
-              <a:defRPr/>
-            </a:pPr>
+              <a:t>Out-of-Sample Predicted Water Temperatures</a:t>
+            </a:r>
+          </a:p>
+          <a:p>
+            <a:pPr marL="800100" lvl="1" indent="-342900">
+              <a:buFont typeface="Arial" panose="020B0604020202020204" pitchFamily="34" charset="0"/>
+              <a:buChar char="•"/>
+              <a:defRPr/>
+            </a:pPr>
+            <a:r>
+              <a:rPr lang="en-US" dirty="0">
+                <a:solidFill>
+                  <a:srgbClr val="404040"/>
+                </a:solidFill>
+              </a:rPr>
+              <a:t>Create </a:t>
+            </a:r>
+            <a:r>
+              <a:rPr lang="en-US" dirty="0" err="1">
+                <a:solidFill>
+                  <a:srgbClr val="404040"/>
+                </a:solidFill>
+              </a:rPr>
+              <a:t>RMSE.func</a:t>
+            </a:r>
+            <a:r>
+              <a:rPr lang="en-US" dirty="0">
+                <a:solidFill>
+                  <a:srgbClr val="404040"/>
+                </a:solidFill>
+              </a:rPr>
+              <a:t>() With Two Arguments </a:t>
+            </a:r>
+          </a:p>
+          <a:p>
+            <a:pPr marL="1257300" lvl="2" indent="-342900">
+              <a:buFont typeface="Arial" panose="020B0604020202020204" pitchFamily="34" charset="0"/>
+              <a:buChar char="•"/>
+              <a:defRPr/>
+            </a:pPr>
+            <a:r>
+              <a:rPr lang="en-US" dirty="0">
+                <a:solidFill>
+                  <a:srgbClr val="404040"/>
+                </a:solidFill>
+              </a:rPr>
+              <a:t>actual= vector of actual water temperatures</a:t>
+            </a:r>
+          </a:p>
+          <a:p>
+            <a:pPr marL="1257300" lvl="2" indent="-342900">
+              <a:buFont typeface="Arial" panose="020B0604020202020204" pitchFamily="34" charset="0"/>
+              <a:buChar char="•"/>
+              <a:defRPr/>
+            </a:pPr>
+            <a:r>
+              <a:rPr lang="en-US" dirty="0">
+                <a:solidFill>
+                  <a:srgbClr val="404040"/>
+                </a:solidFill>
+              </a:rPr>
+              <a:t>predict=vector of predicted water temperatures</a:t>
+            </a:r>
+          </a:p>
+          <a:p>
+            <a:pPr marL="800100" lvl="1" indent="-342900">
+              <a:buFont typeface="Arial" panose="020B0604020202020204" pitchFamily="34" charset="0"/>
+              <a:buChar char="•"/>
+              <a:defRPr/>
+            </a:pPr>
+            <a:r>
+              <a:rPr lang="en-US" dirty="0">
+                <a:solidFill>
+                  <a:srgbClr val="404040"/>
+                </a:solidFill>
+              </a:rPr>
+              <a:t>Use This Function on the Two Columns in DATA2 for RMSE</a:t>
+            </a:r>
+          </a:p>
+          <a:p>
+            <a:pPr marL="1257300" lvl="2" indent="-342900">
+              <a:buFont typeface="Arial" panose="020B0604020202020204" pitchFamily="34" charset="0"/>
+              <a:buChar char="•"/>
+              <a:defRPr/>
+            </a:pPr>
+            <a:r>
+              <a:rPr lang="en-US" dirty="0">
+                <a:solidFill>
+                  <a:srgbClr val="404040"/>
+                </a:solidFill>
+              </a:rPr>
+              <a:t>actual=W</a:t>
+            </a:r>
+          </a:p>
+          <a:p>
+            <a:pPr marL="1257300" lvl="2" indent="-342900">
+              <a:buFont typeface="Arial" panose="020B0604020202020204" pitchFamily="34" charset="0"/>
+              <a:buChar char="•"/>
+              <a:defRPr/>
+            </a:pPr>
+            <a:r>
+              <a:rPr lang="en-US" dirty="0">
+                <a:solidFill>
+                  <a:srgbClr val="404040"/>
+                </a:solidFill>
+              </a:rPr>
+              <a:t>predict=</a:t>
+            </a:r>
+            <a:r>
+              <a:rPr lang="en-US" dirty="0" err="1">
+                <a:solidFill>
+                  <a:srgbClr val="404040"/>
+                </a:solidFill>
+              </a:rPr>
+              <a:t>linpred</a:t>
+            </a:r>
             <a:endParaRPr lang="en-US" dirty="0">
               <a:solidFill>
                 <a:srgbClr val="404040"/>
               </a:solidFill>
             </a:endParaRPr>
-          </a:p>
-          <a:p>
-            <a:pPr marL="800100" lvl="1" indent="-342900">
-              <a:buFont typeface="Arial" panose="020B0604020202020204" pitchFamily="34" charset="0"/>
-              <a:buChar char="•"/>
-              <a:defRPr/>
-            </a:pPr>
-            <a:r>
-              <a:rPr lang="en-US" dirty="0">
-                <a:solidFill>
-                  <a:srgbClr val="404040"/>
-                </a:solidFill>
-              </a:rPr>
-              <a:t>Purpose </a:t>
-            </a:r>
-          </a:p>
-          <a:p>
-            <a:pPr marL="1257300" lvl="2" indent="-342900">
-              <a:buFont typeface="Arial" panose="020B0604020202020204" pitchFamily="34" charset="0"/>
-              <a:buChar char="•"/>
-              <a:defRPr/>
-            </a:pPr>
-            <a:r>
-              <a:rPr lang="en-US" dirty="0">
-                <a:solidFill>
-                  <a:srgbClr val="404040"/>
-                </a:solidFill>
-              </a:rPr>
-              <a:t>Estimate Out-of-Sample Error</a:t>
-            </a:r>
-          </a:p>
-          <a:p>
-            <a:pPr marL="1257300" lvl="2" indent="-342900">
-              <a:buFont typeface="Arial" panose="020B0604020202020204" pitchFamily="34" charset="0"/>
-              <a:buChar char="•"/>
-              <a:defRPr/>
-            </a:pPr>
-            <a:r>
-              <a:rPr lang="en-US" dirty="0">
-                <a:solidFill>
-                  <a:srgbClr val="404040"/>
-                </a:solidFill>
-              </a:rPr>
-              <a:t>Pick Best Model Based on This Estimate</a:t>
-            </a:r>
-          </a:p>
-          <a:p>
-            <a:pPr marL="1257300" lvl="2" indent="-342900">
-              <a:buFont typeface="Arial" panose="020B0604020202020204" pitchFamily="34" charset="0"/>
-              <a:buChar char="•"/>
-              <a:defRPr/>
-            </a:pPr>
-            <a:r>
-              <a:rPr lang="en-US" dirty="0">
-                <a:solidFill>
-                  <a:srgbClr val="404040"/>
-                </a:solidFill>
-              </a:rPr>
-              <a:t>Combat Overfitting</a:t>
-            </a:r>
-          </a:p>
-          <a:p>
-            <a:pPr marL="1257300" lvl="2" indent="-342900">
-              <a:buFont typeface="Arial" panose="020B0604020202020204" pitchFamily="34" charset="0"/>
-              <a:buChar char="•"/>
-              <a:defRPr/>
-            </a:pPr>
-            <a:r>
-              <a:rPr lang="en-US" dirty="0">
-                <a:solidFill>
-                  <a:srgbClr val="404040"/>
-                </a:solidFill>
-              </a:rPr>
-              <a:t>Robustification</a:t>
-            </a:r>
-          </a:p>
-          <a:p>
-            <a:pPr marL="800100" lvl="1" indent="-342900">
-              <a:buFont typeface="Arial" panose="020B0604020202020204" pitchFamily="34" charset="0"/>
-              <a:buChar char="•"/>
-              <a:defRPr/>
-            </a:pPr>
-            <a:endParaRPr lang="en-US" dirty="0">
-              <a:solidFill>
-                <a:srgbClr val="404040"/>
-              </a:solidFill>
-            </a:endParaRPr>
-          </a:p>
-          <a:p>
-            <a:pPr marL="800100" lvl="1" indent="-342900">
-              <a:buFont typeface="Arial" panose="020B0604020202020204" pitchFamily="34" charset="0"/>
-              <a:buChar char="•"/>
-              <a:defRPr/>
-            </a:pPr>
-            <a:r>
-              <a:rPr lang="en-US" dirty="0">
-                <a:solidFill>
-                  <a:srgbClr val="404040"/>
-                </a:solidFill>
-              </a:rPr>
-              <a:t>Goal: Find the Simplest Model that Adequately Predicts</a:t>
-            </a:r>
           </a:p>
         </p:txBody>
       </p:sp>
@@ -9495,7 +9523,7 @@
     </p:custDataLst>
     <p:extLst>
       <p:ext uri="{BB962C8B-B14F-4D97-AF65-F5344CB8AC3E}">
-        <p14:creationId xmlns:p14="http://schemas.microsoft.com/office/powerpoint/2010/main" val="4120720136"/>
+        <p14:creationId xmlns:p14="http://schemas.microsoft.com/office/powerpoint/2010/main" val="1254781803"/>
       </p:ext>
     </p:extLst>
   </p:cSld>
@@ -9505,7 +9533,7 @@
 </p:sld>
 </file>
 
-<file path=ppt/slides/slide4.xml><?xml version="1.0" encoding="utf-8"?>
+<file path=ppt/slides/slide12.xml><?xml version="1.0" encoding="utf-8"?>
 <p:sld xmlns:a="http://schemas.openxmlformats.org/drawingml/2006/main" xmlns:r="http://schemas.openxmlformats.org/officeDocument/2006/relationships" xmlns:p="http://schemas.openxmlformats.org/presentationml/2006/main">
   <p:cSld>
     <p:bg>
@@ -9663,8 +9691,6 @@
                 <a:solidFill>
                   <a:schemeClr val="bg1"/>
                 </a:solidFill>
-                <a:ea typeface="+mj-ea"/>
-                <a:cs typeface="+mj-cs"/>
               </a:rPr>
               <a:t>Part 1: </a:t>
             </a:r>
@@ -9673,8 +9699,6 @@
                 <a:solidFill>
                   <a:schemeClr val="bg1"/>
                 </a:solidFill>
-                <a:ea typeface="+mj-ea"/>
-                <a:cs typeface="+mj-cs"/>
               </a:rPr>
             </a:br>
             <a:r>
@@ -9682,10 +9706,23 @@
                 <a:solidFill>
                   <a:schemeClr val="bg1"/>
                 </a:solidFill>
-                <a:ea typeface="+mj-ea"/>
-                <a:cs typeface="+mj-cs"/>
-              </a:rPr>
-              <a:t>Cross Validation</a:t>
+              </a:rPr>
+              <a:t>Cross Validation </a:t>
+            </a:r>
+            <a:br>
+              <a:rPr lang="en-US" sz="2400" dirty="0">
+                <a:solidFill>
+                  <a:schemeClr val="bg1"/>
+                </a:solidFill>
+              </a:rPr>
+            </a:br>
+            <a:r>
+              <a:rPr lang="en-US" sz="2400" dirty="0">
+                <a:solidFill>
+                  <a:schemeClr val="bg1"/>
+                </a:solidFill>
+              </a:rPr>
+              <a:t>by Location</a:t>
             </a:r>
             <a:endParaRPr lang="en-US" sz="2400" kern="1200" dirty="0">
               <a:solidFill>
@@ -9730,10 +9767,10 @@
       </p:pic>
       <p:sp>
         <p:nvSpPr>
-          <p:cNvPr id="10" name="TextBox 9">
+          <p:cNvPr id="6" name="TextBox 5">
             <a:extLst>
               <a:ext uri="{FF2B5EF4-FFF2-40B4-BE49-F238E27FC236}">
-                <a16:creationId xmlns:a16="http://schemas.microsoft.com/office/drawing/2014/main" id="{65722F6D-DA0E-4285-A21D-ABAAFCB59AC0}"/>
+                <a16:creationId xmlns:a16="http://schemas.microsoft.com/office/drawing/2014/main" id="{8DB59467-18FE-43FE-A7CD-C188A0845810}"/>
               </a:ext>
             </a:extLst>
           </p:cNvPr>
@@ -9742,8 +9779,8 @@
         </p:nvSpPr>
         <p:spPr>
           <a:xfrm>
-            <a:off x="3810000" y="643467"/>
-            <a:ext cx="5334000" cy="5632311"/>
+            <a:off x="3810000" y="645990"/>
+            <a:ext cx="5334000" cy="461665"/>
           </a:xfrm>
           <a:prstGeom prst="rect">
             <a:avLst/>
@@ -9767,161 +9804,235 @@
                   <a:srgbClr val="404040"/>
                 </a:solidFill>
               </a:rPr>
-              <a:t>Current Issues</a:t>
-            </a:r>
-          </a:p>
+              <a:t>Chunk 5 (Continued)</a:t>
+            </a:r>
+          </a:p>
+        </p:txBody>
+      </p:sp>
+      <p:sp>
+        <p:nvSpPr>
+          <p:cNvPr id="7" name="TextBox 6">
+            <a:extLst>
+              <a:ext uri="{FF2B5EF4-FFF2-40B4-BE49-F238E27FC236}">
+                <a16:creationId xmlns:a16="http://schemas.microsoft.com/office/drawing/2014/main" id="{071B558A-0987-4683-BE55-586144992045}"/>
+              </a:ext>
+            </a:extLst>
+          </p:cNvPr>
+          <p:cNvSpPr txBox="1"/>
+          <p:nvPr/>
+        </p:nvSpPr>
+        <p:spPr>
+          <a:xfrm>
+            <a:off x="3979882" y="1136419"/>
+            <a:ext cx="4343400" cy="2308324"/>
+          </a:xfrm>
+          <a:prstGeom prst="rect">
+            <a:avLst/>
+          </a:prstGeom>
+          <a:solidFill>
+            <a:srgbClr val="404040"/>
+          </a:solidFill>
+        </p:spPr>
+        <p:txBody>
+          <a:bodyPr wrap="square" rtlCol="0">
+            <a:spAutoFit/>
+          </a:bodyPr>
+          <a:lstStyle/>
           <a:p>
             <a:pPr>
               <a:defRPr/>
             </a:pPr>
-            <a:endParaRPr lang="en-US" dirty="0">
+            <a:r>
+              <a:rPr lang="en-US" sz="1800" dirty="0" err="1">
+                <a:solidFill>
+                  <a:schemeClr val="bg1"/>
+                </a:solidFill>
+              </a:rPr>
+              <a:t>RMSE.func</a:t>
+            </a:r>
+            <a:r>
+              <a:rPr lang="en-US" sz="1800" dirty="0">
+                <a:solidFill>
+                  <a:schemeClr val="bg1"/>
+                </a:solidFill>
+              </a:rPr>
+              <a:t> = function(</a:t>
+            </a:r>
+            <a:r>
+              <a:rPr lang="en-US" sz="1800" dirty="0" err="1">
+                <a:solidFill>
+                  <a:schemeClr val="bg1"/>
+                </a:solidFill>
+              </a:rPr>
+              <a:t>actual,predict</a:t>
+            </a:r>
+            <a:r>
+              <a:rPr lang="en-US" sz="1800" dirty="0">
+                <a:solidFill>
+                  <a:schemeClr val="bg1"/>
+                </a:solidFill>
+              </a:rPr>
+              <a:t>){</a:t>
+            </a:r>
+          </a:p>
+          <a:p>
+            <a:pPr>
+              <a:defRPr/>
+            </a:pPr>
+            <a:r>
+              <a:rPr lang="en-US" sz="1800" dirty="0">
+                <a:solidFill>
+                  <a:schemeClr val="bg1"/>
+                </a:solidFill>
+              </a:rPr>
+              <a:t>  </a:t>
+            </a:r>
+            <a:r>
+              <a:rPr lang="en-US" sz="1800" dirty="0" err="1">
+                <a:solidFill>
+                  <a:schemeClr val="bg1"/>
+                </a:solidFill>
+              </a:rPr>
+              <a:t>mse</a:t>
+            </a:r>
+            <a:r>
+              <a:rPr lang="en-US" sz="1800" dirty="0">
+                <a:solidFill>
+                  <a:schemeClr val="bg1"/>
+                </a:solidFill>
+              </a:rPr>
+              <a:t>=mean((actual-predict)^2,na.rm=T)</a:t>
+            </a:r>
+          </a:p>
+          <a:p>
+            <a:pPr>
+              <a:defRPr/>
+            </a:pPr>
+            <a:r>
+              <a:rPr lang="en-US" sz="1800" dirty="0">
+                <a:solidFill>
+                  <a:schemeClr val="bg1"/>
+                </a:solidFill>
+              </a:rPr>
+              <a:t>  </a:t>
+            </a:r>
+            <a:r>
+              <a:rPr lang="en-US" sz="1800" dirty="0" err="1">
+                <a:solidFill>
+                  <a:schemeClr val="bg1"/>
+                </a:solidFill>
+              </a:rPr>
+              <a:t>rmse</a:t>
+            </a:r>
+            <a:r>
+              <a:rPr lang="en-US" sz="1800" dirty="0">
+                <a:solidFill>
+                  <a:schemeClr val="bg1"/>
+                </a:solidFill>
+              </a:rPr>
+              <a:t>=sqrt(</a:t>
+            </a:r>
+            <a:r>
+              <a:rPr lang="en-US" sz="1800" dirty="0" err="1">
+                <a:solidFill>
+                  <a:schemeClr val="bg1"/>
+                </a:solidFill>
+              </a:rPr>
+              <a:t>mse</a:t>
+            </a:r>
+            <a:r>
+              <a:rPr lang="en-US" sz="1800" dirty="0">
+                <a:solidFill>
+                  <a:schemeClr val="bg1"/>
+                </a:solidFill>
+              </a:rPr>
+              <a:t>)</a:t>
+            </a:r>
+          </a:p>
+          <a:p>
+            <a:pPr>
+              <a:defRPr/>
+            </a:pPr>
+            <a:r>
+              <a:rPr lang="en-US" sz="1800" dirty="0">
+                <a:solidFill>
+                  <a:schemeClr val="bg1"/>
+                </a:solidFill>
+              </a:rPr>
+              <a:t>  return(</a:t>
+            </a:r>
+            <a:r>
+              <a:rPr lang="en-US" sz="1800" dirty="0" err="1">
+                <a:solidFill>
+                  <a:schemeClr val="bg1"/>
+                </a:solidFill>
+              </a:rPr>
+              <a:t>rmse</a:t>
+            </a:r>
+            <a:r>
+              <a:rPr lang="en-US" sz="1800" dirty="0">
+                <a:solidFill>
+                  <a:schemeClr val="bg1"/>
+                </a:solidFill>
+              </a:rPr>
+              <a:t>)</a:t>
+            </a:r>
+          </a:p>
+          <a:p>
+            <a:pPr>
+              <a:defRPr/>
+            </a:pPr>
+            <a:r>
+              <a:rPr lang="en-US" sz="1800" dirty="0">
+                <a:solidFill>
+                  <a:schemeClr val="bg1"/>
+                </a:solidFill>
+              </a:rPr>
+              <a:t>}</a:t>
+            </a:r>
+          </a:p>
+          <a:p>
+            <a:pPr>
+              <a:defRPr/>
+            </a:pPr>
+            <a:endParaRPr lang="en-US" sz="1800" dirty="0">
               <a:solidFill>
-                <a:srgbClr val="404040"/>
+                <a:schemeClr val="bg1"/>
               </a:solidFill>
             </a:endParaRPr>
           </a:p>
           <a:p>
-            <a:pPr marL="800100" lvl="1" indent="-342900">
-              <a:buFont typeface="Arial" panose="020B0604020202020204" pitchFamily="34" charset="0"/>
-              <a:buChar char="•"/>
-              <a:defRPr/>
-            </a:pPr>
-            <a:r>
-              <a:rPr lang="en-US" dirty="0">
-                <a:solidFill>
-                  <a:srgbClr val="404040"/>
-                </a:solidFill>
-              </a:rPr>
-              <a:t>Decision on Final Model Heavily Influenced by the Test Data</a:t>
-            </a:r>
-          </a:p>
-          <a:p>
-            <a:pPr marL="800100" lvl="1" indent="-342900">
-              <a:buFont typeface="Arial" panose="020B0604020202020204" pitchFamily="34" charset="0"/>
-              <a:buChar char="•"/>
-              <a:defRPr/>
-            </a:pPr>
-            <a:r>
-              <a:rPr lang="en-US" dirty="0">
-                <a:solidFill>
-                  <a:srgbClr val="404040"/>
-                </a:solidFill>
-              </a:rPr>
-              <a:t>Loss of Data in Model Fitting</a:t>
-            </a:r>
-          </a:p>
-          <a:p>
-            <a:pPr marL="800100" lvl="1" indent="-342900">
-              <a:buFont typeface="Arial" panose="020B0604020202020204" pitchFamily="34" charset="0"/>
-              <a:buChar char="•"/>
-              <a:defRPr/>
-            </a:pPr>
-            <a:r>
-              <a:rPr lang="en-US" dirty="0">
-                <a:solidFill>
-                  <a:srgbClr val="404040"/>
-                </a:solidFill>
-              </a:rPr>
-              <a:t>Not Appropriate in Small Datasets</a:t>
-            </a:r>
-          </a:p>
-          <a:p>
-            <a:pPr marL="800100" lvl="1" indent="-342900">
-              <a:buFont typeface="Arial" panose="020B0604020202020204" pitchFamily="34" charset="0"/>
-              <a:buChar char="•"/>
-              <a:defRPr/>
-            </a:pPr>
-            <a:endParaRPr lang="en-US" dirty="0">
-              <a:solidFill>
-                <a:srgbClr val="404040"/>
-              </a:solidFill>
-            </a:endParaRPr>
-          </a:p>
-          <a:p>
-            <a:pPr marL="342900" indent="-342900">
-              <a:buFont typeface="Arial" panose="020B0604020202020204" pitchFamily="34" charset="0"/>
-              <a:buChar char="•"/>
-              <a:defRPr/>
-            </a:pPr>
-            <a:r>
-              <a:rPr lang="en-US" dirty="0">
-                <a:solidFill>
-                  <a:srgbClr val="404040"/>
-                </a:solidFill>
-              </a:rPr>
-              <a:t>Cross Validation Idea</a:t>
-            </a:r>
-          </a:p>
-          <a:p>
-            <a:pPr marL="342900" indent="-342900">
-              <a:buFont typeface="Arial" panose="020B0604020202020204" pitchFamily="34" charset="0"/>
-              <a:buChar char="•"/>
-              <a:defRPr/>
-            </a:pPr>
-            <a:endParaRPr lang="en-US" dirty="0">
-              <a:solidFill>
-                <a:srgbClr val="404040"/>
-              </a:solidFill>
-            </a:endParaRPr>
-          </a:p>
-          <a:p>
-            <a:pPr marL="800100" lvl="1" indent="-342900">
-              <a:buFont typeface="Arial" panose="020B0604020202020204" pitchFamily="34" charset="0"/>
-              <a:buChar char="•"/>
-              <a:defRPr/>
-            </a:pPr>
-            <a:r>
-              <a:rPr lang="en-US" dirty="0">
-                <a:solidFill>
-                  <a:srgbClr val="404040"/>
-                </a:solidFill>
-              </a:rPr>
-              <a:t>Split Data Into Many Groups</a:t>
-            </a:r>
-          </a:p>
-          <a:p>
-            <a:pPr marL="800100" lvl="1" indent="-342900">
-              <a:buFont typeface="Arial" panose="020B0604020202020204" pitchFamily="34" charset="0"/>
-              <a:buChar char="•"/>
-              <a:defRPr/>
-            </a:pPr>
-            <a:r>
-              <a:rPr lang="en-US" dirty="0">
-                <a:solidFill>
-                  <a:srgbClr val="404040"/>
-                </a:solidFill>
-              </a:rPr>
-              <a:t>Each Group Acts as a Test Set</a:t>
-            </a:r>
-          </a:p>
-          <a:p>
-            <a:pPr marL="800100" lvl="1" indent="-342900">
-              <a:buFont typeface="Arial" panose="020B0604020202020204" pitchFamily="34" charset="0"/>
-              <a:buChar char="•"/>
-              <a:defRPr/>
-            </a:pPr>
-            <a:r>
-              <a:rPr lang="en-US" dirty="0">
-                <a:solidFill>
-                  <a:srgbClr val="404040"/>
-                </a:solidFill>
-              </a:rPr>
-              <a:t>All Data is Used in Both Model Fitting and Model Testing</a:t>
-            </a:r>
-          </a:p>
-          <a:p>
-            <a:pPr marL="800100" lvl="1" indent="-342900">
-              <a:buFont typeface="Arial" panose="020B0604020202020204" pitchFamily="34" charset="0"/>
-              <a:buChar char="•"/>
-              <a:defRPr/>
-            </a:pPr>
-            <a:r>
-              <a:rPr lang="en-US" dirty="0">
-                <a:solidFill>
-                  <a:srgbClr val="404040"/>
-                </a:solidFill>
-              </a:rPr>
-              <a:t>Help: Chapter 5 (ISLR)</a:t>
+            <a:pPr>
+              <a:defRPr/>
+            </a:pPr>
+            <a:r>
+              <a:rPr lang="en-US" sz="1800" dirty="0" err="1">
+                <a:solidFill>
+                  <a:schemeClr val="bg1"/>
+                </a:solidFill>
+              </a:rPr>
+              <a:t>RMSE.func</a:t>
+            </a:r>
+            <a:r>
+              <a:rPr lang="en-US" sz="1800" dirty="0">
+                <a:solidFill>
+                  <a:schemeClr val="bg1"/>
+                </a:solidFill>
+              </a:rPr>
+              <a:t>(actual=DATA2$W,</a:t>
+            </a:r>
+          </a:p>
+          <a:p>
+            <a:pPr>
+              <a:defRPr/>
+            </a:pPr>
+            <a:r>
+              <a:rPr lang="en-US" sz="1800" dirty="0">
+                <a:solidFill>
+                  <a:schemeClr val="bg1"/>
+                </a:solidFill>
+              </a:rPr>
+              <a:t>		     predict=DATA2$linpred)</a:t>
             </a:r>
           </a:p>
         </p:txBody>
@@ -9932,7 +10043,7 @@
     </p:custDataLst>
     <p:extLst>
       <p:ext uri="{BB962C8B-B14F-4D97-AF65-F5344CB8AC3E}">
-        <p14:creationId xmlns:p14="http://schemas.microsoft.com/office/powerpoint/2010/main" val="1098244301"/>
+        <p14:creationId xmlns:p14="http://schemas.microsoft.com/office/powerpoint/2010/main" val="3558102009"/>
       </p:ext>
     </p:extLst>
   </p:cSld>
@@ -9942,7 +10053,7 @@
 </p:sld>
 </file>
 
-<file path=ppt/slides/slide5.xml><?xml version="1.0" encoding="utf-8"?>
+<file path=ppt/slides/slide13.xml><?xml version="1.0" encoding="utf-8"?>
 <p:sld xmlns:a="http://schemas.openxmlformats.org/drawingml/2006/main" xmlns:r="http://schemas.openxmlformats.org/officeDocument/2006/relationships" xmlns:p="http://schemas.openxmlformats.org/presentationml/2006/main">
   <p:cSld>
     <p:bg>
@@ -10103,26 +10214,7 @@
                 <a:ea typeface="+mj-ea"/>
                 <a:cs typeface="+mj-cs"/>
               </a:rPr>
-              <a:t>Part 1: </a:t>
-            </a:r>
-            <a:br>
-              <a:rPr lang="en-US" sz="2400" dirty="0">
-                <a:solidFill>
-                  <a:schemeClr val="bg1"/>
-                </a:solidFill>
-                <a:ea typeface="+mj-ea"/>
-                <a:cs typeface="+mj-cs"/>
-              </a:rPr>
-            </a:br>
-            <a:r>
-              <a:rPr lang="en-US" sz="2400" dirty="0">
-                <a:solidFill>
-                  <a:schemeClr val="bg1"/>
-                </a:solidFill>
-                <a:ea typeface="+mj-ea"/>
-                <a:cs typeface="+mj-cs"/>
-              </a:rPr>
-              <a:t>Cross Validation</a:t>
+              <a:t>Intermission</a:t>
             </a:r>
             <a:endParaRPr lang="en-US" sz="2400" kern="1200" dirty="0">
               <a:solidFill>
@@ -10167,10 +10259,10 @@
       </p:pic>
       <p:sp>
         <p:nvSpPr>
-          <p:cNvPr id="10" name="TextBox 9">
+          <p:cNvPr id="6" name="TextBox 5">
             <a:extLst>
               <a:ext uri="{FF2B5EF4-FFF2-40B4-BE49-F238E27FC236}">
-                <a16:creationId xmlns:a16="http://schemas.microsoft.com/office/drawing/2014/main" id="{65722F6D-DA0E-4285-A21D-ABAAFCB59AC0}"/>
+                <a16:creationId xmlns:a16="http://schemas.microsoft.com/office/drawing/2014/main" id="{8DB59467-18FE-43FE-A7CD-C188A0845810}"/>
               </a:ext>
             </a:extLst>
           </p:cNvPr>
@@ -10179,8 +10271,8 @@
         </p:nvSpPr>
         <p:spPr>
           <a:xfrm>
-            <a:off x="3810000" y="609600"/>
-            <a:ext cx="5334000" cy="6370975"/>
+            <a:off x="3810000" y="645990"/>
+            <a:ext cx="5334000" cy="6001643"/>
           </a:xfrm>
           <a:prstGeom prst="rect">
             <a:avLst/>
@@ -10199,26 +10291,16 @@
               <a:defRPr/>
             </a:pPr>
             <a:r>
-              <a:rPr lang="en-US" dirty="0" err="1">
+              <a:rPr lang="en-US" dirty="0">
                 <a:solidFill>
                   <a:srgbClr val="404040"/>
                 </a:solidFill>
               </a:rPr>
-              <a:t>Tidyverse</a:t>
-            </a:r>
-            <a:r>
-              <a:rPr lang="en-US" dirty="0">
-                <a:solidFill>
-                  <a:srgbClr val="404040"/>
-                </a:solidFill>
-              </a:rPr>
-              <a:t> Concepts</a:t>
-            </a:r>
-          </a:p>
-          <a:p>
-            <a:pPr marL="342900" indent="-342900">
-              <a:buFont typeface="Arial" panose="020B0604020202020204" pitchFamily="34" charset="0"/>
-              <a:buChar char="•"/>
+              <a:t>Current</a:t>
+            </a:r>
+          </a:p>
+          <a:p>
+            <a:pPr>
               <a:defRPr/>
             </a:pPr>
             <a:endParaRPr lang="en-US" dirty="0">
@@ -10239,11 +10321,43 @@
                   <a:srgbClr val="404040"/>
                 </a:solidFill>
               </a:rPr>
-              <a:t>Chapter 20 (R4DS)</a:t>
-            </a:r>
-          </a:p>
-          <a:p>
-            <a:pPr lvl="1">
+              <a:t>Using the Natural Grouping of Data for 31-Fold Cross Validation</a:t>
+            </a:r>
+          </a:p>
+          <a:p>
+            <a:pPr marL="800100" lvl="1" indent="-342900">
+              <a:buFont typeface="Arial" panose="020B0604020202020204" pitchFamily="34" charset="0"/>
+              <a:buChar char="•"/>
+              <a:defRPr/>
+            </a:pPr>
+            <a:r>
+              <a:rPr lang="en-US" dirty="0">
+                <a:solidFill>
+                  <a:srgbClr val="404040"/>
+                </a:solidFill>
+              </a:rPr>
+              <a:t>Only Fit One Linear Model</a:t>
+            </a:r>
+          </a:p>
+          <a:p>
+            <a:pPr marL="800100" lvl="1" indent="-342900">
+              <a:buFont typeface="Arial" panose="020B0604020202020204" pitchFamily="34" charset="0"/>
+              <a:buChar char="•"/>
+              <a:defRPr/>
+            </a:pPr>
+            <a:r>
+              <a:rPr lang="en-US" dirty="0">
+                <a:solidFill>
+                  <a:srgbClr val="404040"/>
+                </a:solidFill>
+              </a:rPr>
+              <a:t>Should Use Cross-Validation for Multiple Different Models and Compare Cross-Validated RMSE</a:t>
+            </a:r>
+          </a:p>
+          <a:p>
+            <a:pPr marL="800100" lvl="1" indent="-342900">
+              <a:buFont typeface="Arial" panose="020B0604020202020204" pitchFamily="34" charset="0"/>
+              <a:buChar char="•"/>
               <a:defRPr/>
             </a:pPr>
             <a:endParaRPr lang="en-US" dirty="0">
@@ -10253,7 +10367,7 @@
             </a:endParaRPr>
           </a:p>
           <a:p>
-            <a:pPr marL="800100" lvl="1" indent="-342900">
+            <a:pPr marL="342900" indent="-342900">
               <a:buFont typeface="Arial" panose="020B0604020202020204" pitchFamily="34" charset="0"/>
               <a:buChar char="•"/>
               <a:defRPr/>
@@ -10264,86 +10378,11 @@
                   <a:srgbClr val="404040"/>
                 </a:solidFill>
               </a:rPr>
-              <a:t>List-Columns</a:t>
-            </a:r>
-          </a:p>
-          <a:p>
-            <a:pPr marL="1257300" lvl="2" indent="-342900">
-              <a:buFont typeface="Arial" panose="020B0604020202020204" pitchFamily="34" charset="0"/>
-              <a:buChar char="•"/>
-              <a:defRPr/>
-            </a:pPr>
-            <a:r>
-              <a:rPr lang="en-US" dirty="0">
-                <a:solidFill>
-                  <a:srgbClr val="404040"/>
-                </a:solidFill>
-              </a:rPr>
-              <a:t>Columns in Data Frames or Tibbles Can Be Lists</a:t>
-            </a:r>
-          </a:p>
-          <a:p>
-            <a:pPr marL="1257300" lvl="2" indent="-342900">
-              <a:buFont typeface="Arial" panose="020B0604020202020204" pitchFamily="34" charset="0"/>
-              <a:buChar char="•"/>
-              <a:defRPr/>
-            </a:pPr>
-            <a:r>
-              <a:rPr lang="en-US" dirty="0">
-                <a:solidFill>
-                  <a:srgbClr val="404040"/>
-                </a:solidFill>
-              </a:rPr>
-              <a:t>What this Means</a:t>
-            </a:r>
-          </a:p>
-          <a:p>
-            <a:pPr marL="1714500" lvl="3" indent="-342900">
-              <a:buFont typeface="Arial" panose="020B0604020202020204" pitchFamily="34" charset="0"/>
-              <a:buChar char="•"/>
-              <a:defRPr/>
-            </a:pPr>
-            <a:r>
-              <a:rPr lang="en-US" dirty="0">
-                <a:solidFill>
-                  <a:srgbClr val="404040"/>
-                </a:solidFill>
-              </a:rPr>
-              <a:t>Column of Tables</a:t>
-            </a:r>
-          </a:p>
-          <a:p>
-            <a:pPr marL="1714500" lvl="3" indent="-342900">
-              <a:buFont typeface="Arial" panose="020B0604020202020204" pitchFamily="34" charset="0"/>
-              <a:buChar char="•"/>
-              <a:defRPr/>
-            </a:pPr>
-            <a:r>
-              <a:rPr lang="en-US" dirty="0">
-                <a:solidFill>
-                  <a:srgbClr val="404040"/>
-                </a:solidFill>
-              </a:rPr>
-              <a:t>Column of Models</a:t>
-            </a:r>
-          </a:p>
-          <a:p>
-            <a:pPr marL="1714500" lvl="3" indent="-342900">
-              <a:buFont typeface="Arial" panose="020B0604020202020204" pitchFamily="34" charset="0"/>
-              <a:buChar char="•"/>
-              <a:defRPr/>
-            </a:pPr>
-            <a:r>
-              <a:rPr lang="en-US" dirty="0">
-                <a:solidFill>
-                  <a:srgbClr val="404040"/>
-                </a:solidFill>
-              </a:rPr>
-              <a:t>Column of Functions</a:t>
-            </a:r>
-          </a:p>
-          <a:p>
-            <a:pPr lvl="3">
+              <a:t>Next</a:t>
+            </a:r>
+          </a:p>
+          <a:p>
+            <a:pPr>
               <a:defRPr/>
             </a:pPr>
             <a:endParaRPr lang="en-US" dirty="0">
@@ -10364,11 +10403,27 @@
                   <a:srgbClr val="404040"/>
                 </a:solidFill>
               </a:rPr>
-              <a:t>Functions</a:t>
-            </a:r>
-          </a:p>
-          <a:p>
-            <a:pPr marL="1257300" lvl="2" indent="-342900">
+              <a:t>Randomly Assign Observations to </a:t>
+            </a:r>
+            <a:r>
+              <a:rPr lang="en-US" i="1" dirty="0">
+                <a:solidFill>
+                  <a:srgbClr val="404040"/>
+                </a:solidFill>
+              </a:rPr>
+              <a:t>K</a:t>
+            </a:r>
+            <a:r>
+              <a:rPr lang="en-US" dirty="0">
+                <a:solidFill>
+                  <a:srgbClr val="404040"/>
+                </a:solidFill>
+              </a:rPr>
+              <a:t>-Folds</a:t>
+            </a:r>
+          </a:p>
+          <a:p>
+            <a:pPr marL="800100" lvl="1" indent="-342900">
               <a:buFont typeface="Arial" panose="020B0604020202020204" pitchFamily="34" charset="0"/>
               <a:buChar char="•"/>
               <a:defRPr/>
@@ -10379,22 +10434,15 @@
                   <a:srgbClr val="404040"/>
                 </a:solidFill>
               </a:rPr>
-              <a:t>nest(): Converts Rows of a Data Frame into a List</a:t>
-            </a:r>
-          </a:p>
-          <a:p>
-            <a:pPr marL="1257300" lvl="2" indent="-342900">
-              <a:buFont typeface="Arial" panose="020B0604020202020204" pitchFamily="34" charset="0"/>
-              <a:buChar char="•"/>
-              <a:defRPr/>
-            </a:pPr>
+              <a:t>Helpful Function: </a:t>
+            </a:r>
             <a:r>
               <a:rPr lang="en-US" dirty="0" err="1">
                 <a:solidFill>
                   <a:srgbClr val="404040"/>
                 </a:solidFill>
               </a:rPr>
-              <a:t>unnest</a:t>
+              <a:t>cross_kfold</a:t>
             </a:r>
             <a:r>
               <a:rPr lang="en-US" dirty="0">
@@ -10402,7 +10450,23 @@
                   <a:srgbClr val="404040"/>
                 </a:solidFill>
               </a:rPr>
-              <a:t>(): What do You Think It Does?</a:t>
+              <a:t>(</a:t>
+            </a:r>
+            <a:r>
+              <a:rPr lang="en-US" i="1" dirty="0">
+                <a:solidFill>
+                  <a:srgbClr val="404040"/>
+                </a:solidFill>
+              </a:rPr>
+              <a:t>k</a:t>
+            </a:r>
+            <a:r>
+              <a:rPr lang="en-US" dirty="0">
+                <a:solidFill>
+                  <a:srgbClr val="404040"/>
+                </a:solidFill>
+              </a:rPr>
+              <a:t>)</a:t>
             </a:r>
           </a:p>
         </p:txBody>
@@ -10413,7 +10477,7 @@
     </p:custDataLst>
     <p:extLst>
       <p:ext uri="{BB962C8B-B14F-4D97-AF65-F5344CB8AC3E}">
-        <p14:creationId xmlns:p14="http://schemas.microsoft.com/office/powerpoint/2010/main" val="4289584945"/>
+        <p14:creationId xmlns:p14="http://schemas.microsoft.com/office/powerpoint/2010/main" val="1995340771"/>
       </p:ext>
     </p:extLst>
   </p:cSld>
@@ -10423,7 +10487,7 @@
 </p:sld>
 </file>
 
-<file path=ppt/slides/slide6.xml><?xml version="1.0" encoding="utf-8"?>
+<file path=ppt/slides/slide14.xml><?xml version="1.0" encoding="utf-8"?>
 <p:sld xmlns:a="http://schemas.openxmlformats.org/drawingml/2006/main" xmlns:r="http://schemas.openxmlformats.org/officeDocument/2006/relationships" xmlns:p="http://schemas.openxmlformats.org/presentationml/2006/main">
   <p:cSld>
     <p:bg>
@@ -10603,246 +10667,7 @@
                 <a:ea typeface="+mj-ea"/>
                 <a:cs typeface="+mj-cs"/>
               </a:rPr>
-              <a:t>Cross Validation</a:t>
-            </a:r>
-            <a:endParaRPr lang="en-US" sz="2400" kern="1200" dirty="0">
-              <a:solidFill>
-                <a:schemeClr val="bg1"/>
-              </a:solidFill>
-              <a:latin typeface="+mj-lt"/>
-              <a:ea typeface="+mj-ea"/>
-              <a:cs typeface="+mj-cs"/>
-            </a:endParaRPr>
-          </a:p>
-        </p:txBody>
-      </p:sp>
-      <p:pic>
-        <p:nvPicPr>
-          <p:cNvPr id="8" name="Picture 7">
-            <a:extLst>
-              <a:ext uri="{FF2B5EF4-FFF2-40B4-BE49-F238E27FC236}">
-                <a16:creationId xmlns:a16="http://schemas.microsoft.com/office/drawing/2014/main" id="{521D4292-9ECC-4DA5-8CC0-C561A0DA118E}"/>
-              </a:ext>
-            </a:extLst>
-          </p:cNvPr>
-          <p:cNvPicPr>
-            <a:picLocks noChangeAspect="1"/>
-          </p:cNvPicPr>
-          <p:nvPr/>
-        </p:nvPicPr>
-        <p:blipFill rotWithShape="1">
-          <a:blip r:embed="rId3"/>
-          <a:srcRect l="8000" r="9400"/>
-          <a:stretch/>
-        </p:blipFill>
-        <p:spPr>
-          <a:xfrm>
-            <a:off x="660103" y="3048000"/>
-            <a:ext cx="2167974" cy="2624666"/>
-          </a:xfrm>
-          <a:prstGeom prst="rect">
-            <a:avLst/>
-          </a:prstGeom>
-          <a:noFill/>
-        </p:spPr>
-      </p:pic>
-    </p:spTree>
-    <p:custDataLst>
-      <p:tags r:id="rId1"/>
-    </p:custDataLst>
-    <p:extLst>
-      <p:ext uri="{BB962C8B-B14F-4D97-AF65-F5344CB8AC3E}">
-        <p14:creationId xmlns:p14="http://schemas.microsoft.com/office/powerpoint/2010/main" val="1434863494"/>
-      </p:ext>
-    </p:extLst>
-  </p:cSld>
-  <p:clrMapOvr>
-    <a:masterClrMapping/>
-  </p:clrMapOvr>
-</p:sld>
-</file>
-
-<file path=ppt/slides/slide7.xml><?xml version="1.0" encoding="utf-8"?>
-<p:sld xmlns:a="http://schemas.openxmlformats.org/drawingml/2006/main" xmlns:r="http://schemas.openxmlformats.org/officeDocument/2006/relationships" xmlns:p="http://schemas.openxmlformats.org/presentationml/2006/main">
-  <p:cSld>
-    <p:bg>
-      <p:bgPr>
-        <a:solidFill>
-          <a:schemeClr val="bg1">
-            <a:lumMod val="85000"/>
-          </a:schemeClr>
-        </a:solidFill>
-        <a:effectLst/>
-      </p:bgPr>
-    </p:bg>
-    <p:spTree>
-      <p:nvGrpSpPr>
-        <p:cNvPr id="1" name=""/>
-        <p:cNvGrpSpPr/>
-        <p:nvPr/>
-      </p:nvGrpSpPr>
-      <p:grpSpPr>
-        <a:xfrm>
-          <a:off x="0" y="0"/>
-          <a:ext cx="0" cy="0"/>
-          <a:chOff x="0" y="0"/>
-          <a:chExt cx="0" cy="0"/>
-        </a:xfrm>
-      </p:grpSpPr>
-      <p:sp>
-        <p:nvSpPr>
-          <p:cNvPr id="15" name="Rectangle 12">
-            <a:extLst>
-              <a:ext uri="{FF2B5EF4-FFF2-40B4-BE49-F238E27FC236}">
-                <a16:creationId xmlns:a16="http://schemas.microsoft.com/office/drawing/2014/main" id="{867D4867-5BA7-4462-B2F6-A23F4A622AA7}"/>
-              </a:ext>
-              <a:ext uri="{C183D7F6-B498-43B3-948B-1728B52AA6E4}">
-                <adec:decorative xmlns:adec="http://schemas.microsoft.com/office/drawing/2017/decorative" val="1"/>
-              </a:ext>
-            </a:extLst>
-          </p:cNvPr>
-          <p:cNvSpPr>
-            <a:spLocks noGrp="1" noRot="1" noChangeAspect="1" noMove="1" noResize="1" noEditPoints="1" noAdjustHandles="1" noChangeArrowheads="1" noChangeShapeType="1" noTextEdit="1"/>
-          </p:cNvSpPr>
-          <p:nvPr>
-            <p:extLst>
-              <p:ext uri="{386F3935-93C4-4BCD-93E2-E3B085C9AB24}">
-                <p16:designElem xmlns:p16="http://schemas.microsoft.com/office/powerpoint/2015/main" val="1"/>
-              </p:ext>
-            </p:extLst>
-          </p:nvPr>
-        </p:nvSpPr>
-        <p:spPr>
-          <a:xfrm>
-            <a:off x="0" y="0"/>
-            <a:ext cx="3490722" cy="6858000"/>
-          </a:xfrm>
-          <a:prstGeom prst="rect">
-            <a:avLst/>
-          </a:prstGeom>
-          <a:solidFill>
-            <a:schemeClr val="tx1">
-              <a:lumMod val="75000"/>
-              <a:lumOff val="25000"/>
-            </a:schemeClr>
-          </a:solidFill>
-          <a:ln>
-            <a:noFill/>
-          </a:ln>
-        </p:spPr>
-        <p:style>
-          <a:lnRef idx="0">
-            <a:scrgbClr r="0" g="0" b="0"/>
-          </a:lnRef>
-          <a:fillRef idx="0">
-            <a:scrgbClr r="0" g="0" b="0"/>
-          </a:fillRef>
-          <a:effectRef idx="0">
-            <a:scrgbClr r="0" g="0" b="0"/>
-          </a:effectRef>
-          <a:fontRef idx="minor">
-            <a:schemeClr val="lt1"/>
-          </a:fontRef>
-        </p:style>
-        <p:txBody>
-          <a:bodyPr rtlCol="0" anchor="ctr"/>
-          <a:lstStyle/>
-          <a:p>
-            <a:pPr marL="0" marR="0" lvl="0" indent="0" algn="ctr" defTabSz="457200" rtl="0" eaLnBrk="1" fontAlgn="base" latinLnBrk="0" hangingPunct="1">
-              <a:lnSpc>
-                <a:spcPct val="100000"/>
-              </a:lnSpc>
-              <a:spcBef>
-                <a:spcPct val="0"/>
-              </a:spcBef>
-              <a:spcAft>
-                <a:spcPct val="0"/>
-              </a:spcAft>
-              <a:buClrTx/>
-              <a:buSzTx/>
-              <a:buFontTx/>
-              <a:buNone/>
-              <a:tabLst/>
-              <a:defRPr/>
-            </a:pPr>
-            <a:endParaRPr kumimoji="0" lang="en-US" sz="2400" b="0" i="0" u="none" strike="noStrike" kern="1200" cap="none" spc="0" normalizeH="0" baseline="0" noProof="0">
-              <a:ln>
-                <a:noFill/>
-              </a:ln>
-              <a:solidFill>
-                <a:prstClr val="white"/>
-              </a:solidFill>
-              <a:effectLst/>
-              <a:uLnTx/>
-              <a:uFillTx/>
-              <a:latin typeface="Calibri"/>
-              <a:ea typeface="+mn-ea"/>
-              <a:cs typeface="+mn-cs"/>
-            </a:endParaRPr>
-          </a:p>
-        </p:txBody>
-      </p:sp>
-      <p:sp>
-        <p:nvSpPr>
-          <p:cNvPr id="2" name="Title 1"/>
-          <p:cNvSpPr>
-            <a:spLocks noGrp="1"/>
-          </p:cNvSpPr>
-          <p:nvPr>
-            <p:ph type="title"/>
-          </p:nvPr>
-        </p:nvSpPr>
-        <p:spPr>
-          <a:xfrm>
-            <a:off x="482600" y="643467"/>
-            <a:ext cx="2522980" cy="1597315"/>
-          </a:xfrm>
-          <a:noFill/>
-          <a:ln w="19050">
-            <a:solidFill>
-              <a:schemeClr val="bg1"/>
-            </a:solidFill>
-          </a:ln>
-        </p:spPr>
-        <p:txBody>
-          <a:bodyPr vert="horz" wrap="square" lIns="91440" tIns="45720" rIns="91440" bIns="45720" rtlCol="0" anchor="ctr">
-            <a:normAutofit/>
-          </a:bodyPr>
-          <a:lstStyle/>
-          <a:p>
-            <a:pPr defTabSz="914400" eaLnBrk="1" hangingPunct="1">
-              <a:lnSpc>
-                <a:spcPct val="90000"/>
-              </a:lnSpc>
-            </a:pPr>
-            <a:r>
-              <a:rPr lang="en-US" sz="2400" dirty="0">
-                <a:solidFill>
-                  <a:schemeClr val="bg1"/>
-                </a:solidFill>
-                <a:ea typeface="+mj-ea"/>
-                <a:cs typeface="+mj-cs"/>
-              </a:rPr>
-              <a:t>Part 1: </a:t>
-            </a:r>
-            <a:br>
-              <a:rPr lang="en-US" sz="2400" dirty="0">
-                <a:solidFill>
-                  <a:schemeClr val="bg1"/>
-                </a:solidFill>
-                <a:ea typeface="+mj-ea"/>
-                <a:cs typeface="+mj-cs"/>
-              </a:rPr>
-            </a:br>
-            <a:r>
-              <a:rPr lang="en-US" sz="2400" dirty="0">
-                <a:solidFill>
-                  <a:schemeClr val="bg1"/>
-                </a:solidFill>
-                <a:ea typeface="+mj-ea"/>
-                <a:cs typeface="+mj-cs"/>
-              </a:rPr>
-              <a:t>Cross Validation</a:t>
+              <a:t>K-Fold CV</a:t>
             </a:r>
             <a:endParaRPr lang="en-US" sz="2400" kern="1200" dirty="0">
               <a:solidFill>
@@ -10907,8 +10732,8 @@
         </p:blipFill>
         <p:spPr>
           <a:xfrm>
-            <a:off x="3577131" y="3429000"/>
-            <a:ext cx="5418478" cy="2905124"/>
+            <a:off x="3540293" y="3719218"/>
+            <a:ext cx="5570034" cy="2986381"/>
           </a:xfrm>
           <a:prstGeom prst="rect">
             <a:avLst/>
@@ -10936,6 +10761,3878 @@
       </p:pic>
       <p:sp>
         <p:nvSpPr>
+          <p:cNvPr id="7" name="TextBox 6">
+            <a:extLst>
+              <a:ext uri="{FF2B5EF4-FFF2-40B4-BE49-F238E27FC236}">
+                <a16:creationId xmlns:a16="http://schemas.microsoft.com/office/drawing/2014/main" id="{DAB48721-5D4E-487F-AAC4-A832B27B1A65}"/>
+              </a:ext>
+            </a:extLst>
+          </p:cNvPr>
+          <p:cNvSpPr txBox="1"/>
+          <p:nvPr/>
+        </p:nvSpPr>
+        <p:spPr>
+          <a:xfrm>
+            <a:off x="3810000" y="645990"/>
+            <a:ext cx="5334000" cy="3046988"/>
+          </a:xfrm>
+          <a:prstGeom prst="rect">
+            <a:avLst/>
+          </a:prstGeom>
+          <a:noFill/>
+        </p:spPr>
+        <p:txBody>
+          <a:bodyPr wrap="square" rtlCol="0">
+            <a:spAutoFit/>
+          </a:bodyPr>
+          <a:lstStyle/>
+          <a:p>
+            <a:pPr marL="342900" indent="-342900">
+              <a:buFont typeface="Arial" panose="020B0604020202020204" pitchFamily="34" charset="0"/>
+              <a:buChar char="•"/>
+              <a:defRPr/>
+            </a:pPr>
+            <a:r>
+              <a:rPr lang="en-US" dirty="0">
+                <a:solidFill>
+                  <a:srgbClr val="404040"/>
+                </a:solidFill>
+              </a:rPr>
+              <a:t>Overview (</a:t>
+            </a:r>
+            <a:r>
+              <a:rPr lang="en-US" i="1" dirty="0">
+                <a:solidFill>
+                  <a:srgbClr val="404040"/>
+                </a:solidFill>
+              </a:rPr>
+              <a:t>K</a:t>
+            </a:r>
+            <a:r>
+              <a:rPr lang="en-US" dirty="0">
+                <a:solidFill>
+                  <a:srgbClr val="404040"/>
+                </a:solidFill>
+              </a:rPr>
+              <a:t>=10)</a:t>
+            </a:r>
+          </a:p>
+          <a:p>
+            <a:pPr>
+              <a:defRPr/>
+            </a:pPr>
+            <a:endParaRPr lang="en-US" dirty="0">
+              <a:solidFill>
+                <a:srgbClr val="404040"/>
+              </a:solidFill>
+            </a:endParaRPr>
+          </a:p>
+          <a:p>
+            <a:pPr marL="800100" lvl="1" indent="-342900">
+              <a:buFont typeface="Arial" panose="020B0604020202020204" pitchFamily="34" charset="0"/>
+              <a:buChar char="•"/>
+              <a:defRPr/>
+            </a:pPr>
+            <a:r>
+              <a:rPr lang="en-US" dirty="0">
+                <a:solidFill>
+                  <a:srgbClr val="404040"/>
+                </a:solidFill>
+              </a:rPr>
+              <a:t>Randomly Split Observations Into </a:t>
+            </a:r>
+            <a:r>
+              <a:rPr lang="en-US" i="1" dirty="0">
+                <a:solidFill>
+                  <a:srgbClr val="404040"/>
+                </a:solidFill>
+              </a:rPr>
+              <a:t>K</a:t>
+            </a:r>
+            <a:r>
+              <a:rPr lang="en-US" dirty="0">
+                <a:solidFill>
+                  <a:srgbClr val="404040"/>
+                </a:solidFill>
+              </a:rPr>
+              <a:t> Groups</a:t>
+            </a:r>
+          </a:p>
+          <a:p>
+            <a:pPr marL="800100" lvl="1" indent="-342900">
+              <a:buFont typeface="Arial" panose="020B0604020202020204" pitchFamily="34" charset="0"/>
+              <a:buChar char="•"/>
+              <a:defRPr/>
+            </a:pPr>
+            <a:r>
+              <a:rPr lang="en-US" dirty="0">
+                <a:solidFill>
+                  <a:srgbClr val="404040"/>
+                </a:solidFill>
+              </a:rPr>
+              <a:t>Each Fold Acts as a Test Set</a:t>
+            </a:r>
+          </a:p>
+          <a:p>
+            <a:pPr marL="800100" lvl="1" indent="-342900">
+              <a:buFont typeface="Arial" panose="020B0604020202020204" pitchFamily="34" charset="0"/>
+              <a:buChar char="•"/>
+              <a:defRPr/>
+            </a:pPr>
+            <a:r>
+              <a:rPr lang="en-US" dirty="0">
+                <a:solidFill>
+                  <a:srgbClr val="404040"/>
+                </a:solidFill>
+              </a:rPr>
+              <a:t>If Each Fold Contains Approximately the Same # of Observations,</a:t>
+            </a:r>
+          </a:p>
+        </p:txBody>
+      </p:sp>
+    </p:spTree>
+    <p:custDataLst>
+      <p:tags r:id="rId1"/>
+    </p:custDataLst>
+    <p:extLst>
+      <p:ext uri="{BB962C8B-B14F-4D97-AF65-F5344CB8AC3E}">
+        <p14:creationId xmlns:p14="http://schemas.microsoft.com/office/powerpoint/2010/main" val="703569825"/>
+      </p:ext>
+    </p:extLst>
+  </p:cSld>
+  <p:clrMapOvr>
+    <a:masterClrMapping/>
+  </p:clrMapOvr>
+</p:sld>
+</file>
+
+<file path=ppt/slides/slide15.xml><?xml version="1.0" encoding="utf-8"?>
+<p:sld xmlns:a="http://schemas.openxmlformats.org/drawingml/2006/main" xmlns:r="http://schemas.openxmlformats.org/officeDocument/2006/relationships" xmlns:p="http://schemas.openxmlformats.org/presentationml/2006/main">
+  <p:cSld>
+    <p:bg>
+      <p:bgPr>
+        <a:solidFill>
+          <a:schemeClr val="bg1">
+            <a:lumMod val="85000"/>
+          </a:schemeClr>
+        </a:solidFill>
+        <a:effectLst/>
+      </p:bgPr>
+    </p:bg>
+    <p:spTree>
+      <p:nvGrpSpPr>
+        <p:cNvPr id="1" name=""/>
+        <p:cNvGrpSpPr/>
+        <p:nvPr/>
+      </p:nvGrpSpPr>
+      <p:grpSpPr>
+        <a:xfrm>
+          <a:off x="0" y="0"/>
+          <a:ext cx="0" cy="0"/>
+          <a:chOff x="0" y="0"/>
+          <a:chExt cx="0" cy="0"/>
+        </a:xfrm>
+      </p:grpSpPr>
+      <p:sp>
+        <p:nvSpPr>
+          <p:cNvPr id="15" name="Rectangle 12">
+            <a:extLst>
+              <a:ext uri="{FF2B5EF4-FFF2-40B4-BE49-F238E27FC236}">
+                <a16:creationId xmlns:a16="http://schemas.microsoft.com/office/drawing/2014/main" id="{867D4867-5BA7-4462-B2F6-A23F4A622AA7}"/>
+              </a:ext>
+              <a:ext uri="{C183D7F6-B498-43B3-948B-1728B52AA6E4}">
+                <adec:decorative xmlns:adec="http://schemas.microsoft.com/office/drawing/2017/decorative" val="1"/>
+              </a:ext>
+            </a:extLst>
+          </p:cNvPr>
+          <p:cNvSpPr>
+            <a:spLocks noGrp="1" noRot="1" noChangeAspect="1" noMove="1" noResize="1" noEditPoints="1" noAdjustHandles="1" noChangeArrowheads="1" noChangeShapeType="1" noTextEdit="1"/>
+          </p:cNvSpPr>
+          <p:nvPr>
+            <p:extLst>
+              <p:ext uri="{386F3935-93C4-4BCD-93E2-E3B085C9AB24}">
+                <p16:designElem xmlns:p16="http://schemas.microsoft.com/office/powerpoint/2015/main" val="1"/>
+              </p:ext>
+            </p:extLst>
+          </p:nvPr>
+        </p:nvSpPr>
+        <p:spPr>
+          <a:xfrm>
+            <a:off x="0" y="0"/>
+            <a:ext cx="3490722" cy="6858000"/>
+          </a:xfrm>
+          <a:prstGeom prst="rect">
+            <a:avLst/>
+          </a:prstGeom>
+          <a:solidFill>
+            <a:schemeClr val="tx1">
+              <a:lumMod val="75000"/>
+              <a:lumOff val="25000"/>
+            </a:schemeClr>
+          </a:solidFill>
+          <a:ln>
+            <a:noFill/>
+          </a:ln>
+        </p:spPr>
+        <p:style>
+          <a:lnRef idx="0">
+            <a:scrgbClr r="0" g="0" b="0"/>
+          </a:lnRef>
+          <a:fillRef idx="0">
+            <a:scrgbClr r="0" g="0" b="0"/>
+          </a:fillRef>
+          <a:effectRef idx="0">
+            <a:scrgbClr r="0" g="0" b="0"/>
+          </a:effectRef>
+          <a:fontRef idx="minor">
+            <a:schemeClr val="lt1"/>
+          </a:fontRef>
+        </p:style>
+        <p:txBody>
+          <a:bodyPr rtlCol="0" anchor="ctr"/>
+          <a:lstStyle/>
+          <a:p>
+            <a:pPr marL="0" marR="0" lvl="0" indent="0" algn="ctr" defTabSz="457200" rtl="0" eaLnBrk="1" fontAlgn="base" latinLnBrk="0" hangingPunct="1">
+              <a:lnSpc>
+                <a:spcPct val="100000"/>
+              </a:lnSpc>
+              <a:spcBef>
+                <a:spcPct val="0"/>
+              </a:spcBef>
+              <a:spcAft>
+                <a:spcPct val="0"/>
+              </a:spcAft>
+              <a:buClrTx/>
+              <a:buSzTx/>
+              <a:buFontTx/>
+              <a:buNone/>
+              <a:tabLst/>
+              <a:defRPr/>
+            </a:pPr>
+            <a:endParaRPr kumimoji="0" lang="en-US" sz="2400" b="0" i="0" u="none" strike="noStrike" kern="1200" cap="none" spc="0" normalizeH="0" baseline="0" noProof="0">
+              <a:ln>
+                <a:noFill/>
+              </a:ln>
+              <a:solidFill>
+                <a:prstClr val="white"/>
+              </a:solidFill>
+              <a:effectLst/>
+              <a:uLnTx/>
+              <a:uFillTx/>
+              <a:latin typeface="Calibri"/>
+              <a:ea typeface="+mn-ea"/>
+              <a:cs typeface="+mn-cs"/>
+            </a:endParaRPr>
+          </a:p>
+        </p:txBody>
+      </p:sp>
+      <p:sp>
+        <p:nvSpPr>
+          <p:cNvPr id="2" name="Title 1"/>
+          <p:cNvSpPr>
+            <a:spLocks noGrp="1"/>
+          </p:cNvSpPr>
+          <p:nvPr>
+            <p:ph type="title"/>
+          </p:nvPr>
+        </p:nvSpPr>
+        <p:spPr>
+          <a:xfrm>
+            <a:off x="482600" y="643467"/>
+            <a:ext cx="2522980" cy="1597315"/>
+          </a:xfrm>
+          <a:noFill/>
+          <a:ln w="19050">
+            <a:solidFill>
+              <a:schemeClr val="bg1"/>
+            </a:solidFill>
+          </a:ln>
+        </p:spPr>
+        <p:txBody>
+          <a:bodyPr vert="horz" wrap="square" lIns="91440" tIns="45720" rIns="91440" bIns="45720" rtlCol="0" anchor="ctr">
+            <a:normAutofit/>
+          </a:bodyPr>
+          <a:lstStyle/>
+          <a:p>
+            <a:pPr defTabSz="914400" eaLnBrk="1" hangingPunct="1">
+              <a:lnSpc>
+                <a:spcPct val="90000"/>
+              </a:lnSpc>
+            </a:pPr>
+            <a:r>
+              <a:rPr lang="en-US" sz="2400" dirty="0">
+                <a:solidFill>
+                  <a:schemeClr val="bg1"/>
+                </a:solidFill>
+                <a:ea typeface="+mj-ea"/>
+                <a:cs typeface="+mj-cs"/>
+              </a:rPr>
+              <a:t>Part 1: </a:t>
+            </a:r>
+            <a:br>
+              <a:rPr lang="en-US" sz="2400" dirty="0">
+                <a:solidFill>
+                  <a:schemeClr val="bg1"/>
+                </a:solidFill>
+                <a:ea typeface="+mj-ea"/>
+                <a:cs typeface="+mj-cs"/>
+              </a:rPr>
+            </a:br>
+            <a:r>
+              <a:rPr lang="en-US" sz="2400" dirty="0">
+                <a:solidFill>
+                  <a:schemeClr val="bg1"/>
+                </a:solidFill>
+                <a:ea typeface="+mj-ea"/>
+                <a:cs typeface="+mj-cs"/>
+              </a:rPr>
+              <a:t>K-Fold CV</a:t>
+            </a:r>
+            <a:endParaRPr lang="en-US" sz="2400" kern="1200" dirty="0">
+              <a:solidFill>
+                <a:schemeClr val="bg1"/>
+              </a:solidFill>
+              <a:latin typeface="+mj-lt"/>
+              <a:ea typeface="+mj-ea"/>
+              <a:cs typeface="+mj-cs"/>
+            </a:endParaRPr>
+          </a:p>
+        </p:txBody>
+      </p:sp>
+      <p:pic>
+        <p:nvPicPr>
+          <p:cNvPr id="8" name="Picture 7">
+            <a:extLst>
+              <a:ext uri="{FF2B5EF4-FFF2-40B4-BE49-F238E27FC236}">
+                <a16:creationId xmlns:a16="http://schemas.microsoft.com/office/drawing/2014/main" id="{521D4292-9ECC-4DA5-8CC0-C561A0DA118E}"/>
+              </a:ext>
+            </a:extLst>
+          </p:cNvPr>
+          <p:cNvPicPr>
+            <a:picLocks noChangeAspect="1"/>
+          </p:cNvPicPr>
+          <p:nvPr/>
+        </p:nvPicPr>
+        <p:blipFill rotWithShape="1">
+          <a:blip r:embed="rId3"/>
+          <a:srcRect l="8000" r="9400"/>
+          <a:stretch/>
+        </p:blipFill>
+        <p:spPr>
+          <a:xfrm>
+            <a:off x="660103" y="3048000"/>
+            <a:ext cx="2167974" cy="2624666"/>
+          </a:xfrm>
+          <a:prstGeom prst="rect">
+            <a:avLst/>
+          </a:prstGeom>
+          <a:noFill/>
+        </p:spPr>
+      </p:pic>
+      <p:sp>
+        <p:nvSpPr>
+          <p:cNvPr id="7" name="TextBox 6">
+            <a:extLst>
+              <a:ext uri="{FF2B5EF4-FFF2-40B4-BE49-F238E27FC236}">
+                <a16:creationId xmlns:a16="http://schemas.microsoft.com/office/drawing/2014/main" id="{DAB48721-5D4E-487F-AAC4-A832B27B1A65}"/>
+              </a:ext>
+            </a:extLst>
+          </p:cNvPr>
+          <p:cNvSpPr txBox="1"/>
+          <p:nvPr/>
+        </p:nvSpPr>
+        <p:spPr>
+          <a:xfrm>
+            <a:off x="3810000" y="645990"/>
+            <a:ext cx="5334000" cy="3785652"/>
+          </a:xfrm>
+          <a:prstGeom prst="rect">
+            <a:avLst/>
+          </a:prstGeom>
+          <a:noFill/>
+        </p:spPr>
+        <p:txBody>
+          <a:bodyPr wrap="square" rtlCol="0">
+            <a:spAutoFit/>
+          </a:bodyPr>
+          <a:lstStyle/>
+          <a:p>
+            <a:pPr marL="342900" indent="-342900">
+              <a:buFont typeface="Arial" panose="020B0604020202020204" pitchFamily="34" charset="0"/>
+              <a:buChar char="•"/>
+              <a:defRPr/>
+            </a:pPr>
+            <a:r>
+              <a:rPr lang="en-US" dirty="0">
+                <a:solidFill>
+                  <a:srgbClr val="404040"/>
+                </a:solidFill>
+              </a:rPr>
+              <a:t>Recall: Polynomial Model</a:t>
+            </a:r>
+          </a:p>
+          <a:p>
+            <a:pPr>
+              <a:defRPr/>
+            </a:pPr>
+            <a:endParaRPr lang="en-US" dirty="0">
+              <a:solidFill>
+                <a:srgbClr val="404040"/>
+              </a:solidFill>
+            </a:endParaRPr>
+          </a:p>
+          <a:p>
+            <a:pPr>
+              <a:defRPr/>
+            </a:pPr>
+            <a:endParaRPr lang="en-US" dirty="0">
+              <a:solidFill>
+                <a:srgbClr val="404040"/>
+              </a:solidFill>
+            </a:endParaRPr>
+          </a:p>
+          <a:p>
+            <a:pPr marL="800100" lvl="1" indent="-342900">
+              <a:buFont typeface="Arial" panose="020B0604020202020204" pitchFamily="34" charset="0"/>
+              <a:buChar char="•"/>
+              <a:defRPr/>
+            </a:pPr>
+            <a:r>
+              <a:rPr lang="en-US" dirty="0">
+                <a:solidFill>
+                  <a:srgbClr val="404040"/>
+                </a:solidFill>
+              </a:rPr>
+              <a:t>We Want to Perform Cross-Validation to Select the Best </a:t>
+            </a:r>
+            <a:r>
+              <a:rPr lang="en-US" i="1" dirty="0">
+                <a:solidFill>
+                  <a:srgbClr val="404040"/>
+                </a:solidFill>
+              </a:rPr>
+              <a:t>p</a:t>
+            </a:r>
+          </a:p>
+          <a:p>
+            <a:pPr marL="800100" lvl="1" indent="-342900">
+              <a:buFont typeface="Arial" panose="020B0604020202020204" pitchFamily="34" charset="0"/>
+              <a:buChar char="•"/>
+              <a:defRPr/>
+            </a:pPr>
+            <a:r>
+              <a:rPr lang="en-US" dirty="0">
+                <a:solidFill>
+                  <a:srgbClr val="404040"/>
+                </a:solidFill>
+              </a:rPr>
+              <a:t>For each </a:t>
+            </a:r>
+            <a:r>
+              <a:rPr lang="en-US" i="1" dirty="0">
+                <a:solidFill>
+                  <a:srgbClr val="404040"/>
+                </a:solidFill>
+              </a:rPr>
+              <a:t>p </a:t>
+            </a:r>
+            <a:r>
+              <a:rPr lang="en-US" dirty="0">
+                <a:solidFill>
+                  <a:srgbClr val="404040"/>
+                </a:solidFill>
+              </a:rPr>
+              <a:t>in 1,2,…,</a:t>
+            </a:r>
+            <a:r>
+              <a:rPr lang="en-US" i="1" dirty="0">
+                <a:solidFill>
+                  <a:srgbClr val="404040"/>
+                </a:solidFill>
+              </a:rPr>
+              <a:t>P, </a:t>
+            </a:r>
+            <a:r>
+              <a:rPr lang="en-US" dirty="0">
+                <a:solidFill>
+                  <a:srgbClr val="404040"/>
+                </a:solidFill>
+              </a:rPr>
+              <a:t>Perform K-Fold CV and Compute Cross-Validated RMSE</a:t>
+            </a:r>
+          </a:p>
+          <a:p>
+            <a:pPr marL="800100" lvl="1" indent="-342900">
+              <a:buFont typeface="Arial" panose="020B0604020202020204" pitchFamily="34" charset="0"/>
+              <a:buChar char="•"/>
+              <a:defRPr/>
+            </a:pPr>
+            <a:r>
+              <a:rPr lang="en-US" dirty="0">
+                <a:solidFill>
+                  <a:srgbClr val="404040"/>
+                </a:solidFill>
+              </a:rPr>
+              <a:t>Best Choice of </a:t>
+            </a:r>
+            <a:r>
+              <a:rPr lang="en-US" i="1" dirty="0">
+                <a:solidFill>
+                  <a:srgbClr val="404040"/>
+                </a:solidFill>
+              </a:rPr>
+              <a:t>p</a:t>
+            </a:r>
+            <a:r>
+              <a:rPr lang="en-US" dirty="0">
+                <a:solidFill>
+                  <a:srgbClr val="404040"/>
+                </a:solidFill>
+              </a:rPr>
+              <a:t> Minimizes Out-of-Sample RMSE</a:t>
+            </a:r>
+          </a:p>
+        </p:txBody>
+      </p:sp>
+      <mc:AlternateContent xmlns:mc="http://schemas.openxmlformats.org/markup-compatibility/2006">
+        <mc:Choice xmlns:a14="http://schemas.microsoft.com/office/drawing/2010/main" Requires="a14">
+          <p:sp>
+            <p:nvSpPr>
+              <p:cNvPr id="10" name="TextBox 9">
+                <a:extLst>
+                  <a:ext uri="{FF2B5EF4-FFF2-40B4-BE49-F238E27FC236}">
+                    <a16:creationId xmlns:a16="http://schemas.microsoft.com/office/drawing/2014/main" id="{D29A1949-178D-4AFF-8F67-BA15956AD7E0}"/>
+                  </a:ext>
+                </a:extLst>
+              </p:cNvPr>
+              <p:cNvSpPr txBox="1"/>
+              <p:nvPr/>
+            </p:nvSpPr>
+            <p:spPr>
+              <a:xfrm>
+                <a:off x="3733800" y="1143000"/>
+                <a:ext cx="5334000" cy="497637"/>
+              </a:xfrm>
+              <a:prstGeom prst="rect">
+                <a:avLst/>
+              </a:prstGeom>
+              <a:noFill/>
+            </p:spPr>
+            <p:txBody>
+              <a:bodyPr wrap="square" rtlCol="0">
+                <a:spAutoFit/>
+              </a:bodyPr>
+              <a:lstStyle/>
+              <a:p>
+                <a:pPr>
+                  <a:defRPr/>
+                </a:pPr>
+                <a14:m>
+                  <m:oMathPara xmlns:m="http://schemas.openxmlformats.org/officeDocument/2006/math">
+                    <m:oMathParaPr>
+                      <m:jc m:val="centerGroup"/>
+                    </m:oMathParaPr>
+                    <m:oMath xmlns:m="http://schemas.openxmlformats.org/officeDocument/2006/math">
+                      <m:r>
+                        <a:rPr lang="en-US" b="0" i="1" smtClean="0">
+                          <a:solidFill>
+                            <a:srgbClr val="404040"/>
+                          </a:solidFill>
+                          <a:latin typeface="Cambria Math" panose="02040503050406030204" pitchFamily="18" charset="0"/>
+                        </a:rPr>
+                        <m:t>𝑊</m:t>
+                      </m:r>
+                      <m:r>
+                        <a:rPr lang="en-US" b="0" i="1" smtClean="0">
+                          <a:solidFill>
+                            <a:srgbClr val="404040"/>
+                          </a:solidFill>
+                          <a:latin typeface="Cambria Math" panose="02040503050406030204" pitchFamily="18" charset="0"/>
+                        </a:rPr>
+                        <m:t>=</m:t>
+                      </m:r>
+                      <m:r>
+                        <a:rPr lang="en-US" b="0" i="1" smtClean="0">
+                          <a:solidFill>
+                            <a:srgbClr val="404040"/>
+                          </a:solidFill>
+                          <a:latin typeface="Cambria Math" panose="02040503050406030204" pitchFamily="18" charset="0"/>
+                        </a:rPr>
+                        <m:t>𝑎</m:t>
+                      </m:r>
+                      <m:r>
+                        <a:rPr lang="en-US" b="0" i="1" smtClean="0">
+                          <a:solidFill>
+                            <a:srgbClr val="404040"/>
+                          </a:solidFill>
+                          <a:latin typeface="Cambria Math" panose="02040503050406030204" pitchFamily="18" charset="0"/>
+                        </a:rPr>
+                        <m:t>+</m:t>
+                      </m:r>
+                      <m:sSub>
+                        <m:sSubPr>
+                          <m:ctrlPr>
+                            <a:rPr lang="en-US" b="0" i="1" smtClean="0">
+                              <a:solidFill>
+                                <a:srgbClr val="404040"/>
+                              </a:solidFill>
+                              <a:latin typeface="Cambria Math" panose="02040503050406030204" pitchFamily="18" charset="0"/>
+                            </a:rPr>
+                          </m:ctrlPr>
+                        </m:sSubPr>
+                        <m:e>
+                          <m:r>
+                            <a:rPr lang="en-US" b="0" i="1" smtClean="0">
+                              <a:solidFill>
+                                <a:srgbClr val="404040"/>
+                              </a:solidFill>
+                              <a:latin typeface="Cambria Math" panose="02040503050406030204" pitchFamily="18" charset="0"/>
+                            </a:rPr>
+                            <m:t>𝑏</m:t>
+                          </m:r>
+                        </m:e>
+                        <m:sub>
+                          <m:r>
+                            <a:rPr lang="en-US" b="0" i="1" smtClean="0">
+                              <a:solidFill>
+                                <a:srgbClr val="404040"/>
+                              </a:solidFill>
+                              <a:latin typeface="Cambria Math" panose="02040503050406030204" pitchFamily="18" charset="0"/>
+                            </a:rPr>
+                            <m:t>1</m:t>
+                          </m:r>
+                        </m:sub>
+                      </m:sSub>
+                      <m:r>
+                        <a:rPr lang="en-US" b="0" i="1" smtClean="0">
+                          <a:solidFill>
+                            <a:srgbClr val="404040"/>
+                          </a:solidFill>
+                          <a:latin typeface="Cambria Math" panose="02040503050406030204" pitchFamily="18" charset="0"/>
+                        </a:rPr>
+                        <m:t>𝐴</m:t>
+                      </m:r>
+                      <m:r>
+                        <a:rPr lang="en-US" b="0" i="1" smtClean="0">
+                          <a:solidFill>
+                            <a:srgbClr val="404040"/>
+                          </a:solidFill>
+                          <a:latin typeface="Cambria Math" panose="02040503050406030204" pitchFamily="18" charset="0"/>
+                        </a:rPr>
+                        <m:t>+</m:t>
+                      </m:r>
+                      <m:sSub>
+                        <m:sSubPr>
+                          <m:ctrlPr>
+                            <a:rPr lang="en-US" i="1" smtClean="0">
+                              <a:solidFill>
+                                <a:srgbClr val="404040"/>
+                              </a:solidFill>
+                              <a:latin typeface="Cambria Math" panose="02040503050406030204" pitchFamily="18" charset="0"/>
+                            </a:rPr>
+                          </m:ctrlPr>
+                        </m:sSubPr>
+                        <m:e>
+                          <m:r>
+                            <a:rPr lang="en-US" i="1">
+                              <a:solidFill>
+                                <a:srgbClr val="404040"/>
+                              </a:solidFill>
+                              <a:latin typeface="Cambria Math" panose="02040503050406030204" pitchFamily="18" charset="0"/>
+                            </a:rPr>
+                            <m:t>𝑏</m:t>
+                          </m:r>
+                        </m:e>
+                        <m:sub>
+                          <m:r>
+                            <a:rPr lang="en-US" b="0" i="1" smtClean="0">
+                              <a:solidFill>
+                                <a:srgbClr val="404040"/>
+                              </a:solidFill>
+                              <a:latin typeface="Cambria Math" panose="02040503050406030204" pitchFamily="18" charset="0"/>
+                            </a:rPr>
+                            <m:t>2</m:t>
+                          </m:r>
+                        </m:sub>
+                      </m:sSub>
+                      <m:sSup>
+                        <m:sSupPr>
+                          <m:ctrlPr>
+                            <a:rPr lang="en-US" b="0" i="1" smtClean="0">
+                              <a:solidFill>
+                                <a:srgbClr val="404040"/>
+                              </a:solidFill>
+                              <a:latin typeface="Cambria Math" panose="02040503050406030204" pitchFamily="18" charset="0"/>
+                            </a:rPr>
+                          </m:ctrlPr>
+                        </m:sSupPr>
+                        <m:e>
+                          <m:r>
+                            <a:rPr lang="en-US" i="1">
+                              <a:solidFill>
+                                <a:srgbClr val="404040"/>
+                              </a:solidFill>
+                              <a:latin typeface="Cambria Math" panose="02040503050406030204" pitchFamily="18" charset="0"/>
+                            </a:rPr>
+                            <m:t>𝐴</m:t>
+                          </m:r>
+                        </m:e>
+                        <m:sup>
+                          <m:r>
+                            <a:rPr lang="en-US" b="0" i="1" smtClean="0">
+                              <a:solidFill>
+                                <a:srgbClr val="404040"/>
+                              </a:solidFill>
+                              <a:latin typeface="Cambria Math" panose="02040503050406030204" pitchFamily="18" charset="0"/>
+                            </a:rPr>
+                            <m:t>2</m:t>
+                          </m:r>
+                        </m:sup>
+                      </m:sSup>
+                      <m:r>
+                        <a:rPr lang="en-US" b="0" i="1" smtClean="0">
+                          <a:solidFill>
+                            <a:srgbClr val="404040"/>
+                          </a:solidFill>
+                          <a:latin typeface="Cambria Math" panose="02040503050406030204" pitchFamily="18" charset="0"/>
+                        </a:rPr>
+                        <m:t>+…+</m:t>
+                      </m:r>
+                      <m:sSub>
+                        <m:sSubPr>
+                          <m:ctrlPr>
+                            <a:rPr lang="en-US" i="1">
+                              <a:solidFill>
+                                <a:srgbClr val="404040"/>
+                              </a:solidFill>
+                              <a:latin typeface="Cambria Math" panose="02040503050406030204" pitchFamily="18" charset="0"/>
+                            </a:rPr>
+                          </m:ctrlPr>
+                        </m:sSubPr>
+                        <m:e>
+                          <m:r>
+                            <a:rPr lang="en-US" i="1">
+                              <a:solidFill>
+                                <a:srgbClr val="404040"/>
+                              </a:solidFill>
+                              <a:latin typeface="Cambria Math" panose="02040503050406030204" pitchFamily="18" charset="0"/>
+                            </a:rPr>
+                            <m:t>𝑏</m:t>
+                          </m:r>
+                        </m:e>
+                        <m:sub>
+                          <m:r>
+                            <a:rPr lang="en-US" b="0" i="1" smtClean="0">
+                              <a:solidFill>
+                                <a:srgbClr val="404040"/>
+                              </a:solidFill>
+                              <a:latin typeface="Cambria Math" panose="02040503050406030204" pitchFamily="18" charset="0"/>
+                            </a:rPr>
+                            <m:t>𝑝</m:t>
+                          </m:r>
+                        </m:sub>
+                      </m:sSub>
+                      <m:sSup>
+                        <m:sSupPr>
+                          <m:ctrlPr>
+                            <a:rPr lang="en-US" i="1">
+                              <a:solidFill>
+                                <a:srgbClr val="404040"/>
+                              </a:solidFill>
+                              <a:latin typeface="Cambria Math" panose="02040503050406030204" pitchFamily="18" charset="0"/>
+                            </a:rPr>
+                          </m:ctrlPr>
+                        </m:sSupPr>
+                        <m:e>
+                          <m:r>
+                            <a:rPr lang="en-US" i="1">
+                              <a:solidFill>
+                                <a:srgbClr val="404040"/>
+                              </a:solidFill>
+                              <a:latin typeface="Cambria Math" panose="02040503050406030204" pitchFamily="18" charset="0"/>
+                            </a:rPr>
+                            <m:t>𝐴</m:t>
+                          </m:r>
+                        </m:e>
+                        <m:sup>
+                          <m:r>
+                            <a:rPr lang="en-US" b="0" i="1" smtClean="0">
+                              <a:solidFill>
+                                <a:srgbClr val="404040"/>
+                              </a:solidFill>
+                              <a:latin typeface="Cambria Math" panose="02040503050406030204" pitchFamily="18" charset="0"/>
+                            </a:rPr>
+                            <m:t>𝑝</m:t>
+                          </m:r>
+                        </m:sup>
+                      </m:sSup>
+                      <m:r>
+                        <a:rPr lang="en-US" b="0" i="1" smtClean="0">
+                          <a:solidFill>
+                            <a:srgbClr val="404040"/>
+                          </a:solidFill>
+                          <a:latin typeface="Cambria Math" panose="02040503050406030204" pitchFamily="18" charset="0"/>
+                        </a:rPr>
+                        <m:t>+ </m:t>
+                      </m:r>
+                      <m:r>
+                        <a:rPr lang="en-US" b="0" i="1" smtClean="0">
+                          <a:solidFill>
+                            <a:srgbClr val="404040"/>
+                          </a:solidFill>
+                          <a:latin typeface="Cambria Math" panose="02040503050406030204" pitchFamily="18" charset="0"/>
+                          <a:ea typeface="Cambria Math" panose="02040503050406030204" pitchFamily="18" charset="0"/>
+                        </a:rPr>
+                        <m:t>𝜀</m:t>
+                      </m:r>
+                    </m:oMath>
+                  </m:oMathPara>
+                </a14:m>
+                <a:endParaRPr lang="en-US" dirty="0">
+                  <a:solidFill>
+                    <a:srgbClr val="404040"/>
+                  </a:solidFill>
+                </a:endParaRPr>
+              </a:p>
+            </p:txBody>
+          </p:sp>
+        </mc:Choice>
+        <mc:Fallback>
+          <p:sp>
+            <p:nvSpPr>
+              <p:cNvPr id="10" name="TextBox 9">
+                <a:extLst>
+                  <a:ext uri="{FF2B5EF4-FFF2-40B4-BE49-F238E27FC236}">
+                    <a16:creationId xmlns:a16="http://schemas.microsoft.com/office/drawing/2014/main" id="{D29A1949-178D-4AFF-8F67-BA15956AD7E0}"/>
+                  </a:ext>
+                </a:extLst>
+              </p:cNvPr>
+              <p:cNvSpPr txBox="1">
+                <a:spLocks noRot="1" noChangeAspect="1" noMove="1" noResize="1" noEditPoints="1" noAdjustHandles="1" noChangeArrowheads="1" noChangeShapeType="1" noTextEdit="1"/>
+              </p:cNvSpPr>
+              <p:nvPr/>
+            </p:nvSpPr>
+            <p:spPr>
+              <a:xfrm>
+                <a:off x="3733800" y="1143000"/>
+                <a:ext cx="5334000" cy="497637"/>
+              </a:xfrm>
+              <a:prstGeom prst="rect">
+                <a:avLst/>
+              </a:prstGeom>
+              <a:blipFill>
+                <a:blip r:embed="rId4"/>
+                <a:stretch>
+                  <a:fillRect b="-6173"/>
+                </a:stretch>
+              </a:blipFill>
+            </p:spPr>
+            <p:txBody>
+              <a:bodyPr/>
+              <a:lstStyle/>
+              <a:p>
+                <a:r>
+                  <a:rPr lang="en-US">
+                    <a:noFill/>
+                  </a:rPr>
+                  <a:t> </a:t>
+                </a:r>
+              </a:p>
+            </p:txBody>
+          </p:sp>
+        </mc:Fallback>
+      </mc:AlternateContent>
+    </p:spTree>
+    <p:custDataLst>
+      <p:tags r:id="rId1"/>
+    </p:custDataLst>
+    <p:extLst>
+      <p:ext uri="{BB962C8B-B14F-4D97-AF65-F5344CB8AC3E}">
+        <p14:creationId xmlns:p14="http://schemas.microsoft.com/office/powerpoint/2010/main" val="3225257146"/>
+      </p:ext>
+    </p:extLst>
+  </p:cSld>
+  <p:clrMapOvr>
+    <a:masterClrMapping/>
+  </p:clrMapOvr>
+</p:sld>
+</file>
+
+<file path=ppt/slides/slide16.xml><?xml version="1.0" encoding="utf-8"?>
+<p:sld xmlns:a="http://schemas.openxmlformats.org/drawingml/2006/main" xmlns:r="http://schemas.openxmlformats.org/officeDocument/2006/relationships" xmlns:p="http://schemas.openxmlformats.org/presentationml/2006/main">
+  <p:cSld>
+    <p:bg>
+      <p:bgPr>
+        <a:solidFill>
+          <a:schemeClr val="bg1">
+            <a:lumMod val="85000"/>
+          </a:schemeClr>
+        </a:solidFill>
+        <a:effectLst/>
+      </p:bgPr>
+    </p:bg>
+    <p:spTree>
+      <p:nvGrpSpPr>
+        <p:cNvPr id="1" name=""/>
+        <p:cNvGrpSpPr/>
+        <p:nvPr/>
+      </p:nvGrpSpPr>
+      <p:grpSpPr>
+        <a:xfrm>
+          <a:off x="0" y="0"/>
+          <a:ext cx="0" cy="0"/>
+          <a:chOff x="0" y="0"/>
+          <a:chExt cx="0" cy="0"/>
+        </a:xfrm>
+      </p:grpSpPr>
+      <p:sp>
+        <p:nvSpPr>
+          <p:cNvPr id="15" name="Rectangle 12">
+            <a:extLst>
+              <a:ext uri="{FF2B5EF4-FFF2-40B4-BE49-F238E27FC236}">
+                <a16:creationId xmlns:a16="http://schemas.microsoft.com/office/drawing/2014/main" id="{867D4867-5BA7-4462-B2F6-A23F4A622AA7}"/>
+              </a:ext>
+              <a:ext uri="{C183D7F6-B498-43B3-948B-1728B52AA6E4}">
+                <adec:decorative xmlns:adec="http://schemas.microsoft.com/office/drawing/2017/decorative" val="1"/>
+              </a:ext>
+            </a:extLst>
+          </p:cNvPr>
+          <p:cNvSpPr>
+            <a:spLocks noGrp="1" noRot="1" noChangeAspect="1" noMove="1" noResize="1" noEditPoints="1" noAdjustHandles="1" noChangeArrowheads="1" noChangeShapeType="1" noTextEdit="1"/>
+          </p:cNvSpPr>
+          <p:nvPr>
+            <p:extLst>
+              <p:ext uri="{386F3935-93C4-4BCD-93E2-E3B085C9AB24}">
+                <p16:designElem xmlns:p16="http://schemas.microsoft.com/office/powerpoint/2015/main" val="1"/>
+              </p:ext>
+            </p:extLst>
+          </p:nvPr>
+        </p:nvSpPr>
+        <p:spPr>
+          <a:xfrm>
+            <a:off x="0" y="0"/>
+            <a:ext cx="3490722" cy="6858000"/>
+          </a:xfrm>
+          <a:prstGeom prst="rect">
+            <a:avLst/>
+          </a:prstGeom>
+          <a:solidFill>
+            <a:schemeClr val="tx1">
+              <a:lumMod val="75000"/>
+              <a:lumOff val="25000"/>
+            </a:schemeClr>
+          </a:solidFill>
+          <a:ln>
+            <a:noFill/>
+          </a:ln>
+        </p:spPr>
+        <p:style>
+          <a:lnRef idx="0">
+            <a:scrgbClr r="0" g="0" b="0"/>
+          </a:lnRef>
+          <a:fillRef idx="0">
+            <a:scrgbClr r="0" g="0" b="0"/>
+          </a:fillRef>
+          <a:effectRef idx="0">
+            <a:scrgbClr r="0" g="0" b="0"/>
+          </a:effectRef>
+          <a:fontRef idx="minor">
+            <a:schemeClr val="lt1"/>
+          </a:fontRef>
+        </p:style>
+        <p:txBody>
+          <a:bodyPr rtlCol="0" anchor="ctr"/>
+          <a:lstStyle/>
+          <a:p>
+            <a:pPr marL="0" marR="0" lvl="0" indent="0" algn="ctr" defTabSz="457200" rtl="0" eaLnBrk="1" fontAlgn="base" latinLnBrk="0" hangingPunct="1">
+              <a:lnSpc>
+                <a:spcPct val="100000"/>
+              </a:lnSpc>
+              <a:spcBef>
+                <a:spcPct val="0"/>
+              </a:spcBef>
+              <a:spcAft>
+                <a:spcPct val="0"/>
+              </a:spcAft>
+              <a:buClrTx/>
+              <a:buSzTx/>
+              <a:buFontTx/>
+              <a:buNone/>
+              <a:tabLst/>
+              <a:defRPr/>
+            </a:pPr>
+            <a:endParaRPr kumimoji="0" lang="en-US" sz="2400" b="0" i="0" u="none" strike="noStrike" kern="1200" cap="none" spc="0" normalizeH="0" baseline="0" noProof="0">
+              <a:ln>
+                <a:noFill/>
+              </a:ln>
+              <a:solidFill>
+                <a:prstClr val="white"/>
+              </a:solidFill>
+              <a:effectLst/>
+              <a:uLnTx/>
+              <a:uFillTx/>
+              <a:latin typeface="Calibri"/>
+              <a:ea typeface="+mn-ea"/>
+              <a:cs typeface="+mn-cs"/>
+            </a:endParaRPr>
+          </a:p>
+        </p:txBody>
+      </p:sp>
+      <p:sp>
+        <p:nvSpPr>
+          <p:cNvPr id="2" name="Title 1"/>
+          <p:cNvSpPr>
+            <a:spLocks noGrp="1"/>
+          </p:cNvSpPr>
+          <p:nvPr>
+            <p:ph type="title"/>
+          </p:nvPr>
+        </p:nvSpPr>
+        <p:spPr>
+          <a:xfrm>
+            <a:off x="482600" y="643467"/>
+            <a:ext cx="2522980" cy="1597315"/>
+          </a:xfrm>
+          <a:noFill/>
+          <a:ln w="19050">
+            <a:solidFill>
+              <a:schemeClr val="bg1"/>
+            </a:solidFill>
+          </a:ln>
+        </p:spPr>
+        <p:txBody>
+          <a:bodyPr vert="horz" wrap="square" lIns="91440" tIns="45720" rIns="91440" bIns="45720" rtlCol="0" anchor="ctr">
+            <a:normAutofit/>
+          </a:bodyPr>
+          <a:lstStyle/>
+          <a:p>
+            <a:pPr defTabSz="914400" eaLnBrk="1" hangingPunct="1">
+              <a:lnSpc>
+                <a:spcPct val="90000"/>
+              </a:lnSpc>
+            </a:pPr>
+            <a:r>
+              <a:rPr lang="en-US" sz="2400" dirty="0">
+                <a:solidFill>
+                  <a:schemeClr val="bg1"/>
+                </a:solidFill>
+                <a:ea typeface="+mj-ea"/>
+                <a:cs typeface="+mj-cs"/>
+              </a:rPr>
+              <a:t>Part 1: </a:t>
+            </a:r>
+            <a:br>
+              <a:rPr lang="en-US" sz="2400" dirty="0">
+                <a:solidFill>
+                  <a:schemeClr val="bg1"/>
+                </a:solidFill>
+                <a:ea typeface="+mj-ea"/>
+                <a:cs typeface="+mj-cs"/>
+              </a:rPr>
+            </a:br>
+            <a:r>
+              <a:rPr lang="en-US" sz="2400" dirty="0">
+                <a:solidFill>
+                  <a:schemeClr val="bg1"/>
+                </a:solidFill>
+                <a:ea typeface="+mj-ea"/>
+                <a:cs typeface="+mj-cs"/>
+              </a:rPr>
+              <a:t>K-Fold CV</a:t>
+            </a:r>
+            <a:endParaRPr lang="en-US" sz="2400" kern="1200" dirty="0">
+              <a:solidFill>
+                <a:schemeClr val="bg1"/>
+              </a:solidFill>
+              <a:latin typeface="+mj-lt"/>
+              <a:ea typeface="+mj-ea"/>
+              <a:cs typeface="+mj-cs"/>
+            </a:endParaRPr>
+          </a:p>
+        </p:txBody>
+      </p:sp>
+      <p:pic>
+        <p:nvPicPr>
+          <p:cNvPr id="8" name="Picture 7">
+            <a:extLst>
+              <a:ext uri="{FF2B5EF4-FFF2-40B4-BE49-F238E27FC236}">
+                <a16:creationId xmlns:a16="http://schemas.microsoft.com/office/drawing/2014/main" id="{521D4292-9ECC-4DA5-8CC0-C561A0DA118E}"/>
+              </a:ext>
+            </a:extLst>
+          </p:cNvPr>
+          <p:cNvPicPr>
+            <a:picLocks noChangeAspect="1"/>
+          </p:cNvPicPr>
+          <p:nvPr/>
+        </p:nvPicPr>
+        <p:blipFill rotWithShape="1">
+          <a:blip r:embed="rId3"/>
+          <a:srcRect l="8000" r="9400"/>
+          <a:stretch/>
+        </p:blipFill>
+        <p:spPr>
+          <a:xfrm>
+            <a:off x="660103" y="3048000"/>
+            <a:ext cx="2167974" cy="2624666"/>
+          </a:xfrm>
+          <a:prstGeom prst="rect">
+            <a:avLst/>
+          </a:prstGeom>
+          <a:noFill/>
+        </p:spPr>
+      </p:pic>
+      <p:sp>
+        <p:nvSpPr>
+          <p:cNvPr id="7" name="TextBox 6">
+            <a:extLst>
+              <a:ext uri="{FF2B5EF4-FFF2-40B4-BE49-F238E27FC236}">
+                <a16:creationId xmlns:a16="http://schemas.microsoft.com/office/drawing/2014/main" id="{DAB48721-5D4E-487F-AAC4-A832B27B1A65}"/>
+              </a:ext>
+            </a:extLst>
+          </p:cNvPr>
+          <p:cNvSpPr txBox="1"/>
+          <p:nvPr/>
+        </p:nvSpPr>
+        <p:spPr>
+          <a:xfrm>
+            <a:off x="3810000" y="645990"/>
+            <a:ext cx="5334000" cy="3785652"/>
+          </a:xfrm>
+          <a:prstGeom prst="rect">
+            <a:avLst/>
+          </a:prstGeom>
+          <a:noFill/>
+        </p:spPr>
+        <p:txBody>
+          <a:bodyPr wrap="square" rtlCol="0">
+            <a:spAutoFit/>
+          </a:bodyPr>
+          <a:lstStyle/>
+          <a:p>
+            <a:pPr marL="342900" indent="-342900">
+              <a:buFont typeface="Arial" panose="020B0604020202020204" pitchFamily="34" charset="0"/>
+              <a:buChar char="•"/>
+              <a:defRPr/>
+            </a:pPr>
+            <a:r>
+              <a:rPr lang="en-US" dirty="0">
+                <a:solidFill>
+                  <a:srgbClr val="404040"/>
+                </a:solidFill>
+              </a:rPr>
+              <a:t>Recall: Polynomial Model</a:t>
+            </a:r>
+          </a:p>
+          <a:p>
+            <a:pPr>
+              <a:defRPr/>
+            </a:pPr>
+            <a:endParaRPr lang="en-US" dirty="0">
+              <a:solidFill>
+                <a:srgbClr val="404040"/>
+              </a:solidFill>
+            </a:endParaRPr>
+          </a:p>
+          <a:p>
+            <a:pPr>
+              <a:defRPr/>
+            </a:pPr>
+            <a:endParaRPr lang="en-US" dirty="0">
+              <a:solidFill>
+                <a:srgbClr val="404040"/>
+              </a:solidFill>
+            </a:endParaRPr>
+          </a:p>
+          <a:p>
+            <a:pPr marL="800100" lvl="1" indent="-342900">
+              <a:buFont typeface="Arial" panose="020B0604020202020204" pitchFamily="34" charset="0"/>
+              <a:buChar char="•"/>
+              <a:defRPr/>
+            </a:pPr>
+            <a:r>
+              <a:rPr lang="en-US" dirty="0">
+                <a:solidFill>
+                  <a:srgbClr val="404040"/>
+                </a:solidFill>
+              </a:rPr>
+              <a:t>We Want to Perform Cross-Validation to Select the Best </a:t>
+            </a:r>
+            <a:r>
+              <a:rPr lang="en-US" i="1" dirty="0">
+                <a:solidFill>
+                  <a:srgbClr val="404040"/>
+                </a:solidFill>
+              </a:rPr>
+              <a:t>p</a:t>
+            </a:r>
+          </a:p>
+          <a:p>
+            <a:pPr marL="800100" lvl="1" indent="-342900">
+              <a:buFont typeface="Arial" panose="020B0604020202020204" pitchFamily="34" charset="0"/>
+              <a:buChar char="•"/>
+              <a:defRPr/>
+            </a:pPr>
+            <a:r>
+              <a:rPr lang="en-US" dirty="0">
+                <a:solidFill>
+                  <a:srgbClr val="404040"/>
+                </a:solidFill>
+              </a:rPr>
+              <a:t>For each </a:t>
+            </a:r>
+            <a:r>
+              <a:rPr lang="en-US" i="1" dirty="0">
+                <a:solidFill>
+                  <a:srgbClr val="404040"/>
+                </a:solidFill>
+              </a:rPr>
+              <a:t>p </a:t>
+            </a:r>
+            <a:r>
+              <a:rPr lang="en-US" dirty="0">
+                <a:solidFill>
+                  <a:srgbClr val="404040"/>
+                </a:solidFill>
+              </a:rPr>
+              <a:t>in 1,2,…,</a:t>
+            </a:r>
+            <a:r>
+              <a:rPr lang="en-US" i="1" dirty="0">
+                <a:solidFill>
+                  <a:srgbClr val="404040"/>
+                </a:solidFill>
+              </a:rPr>
+              <a:t>P, </a:t>
+            </a:r>
+            <a:r>
+              <a:rPr lang="en-US" dirty="0">
+                <a:solidFill>
+                  <a:srgbClr val="404040"/>
+                </a:solidFill>
+              </a:rPr>
+              <a:t>Perform K-Fold CV and Compute Cross-Validated RMSE</a:t>
+            </a:r>
+          </a:p>
+          <a:p>
+            <a:pPr marL="800100" lvl="1" indent="-342900">
+              <a:buFont typeface="Arial" panose="020B0604020202020204" pitchFamily="34" charset="0"/>
+              <a:buChar char="•"/>
+              <a:defRPr/>
+            </a:pPr>
+            <a:r>
+              <a:rPr lang="en-US" dirty="0">
+                <a:solidFill>
+                  <a:srgbClr val="404040"/>
+                </a:solidFill>
+              </a:rPr>
+              <a:t>Best Choice of </a:t>
+            </a:r>
+            <a:r>
+              <a:rPr lang="en-US" i="1" dirty="0">
+                <a:solidFill>
+                  <a:srgbClr val="404040"/>
+                </a:solidFill>
+              </a:rPr>
+              <a:t>p</a:t>
+            </a:r>
+            <a:r>
+              <a:rPr lang="en-US" dirty="0">
+                <a:solidFill>
+                  <a:srgbClr val="404040"/>
+                </a:solidFill>
+              </a:rPr>
+              <a:t> Minimizes Out-of-Sample RMSE</a:t>
+            </a:r>
+          </a:p>
+        </p:txBody>
+      </p:sp>
+      <mc:AlternateContent xmlns:mc="http://schemas.openxmlformats.org/markup-compatibility/2006">
+        <mc:Choice xmlns:a14="http://schemas.microsoft.com/office/drawing/2010/main" Requires="a14">
+          <p:sp>
+            <p:nvSpPr>
+              <p:cNvPr id="10" name="TextBox 9">
+                <a:extLst>
+                  <a:ext uri="{FF2B5EF4-FFF2-40B4-BE49-F238E27FC236}">
+                    <a16:creationId xmlns:a16="http://schemas.microsoft.com/office/drawing/2014/main" id="{D29A1949-178D-4AFF-8F67-BA15956AD7E0}"/>
+                  </a:ext>
+                </a:extLst>
+              </p:cNvPr>
+              <p:cNvSpPr txBox="1"/>
+              <p:nvPr/>
+            </p:nvSpPr>
+            <p:spPr>
+              <a:xfrm>
+                <a:off x="3733800" y="1143000"/>
+                <a:ext cx="5334000" cy="497637"/>
+              </a:xfrm>
+              <a:prstGeom prst="rect">
+                <a:avLst/>
+              </a:prstGeom>
+              <a:noFill/>
+            </p:spPr>
+            <p:txBody>
+              <a:bodyPr wrap="square" rtlCol="0">
+                <a:spAutoFit/>
+              </a:bodyPr>
+              <a:lstStyle/>
+              <a:p>
+                <a:pPr>
+                  <a:defRPr/>
+                </a:pPr>
+                <a14:m>
+                  <m:oMathPara xmlns:m="http://schemas.openxmlformats.org/officeDocument/2006/math">
+                    <m:oMathParaPr>
+                      <m:jc m:val="centerGroup"/>
+                    </m:oMathParaPr>
+                    <m:oMath xmlns:m="http://schemas.openxmlformats.org/officeDocument/2006/math">
+                      <m:r>
+                        <a:rPr lang="en-US" b="0" i="1" smtClean="0">
+                          <a:solidFill>
+                            <a:srgbClr val="404040"/>
+                          </a:solidFill>
+                          <a:latin typeface="Cambria Math" panose="02040503050406030204" pitchFamily="18" charset="0"/>
+                        </a:rPr>
+                        <m:t>𝑊</m:t>
+                      </m:r>
+                      <m:r>
+                        <a:rPr lang="en-US" b="0" i="1" smtClean="0">
+                          <a:solidFill>
+                            <a:srgbClr val="404040"/>
+                          </a:solidFill>
+                          <a:latin typeface="Cambria Math" panose="02040503050406030204" pitchFamily="18" charset="0"/>
+                        </a:rPr>
+                        <m:t>=</m:t>
+                      </m:r>
+                      <m:r>
+                        <a:rPr lang="en-US" b="0" i="1" smtClean="0">
+                          <a:solidFill>
+                            <a:srgbClr val="404040"/>
+                          </a:solidFill>
+                          <a:latin typeface="Cambria Math" panose="02040503050406030204" pitchFamily="18" charset="0"/>
+                        </a:rPr>
+                        <m:t>𝑎</m:t>
+                      </m:r>
+                      <m:r>
+                        <a:rPr lang="en-US" b="0" i="1" smtClean="0">
+                          <a:solidFill>
+                            <a:srgbClr val="404040"/>
+                          </a:solidFill>
+                          <a:latin typeface="Cambria Math" panose="02040503050406030204" pitchFamily="18" charset="0"/>
+                        </a:rPr>
+                        <m:t>+</m:t>
+                      </m:r>
+                      <m:sSub>
+                        <m:sSubPr>
+                          <m:ctrlPr>
+                            <a:rPr lang="en-US" b="0" i="1" smtClean="0">
+                              <a:solidFill>
+                                <a:srgbClr val="404040"/>
+                              </a:solidFill>
+                              <a:latin typeface="Cambria Math" panose="02040503050406030204" pitchFamily="18" charset="0"/>
+                            </a:rPr>
+                          </m:ctrlPr>
+                        </m:sSubPr>
+                        <m:e>
+                          <m:r>
+                            <a:rPr lang="en-US" b="0" i="1" smtClean="0">
+                              <a:solidFill>
+                                <a:srgbClr val="404040"/>
+                              </a:solidFill>
+                              <a:latin typeface="Cambria Math" panose="02040503050406030204" pitchFamily="18" charset="0"/>
+                            </a:rPr>
+                            <m:t>𝑏</m:t>
+                          </m:r>
+                        </m:e>
+                        <m:sub>
+                          <m:r>
+                            <a:rPr lang="en-US" b="0" i="1" smtClean="0">
+                              <a:solidFill>
+                                <a:srgbClr val="404040"/>
+                              </a:solidFill>
+                              <a:latin typeface="Cambria Math" panose="02040503050406030204" pitchFamily="18" charset="0"/>
+                            </a:rPr>
+                            <m:t>1</m:t>
+                          </m:r>
+                        </m:sub>
+                      </m:sSub>
+                      <m:r>
+                        <a:rPr lang="en-US" b="0" i="1" smtClean="0">
+                          <a:solidFill>
+                            <a:srgbClr val="404040"/>
+                          </a:solidFill>
+                          <a:latin typeface="Cambria Math" panose="02040503050406030204" pitchFamily="18" charset="0"/>
+                        </a:rPr>
+                        <m:t>𝐴</m:t>
+                      </m:r>
+                      <m:r>
+                        <a:rPr lang="en-US" b="0" i="1" smtClean="0">
+                          <a:solidFill>
+                            <a:srgbClr val="404040"/>
+                          </a:solidFill>
+                          <a:latin typeface="Cambria Math" panose="02040503050406030204" pitchFamily="18" charset="0"/>
+                        </a:rPr>
+                        <m:t>+</m:t>
+                      </m:r>
+                      <m:sSub>
+                        <m:sSubPr>
+                          <m:ctrlPr>
+                            <a:rPr lang="en-US" i="1" smtClean="0">
+                              <a:solidFill>
+                                <a:srgbClr val="404040"/>
+                              </a:solidFill>
+                              <a:latin typeface="Cambria Math" panose="02040503050406030204" pitchFamily="18" charset="0"/>
+                            </a:rPr>
+                          </m:ctrlPr>
+                        </m:sSubPr>
+                        <m:e>
+                          <m:r>
+                            <a:rPr lang="en-US" i="1">
+                              <a:solidFill>
+                                <a:srgbClr val="404040"/>
+                              </a:solidFill>
+                              <a:latin typeface="Cambria Math" panose="02040503050406030204" pitchFamily="18" charset="0"/>
+                            </a:rPr>
+                            <m:t>𝑏</m:t>
+                          </m:r>
+                        </m:e>
+                        <m:sub>
+                          <m:r>
+                            <a:rPr lang="en-US" b="0" i="1" smtClean="0">
+                              <a:solidFill>
+                                <a:srgbClr val="404040"/>
+                              </a:solidFill>
+                              <a:latin typeface="Cambria Math" panose="02040503050406030204" pitchFamily="18" charset="0"/>
+                            </a:rPr>
+                            <m:t>2</m:t>
+                          </m:r>
+                        </m:sub>
+                      </m:sSub>
+                      <m:sSup>
+                        <m:sSupPr>
+                          <m:ctrlPr>
+                            <a:rPr lang="en-US" b="0" i="1" smtClean="0">
+                              <a:solidFill>
+                                <a:srgbClr val="404040"/>
+                              </a:solidFill>
+                              <a:latin typeface="Cambria Math" panose="02040503050406030204" pitchFamily="18" charset="0"/>
+                            </a:rPr>
+                          </m:ctrlPr>
+                        </m:sSupPr>
+                        <m:e>
+                          <m:r>
+                            <a:rPr lang="en-US" i="1">
+                              <a:solidFill>
+                                <a:srgbClr val="404040"/>
+                              </a:solidFill>
+                              <a:latin typeface="Cambria Math" panose="02040503050406030204" pitchFamily="18" charset="0"/>
+                            </a:rPr>
+                            <m:t>𝐴</m:t>
+                          </m:r>
+                        </m:e>
+                        <m:sup>
+                          <m:r>
+                            <a:rPr lang="en-US" b="0" i="1" smtClean="0">
+                              <a:solidFill>
+                                <a:srgbClr val="404040"/>
+                              </a:solidFill>
+                              <a:latin typeface="Cambria Math" panose="02040503050406030204" pitchFamily="18" charset="0"/>
+                            </a:rPr>
+                            <m:t>2</m:t>
+                          </m:r>
+                        </m:sup>
+                      </m:sSup>
+                      <m:r>
+                        <a:rPr lang="en-US" b="0" i="1" smtClean="0">
+                          <a:solidFill>
+                            <a:srgbClr val="404040"/>
+                          </a:solidFill>
+                          <a:latin typeface="Cambria Math" panose="02040503050406030204" pitchFamily="18" charset="0"/>
+                        </a:rPr>
+                        <m:t>+…+</m:t>
+                      </m:r>
+                      <m:sSub>
+                        <m:sSubPr>
+                          <m:ctrlPr>
+                            <a:rPr lang="en-US" i="1">
+                              <a:solidFill>
+                                <a:srgbClr val="404040"/>
+                              </a:solidFill>
+                              <a:latin typeface="Cambria Math" panose="02040503050406030204" pitchFamily="18" charset="0"/>
+                            </a:rPr>
+                          </m:ctrlPr>
+                        </m:sSubPr>
+                        <m:e>
+                          <m:r>
+                            <a:rPr lang="en-US" i="1">
+                              <a:solidFill>
+                                <a:srgbClr val="404040"/>
+                              </a:solidFill>
+                              <a:latin typeface="Cambria Math" panose="02040503050406030204" pitchFamily="18" charset="0"/>
+                            </a:rPr>
+                            <m:t>𝑏</m:t>
+                          </m:r>
+                        </m:e>
+                        <m:sub>
+                          <m:r>
+                            <a:rPr lang="en-US" b="0" i="1" smtClean="0">
+                              <a:solidFill>
+                                <a:srgbClr val="404040"/>
+                              </a:solidFill>
+                              <a:latin typeface="Cambria Math" panose="02040503050406030204" pitchFamily="18" charset="0"/>
+                            </a:rPr>
+                            <m:t>𝑝</m:t>
+                          </m:r>
+                        </m:sub>
+                      </m:sSub>
+                      <m:sSup>
+                        <m:sSupPr>
+                          <m:ctrlPr>
+                            <a:rPr lang="en-US" i="1">
+                              <a:solidFill>
+                                <a:srgbClr val="404040"/>
+                              </a:solidFill>
+                              <a:latin typeface="Cambria Math" panose="02040503050406030204" pitchFamily="18" charset="0"/>
+                            </a:rPr>
+                          </m:ctrlPr>
+                        </m:sSupPr>
+                        <m:e>
+                          <m:r>
+                            <a:rPr lang="en-US" i="1">
+                              <a:solidFill>
+                                <a:srgbClr val="404040"/>
+                              </a:solidFill>
+                              <a:latin typeface="Cambria Math" panose="02040503050406030204" pitchFamily="18" charset="0"/>
+                            </a:rPr>
+                            <m:t>𝐴</m:t>
+                          </m:r>
+                        </m:e>
+                        <m:sup>
+                          <m:r>
+                            <a:rPr lang="en-US" b="0" i="1" smtClean="0">
+                              <a:solidFill>
+                                <a:srgbClr val="404040"/>
+                              </a:solidFill>
+                              <a:latin typeface="Cambria Math" panose="02040503050406030204" pitchFamily="18" charset="0"/>
+                            </a:rPr>
+                            <m:t>𝑝</m:t>
+                          </m:r>
+                        </m:sup>
+                      </m:sSup>
+                      <m:r>
+                        <a:rPr lang="en-US" b="0" i="1" smtClean="0">
+                          <a:solidFill>
+                            <a:srgbClr val="404040"/>
+                          </a:solidFill>
+                          <a:latin typeface="Cambria Math" panose="02040503050406030204" pitchFamily="18" charset="0"/>
+                        </a:rPr>
+                        <m:t>+ </m:t>
+                      </m:r>
+                      <m:r>
+                        <a:rPr lang="en-US" b="0" i="1" smtClean="0">
+                          <a:solidFill>
+                            <a:srgbClr val="404040"/>
+                          </a:solidFill>
+                          <a:latin typeface="Cambria Math" panose="02040503050406030204" pitchFamily="18" charset="0"/>
+                          <a:ea typeface="Cambria Math" panose="02040503050406030204" pitchFamily="18" charset="0"/>
+                        </a:rPr>
+                        <m:t>𝜀</m:t>
+                      </m:r>
+                    </m:oMath>
+                  </m:oMathPara>
+                </a14:m>
+                <a:endParaRPr lang="en-US" dirty="0">
+                  <a:solidFill>
+                    <a:srgbClr val="404040"/>
+                  </a:solidFill>
+                </a:endParaRPr>
+              </a:p>
+            </p:txBody>
+          </p:sp>
+        </mc:Choice>
+        <mc:Fallback>
+          <p:sp>
+            <p:nvSpPr>
+              <p:cNvPr id="10" name="TextBox 9">
+                <a:extLst>
+                  <a:ext uri="{FF2B5EF4-FFF2-40B4-BE49-F238E27FC236}">
+                    <a16:creationId xmlns:a16="http://schemas.microsoft.com/office/drawing/2014/main" id="{D29A1949-178D-4AFF-8F67-BA15956AD7E0}"/>
+                  </a:ext>
+                </a:extLst>
+              </p:cNvPr>
+              <p:cNvSpPr txBox="1">
+                <a:spLocks noRot="1" noChangeAspect="1" noMove="1" noResize="1" noEditPoints="1" noAdjustHandles="1" noChangeArrowheads="1" noChangeShapeType="1" noTextEdit="1"/>
+              </p:cNvSpPr>
+              <p:nvPr/>
+            </p:nvSpPr>
+            <p:spPr>
+              <a:xfrm>
+                <a:off x="3733800" y="1143000"/>
+                <a:ext cx="5334000" cy="497637"/>
+              </a:xfrm>
+              <a:prstGeom prst="rect">
+                <a:avLst/>
+              </a:prstGeom>
+              <a:blipFill>
+                <a:blip r:embed="rId4"/>
+                <a:stretch>
+                  <a:fillRect b="-6173"/>
+                </a:stretch>
+              </a:blipFill>
+            </p:spPr>
+            <p:txBody>
+              <a:bodyPr/>
+              <a:lstStyle/>
+              <a:p>
+                <a:r>
+                  <a:rPr lang="en-US">
+                    <a:noFill/>
+                  </a:rPr>
+                  <a:t> </a:t>
+                </a:r>
+              </a:p>
+            </p:txBody>
+          </p:sp>
+        </mc:Fallback>
+      </mc:AlternateContent>
+    </p:spTree>
+    <p:custDataLst>
+      <p:tags r:id="rId1"/>
+    </p:custDataLst>
+    <p:extLst>
+      <p:ext uri="{BB962C8B-B14F-4D97-AF65-F5344CB8AC3E}">
+        <p14:creationId xmlns:p14="http://schemas.microsoft.com/office/powerpoint/2010/main" val="2571195742"/>
+      </p:ext>
+    </p:extLst>
+  </p:cSld>
+  <p:clrMapOvr>
+    <a:masterClrMapping/>
+  </p:clrMapOvr>
+</p:sld>
+</file>
+
+<file path=ppt/slides/slide17.xml><?xml version="1.0" encoding="utf-8"?>
+<p:sld xmlns:a="http://schemas.openxmlformats.org/drawingml/2006/main" xmlns:r="http://schemas.openxmlformats.org/officeDocument/2006/relationships" xmlns:p="http://schemas.openxmlformats.org/presentationml/2006/main">
+  <p:cSld>
+    <p:bg>
+      <p:bgPr>
+        <a:solidFill>
+          <a:schemeClr val="bg1">
+            <a:lumMod val="85000"/>
+          </a:schemeClr>
+        </a:solidFill>
+        <a:effectLst/>
+      </p:bgPr>
+    </p:bg>
+    <p:spTree>
+      <p:nvGrpSpPr>
+        <p:cNvPr id="1" name=""/>
+        <p:cNvGrpSpPr/>
+        <p:nvPr/>
+      </p:nvGrpSpPr>
+      <p:grpSpPr>
+        <a:xfrm>
+          <a:off x="0" y="0"/>
+          <a:ext cx="0" cy="0"/>
+          <a:chOff x="0" y="0"/>
+          <a:chExt cx="0" cy="0"/>
+        </a:xfrm>
+      </p:grpSpPr>
+      <p:sp>
+        <p:nvSpPr>
+          <p:cNvPr id="15" name="Rectangle 12">
+            <a:extLst>
+              <a:ext uri="{FF2B5EF4-FFF2-40B4-BE49-F238E27FC236}">
+                <a16:creationId xmlns:a16="http://schemas.microsoft.com/office/drawing/2014/main" id="{867D4867-5BA7-4462-B2F6-A23F4A622AA7}"/>
+              </a:ext>
+              <a:ext uri="{C183D7F6-B498-43B3-948B-1728B52AA6E4}">
+                <adec:decorative xmlns:adec="http://schemas.microsoft.com/office/drawing/2017/decorative" val="1"/>
+              </a:ext>
+            </a:extLst>
+          </p:cNvPr>
+          <p:cNvSpPr>
+            <a:spLocks noGrp="1" noRot="1" noChangeAspect="1" noMove="1" noResize="1" noEditPoints="1" noAdjustHandles="1" noChangeArrowheads="1" noChangeShapeType="1" noTextEdit="1"/>
+          </p:cNvSpPr>
+          <p:nvPr>
+            <p:extLst>
+              <p:ext uri="{386F3935-93C4-4BCD-93E2-E3B085C9AB24}">
+                <p16:designElem xmlns:p16="http://schemas.microsoft.com/office/powerpoint/2015/main" val="1"/>
+              </p:ext>
+            </p:extLst>
+          </p:nvPr>
+        </p:nvSpPr>
+        <p:spPr>
+          <a:xfrm>
+            <a:off x="0" y="0"/>
+            <a:ext cx="3490722" cy="6858000"/>
+          </a:xfrm>
+          <a:prstGeom prst="rect">
+            <a:avLst/>
+          </a:prstGeom>
+          <a:solidFill>
+            <a:schemeClr val="tx1">
+              <a:lumMod val="75000"/>
+              <a:lumOff val="25000"/>
+            </a:schemeClr>
+          </a:solidFill>
+          <a:ln>
+            <a:noFill/>
+          </a:ln>
+        </p:spPr>
+        <p:style>
+          <a:lnRef idx="0">
+            <a:scrgbClr r="0" g="0" b="0"/>
+          </a:lnRef>
+          <a:fillRef idx="0">
+            <a:scrgbClr r="0" g="0" b="0"/>
+          </a:fillRef>
+          <a:effectRef idx="0">
+            <a:scrgbClr r="0" g="0" b="0"/>
+          </a:effectRef>
+          <a:fontRef idx="minor">
+            <a:schemeClr val="lt1"/>
+          </a:fontRef>
+        </p:style>
+        <p:txBody>
+          <a:bodyPr rtlCol="0" anchor="ctr"/>
+          <a:lstStyle/>
+          <a:p>
+            <a:pPr algn="ctr"/>
+            <a:endParaRPr lang="en-US"/>
+          </a:p>
+        </p:txBody>
+      </p:sp>
+      <p:sp>
+        <p:nvSpPr>
+          <p:cNvPr id="2" name="Title 1"/>
+          <p:cNvSpPr>
+            <a:spLocks noGrp="1"/>
+          </p:cNvSpPr>
+          <p:nvPr>
+            <p:ph type="title"/>
+          </p:nvPr>
+        </p:nvSpPr>
+        <p:spPr>
+          <a:xfrm>
+            <a:off x="482600" y="643467"/>
+            <a:ext cx="2522980" cy="1597315"/>
+          </a:xfrm>
+          <a:noFill/>
+          <a:ln w="19050">
+            <a:solidFill>
+              <a:schemeClr val="bg1"/>
+            </a:solidFill>
+          </a:ln>
+        </p:spPr>
+        <p:txBody>
+          <a:bodyPr vert="horz" wrap="square" lIns="91440" tIns="45720" rIns="91440" bIns="45720" rtlCol="0" anchor="ctr">
+            <a:normAutofit/>
+          </a:bodyPr>
+          <a:lstStyle/>
+          <a:p>
+            <a:pPr defTabSz="914400" eaLnBrk="1" hangingPunct="1">
+              <a:lnSpc>
+                <a:spcPct val="90000"/>
+              </a:lnSpc>
+            </a:pPr>
+            <a:r>
+              <a:rPr lang="en-US" sz="2400" kern="1200">
+                <a:solidFill>
+                  <a:schemeClr val="bg1"/>
+                </a:solidFill>
+                <a:latin typeface="+mj-lt"/>
+                <a:ea typeface="+mj-ea"/>
+                <a:cs typeface="+mj-cs"/>
+              </a:rPr>
+              <a:t>Closing</a:t>
+            </a:r>
+            <a:endParaRPr lang="en-US" sz="2400" kern="1200" dirty="0">
+              <a:solidFill>
+                <a:schemeClr val="bg1"/>
+              </a:solidFill>
+              <a:latin typeface="+mj-lt"/>
+              <a:ea typeface="+mj-ea"/>
+              <a:cs typeface="+mj-cs"/>
+            </a:endParaRPr>
+          </a:p>
+        </p:txBody>
+      </p:sp>
+      <p:pic>
+        <p:nvPicPr>
+          <p:cNvPr id="8" name="Picture 7">
+            <a:extLst>
+              <a:ext uri="{FF2B5EF4-FFF2-40B4-BE49-F238E27FC236}">
+                <a16:creationId xmlns:a16="http://schemas.microsoft.com/office/drawing/2014/main" id="{521D4292-9ECC-4DA5-8CC0-C561A0DA118E}"/>
+              </a:ext>
+            </a:extLst>
+          </p:cNvPr>
+          <p:cNvPicPr>
+            <a:picLocks noChangeAspect="1"/>
+          </p:cNvPicPr>
+          <p:nvPr/>
+        </p:nvPicPr>
+        <p:blipFill rotWithShape="1">
+          <a:blip r:embed="rId3"/>
+          <a:srcRect l="8000" r="9400"/>
+          <a:stretch/>
+        </p:blipFill>
+        <p:spPr>
+          <a:xfrm>
+            <a:off x="660103" y="3048000"/>
+            <a:ext cx="2167974" cy="2624666"/>
+          </a:xfrm>
+          <a:prstGeom prst="rect">
+            <a:avLst/>
+          </a:prstGeom>
+          <a:noFill/>
+        </p:spPr>
+      </p:pic>
+      <p:sp>
+        <p:nvSpPr>
+          <p:cNvPr id="7" name="Content Placeholder 2">
+            <a:extLst>
+              <a:ext uri="{FF2B5EF4-FFF2-40B4-BE49-F238E27FC236}">
+                <a16:creationId xmlns:a16="http://schemas.microsoft.com/office/drawing/2014/main" id="{8FE51533-15BE-453E-90FE-08298901BC34}"/>
+              </a:ext>
+            </a:extLst>
+          </p:cNvPr>
+          <p:cNvSpPr txBox="1">
+            <a:spLocks/>
+          </p:cNvSpPr>
+          <p:nvPr/>
+        </p:nvSpPr>
+        <p:spPr bwMode="auto">
+          <a:xfrm>
+            <a:off x="3810000" y="643466"/>
+            <a:ext cx="4851400" cy="5833533"/>
+          </a:xfrm>
+          <a:prstGeom prst="rect">
+            <a:avLst/>
+          </a:prstGeom>
+        </p:spPr>
+        <p:txBody>
+          <a:bodyPr vert="horz" lIns="91440" tIns="45720" rIns="91440" bIns="45720" numCol="1" rtlCol="0" anchorCtr="0" compatLnSpc="1">
+            <a:prstTxWarp prst="textNoShape">
+              <a:avLst/>
+            </a:prstTxWarp>
+            <a:noAutofit/>
+          </a:bodyPr>
+          <a:lstStyle>
+            <a:lvl1pPr marL="342900" indent="-342900" algn="l" defTabSz="457200" rtl="0" eaLnBrk="0" fontAlgn="base" hangingPunct="0">
+              <a:spcBef>
+                <a:spcPct val="20000"/>
+              </a:spcBef>
+              <a:spcAft>
+                <a:spcPct val="0"/>
+              </a:spcAft>
+              <a:buFont typeface="Arial" charset="0"/>
+              <a:buChar char="•"/>
+              <a:defRPr sz="3200" kern="1200">
+                <a:solidFill>
+                  <a:schemeClr val="tx1"/>
+                </a:solidFill>
+                <a:latin typeface="+mn-lt"/>
+                <a:ea typeface="ＭＳ Ｐゴシック" pitchFamily="-109" charset="-128"/>
+                <a:cs typeface="ＭＳ Ｐゴシック" pitchFamily="-109" charset="-128"/>
+              </a:defRPr>
+            </a:lvl1pPr>
+            <a:lvl2pPr marL="742950" indent="-285750" algn="l" defTabSz="457200" rtl="0" eaLnBrk="0" fontAlgn="base" hangingPunct="0">
+              <a:spcBef>
+                <a:spcPct val="20000"/>
+              </a:spcBef>
+              <a:spcAft>
+                <a:spcPct val="0"/>
+              </a:spcAft>
+              <a:buFont typeface="Arial" charset="0"/>
+              <a:buChar char="–"/>
+              <a:defRPr sz="2800" kern="1200">
+                <a:solidFill>
+                  <a:schemeClr val="tx1"/>
+                </a:solidFill>
+                <a:latin typeface="+mn-lt"/>
+                <a:ea typeface="ＭＳ Ｐゴシック" pitchFamily="-109" charset="-128"/>
+                <a:cs typeface="+mn-cs"/>
+              </a:defRPr>
+            </a:lvl2pPr>
+            <a:lvl3pPr marL="1143000" indent="-228600" algn="l" defTabSz="457200" rtl="0" eaLnBrk="0" fontAlgn="base" hangingPunct="0">
+              <a:spcBef>
+                <a:spcPct val="20000"/>
+              </a:spcBef>
+              <a:spcAft>
+                <a:spcPct val="0"/>
+              </a:spcAft>
+              <a:buFont typeface="Arial" charset="0"/>
+              <a:buChar char="•"/>
+              <a:defRPr sz="2400" kern="1200">
+                <a:solidFill>
+                  <a:schemeClr val="tx1"/>
+                </a:solidFill>
+                <a:latin typeface="+mn-lt"/>
+                <a:ea typeface="ＭＳ Ｐゴシック" pitchFamily="-109" charset="-128"/>
+                <a:cs typeface="+mn-cs"/>
+              </a:defRPr>
+            </a:lvl3pPr>
+            <a:lvl4pPr marL="1600200" indent="-228600" algn="l" defTabSz="457200" rtl="0" eaLnBrk="0" fontAlgn="base" hangingPunct="0">
+              <a:spcBef>
+                <a:spcPct val="20000"/>
+              </a:spcBef>
+              <a:spcAft>
+                <a:spcPct val="0"/>
+              </a:spcAft>
+              <a:buFont typeface="Arial" charset="0"/>
+              <a:buChar char="–"/>
+              <a:defRPr sz="2000" kern="1200">
+                <a:solidFill>
+                  <a:schemeClr val="tx1"/>
+                </a:solidFill>
+                <a:latin typeface="+mn-lt"/>
+                <a:ea typeface="ＭＳ Ｐゴシック" pitchFamily="-109" charset="-128"/>
+                <a:cs typeface="+mn-cs"/>
+              </a:defRPr>
+            </a:lvl4pPr>
+            <a:lvl5pPr marL="2057400" indent="-228600" algn="l" defTabSz="457200" rtl="0" eaLnBrk="0" fontAlgn="base" hangingPunct="0">
+              <a:spcBef>
+                <a:spcPct val="20000"/>
+              </a:spcBef>
+              <a:spcAft>
+                <a:spcPct val="0"/>
+              </a:spcAft>
+              <a:buFont typeface="Arial" charset="0"/>
+              <a:buChar char="»"/>
+              <a:defRPr sz="2000" kern="1200">
+                <a:solidFill>
+                  <a:schemeClr val="tx1"/>
+                </a:solidFill>
+                <a:latin typeface="+mn-lt"/>
+                <a:ea typeface="ＭＳ Ｐゴシック" pitchFamily="-109" charset="-128"/>
+                <a:cs typeface="+mn-cs"/>
+              </a:defRPr>
+            </a:lvl5pPr>
+            <a:lvl6pPr marL="2514600" indent="-228600" algn="l" defTabSz="457200" rtl="0" eaLnBrk="1" latinLnBrk="0" hangingPunct="1">
+              <a:spcBef>
+                <a:spcPct val="20000"/>
+              </a:spcBef>
+              <a:buFont typeface="Arial"/>
+              <a:buChar char="•"/>
+              <a:defRPr sz="2000" kern="1200">
+                <a:solidFill>
+                  <a:schemeClr val="tx1"/>
+                </a:solidFill>
+                <a:latin typeface="+mn-lt"/>
+                <a:ea typeface="+mn-ea"/>
+                <a:cs typeface="+mn-cs"/>
+              </a:defRPr>
+            </a:lvl6pPr>
+            <a:lvl7pPr marL="2971800" indent="-228600" algn="l" defTabSz="457200" rtl="0" eaLnBrk="1" latinLnBrk="0" hangingPunct="1">
+              <a:spcBef>
+                <a:spcPct val="20000"/>
+              </a:spcBef>
+              <a:buFont typeface="Arial"/>
+              <a:buChar char="•"/>
+              <a:defRPr sz="2000" kern="1200">
+                <a:solidFill>
+                  <a:schemeClr val="tx1"/>
+                </a:solidFill>
+                <a:latin typeface="+mn-lt"/>
+                <a:ea typeface="+mn-ea"/>
+                <a:cs typeface="+mn-cs"/>
+              </a:defRPr>
+            </a:lvl7pPr>
+            <a:lvl8pPr marL="3429000" indent="-228600" algn="l" defTabSz="457200" rtl="0" eaLnBrk="1" latinLnBrk="0" hangingPunct="1">
+              <a:spcBef>
+                <a:spcPct val="20000"/>
+              </a:spcBef>
+              <a:buFont typeface="Arial"/>
+              <a:buChar char="•"/>
+              <a:defRPr sz="2000" kern="1200">
+                <a:solidFill>
+                  <a:schemeClr val="tx1"/>
+                </a:solidFill>
+                <a:latin typeface="+mn-lt"/>
+                <a:ea typeface="+mn-ea"/>
+                <a:cs typeface="+mn-cs"/>
+              </a:defRPr>
+            </a:lvl8pPr>
+            <a:lvl9pPr marL="3886200" indent="-228600" algn="l" defTabSz="457200" rtl="0" eaLnBrk="1" latinLnBrk="0" hangingPunct="1">
+              <a:spcBef>
+                <a:spcPct val="20000"/>
+              </a:spcBef>
+              <a:buFont typeface="Arial"/>
+              <a:buChar char="•"/>
+              <a:defRPr sz="2000" kern="1200">
+                <a:solidFill>
+                  <a:schemeClr val="tx1"/>
+                </a:solidFill>
+                <a:latin typeface="+mn-lt"/>
+                <a:ea typeface="+mn-ea"/>
+                <a:cs typeface="+mn-cs"/>
+              </a:defRPr>
+            </a:lvl9pPr>
+          </a:lstStyle>
+          <a:p>
+            <a:pPr indent="-228600" defTabSz="914400" eaLnBrk="1" hangingPunct="1">
+              <a:lnSpc>
+                <a:spcPct val="90000"/>
+              </a:lnSpc>
+              <a:buFont typeface="Arial" panose="020B0604020202020204" pitchFamily="34" charset="0"/>
+              <a:buChar char="•"/>
+            </a:pPr>
+            <a:endParaRPr lang="en-US" sz="2000" dirty="0">
+              <a:solidFill>
+                <a:srgbClr val="404040"/>
+              </a:solidFill>
+              <a:ea typeface="+mn-ea"/>
+              <a:cs typeface="+mn-cs"/>
+            </a:endParaRPr>
+          </a:p>
+          <a:p>
+            <a:pPr indent="-228600" defTabSz="914400" eaLnBrk="1" hangingPunct="1">
+              <a:lnSpc>
+                <a:spcPct val="90000"/>
+              </a:lnSpc>
+              <a:buFont typeface="Arial" panose="020B0604020202020204" pitchFamily="34" charset="0"/>
+              <a:buChar char="•"/>
+            </a:pPr>
+            <a:endParaRPr lang="en-US" sz="2000" dirty="0">
+              <a:solidFill>
+                <a:srgbClr val="404040"/>
+              </a:solidFill>
+              <a:ea typeface="+mn-ea"/>
+              <a:cs typeface="+mn-cs"/>
+            </a:endParaRPr>
+          </a:p>
+        </p:txBody>
+      </p:sp>
+      <p:sp>
+        <p:nvSpPr>
+          <p:cNvPr id="10" name="Content Placeholder 2">
+            <a:extLst>
+              <a:ext uri="{FF2B5EF4-FFF2-40B4-BE49-F238E27FC236}">
+                <a16:creationId xmlns:a16="http://schemas.microsoft.com/office/drawing/2014/main" id="{10754C74-871F-42E2-A79F-10B9CCA16CD5}"/>
+              </a:ext>
+            </a:extLst>
+          </p:cNvPr>
+          <p:cNvSpPr txBox="1">
+            <a:spLocks/>
+          </p:cNvSpPr>
+          <p:nvPr/>
+        </p:nvSpPr>
+        <p:spPr bwMode="auto">
+          <a:xfrm>
+            <a:off x="3973322" y="643466"/>
+            <a:ext cx="4851400" cy="5953916"/>
+          </a:xfrm>
+          <a:prstGeom prst="rect">
+            <a:avLst/>
+          </a:prstGeom>
+        </p:spPr>
+        <p:txBody>
+          <a:bodyPr vert="horz" lIns="91440" tIns="45720" rIns="91440" bIns="45720" numCol="1" rtlCol="0" anchorCtr="0" compatLnSpc="1">
+            <a:prstTxWarp prst="textNoShape">
+              <a:avLst/>
+            </a:prstTxWarp>
+            <a:noAutofit/>
+          </a:bodyPr>
+          <a:lstStyle>
+            <a:lvl1pPr marL="342900" indent="-342900" algn="l" defTabSz="457200" rtl="0" eaLnBrk="0" fontAlgn="base" hangingPunct="0">
+              <a:spcBef>
+                <a:spcPct val="20000"/>
+              </a:spcBef>
+              <a:spcAft>
+                <a:spcPct val="0"/>
+              </a:spcAft>
+              <a:buFont typeface="Arial" charset="0"/>
+              <a:buChar char="•"/>
+              <a:defRPr sz="3200" kern="1200">
+                <a:solidFill>
+                  <a:schemeClr val="tx1"/>
+                </a:solidFill>
+                <a:latin typeface="+mn-lt"/>
+                <a:ea typeface="ＭＳ Ｐゴシック" pitchFamily="-109" charset="-128"/>
+                <a:cs typeface="ＭＳ Ｐゴシック" pitchFamily="-109" charset="-128"/>
+              </a:defRPr>
+            </a:lvl1pPr>
+            <a:lvl2pPr marL="742950" indent="-285750" algn="l" defTabSz="457200" rtl="0" eaLnBrk="0" fontAlgn="base" hangingPunct="0">
+              <a:spcBef>
+                <a:spcPct val="20000"/>
+              </a:spcBef>
+              <a:spcAft>
+                <a:spcPct val="0"/>
+              </a:spcAft>
+              <a:buFont typeface="Arial" charset="0"/>
+              <a:buChar char="–"/>
+              <a:defRPr sz="2800" kern="1200">
+                <a:solidFill>
+                  <a:schemeClr val="tx1"/>
+                </a:solidFill>
+                <a:latin typeface="+mn-lt"/>
+                <a:ea typeface="ＭＳ Ｐゴシック" pitchFamily="-109" charset="-128"/>
+                <a:cs typeface="+mn-cs"/>
+              </a:defRPr>
+            </a:lvl2pPr>
+            <a:lvl3pPr marL="1143000" indent="-228600" algn="l" defTabSz="457200" rtl="0" eaLnBrk="0" fontAlgn="base" hangingPunct="0">
+              <a:spcBef>
+                <a:spcPct val="20000"/>
+              </a:spcBef>
+              <a:spcAft>
+                <a:spcPct val="0"/>
+              </a:spcAft>
+              <a:buFont typeface="Arial" charset="0"/>
+              <a:buChar char="•"/>
+              <a:defRPr sz="2400" kern="1200">
+                <a:solidFill>
+                  <a:schemeClr val="tx1"/>
+                </a:solidFill>
+                <a:latin typeface="+mn-lt"/>
+                <a:ea typeface="ＭＳ Ｐゴシック" pitchFamily="-109" charset="-128"/>
+                <a:cs typeface="+mn-cs"/>
+              </a:defRPr>
+            </a:lvl3pPr>
+            <a:lvl4pPr marL="1600200" indent="-228600" algn="l" defTabSz="457200" rtl="0" eaLnBrk="0" fontAlgn="base" hangingPunct="0">
+              <a:spcBef>
+                <a:spcPct val="20000"/>
+              </a:spcBef>
+              <a:spcAft>
+                <a:spcPct val="0"/>
+              </a:spcAft>
+              <a:buFont typeface="Arial" charset="0"/>
+              <a:buChar char="–"/>
+              <a:defRPr sz="2000" kern="1200">
+                <a:solidFill>
+                  <a:schemeClr val="tx1"/>
+                </a:solidFill>
+                <a:latin typeface="+mn-lt"/>
+                <a:ea typeface="ＭＳ Ｐゴシック" pitchFamily="-109" charset="-128"/>
+                <a:cs typeface="+mn-cs"/>
+              </a:defRPr>
+            </a:lvl4pPr>
+            <a:lvl5pPr marL="2057400" indent="-228600" algn="l" defTabSz="457200" rtl="0" eaLnBrk="0" fontAlgn="base" hangingPunct="0">
+              <a:spcBef>
+                <a:spcPct val="20000"/>
+              </a:spcBef>
+              <a:spcAft>
+                <a:spcPct val="0"/>
+              </a:spcAft>
+              <a:buFont typeface="Arial" charset="0"/>
+              <a:buChar char="»"/>
+              <a:defRPr sz="2000" kern="1200">
+                <a:solidFill>
+                  <a:schemeClr val="tx1"/>
+                </a:solidFill>
+                <a:latin typeface="+mn-lt"/>
+                <a:ea typeface="ＭＳ Ｐゴシック" pitchFamily="-109" charset="-128"/>
+                <a:cs typeface="+mn-cs"/>
+              </a:defRPr>
+            </a:lvl5pPr>
+            <a:lvl6pPr marL="2514600" indent="-228600" algn="l" defTabSz="457200" rtl="0" eaLnBrk="1" latinLnBrk="0" hangingPunct="1">
+              <a:spcBef>
+                <a:spcPct val="20000"/>
+              </a:spcBef>
+              <a:buFont typeface="Arial"/>
+              <a:buChar char="•"/>
+              <a:defRPr sz="2000" kern="1200">
+                <a:solidFill>
+                  <a:schemeClr val="tx1"/>
+                </a:solidFill>
+                <a:latin typeface="+mn-lt"/>
+                <a:ea typeface="+mn-ea"/>
+                <a:cs typeface="+mn-cs"/>
+              </a:defRPr>
+            </a:lvl6pPr>
+            <a:lvl7pPr marL="2971800" indent="-228600" algn="l" defTabSz="457200" rtl="0" eaLnBrk="1" latinLnBrk="0" hangingPunct="1">
+              <a:spcBef>
+                <a:spcPct val="20000"/>
+              </a:spcBef>
+              <a:buFont typeface="Arial"/>
+              <a:buChar char="•"/>
+              <a:defRPr sz="2000" kern="1200">
+                <a:solidFill>
+                  <a:schemeClr val="tx1"/>
+                </a:solidFill>
+                <a:latin typeface="+mn-lt"/>
+                <a:ea typeface="+mn-ea"/>
+                <a:cs typeface="+mn-cs"/>
+              </a:defRPr>
+            </a:lvl7pPr>
+            <a:lvl8pPr marL="3429000" indent="-228600" algn="l" defTabSz="457200" rtl="0" eaLnBrk="1" latinLnBrk="0" hangingPunct="1">
+              <a:spcBef>
+                <a:spcPct val="20000"/>
+              </a:spcBef>
+              <a:buFont typeface="Arial"/>
+              <a:buChar char="•"/>
+              <a:defRPr sz="2000" kern="1200">
+                <a:solidFill>
+                  <a:schemeClr val="tx1"/>
+                </a:solidFill>
+                <a:latin typeface="+mn-lt"/>
+                <a:ea typeface="+mn-ea"/>
+                <a:cs typeface="+mn-cs"/>
+              </a:defRPr>
+            </a:lvl8pPr>
+            <a:lvl9pPr marL="3886200" indent="-228600" algn="l" defTabSz="457200" rtl="0" eaLnBrk="1" latinLnBrk="0" hangingPunct="1">
+              <a:spcBef>
+                <a:spcPct val="20000"/>
+              </a:spcBef>
+              <a:buFont typeface="Arial"/>
+              <a:buChar char="•"/>
+              <a:defRPr sz="2000" kern="1200">
+                <a:solidFill>
+                  <a:schemeClr val="tx1"/>
+                </a:solidFill>
+                <a:latin typeface="+mn-lt"/>
+                <a:ea typeface="+mn-ea"/>
+                <a:cs typeface="+mn-cs"/>
+              </a:defRPr>
+            </a:lvl9pPr>
+          </a:lstStyle>
+          <a:p>
+            <a:pPr marL="114300" indent="0" defTabSz="914400" eaLnBrk="1" hangingPunct="1">
+              <a:lnSpc>
+                <a:spcPct val="90000"/>
+              </a:lnSpc>
+              <a:buNone/>
+            </a:pPr>
+            <a:r>
+              <a:rPr lang="en-US" sz="7200" dirty="0">
+                <a:solidFill>
+                  <a:srgbClr val="404040"/>
+                </a:solidFill>
+                <a:ea typeface="+mn-ea"/>
+                <a:cs typeface="+mn-cs"/>
+              </a:rPr>
+              <a:t>Disperse and Make Reasonable Decisions</a:t>
+            </a:r>
+          </a:p>
+          <a:p>
+            <a:pPr indent="-228600" defTabSz="914400" eaLnBrk="1" hangingPunct="1">
+              <a:lnSpc>
+                <a:spcPct val="90000"/>
+              </a:lnSpc>
+              <a:buFont typeface="Arial" panose="020B0604020202020204" pitchFamily="34" charset="0"/>
+              <a:buChar char="•"/>
+            </a:pPr>
+            <a:endParaRPr lang="en-US" sz="7200" dirty="0">
+              <a:solidFill>
+                <a:srgbClr val="404040"/>
+              </a:solidFill>
+              <a:ea typeface="+mn-ea"/>
+              <a:cs typeface="+mn-cs"/>
+            </a:endParaRPr>
+          </a:p>
+          <a:p>
+            <a:pPr indent="-228600" defTabSz="914400" eaLnBrk="1" hangingPunct="1">
+              <a:lnSpc>
+                <a:spcPct val="90000"/>
+              </a:lnSpc>
+              <a:buFont typeface="Arial" panose="020B0604020202020204" pitchFamily="34" charset="0"/>
+              <a:buChar char="•"/>
+            </a:pPr>
+            <a:endParaRPr lang="en-US" sz="7200" dirty="0">
+              <a:solidFill>
+                <a:srgbClr val="404040"/>
+              </a:solidFill>
+              <a:ea typeface="+mn-ea"/>
+              <a:cs typeface="+mn-cs"/>
+            </a:endParaRPr>
+          </a:p>
+          <a:p>
+            <a:pPr indent="-228600" defTabSz="914400" eaLnBrk="1" hangingPunct="1">
+              <a:lnSpc>
+                <a:spcPct val="90000"/>
+              </a:lnSpc>
+              <a:buFont typeface="Arial" panose="020B0604020202020204" pitchFamily="34" charset="0"/>
+              <a:buChar char="•"/>
+            </a:pPr>
+            <a:endParaRPr lang="en-US" sz="7200" dirty="0">
+              <a:solidFill>
+                <a:srgbClr val="404040"/>
+              </a:solidFill>
+              <a:ea typeface="+mn-ea"/>
+              <a:cs typeface="+mn-cs"/>
+            </a:endParaRPr>
+          </a:p>
+          <a:p>
+            <a:pPr indent="-228600" defTabSz="914400" eaLnBrk="1" hangingPunct="1">
+              <a:lnSpc>
+                <a:spcPct val="90000"/>
+              </a:lnSpc>
+              <a:buFont typeface="Arial" panose="020B0604020202020204" pitchFamily="34" charset="0"/>
+              <a:buChar char="•"/>
+            </a:pPr>
+            <a:endParaRPr lang="en-US" sz="7200" dirty="0">
+              <a:solidFill>
+                <a:srgbClr val="404040"/>
+              </a:solidFill>
+              <a:ea typeface="+mn-ea"/>
+              <a:cs typeface="+mn-cs"/>
+            </a:endParaRPr>
+          </a:p>
+        </p:txBody>
+      </p:sp>
+    </p:spTree>
+    <p:custDataLst>
+      <p:tags r:id="rId1"/>
+    </p:custDataLst>
+    <p:extLst>
+      <p:ext uri="{BB962C8B-B14F-4D97-AF65-F5344CB8AC3E}">
+        <p14:creationId xmlns:p14="http://schemas.microsoft.com/office/powerpoint/2010/main" val="3647066437"/>
+      </p:ext>
+    </p:extLst>
+  </p:cSld>
+  <p:clrMapOvr>
+    <a:masterClrMapping/>
+  </p:clrMapOvr>
+</p:sld>
+</file>
+
+<file path=ppt/slides/slide2.xml><?xml version="1.0" encoding="utf-8"?>
+<p:sld xmlns:a="http://schemas.openxmlformats.org/drawingml/2006/main" xmlns:r="http://schemas.openxmlformats.org/officeDocument/2006/relationships" xmlns:p="http://schemas.openxmlformats.org/presentationml/2006/main">
+  <p:cSld>
+    <p:bg>
+      <p:bgPr>
+        <a:solidFill>
+          <a:schemeClr val="bg1">
+            <a:lumMod val="85000"/>
+          </a:schemeClr>
+        </a:solidFill>
+        <a:effectLst/>
+      </p:bgPr>
+    </p:bg>
+    <p:spTree>
+      <p:nvGrpSpPr>
+        <p:cNvPr id="1" name=""/>
+        <p:cNvGrpSpPr/>
+        <p:nvPr/>
+      </p:nvGrpSpPr>
+      <p:grpSpPr>
+        <a:xfrm>
+          <a:off x="0" y="0"/>
+          <a:ext cx="0" cy="0"/>
+          <a:chOff x="0" y="0"/>
+          <a:chExt cx="0" cy="0"/>
+        </a:xfrm>
+      </p:grpSpPr>
+      <p:sp>
+        <p:nvSpPr>
+          <p:cNvPr id="15" name="Rectangle 12">
+            <a:extLst>
+              <a:ext uri="{FF2B5EF4-FFF2-40B4-BE49-F238E27FC236}">
+                <a16:creationId xmlns:a16="http://schemas.microsoft.com/office/drawing/2014/main" id="{867D4867-5BA7-4462-B2F6-A23F4A622AA7}"/>
+              </a:ext>
+              <a:ext uri="{C183D7F6-B498-43B3-948B-1728B52AA6E4}">
+                <adec:decorative xmlns:adec="http://schemas.microsoft.com/office/drawing/2017/decorative" val="1"/>
+              </a:ext>
+            </a:extLst>
+          </p:cNvPr>
+          <p:cNvSpPr>
+            <a:spLocks noGrp="1" noRot="1" noChangeAspect="1" noMove="1" noResize="1" noEditPoints="1" noAdjustHandles="1" noChangeArrowheads="1" noChangeShapeType="1" noTextEdit="1"/>
+          </p:cNvSpPr>
+          <p:nvPr>
+            <p:extLst>
+              <p:ext uri="{386F3935-93C4-4BCD-93E2-E3B085C9AB24}">
+                <p16:designElem xmlns:p16="http://schemas.microsoft.com/office/powerpoint/2015/main" val="1"/>
+              </p:ext>
+            </p:extLst>
+          </p:nvPr>
+        </p:nvSpPr>
+        <p:spPr>
+          <a:xfrm>
+            <a:off x="0" y="0"/>
+            <a:ext cx="3490722" cy="6858000"/>
+          </a:xfrm>
+          <a:prstGeom prst="rect">
+            <a:avLst/>
+          </a:prstGeom>
+          <a:solidFill>
+            <a:schemeClr val="tx1">
+              <a:lumMod val="75000"/>
+              <a:lumOff val="25000"/>
+            </a:schemeClr>
+          </a:solidFill>
+          <a:ln>
+            <a:noFill/>
+          </a:ln>
+        </p:spPr>
+        <p:style>
+          <a:lnRef idx="0">
+            <a:scrgbClr r="0" g="0" b="0"/>
+          </a:lnRef>
+          <a:fillRef idx="0">
+            <a:scrgbClr r="0" g="0" b="0"/>
+          </a:fillRef>
+          <a:effectRef idx="0">
+            <a:scrgbClr r="0" g="0" b="0"/>
+          </a:effectRef>
+          <a:fontRef idx="minor">
+            <a:schemeClr val="lt1"/>
+          </a:fontRef>
+        </p:style>
+        <p:txBody>
+          <a:bodyPr rtlCol="0" anchor="ctr"/>
+          <a:lstStyle/>
+          <a:p>
+            <a:pPr marL="0" marR="0" lvl="0" indent="0" algn="ctr" defTabSz="457200" rtl="0" eaLnBrk="1" fontAlgn="base" latinLnBrk="0" hangingPunct="1">
+              <a:lnSpc>
+                <a:spcPct val="100000"/>
+              </a:lnSpc>
+              <a:spcBef>
+                <a:spcPct val="0"/>
+              </a:spcBef>
+              <a:spcAft>
+                <a:spcPct val="0"/>
+              </a:spcAft>
+              <a:buClrTx/>
+              <a:buSzTx/>
+              <a:buFontTx/>
+              <a:buNone/>
+              <a:tabLst/>
+              <a:defRPr/>
+            </a:pPr>
+            <a:endParaRPr kumimoji="0" lang="en-US" sz="2400" b="0" i="0" u="none" strike="noStrike" kern="1200" cap="none" spc="0" normalizeH="0" baseline="0" noProof="0">
+              <a:ln>
+                <a:noFill/>
+              </a:ln>
+              <a:solidFill>
+                <a:prstClr val="white"/>
+              </a:solidFill>
+              <a:effectLst/>
+              <a:uLnTx/>
+              <a:uFillTx/>
+              <a:latin typeface="Calibri"/>
+              <a:ea typeface="+mn-ea"/>
+              <a:cs typeface="+mn-cs"/>
+            </a:endParaRPr>
+          </a:p>
+        </p:txBody>
+      </p:sp>
+      <p:sp>
+        <p:nvSpPr>
+          <p:cNvPr id="2" name="Title 1"/>
+          <p:cNvSpPr>
+            <a:spLocks noGrp="1"/>
+          </p:cNvSpPr>
+          <p:nvPr>
+            <p:ph type="title"/>
+          </p:nvPr>
+        </p:nvSpPr>
+        <p:spPr>
+          <a:xfrm>
+            <a:off x="482600" y="643467"/>
+            <a:ext cx="2522980" cy="1597315"/>
+          </a:xfrm>
+          <a:noFill/>
+          <a:ln w="19050">
+            <a:solidFill>
+              <a:schemeClr val="bg1"/>
+            </a:solidFill>
+          </a:ln>
+        </p:spPr>
+        <p:txBody>
+          <a:bodyPr vert="horz" wrap="square" lIns="91440" tIns="45720" rIns="91440" bIns="45720" rtlCol="0" anchor="ctr">
+            <a:normAutofit/>
+          </a:bodyPr>
+          <a:lstStyle/>
+          <a:p>
+            <a:pPr defTabSz="914400" eaLnBrk="1" hangingPunct="1">
+              <a:lnSpc>
+                <a:spcPct val="90000"/>
+              </a:lnSpc>
+            </a:pPr>
+            <a:r>
+              <a:rPr lang="en-US" sz="2400" dirty="0">
+                <a:solidFill>
+                  <a:schemeClr val="bg1"/>
+                </a:solidFill>
+                <a:ea typeface="+mj-ea"/>
+                <a:cs typeface="+mj-cs"/>
+              </a:rPr>
+              <a:t>Introduction</a:t>
+            </a:r>
+            <a:endParaRPr lang="en-US" sz="2400" kern="1200" dirty="0">
+              <a:solidFill>
+                <a:schemeClr val="bg1"/>
+              </a:solidFill>
+              <a:latin typeface="+mj-lt"/>
+              <a:ea typeface="+mj-ea"/>
+              <a:cs typeface="+mj-cs"/>
+            </a:endParaRPr>
+          </a:p>
+        </p:txBody>
+      </p:sp>
+      <p:pic>
+        <p:nvPicPr>
+          <p:cNvPr id="8" name="Picture 7">
+            <a:extLst>
+              <a:ext uri="{FF2B5EF4-FFF2-40B4-BE49-F238E27FC236}">
+                <a16:creationId xmlns:a16="http://schemas.microsoft.com/office/drawing/2014/main" id="{521D4292-9ECC-4DA5-8CC0-C561A0DA118E}"/>
+              </a:ext>
+            </a:extLst>
+          </p:cNvPr>
+          <p:cNvPicPr>
+            <a:picLocks noChangeAspect="1"/>
+          </p:cNvPicPr>
+          <p:nvPr/>
+        </p:nvPicPr>
+        <p:blipFill rotWithShape="1">
+          <a:blip r:embed="rId3"/>
+          <a:srcRect l="8000" r="9400"/>
+          <a:stretch/>
+        </p:blipFill>
+        <p:spPr>
+          <a:xfrm>
+            <a:off x="660103" y="3048000"/>
+            <a:ext cx="2167974" cy="2624666"/>
+          </a:xfrm>
+          <a:prstGeom prst="rect">
+            <a:avLst/>
+          </a:prstGeom>
+          <a:noFill/>
+        </p:spPr>
+      </p:pic>
+      <p:sp>
+        <p:nvSpPr>
+          <p:cNvPr id="7" name="TextBox 6">
+            <a:extLst>
+              <a:ext uri="{FF2B5EF4-FFF2-40B4-BE49-F238E27FC236}">
+                <a16:creationId xmlns:a16="http://schemas.microsoft.com/office/drawing/2014/main" id="{DF060353-BDFF-427E-8ABE-861948AE3B71}"/>
+              </a:ext>
+            </a:extLst>
+          </p:cNvPr>
+          <p:cNvSpPr txBox="1"/>
+          <p:nvPr/>
+        </p:nvSpPr>
+        <p:spPr>
+          <a:xfrm>
+            <a:off x="3810000" y="643467"/>
+            <a:ext cx="5334000" cy="4524315"/>
+          </a:xfrm>
+          <a:prstGeom prst="rect">
+            <a:avLst/>
+          </a:prstGeom>
+          <a:noFill/>
+        </p:spPr>
+        <p:txBody>
+          <a:bodyPr wrap="square" rtlCol="0">
+            <a:spAutoFit/>
+          </a:bodyPr>
+          <a:lstStyle/>
+          <a:p>
+            <a:pPr marL="342900" indent="-342900">
+              <a:buFont typeface="Arial" panose="020B0604020202020204" pitchFamily="34" charset="0"/>
+              <a:buChar char="•"/>
+              <a:defRPr/>
+            </a:pPr>
+            <a:r>
+              <a:rPr lang="en-US" dirty="0">
+                <a:solidFill>
+                  <a:srgbClr val="404040"/>
+                </a:solidFill>
+              </a:rPr>
+              <a:t>Instructions</a:t>
+            </a:r>
+          </a:p>
+          <a:p>
+            <a:pPr>
+              <a:defRPr/>
+            </a:pPr>
+            <a:endParaRPr lang="en-US" dirty="0">
+              <a:solidFill>
+                <a:srgbClr val="404040"/>
+              </a:solidFill>
+            </a:endParaRPr>
+          </a:p>
+          <a:p>
+            <a:pPr marL="800100" lvl="1" indent="-342900">
+              <a:buFont typeface="Arial" panose="020B0604020202020204" pitchFamily="34" charset="0"/>
+              <a:buChar char="•"/>
+              <a:defRPr/>
+            </a:pPr>
+            <a:r>
+              <a:rPr lang="en-US" dirty="0">
+                <a:solidFill>
+                  <a:srgbClr val="404040"/>
+                </a:solidFill>
+              </a:rPr>
+              <a:t>Download Tutorial 13 Zip</a:t>
+            </a:r>
+          </a:p>
+          <a:p>
+            <a:pPr marL="800100" lvl="1" indent="-342900">
+              <a:buFont typeface="Arial" panose="020B0604020202020204" pitchFamily="34" charset="0"/>
+              <a:buChar char="•"/>
+              <a:defRPr/>
+            </a:pPr>
+            <a:r>
+              <a:rPr lang="en-US" dirty="0">
+                <a:solidFill>
+                  <a:srgbClr val="404040"/>
+                </a:solidFill>
+              </a:rPr>
+              <a:t>Unzip Folder</a:t>
+            </a:r>
+          </a:p>
+          <a:p>
+            <a:pPr marL="800100" lvl="1" indent="-342900">
+              <a:buFont typeface="Arial" panose="020B0604020202020204" pitchFamily="34" charset="0"/>
+              <a:buChar char="•"/>
+              <a:defRPr/>
+            </a:pPr>
+            <a:r>
+              <a:rPr lang="en-US" dirty="0">
+                <a:solidFill>
+                  <a:srgbClr val="404040"/>
+                </a:solidFill>
+              </a:rPr>
+              <a:t>Required Packages</a:t>
+            </a:r>
+          </a:p>
+          <a:p>
+            <a:pPr marL="1257300" lvl="2" indent="-342900">
+              <a:buFont typeface="Arial" panose="020B0604020202020204" pitchFamily="34" charset="0"/>
+              <a:buChar char="•"/>
+              <a:defRPr/>
+            </a:pPr>
+            <a:r>
+              <a:rPr lang="en-US" dirty="0">
+                <a:solidFill>
+                  <a:srgbClr val="404040"/>
+                </a:solidFill>
+              </a:rPr>
+              <a:t> </a:t>
+            </a:r>
+          </a:p>
+          <a:p>
+            <a:pPr lvl="2">
+              <a:defRPr/>
+            </a:pPr>
+            <a:endParaRPr lang="en-US" dirty="0">
+              <a:solidFill>
+                <a:srgbClr val="404040"/>
+              </a:solidFill>
+            </a:endParaRPr>
+          </a:p>
+          <a:p>
+            <a:pPr marL="1257300" lvl="2" indent="-342900">
+              <a:buFont typeface="Arial" panose="020B0604020202020204" pitchFamily="34" charset="0"/>
+              <a:buChar char="•"/>
+              <a:defRPr/>
+            </a:pPr>
+            <a:r>
+              <a:rPr lang="en-US" dirty="0">
+                <a:solidFill>
+                  <a:srgbClr val="404040"/>
+                </a:solidFill>
+              </a:rPr>
+              <a:t> </a:t>
+            </a:r>
+          </a:p>
+          <a:p>
+            <a:pPr marL="1257300" lvl="2" indent="-342900">
+              <a:buFont typeface="Arial" panose="020B0604020202020204" pitchFamily="34" charset="0"/>
+              <a:buChar char="•"/>
+              <a:defRPr/>
+            </a:pPr>
+            <a:endParaRPr lang="en-US" dirty="0">
+              <a:solidFill>
+                <a:srgbClr val="404040"/>
+              </a:solidFill>
+            </a:endParaRPr>
+          </a:p>
+          <a:p>
+            <a:pPr marL="1257300" lvl="2" indent="-342900">
+              <a:buFont typeface="Arial" panose="020B0604020202020204" pitchFamily="34" charset="0"/>
+              <a:buChar char="•"/>
+              <a:defRPr/>
+            </a:pPr>
+            <a:r>
+              <a:rPr lang="en-US" dirty="0">
+                <a:solidFill>
+                  <a:srgbClr val="404040"/>
+                </a:solidFill>
+              </a:rPr>
+              <a:t> </a:t>
+            </a:r>
+          </a:p>
+          <a:p>
+            <a:pPr marL="800100" lvl="1" indent="-342900">
+              <a:buFont typeface="Arial" panose="020B0604020202020204" pitchFamily="34" charset="0"/>
+              <a:buChar char="•"/>
+              <a:defRPr/>
+            </a:pPr>
+            <a:r>
+              <a:rPr lang="en-US" dirty="0">
+                <a:solidFill>
+                  <a:srgbClr val="404040"/>
+                </a:solidFill>
+              </a:rPr>
+              <a:t>Open .</a:t>
+            </a:r>
+            <a:r>
+              <a:rPr lang="en-US" dirty="0" err="1">
+                <a:solidFill>
+                  <a:srgbClr val="404040"/>
+                </a:solidFill>
+              </a:rPr>
+              <a:t>Rmd</a:t>
+            </a:r>
+            <a:r>
+              <a:rPr lang="en-US" dirty="0">
+                <a:solidFill>
+                  <a:srgbClr val="404040"/>
+                </a:solidFill>
+              </a:rPr>
+              <a:t> File and Knit</a:t>
+            </a:r>
+          </a:p>
+          <a:p>
+            <a:pPr marL="800100" lvl="1" indent="-342900">
+              <a:buFont typeface="Arial" panose="020B0604020202020204" pitchFamily="34" charset="0"/>
+              <a:buChar char="•"/>
+              <a:defRPr/>
+            </a:pPr>
+            <a:endParaRPr lang="en-US" dirty="0">
+              <a:solidFill>
+                <a:srgbClr val="404040"/>
+              </a:solidFill>
+            </a:endParaRPr>
+          </a:p>
+        </p:txBody>
+      </p:sp>
+      <p:sp>
+        <p:nvSpPr>
+          <p:cNvPr id="6" name="TextBox 5">
+            <a:extLst>
+              <a:ext uri="{FF2B5EF4-FFF2-40B4-BE49-F238E27FC236}">
+                <a16:creationId xmlns:a16="http://schemas.microsoft.com/office/drawing/2014/main" id="{BD249506-538F-4D06-A28A-D8F3DE7114AE}"/>
+              </a:ext>
+            </a:extLst>
+          </p:cNvPr>
+          <p:cNvSpPr txBox="1"/>
+          <p:nvPr/>
+        </p:nvSpPr>
+        <p:spPr>
+          <a:xfrm>
+            <a:off x="5029200" y="2590800"/>
+            <a:ext cx="1924050" cy="369332"/>
+          </a:xfrm>
+          <a:prstGeom prst="rect">
+            <a:avLst/>
+          </a:prstGeom>
+          <a:solidFill>
+            <a:srgbClr val="404040"/>
+          </a:solidFill>
+        </p:spPr>
+        <p:txBody>
+          <a:bodyPr wrap="square" rtlCol="0">
+            <a:spAutoFit/>
+          </a:bodyPr>
+          <a:lstStyle/>
+          <a:p>
+            <a:r>
+              <a:rPr lang="en-US" sz="1800" dirty="0">
+                <a:solidFill>
+                  <a:schemeClr val="bg1"/>
+                </a:solidFill>
+              </a:rPr>
+              <a:t>library(</a:t>
+            </a:r>
+            <a:r>
+              <a:rPr lang="en-US" sz="1800" dirty="0" err="1">
+                <a:solidFill>
+                  <a:schemeClr val="bg1"/>
+                </a:solidFill>
+              </a:rPr>
+              <a:t>tidyverse</a:t>
+            </a:r>
+            <a:r>
+              <a:rPr lang="en-US" sz="1800" dirty="0">
+                <a:solidFill>
+                  <a:schemeClr val="bg1"/>
+                </a:solidFill>
+              </a:rPr>
+              <a:t>)</a:t>
+            </a:r>
+          </a:p>
+        </p:txBody>
+      </p:sp>
+      <p:sp>
+        <p:nvSpPr>
+          <p:cNvPr id="9" name="TextBox 8">
+            <a:extLst>
+              <a:ext uri="{FF2B5EF4-FFF2-40B4-BE49-F238E27FC236}">
+                <a16:creationId xmlns:a16="http://schemas.microsoft.com/office/drawing/2014/main" id="{74389C11-EAAF-4941-BFF5-B583EAEB6C28}"/>
+              </a:ext>
+            </a:extLst>
+          </p:cNvPr>
+          <p:cNvSpPr txBox="1"/>
+          <p:nvPr/>
+        </p:nvSpPr>
+        <p:spPr>
+          <a:xfrm>
+            <a:off x="5029200" y="3244334"/>
+            <a:ext cx="1924050" cy="369332"/>
+          </a:xfrm>
+          <a:prstGeom prst="rect">
+            <a:avLst/>
+          </a:prstGeom>
+          <a:solidFill>
+            <a:srgbClr val="404040"/>
+          </a:solidFill>
+        </p:spPr>
+        <p:txBody>
+          <a:bodyPr wrap="square" rtlCol="0">
+            <a:spAutoFit/>
+          </a:bodyPr>
+          <a:lstStyle/>
+          <a:p>
+            <a:r>
+              <a:rPr lang="en-US" sz="1800" dirty="0">
+                <a:solidFill>
+                  <a:schemeClr val="bg1"/>
+                </a:solidFill>
+              </a:rPr>
+              <a:t>library(</a:t>
+            </a:r>
+            <a:r>
+              <a:rPr lang="en-US" sz="1800" dirty="0" err="1">
+                <a:solidFill>
+                  <a:schemeClr val="bg1"/>
+                </a:solidFill>
+              </a:rPr>
+              <a:t>modelr</a:t>
+            </a:r>
+            <a:r>
+              <a:rPr lang="en-US" sz="1800" dirty="0">
+                <a:solidFill>
+                  <a:schemeClr val="bg1"/>
+                </a:solidFill>
+              </a:rPr>
+              <a:t>)</a:t>
+            </a:r>
+          </a:p>
+        </p:txBody>
+      </p:sp>
+      <p:sp>
+        <p:nvSpPr>
+          <p:cNvPr id="10" name="TextBox 9">
+            <a:extLst>
+              <a:ext uri="{FF2B5EF4-FFF2-40B4-BE49-F238E27FC236}">
+                <a16:creationId xmlns:a16="http://schemas.microsoft.com/office/drawing/2014/main" id="{3CF73EA1-D416-41FA-9CB2-03023BB51D5E}"/>
+              </a:ext>
+            </a:extLst>
+          </p:cNvPr>
+          <p:cNvSpPr txBox="1"/>
+          <p:nvPr/>
+        </p:nvSpPr>
+        <p:spPr>
+          <a:xfrm>
+            <a:off x="5029200" y="3921856"/>
+            <a:ext cx="1924050" cy="369332"/>
+          </a:xfrm>
+          <a:prstGeom prst="rect">
+            <a:avLst/>
+          </a:prstGeom>
+          <a:solidFill>
+            <a:srgbClr val="404040"/>
+          </a:solidFill>
+        </p:spPr>
+        <p:txBody>
+          <a:bodyPr wrap="square" rtlCol="0">
+            <a:spAutoFit/>
+          </a:bodyPr>
+          <a:lstStyle/>
+          <a:p>
+            <a:r>
+              <a:rPr lang="en-US" sz="1800" dirty="0">
+                <a:solidFill>
+                  <a:schemeClr val="bg1"/>
+                </a:solidFill>
+              </a:rPr>
+              <a:t>library(</a:t>
+            </a:r>
+            <a:r>
+              <a:rPr lang="en-US" sz="1800" dirty="0" err="1">
+                <a:solidFill>
+                  <a:schemeClr val="bg1"/>
+                </a:solidFill>
+              </a:rPr>
+              <a:t>xtable</a:t>
+            </a:r>
+            <a:r>
+              <a:rPr lang="en-US" sz="1800" dirty="0">
+                <a:solidFill>
+                  <a:schemeClr val="bg1"/>
+                </a:solidFill>
+              </a:rPr>
+              <a:t>)</a:t>
+            </a:r>
+          </a:p>
+        </p:txBody>
+      </p:sp>
+    </p:spTree>
+    <p:custDataLst>
+      <p:tags r:id="rId1"/>
+    </p:custDataLst>
+    <p:extLst>
+      <p:ext uri="{BB962C8B-B14F-4D97-AF65-F5344CB8AC3E}">
+        <p14:creationId xmlns:p14="http://schemas.microsoft.com/office/powerpoint/2010/main" val="2056469305"/>
+      </p:ext>
+    </p:extLst>
+  </p:cSld>
+  <p:clrMapOvr>
+    <a:masterClrMapping/>
+  </p:clrMapOvr>
+</p:sld>
+</file>
+
+<file path=ppt/slides/slide3.xml><?xml version="1.0" encoding="utf-8"?>
+<p:sld xmlns:a="http://schemas.openxmlformats.org/drawingml/2006/main" xmlns:r="http://schemas.openxmlformats.org/officeDocument/2006/relationships" xmlns:p="http://schemas.openxmlformats.org/presentationml/2006/main">
+  <p:cSld>
+    <p:bg>
+      <p:bgPr>
+        <a:solidFill>
+          <a:schemeClr val="bg1">
+            <a:lumMod val="85000"/>
+          </a:schemeClr>
+        </a:solidFill>
+        <a:effectLst/>
+      </p:bgPr>
+    </p:bg>
+    <p:spTree>
+      <p:nvGrpSpPr>
+        <p:cNvPr id="1" name=""/>
+        <p:cNvGrpSpPr/>
+        <p:nvPr/>
+      </p:nvGrpSpPr>
+      <p:grpSpPr>
+        <a:xfrm>
+          <a:off x="0" y="0"/>
+          <a:ext cx="0" cy="0"/>
+          <a:chOff x="0" y="0"/>
+          <a:chExt cx="0" cy="0"/>
+        </a:xfrm>
+      </p:grpSpPr>
+      <p:sp>
+        <p:nvSpPr>
+          <p:cNvPr id="15" name="Rectangle 12">
+            <a:extLst>
+              <a:ext uri="{FF2B5EF4-FFF2-40B4-BE49-F238E27FC236}">
+                <a16:creationId xmlns:a16="http://schemas.microsoft.com/office/drawing/2014/main" id="{867D4867-5BA7-4462-B2F6-A23F4A622AA7}"/>
+              </a:ext>
+              <a:ext uri="{C183D7F6-B498-43B3-948B-1728B52AA6E4}">
+                <adec:decorative xmlns:adec="http://schemas.microsoft.com/office/drawing/2017/decorative" val="1"/>
+              </a:ext>
+            </a:extLst>
+          </p:cNvPr>
+          <p:cNvSpPr>
+            <a:spLocks noGrp="1" noRot="1" noChangeAspect="1" noMove="1" noResize="1" noEditPoints="1" noAdjustHandles="1" noChangeArrowheads="1" noChangeShapeType="1" noTextEdit="1"/>
+          </p:cNvSpPr>
+          <p:nvPr>
+            <p:extLst>
+              <p:ext uri="{386F3935-93C4-4BCD-93E2-E3B085C9AB24}">
+                <p16:designElem xmlns:p16="http://schemas.microsoft.com/office/powerpoint/2015/main" val="1"/>
+              </p:ext>
+            </p:extLst>
+          </p:nvPr>
+        </p:nvSpPr>
+        <p:spPr>
+          <a:xfrm>
+            <a:off x="0" y="0"/>
+            <a:ext cx="3490722" cy="6858000"/>
+          </a:xfrm>
+          <a:prstGeom prst="rect">
+            <a:avLst/>
+          </a:prstGeom>
+          <a:solidFill>
+            <a:schemeClr val="tx1">
+              <a:lumMod val="75000"/>
+              <a:lumOff val="25000"/>
+            </a:schemeClr>
+          </a:solidFill>
+          <a:ln>
+            <a:noFill/>
+          </a:ln>
+        </p:spPr>
+        <p:style>
+          <a:lnRef idx="0">
+            <a:scrgbClr r="0" g="0" b="0"/>
+          </a:lnRef>
+          <a:fillRef idx="0">
+            <a:scrgbClr r="0" g="0" b="0"/>
+          </a:fillRef>
+          <a:effectRef idx="0">
+            <a:scrgbClr r="0" g="0" b="0"/>
+          </a:effectRef>
+          <a:fontRef idx="minor">
+            <a:schemeClr val="lt1"/>
+          </a:fontRef>
+        </p:style>
+        <p:txBody>
+          <a:bodyPr rtlCol="0" anchor="ctr"/>
+          <a:lstStyle/>
+          <a:p>
+            <a:pPr marL="0" marR="0" lvl="0" indent="0" algn="ctr" defTabSz="457200" rtl="0" eaLnBrk="1" fontAlgn="base" latinLnBrk="0" hangingPunct="1">
+              <a:lnSpc>
+                <a:spcPct val="100000"/>
+              </a:lnSpc>
+              <a:spcBef>
+                <a:spcPct val="0"/>
+              </a:spcBef>
+              <a:spcAft>
+                <a:spcPct val="0"/>
+              </a:spcAft>
+              <a:buClrTx/>
+              <a:buSzTx/>
+              <a:buFontTx/>
+              <a:buNone/>
+              <a:tabLst/>
+              <a:defRPr/>
+            </a:pPr>
+            <a:endParaRPr kumimoji="0" lang="en-US" sz="2400" b="0" i="0" u="none" strike="noStrike" kern="1200" cap="none" spc="0" normalizeH="0" baseline="0" noProof="0">
+              <a:ln>
+                <a:noFill/>
+              </a:ln>
+              <a:solidFill>
+                <a:prstClr val="white"/>
+              </a:solidFill>
+              <a:effectLst/>
+              <a:uLnTx/>
+              <a:uFillTx/>
+              <a:latin typeface="Calibri"/>
+              <a:ea typeface="+mn-ea"/>
+              <a:cs typeface="+mn-cs"/>
+            </a:endParaRPr>
+          </a:p>
+        </p:txBody>
+      </p:sp>
+      <p:sp>
+        <p:nvSpPr>
+          <p:cNvPr id="2" name="Title 1"/>
+          <p:cNvSpPr>
+            <a:spLocks noGrp="1"/>
+          </p:cNvSpPr>
+          <p:nvPr>
+            <p:ph type="title"/>
+          </p:nvPr>
+        </p:nvSpPr>
+        <p:spPr>
+          <a:xfrm>
+            <a:off x="482600" y="643467"/>
+            <a:ext cx="2522980" cy="1597315"/>
+          </a:xfrm>
+          <a:noFill/>
+          <a:ln w="19050">
+            <a:solidFill>
+              <a:schemeClr val="bg1"/>
+            </a:solidFill>
+          </a:ln>
+        </p:spPr>
+        <p:txBody>
+          <a:bodyPr vert="horz" wrap="square" lIns="91440" tIns="45720" rIns="91440" bIns="45720" rtlCol="0" anchor="ctr">
+            <a:normAutofit/>
+          </a:bodyPr>
+          <a:lstStyle/>
+          <a:p>
+            <a:pPr defTabSz="914400" eaLnBrk="1" hangingPunct="1">
+              <a:lnSpc>
+                <a:spcPct val="90000"/>
+              </a:lnSpc>
+            </a:pPr>
+            <a:r>
+              <a:rPr lang="en-US" sz="2400" dirty="0">
+                <a:solidFill>
+                  <a:schemeClr val="bg1"/>
+                </a:solidFill>
+              </a:rPr>
+              <a:t>Discussion</a:t>
+            </a:r>
+            <a:endParaRPr lang="en-US" sz="2400" kern="1200" dirty="0">
+              <a:solidFill>
+                <a:schemeClr val="bg1"/>
+              </a:solidFill>
+              <a:latin typeface="+mj-lt"/>
+              <a:ea typeface="+mj-ea"/>
+              <a:cs typeface="+mj-cs"/>
+            </a:endParaRPr>
+          </a:p>
+        </p:txBody>
+      </p:sp>
+      <p:pic>
+        <p:nvPicPr>
+          <p:cNvPr id="8" name="Picture 7">
+            <a:extLst>
+              <a:ext uri="{FF2B5EF4-FFF2-40B4-BE49-F238E27FC236}">
+                <a16:creationId xmlns:a16="http://schemas.microsoft.com/office/drawing/2014/main" id="{521D4292-9ECC-4DA5-8CC0-C561A0DA118E}"/>
+              </a:ext>
+            </a:extLst>
+          </p:cNvPr>
+          <p:cNvPicPr>
+            <a:picLocks noChangeAspect="1"/>
+          </p:cNvPicPr>
+          <p:nvPr/>
+        </p:nvPicPr>
+        <p:blipFill rotWithShape="1">
+          <a:blip r:embed="rId3"/>
+          <a:srcRect l="8000" r="9400"/>
+          <a:stretch/>
+        </p:blipFill>
+        <p:spPr>
+          <a:xfrm>
+            <a:off x="660103" y="3048000"/>
+            <a:ext cx="2167974" cy="2624666"/>
+          </a:xfrm>
+          <a:prstGeom prst="rect">
+            <a:avLst/>
+          </a:prstGeom>
+          <a:noFill/>
+        </p:spPr>
+      </p:pic>
+      <p:sp>
+        <p:nvSpPr>
+          <p:cNvPr id="7" name="TextBox 6">
+            <a:extLst>
+              <a:ext uri="{FF2B5EF4-FFF2-40B4-BE49-F238E27FC236}">
+                <a16:creationId xmlns:a16="http://schemas.microsoft.com/office/drawing/2014/main" id="{DF060353-BDFF-427E-8ABE-861948AE3B71}"/>
+              </a:ext>
+            </a:extLst>
+          </p:cNvPr>
+          <p:cNvSpPr txBox="1"/>
+          <p:nvPr/>
+        </p:nvSpPr>
+        <p:spPr>
+          <a:xfrm>
+            <a:off x="3810000" y="506762"/>
+            <a:ext cx="5334000" cy="5632311"/>
+          </a:xfrm>
+          <a:prstGeom prst="rect">
+            <a:avLst/>
+          </a:prstGeom>
+          <a:noFill/>
+        </p:spPr>
+        <p:txBody>
+          <a:bodyPr wrap="square" rtlCol="0">
+            <a:spAutoFit/>
+          </a:bodyPr>
+          <a:lstStyle/>
+          <a:p>
+            <a:pPr marL="342900" marR="0" lvl="0" indent="-342900" algn="l" defTabSz="457200" rtl="0" eaLnBrk="1" fontAlgn="base" latinLnBrk="0" hangingPunct="1">
+              <a:lnSpc>
+                <a:spcPct val="100000"/>
+              </a:lnSpc>
+              <a:spcBef>
+                <a:spcPct val="0"/>
+              </a:spcBef>
+              <a:spcAft>
+                <a:spcPct val="0"/>
+              </a:spcAft>
+              <a:buClrTx/>
+              <a:buSzTx/>
+              <a:buFont typeface="Arial" panose="020B0604020202020204" pitchFamily="34" charset="0"/>
+              <a:buChar char="•"/>
+              <a:tabLst/>
+              <a:defRPr/>
+            </a:pPr>
+            <a:r>
+              <a:rPr kumimoji="0" lang="en-US" sz="2400" b="0" i="0" u="none" strike="noStrike" kern="1200" cap="none" spc="0" normalizeH="0" baseline="0" noProof="0" dirty="0">
+                <a:ln>
+                  <a:noFill/>
+                </a:ln>
+                <a:solidFill>
+                  <a:srgbClr val="404040"/>
+                </a:solidFill>
+                <a:effectLst/>
+                <a:uLnTx/>
+                <a:uFillTx/>
+                <a:latin typeface="Arial" charset="0"/>
+                <a:ea typeface="ＭＳ Ｐゴシック" charset="-128"/>
+              </a:rPr>
+              <a:t>Problems With </a:t>
+            </a:r>
+            <a:r>
+              <a:rPr lang="en-US" dirty="0">
+                <a:solidFill>
+                  <a:srgbClr val="404040"/>
+                </a:solidFill>
+              </a:rPr>
+              <a:t>Current</a:t>
+            </a:r>
+            <a:r>
+              <a:rPr kumimoji="0" lang="en-US" sz="2400" b="0" i="0" u="none" strike="noStrike" kern="1200" cap="none" spc="0" normalizeH="0" baseline="0" noProof="0" dirty="0">
+                <a:ln>
+                  <a:noFill/>
+                </a:ln>
+                <a:solidFill>
+                  <a:srgbClr val="404040"/>
+                </a:solidFill>
+                <a:effectLst/>
+                <a:uLnTx/>
+                <a:uFillTx/>
+                <a:latin typeface="Arial" charset="0"/>
+                <a:ea typeface="ＭＳ Ｐゴシック" charset="-128"/>
+              </a:rPr>
+              <a:t> Approach</a:t>
+            </a:r>
+          </a:p>
+          <a:p>
+            <a:pPr marL="342900" marR="0" lvl="0" indent="-342900" algn="l" defTabSz="457200" rtl="0" eaLnBrk="1" fontAlgn="base" latinLnBrk="0" hangingPunct="1">
+              <a:lnSpc>
+                <a:spcPct val="100000"/>
+              </a:lnSpc>
+              <a:spcBef>
+                <a:spcPct val="0"/>
+              </a:spcBef>
+              <a:spcAft>
+                <a:spcPct val="0"/>
+              </a:spcAft>
+              <a:buClrTx/>
+              <a:buSzTx/>
+              <a:buFont typeface="Arial" panose="020B0604020202020204" pitchFamily="34" charset="0"/>
+              <a:buChar char="•"/>
+              <a:tabLst/>
+              <a:defRPr/>
+            </a:pPr>
+            <a:endParaRPr kumimoji="0" lang="en-US" sz="2400" b="0" i="0" u="none" strike="noStrike" kern="1200" cap="none" spc="0" normalizeH="0" baseline="0" noProof="0" dirty="0">
+              <a:ln>
+                <a:noFill/>
+              </a:ln>
+              <a:solidFill>
+                <a:srgbClr val="404040"/>
+              </a:solidFill>
+              <a:effectLst/>
+              <a:uLnTx/>
+              <a:uFillTx/>
+              <a:latin typeface="Arial" charset="0"/>
+              <a:ea typeface="ＭＳ Ｐゴシック" charset="-128"/>
+            </a:endParaRPr>
+          </a:p>
+          <a:p>
+            <a:pPr marL="800100" marR="0" lvl="1" indent="-342900" algn="l" defTabSz="457200" rtl="0" eaLnBrk="1" fontAlgn="base" latinLnBrk="0" hangingPunct="1">
+              <a:lnSpc>
+                <a:spcPct val="100000"/>
+              </a:lnSpc>
+              <a:spcBef>
+                <a:spcPct val="0"/>
+              </a:spcBef>
+              <a:spcAft>
+                <a:spcPct val="0"/>
+              </a:spcAft>
+              <a:buClrTx/>
+              <a:buSzTx/>
+              <a:buFont typeface="Arial" panose="020B0604020202020204" pitchFamily="34" charset="0"/>
+              <a:buChar char="•"/>
+              <a:tabLst/>
+              <a:defRPr/>
+            </a:pPr>
+            <a:r>
+              <a:rPr kumimoji="0" lang="en-US" sz="2400" b="0" i="0" u="none" strike="noStrike" kern="1200" cap="none" spc="0" normalizeH="0" baseline="0" noProof="0" dirty="0">
+                <a:ln>
+                  <a:noFill/>
+                </a:ln>
+                <a:solidFill>
+                  <a:srgbClr val="404040"/>
+                </a:solidFill>
+                <a:effectLst/>
+                <a:uLnTx/>
+                <a:uFillTx/>
+                <a:latin typeface="Arial" charset="0"/>
+                <a:ea typeface="ＭＳ Ｐゴシック" charset="-128"/>
+              </a:rPr>
+              <a:t>Same Model For All Locations</a:t>
+            </a:r>
+          </a:p>
+          <a:p>
+            <a:pPr marL="800100" marR="0" lvl="1" indent="-342900" algn="l" defTabSz="457200" rtl="0" eaLnBrk="1" fontAlgn="base" latinLnBrk="0" hangingPunct="1">
+              <a:lnSpc>
+                <a:spcPct val="100000"/>
+              </a:lnSpc>
+              <a:spcBef>
+                <a:spcPct val="0"/>
+              </a:spcBef>
+              <a:spcAft>
+                <a:spcPct val="0"/>
+              </a:spcAft>
+              <a:buClrTx/>
+              <a:buSzTx/>
+              <a:buFont typeface="Arial" panose="020B0604020202020204" pitchFamily="34" charset="0"/>
+              <a:buChar char="•"/>
+              <a:tabLst/>
+              <a:defRPr/>
+            </a:pPr>
+            <a:endParaRPr kumimoji="0" lang="en-US" sz="2400" b="0" i="0" u="none" strike="noStrike" kern="1200" cap="none" spc="0" normalizeH="0" baseline="0" noProof="0" dirty="0">
+              <a:ln>
+                <a:noFill/>
+              </a:ln>
+              <a:solidFill>
+                <a:srgbClr val="404040"/>
+              </a:solidFill>
+              <a:effectLst/>
+              <a:uLnTx/>
+              <a:uFillTx/>
+              <a:latin typeface="Arial" charset="0"/>
+              <a:ea typeface="ＭＳ Ｐゴシック" charset="-128"/>
+            </a:endParaRPr>
+          </a:p>
+          <a:p>
+            <a:pPr marL="800100" marR="0" lvl="1" indent="-342900" algn="l" defTabSz="457200" rtl="0" eaLnBrk="1" fontAlgn="base" latinLnBrk="0" hangingPunct="1">
+              <a:lnSpc>
+                <a:spcPct val="100000"/>
+              </a:lnSpc>
+              <a:spcBef>
+                <a:spcPct val="0"/>
+              </a:spcBef>
+              <a:spcAft>
+                <a:spcPct val="0"/>
+              </a:spcAft>
+              <a:buClrTx/>
+              <a:buSzTx/>
+              <a:buFont typeface="Arial" panose="020B0604020202020204" pitchFamily="34" charset="0"/>
+              <a:buChar char="•"/>
+              <a:tabLst/>
+              <a:defRPr/>
+            </a:pPr>
+            <a:r>
+              <a:rPr kumimoji="0" lang="en-US" sz="2400" b="0" i="0" u="none" strike="noStrike" kern="1200" cap="none" spc="0" normalizeH="0" baseline="0" noProof="0" dirty="0">
+                <a:ln>
+                  <a:noFill/>
+                </a:ln>
+                <a:solidFill>
+                  <a:srgbClr val="404040"/>
+                </a:solidFill>
+                <a:effectLst/>
+                <a:uLnTx/>
+                <a:uFillTx/>
+                <a:latin typeface="Arial" charset="0"/>
+                <a:ea typeface="ＭＳ Ｐゴシック" charset="-128"/>
+              </a:rPr>
+              <a:t>Not All Locations Used in Train</a:t>
+            </a:r>
+          </a:p>
+          <a:p>
+            <a:pPr marL="800100" marR="0" lvl="1" indent="-342900" algn="l" defTabSz="457200" rtl="0" eaLnBrk="1" fontAlgn="base" latinLnBrk="0" hangingPunct="1">
+              <a:lnSpc>
+                <a:spcPct val="100000"/>
+              </a:lnSpc>
+              <a:spcBef>
+                <a:spcPct val="0"/>
+              </a:spcBef>
+              <a:spcAft>
+                <a:spcPct val="0"/>
+              </a:spcAft>
+              <a:buClrTx/>
+              <a:buSzTx/>
+              <a:buFont typeface="Arial" panose="020B0604020202020204" pitchFamily="34" charset="0"/>
+              <a:buChar char="•"/>
+              <a:tabLst/>
+              <a:defRPr/>
+            </a:pPr>
+            <a:endParaRPr kumimoji="0" lang="en-US" sz="2400" b="0" i="0" u="none" strike="noStrike" kern="1200" cap="none" spc="0" normalizeH="0" baseline="0" noProof="0" dirty="0">
+              <a:ln>
+                <a:noFill/>
+              </a:ln>
+              <a:solidFill>
+                <a:srgbClr val="404040"/>
+              </a:solidFill>
+              <a:effectLst/>
+              <a:uLnTx/>
+              <a:uFillTx/>
+              <a:latin typeface="Arial" charset="0"/>
+              <a:ea typeface="ＭＳ Ｐゴシック" charset="-128"/>
+            </a:endParaRPr>
+          </a:p>
+          <a:p>
+            <a:pPr marL="800100" marR="0" lvl="1" indent="-342900" algn="l" defTabSz="457200" rtl="0" eaLnBrk="1" fontAlgn="base" latinLnBrk="0" hangingPunct="1">
+              <a:lnSpc>
+                <a:spcPct val="100000"/>
+              </a:lnSpc>
+              <a:spcBef>
+                <a:spcPct val="0"/>
+              </a:spcBef>
+              <a:spcAft>
+                <a:spcPct val="0"/>
+              </a:spcAft>
+              <a:buClrTx/>
+              <a:buSzTx/>
+              <a:buFont typeface="Arial" panose="020B0604020202020204" pitchFamily="34" charset="0"/>
+              <a:buChar char="•"/>
+              <a:tabLst/>
+              <a:defRPr/>
+            </a:pPr>
+            <a:r>
+              <a:rPr kumimoji="0" lang="en-US" sz="2400" b="0" i="0" u="none" strike="noStrike" kern="1200" cap="none" spc="0" normalizeH="0" baseline="0" noProof="0" dirty="0">
+                <a:ln>
+                  <a:noFill/>
+                </a:ln>
+                <a:solidFill>
+                  <a:srgbClr val="404040"/>
+                </a:solidFill>
+                <a:effectLst/>
+                <a:uLnTx/>
+                <a:uFillTx/>
+                <a:latin typeface="Arial" charset="0"/>
+                <a:ea typeface="ＭＳ Ｐゴシック" charset="-128"/>
+              </a:rPr>
+              <a:t>Not All Locations Used in Test</a:t>
+            </a:r>
+          </a:p>
+          <a:p>
+            <a:pPr marL="800100" marR="0" lvl="1" indent="-342900" algn="l" defTabSz="457200" rtl="0" eaLnBrk="1" fontAlgn="base" latinLnBrk="0" hangingPunct="1">
+              <a:lnSpc>
+                <a:spcPct val="100000"/>
+              </a:lnSpc>
+              <a:spcBef>
+                <a:spcPct val="0"/>
+              </a:spcBef>
+              <a:spcAft>
+                <a:spcPct val="0"/>
+              </a:spcAft>
+              <a:buClrTx/>
+              <a:buSzTx/>
+              <a:buFont typeface="Arial" panose="020B0604020202020204" pitchFamily="34" charset="0"/>
+              <a:buChar char="•"/>
+              <a:tabLst/>
+              <a:defRPr/>
+            </a:pPr>
+            <a:endParaRPr kumimoji="0" lang="en-US" sz="2400" b="0" i="0" u="none" strike="noStrike" kern="1200" cap="none" spc="0" normalizeH="0" baseline="0" noProof="0" dirty="0">
+              <a:ln>
+                <a:noFill/>
+              </a:ln>
+              <a:solidFill>
+                <a:srgbClr val="404040"/>
+              </a:solidFill>
+              <a:effectLst/>
+              <a:uLnTx/>
+              <a:uFillTx/>
+              <a:latin typeface="Arial" charset="0"/>
+              <a:ea typeface="ＭＳ Ｐゴシック" charset="-128"/>
+            </a:endParaRPr>
+          </a:p>
+          <a:p>
+            <a:pPr marL="800100" marR="0" lvl="1" indent="-342900" algn="l" defTabSz="457200" rtl="0" eaLnBrk="1" fontAlgn="base" latinLnBrk="0" hangingPunct="1">
+              <a:lnSpc>
+                <a:spcPct val="100000"/>
+              </a:lnSpc>
+              <a:spcBef>
+                <a:spcPct val="0"/>
+              </a:spcBef>
+              <a:spcAft>
+                <a:spcPct val="0"/>
+              </a:spcAft>
+              <a:buClrTx/>
+              <a:buSzTx/>
+              <a:buFont typeface="Arial" panose="020B0604020202020204" pitchFamily="34" charset="0"/>
+              <a:buChar char="•"/>
+              <a:tabLst/>
+              <a:defRPr/>
+            </a:pPr>
+            <a:r>
+              <a:rPr kumimoji="0" lang="en-US" sz="2400" b="0" i="0" u="none" strike="noStrike" kern="1200" cap="none" spc="0" normalizeH="0" baseline="0" noProof="0" dirty="0">
+                <a:ln>
+                  <a:noFill/>
+                </a:ln>
+                <a:solidFill>
+                  <a:srgbClr val="404040"/>
+                </a:solidFill>
+                <a:effectLst/>
+                <a:uLnTx/>
+                <a:uFillTx/>
+                <a:latin typeface="Arial" charset="0"/>
+                <a:ea typeface="ＭＳ Ｐゴシック" charset="-128"/>
+              </a:rPr>
+              <a:t>Residuals Indicate that Model Can Be Improved</a:t>
+            </a:r>
+          </a:p>
+          <a:p>
+            <a:pPr marL="800100" marR="0" lvl="1" indent="-342900" algn="l" defTabSz="457200" rtl="0" eaLnBrk="1" fontAlgn="base" latinLnBrk="0" hangingPunct="1">
+              <a:lnSpc>
+                <a:spcPct val="100000"/>
+              </a:lnSpc>
+              <a:spcBef>
+                <a:spcPct val="0"/>
+              </a:spcBef>
+              <a:spcAft>
+                <a:spcPct val="0"/>
+              </a:spcAft>
+              <a:buClrTx/>
+              <a:buSzTx/>
+              <a:buFont typeface="Arial" panose="020B0604020202020204" pitchFamily="34" charset="0"/>
+              <a:buChar char="•"/>
+              <a:tabLst/>
+              <a:defRPr/>
+            </a:pPr>
+            <a:endParaRPr kumimoji="0" lang="en-US" sz="2400" b="0" i="0" u="none" strike="noStrike" kern="1200" cap="none" spc="0" normalizeH="0" baseline="0" noProof="0" dirty="0">
+              <a:ln>
+                <a:noFill/>
+              </a:ln>
+              <a:solidFill>
+                <a:srgbClr val="404040"/>
+              </a:solidFill>
+              <a:effectLst/>
+              <a:uLnTx/>
+              <a:uFillTx/>
+              <a:latin typeface="Arial" charset="0"/>
+              <a:ea typeface="ＭＳ Ｐゴシック" charset="-128"/>
+            </a:endParaRPr>
+          </a:p>
+          <a:p>
+            <a:pPr marL="800100" marR="0" lvl="1" indent="-342900" algn="l" defTabSz="457200" rtl="0" eaLnBrk="1" fontAlgn="base" latinLnBrk="0" hangingPunct="1">
+              <a:lnSpc>
+                <a:spcPct val="100000"/>
+              </a:lnSpc>
+              <a:spcBef>
+                <a:spcPct val="0"/>
+              </a:spcBef>
+              <a:spcAft>
+                <a:spcPct val="0"/>
+              </a:spcAft>
+              <a:buClrTx/>
+              <a:buSzTx/>
+              <a:buFont typeface="Arial" panose="020B0604020202020204" pitchFamily="34" charset="0"/>
+              <a:buChar char="•"/>
+              <a:tabLst/>
+              <a:defRPr/>
+            </a:pPr>
+            <a:r>
+              <a:rPr kumimoji="0" lang="en-US" sz="2400" b="0" i="0" u="none" strike="noStrike" kern="1200" cap="none" spc="0" normalizeH="0" baseline="0" noProof="0" dirty="0">
+                <a:ln>
+                  <a:noFill/>
+                </a:ln>
+                <a:solidFill>
+                  <a:srgbClr val="404040"/>
+                </a:solidFill>
+                <a:effectLst/>
+                <a:uLnTx/>
+                <a:uFillTx/>
+                <a:latin typeface="Arial" charset="0"/>
+                <a:ea typeface="ＭＳ Ｐゴシック" charset="-128"/>
+              </a:rPr>
+              <a:t>Not Helpful for Forecasting</a:t>
+            </a:r>
+          </a:p>
+          <a:p>
+            <a:pPr marL="800100" marR="0" lvl="1" indent="-342900" algn="l" defTabSz="457200" rtl="0" eaLnBrk="1" fontAlgn="base" latinLnBrk="0" hangingPunct="1">
+              <a:lnSpc>
+                <a:spcPct val="100000"/>
+              </a:lnSpc>
+              <a:spcBef>
+                <a:spcPct val="0"/>
+              </a:spcBef>
+              <a:spcAft>
+                <a:spcPct val="0"/>
+              </a:spcAft>
+              <a:buClrTx/>
+              <a:buSzTx/>
+              <a:buFont typeface="Arial" panose="020B0604020202020204" pitchFamily="34" charset="0"/>
+              <a:buChar char="•"/>
+              <a:tabLst/>
+              <a:defRPr/>
+            </a:pPr>
+            <a:endParaRPr lang="en-US" dirty="0">
+              <a:solidFill>
+                <a:srgbClr val="404040"/>
+              </a:solidFill>
+            </a:endParaRPr>
+          </a:p>
+          <a:p>
+            <a:pPr marL="800100" marR="0" lvl="1" indent="-342900" algn="l" defTabSz="457200" rtl="0" eaLnBrk="1" fontAlgn="base" latinLnBrk="0" hangingPunct="1">
+              <a:lnSpc>
+                <a:spcPct val="100000"/>
+              </a:lnSpc>
+              <a:spcBef>
+                <a:spcPct val="0"/>
+              </a:spcBef>
+              <a:spcAft>
+                <a:spcPct val="0"/>
+              </a:spcAft>
+              <a:buClrTx/>
+              <a:buSzTx/>
+              <a:buFont typeface="Arial" panose="020B0604020202020204" pitchFamily="34" charset="0"/>
+              <a:buChar char="•"/>
+              <a:tabLst/>
+              <a:defRPr/>
+            </a:pPr>
+            <a:r>
+              <a:rPr lang="en-US" dirty="0">
+                <a:solidFill>
+                  <a:srgbClr val="404040"/>
+                </a:solidFill>
+              </a:rPr>
+              <a:t>Ambiguous Results: No Clear Winner</a:t>
+            </a:r>
+            <a:endParaRPr kumimoji="0" lang="en-US" sz="2400" b="0" i="0" u="none" strike="noStrike" kern="1200" cap="none" spc="0" normalizeH="0" baseline="0" noProof="0" dirty="0">
+              <a:ln>
+                <a:noFill/>
+              </a:ln>
+              <a:solidFill>
+                <a:srgbClr val="404040"/>
+              </a:solidFill>
+              <a:effectLst/>
+              <a:uLnTx/>
+              <a:uFillTx/>
+              <a:latin typeface="Arial" charset="0"/>
+              <a:ea typeface="ＭＳ Ｐゴシック" charset="-128"/>
+            </a:endParaRPr>
+          </a:p>
+        </p:txBody>
+      </p:sp>
+    </p:spTree>
+    <p:custDataLst>
+      <p:tags r:id="rId1"/>
+    </p:custDataLst>
+    <p:extLst>
+      <p:ext uri="{BB962C8B-B14F-4D97-AF65-F5344CB8AC3E}">
+        <p14:creationId xmlns:p14="http://schemas.microsoft.com/office/powerpoint/2010/main" val="3310022946"/>
+      </p:ext>
+    </p:extLst>
+  </p:cSld>
+  <p:clrMapOvr>
+    <a:masterClrMapping/>
+  </p:clrMapOvr>
+</p:sld>
+</file>
+
+<file path=ppt/slides/slide4.xml><?xml version="1.0" encoding="utf-8"?>
+<p:sld xmlns:a="http://schemas.openxmlformats.org/drawingml/2006/main" xmlns:r="http://schemas.openxmlformats.org/officeDocument/2006/relationships" xmlns:p="http://schemas.openxmlformats.org/presentationml/2006/main">
+  <p:cSld>
+    <p:bg>
+      <p:bgPr>
+        <a:solidFill>
+          <a:schemeClr val="bg1">
+            <a:lumMod val="85000"/>
+          </a:schemeClr>
+        </a:solidFill>
+        <a:effectLst/>
+      </p:bgPr>
+    </p:bg>
+    <p:spTree>
+      <p:nvGrpSpPr>
+        <p:cNvPr id="1" name=""/>
+        <p:cNvGrpSpPr/>
+        <p:nvPr/>
+      </p:nvGrpSpPr>
+      <p:grpSpPr>
+        <a:xfrm>
+          <a:off x="0" y="0"/>
+          <a:ext cx="0" cy="0"/>
+          <a:chOff x="0" y="0"/>
+          <a:chExt cx="0" cy="0"/>
+        </a:xfrm>
+      </p:grpSpPr>
+      <p:sp>
+        <p:nvSpPr>
+          <p:cNvPr id="15" name="Rectangle 12">
+            <a:extLst>
+              <a:ext uri="{FF2B5EF4-FFF2-40B4-BE49-F238E27FC236}">
+                <a16:creationId xmlns:a16="http://schemas.microsoft.com/office/drawing/2014/main" id="{867D4867-5BA7-4462-B2F6-A23F4A622AA7}"/>
+              </a:ext>
+              <a:ext uri="{C183D7F6-B498-43B3-948B-1728B52AA6E4}">
+                <adec:decorative xmlns:adec="http://schemas.microsoft.com/office/drawing/2017/decorative" val="1"/>
+              </a:ext>
+            </a:extLst>
+          </p:cNvPr>
+          <p:cNvSpPr>
+            <a:spLocks noGrp="1" noRot="1" noChangeAspect="1" noMove="1" noResize="1" noEditPoints="1" noAdjustHandles="1" noChangeArrowheads="1" noChangeShapeType="1" noTextEdit="1"/>
+          </p:cNvSpPr>
+          <p:nvPr>
+            <p:extLst>
+              <p:ext uri="{386F3935-93C4-4BCD-93E2-E3B085C9AB24}">
+                <p16:designElem xmlns:p16="http://schemas.microsoft.com/office/powerpoint/2015/main" val="1"/>
+              </p:ext>
+            </p:extLst>
+          </p:nvPr>
+        </p:nvSpPr>
+        <p:spPr>
+          <a:xfrm>
+            <a:off x="0" y="0"/>
+            <a:ext cx="3490722" cy="6858000"/>
+          </a:xfrm>
+          <a:prstGeom prst="rect">
+            <a:avLst/>
+          </a:prstGeom>
+          <a:solidFill>
+            <a:schemeClr val="tx1">
+              <a:lumMod val="75000"/>
+              <a:lumOff val="25000"/>
+            </a:schemeClr>
+          </a:solidFill>
+          <a:ln>
+            <a:noFill/>
+          </a:ln>
+        </p:spPr>
+        <p:style>
+          <a:lnRef idx="0">
+            <a:scrgbClr r="0" g="0" b="0"/>
+          </a:lnRef>
+          <a:fillRef idx="0">
+            <a:scrgbClr r="0" g="0" b="0"/>
+          </a:fillRef>
+          <a:effectRef idx="0">
+            <a:scrgbClr r="0" g="0" b="0"/>
+          </a:effectRef>
+          <a:fontRef idx="minor">
+            <a:schemeClr val="lt1"/>
+          </a:fontRef>
+        </p:style>
+        <p:txBody>
+          <a:bodyPr rtlCol="0" anchor="ctr"/>
+          <a:lstStyle/>
+          <a:p>
+            <a:pPr marL="0" marR="0" lvl="0" indent="0" algn="ctr" defTabSz="457200" rtl="0" eaLnBrk="1" fontAlgn="base" latinLnBrk="0" hangingPunct="1">
+              <a:lnSpc>
+                <a:spcPct val="100000"/>
+              </a:lnSpc>
+              <a:spcBef>
+                <a:spcPct val="0"/>
+              </a:spcBef>
+              <a:spcAft>
+                <a:spcPct val="0"/>
+              </a:spcAft>
+              <a:buClrTx/>
+              <a:buSzTx/>
+              <a:buFontTx/>
+              <a:buNone/>
+              <a:tabLst/>
+              <a:defRPr/>
+            </a:pPr>
+            <a:endParaRPr kumimoji="0" lang="en-US" sz="2400" b="0" i="0" u="none" strike="noStrike" kern="1200" cap="none" spc="0" normalizeH="0" baseline="0" noProof="0">
+              <a:ln>
+                <a:noFill/>
+              </a:ln>
+              <a:solidFill>
+                <a:prstClr val="white"/>
+              </a:solidFill>
+              <a:effectLst/>
+              <a:uLnTx/>
+              <a:uFillTx/>
+              <a:latin typeface="Calibri"/>
+              <a:ea typeface="+mn-ea"/>
+              <a:cs typeface="+mn-cs"/>
+            </a:endParaRPr>
+          </a:p>
+        </p:txBody>
+      </p:sp>
+      <p:sp>
+        <p:nvSpPr>
+          <p:cNvPr id="2" name="Title 1"/>
+          <p:cNvSpPr>
+            <a:spLocks noGrp="1"/>
+          </p:cNvSpPr>
+          <p:nvPr>
+            <p:ph type="title"/>
+          </p:nvPr>
+        </p:nvSpPr>
+        <p:spPr>
+          <a:xfrm>
+            <a:off x="482600" y="643467"/>
+            <a:ext cx="2522980" cy="1597315"/>
+          </a:xfrm>
+          <a:noFill/>
+          <a:ln w="19050">
+            <a:solidFill>
+              <a:schemeClr val="bg1"/>
+            </a:solidFill>
+          </a:ln>
+        </p:spPr>
+        <p:txBody>
+          <a:bodyPr vert="horz" wrap="square" lIns="91440" tIns="45720" rIns="91440" bIns="45720" rtlCol="0" anchor="ctr">
+            <a:normAutofit/>
+          </a:bodyPr>
+          <a:lstStyle/>
+          <a:p>
+            <a:pPr defTabSz="914400" eaLnBrk="1" hangingPunct="1">
+              <a:lnSpc>
+                <a:spcPct val="90000"/>
+              </a:lnSpc>
+            </a:pPr>
+            <a:r>
+              <a:rPr lang="en-US" sz="2400" dirty="0">
+                <a:solidFill>
+                  <a:schemeClr val="bg1"/>
+                </a:solidFill>
+                <a:ea typeface="+mj-ea"/>
+                <a:cs typeface="+mj-cs"/>
+              </a:rPr>
+              <a:t>Part 1: </a:t>
+            </a:r>
+            <a:br>
+              <a:rPr lang="en-US" sz="2400" dirty="0">
+                <a:solidFill>
+                  <a:schemeClr val="bg1"/>
+                </a:solidFill>
+                <a:ea typeface="+mj-ea"/>
+                <a:cs typeface="+mj-cs"/>
+              </a:rPr>
+            </a:br>
+            <a:r>
+              <a:rPr lang="en-US" sz="2400" dirty="0">
+                <a:solidFill>
+                  <a:schemeClr val="bg1"/>
+                </a:solidFill>
+                <a:ea typeface="+mj-ea"/>
+                <a:cs typeface="+mj-cs"/>
+              </a:rPr>
+              <a:t>Cross Validation </a:t>
+            </a:r>
+            <a:br>
+              <a:rPr lang="en-US" sz="2400" dirty="0">
+                <a:solidFill>
+                  <a:schemeClr val="bg1"/>
+                </a:solidFill>
+                <a:ea typeface="+mj-ea"/>
+                <a:cs typeface="+mj-cs"/>
+              </a:rPr>
+            </a:br>
+            <a:r>
+              <a:rPr lang="en-US" sz="2400" dirty="0">
+                <a:solidFill>
+                  <a:schemeClr val="bg1"/>
+                </a:solidFill>
+                <a:ea typeface="+mj-ea"/>
+                <a:cs typeface="+mj-cs"/>
+              </a:rPr>
+              <a:t>by Location</a:t>
+            </a:r>
+            <a:endParaRPr lang="en-US" sz="2400" kern="1200" dirty="0">
+              <a:solidFill>
+                <a:schemeClr val="bg1"/>
+              </a:solidFill>
+              <a:latin typeface="+mj-lt"/>
+              <a:ea typeface="+mj-ea"/>
+              <a:cs typeface="+mj-cs"/>
+            </a:endParaRPr>
+          </a:p>
+        </p:txBody>
+      </p:sp>
+      <p:pic>
+        <p:nvPicPr>
+          <p:cNvPr id="8" name="Picture 7">
+            <a:extLst>
+              <a:ext uri="{FF2B5EF4-FFF2-40B4-BE49-F238E27FC236}">
+                <a16:creationId xmlns:a16="http://schemas.microsoft.com/office/drawing/2014/main" id="{521D4292-9ECC-4DA5-8CC0-C561A0DA118E}"/>
+              </a:ext>
+            </a:extLst>
+          </p:cNvPr>
+          <p:cNvPicPr>
+            <a:picLocks noChangeAspect="1"/>
+          </p:cNvPicPr>
+          <p:nvPr/>
+        </p:nvPicPr>
+        <p:blipFill rotWithShape="1">
+          <a:blip r:embed="rId3"/>
+          <a:srcRect l="8000" r="9400"/>
+          <a:stretch/>
+        </p:blipFill>
+        <p:spPr>
+          <a:xfrm>
+            <a:off x="660103" y="3048000"/>
+            <a:ext cx="2167974" cy="2624666"/>
+          </a:xfrm>
+          <a:prstGeom prst="rect">
+            <a:avLst/>
+          </a:prstGeom>
+          <a:noFill/>
+        </p:spPr>
+      </p:pic>
+      <p:sp>
+        <p:nvSpPr>
           <p:cNvPr id="10" name="TextBox 9">
             <a:extLst>
               <a:ext uri="{FF2B5EF4-FFF2-40B4-BE49-F238E27FC236}">
@@ -10949,7 +14646,7 @@
         <p:spPr>
           <a:xfrm>
             <a:off x="3810000" y="643467"/>
-            <a:ext cx="5334000" cy="2677656"/>
+            <a:ext cx="5334000" cy="6001643"/>
           </a:xfrm>
           <a:prstGeom prst="rect">
             <a:avLst/>
@@ -11002,7 +14699,7 @@
             </a:r>
           </a:p>
           <a:p>
-            <a:pPr marL="800100" lvl="1" indent="-342900">
+            <a:pPr marL="1257300" lvl="2" indent="-342900">
               <a:buFont typeface="Arial" panose="020B0604020202020204" pitchFamily="34" charset="0"/>
               <a:buChar char="•"/>
               <a:defRPr/>
@@ -11013,13 +14710,26 @@
                   <a:srgbClr val="404040"/>
                 </a:solidFill>
               </a:rPr>
-              <a:t>What is the Purpose of This?</a:t>
-            </a:r>
-          </a:p>
-          <a:p>
-            <a:pPr marL="342900" indent="-342900">
+              <a:t>Train (28 Rivers)</a:t>
+            </a:r>
+          </a:p>
+          <a:p>
+            <a:pPr marL="1257300" lvl="2" indent="-342900">
               <a:buFont typeface="Arial" panose="020B0604020202020204" pitchFamily="34" charset="0"/>
               <a:buChar char="•"/>
+              <a:defRPr/>
+            </a:pPr>
+            <a:r>
+              <a:rPr lang="en-US" dirty="0">
+                <a:solidFill>
+                  <a:srgbClr val="404040"/>
+                </a:solidFill>
+              </a:rPr>
+              <a:t>Test (3 Rivers)</a:t>
+            </a:r>
+          </a:p>
+          <a:p>
+            <a:pPr lvl="2">
               <a:defRPr/>
             </a:pPr>
             <a:endParaRPr lang="en-US" dirty="0">
@@ -11029,7 +14739,7 @@
             </a:endParaRPr>
           </a:p>
           <a:p>
-            <a:pPr marL="342900" indent="-342900">
+            <a:pPr marL="800100" lvl="1" indent="-342900">
               <a:buFont typeface="Arial" panose="020B0604020202020204" pitchFamily="34" charset="0"/>
               <a:buChar char="•"/>
               <a:defRPr/>
@@ -11040,7 +14750,67 @@
                   <a:srgbClr val="404040"/>
                 </a:solidFill>
               </a:rPr>
-              <a:t>Understanding Cross Validation</a:t>
+              <a:t>Purpose </a:t>
+            </a:r>
+          </a:p>
+          <a:p>
+            <a:pPr marL="1257300" lvl="2" indent="-342900">
+              <a:buFont typeface="Arial" panose="020B0604020202020204" pitchFamily="34" charset="0"/>
+              <a:buChar char="•"/>
+              <a:defRPr/>
+            </a:pPr>
+            <a:r>
+              <a:rPr lang="en-US" dirty="0">
+                <a:solidFill>
+                  <a:srgbClr val="404040"/>
+                </a:solidFill>
+              </a:rPr>
+              <a:t>Estimate Out-of-Sample Error</a:t>
+            </a:r>
+          </a:p>
+          <a:p>
+            <a:pPr marL="1257300" lvl="2" indent="-342900">
+              <a:buFont typeface="Arial" panose="020B0604020202020204" pitchFamily="34" charset="0"/>
+              <a:buChar char="•"/>
+              <a:defRPr/>
+            </a:pPr>
+            <a:r>
+              <a:rPr lang="en-US" dirty="0">
+                <a:solidFill>
+                  <a:srgbClr val="404040"/>
+                </a:solidFill>
+              </a:rPr>
+              <a:t>Pick Best Model Based on This Estimate</a:t>
+            </a:r>
+          </a:p>
+          <a:p>
+            <a:pPr marL="1257300" lvl="2" indent="-342900">
+              <a:buFont typeface="Arial" panose="020B0604020202020204" pitchFamily="34" charset="0"/>
+              <a:buChar char="•"/>
+              <a:defRPr/>
+            </a:pPr>
+            <a:r>
+              <a:rPr lang="en-US" dirty="0">
+                <a:solidFill>
+                  <a:srgbClr val="404040"/>
+                </a:solidFill>
+              </a:rPr>
+              <a:t>Combat Overfitting</a:t>
+            </a:r>
+          </a:p>
+          <a:p>
+            <a:pPr marL="1257300" lvl="2" indent="-342900">
+              <a:buFont typeface="Arial" panose="020B0604020202020204" pitchFamily="34" charset="0"/>
+              <a:buChar char="•"/>
+              <a:defRPr/>
+            </a:pPr>
+            <a:r>
+              <a:rPr lang="en-US" dirty="0">
+                <a:solidFill>
+                  <a:srgbClr val="404040"/>
+                </a:solidFill>
+              </a:rPr>
+              <a:t>Robustification</a:t>
             </a:r>
           </a:p>
           <a:p>
@@ -11054,6 +14824,21 @@
                 <a:srgbClr val="404040"/>
               </a:solidFill>
             </a:endParaRPr>
+          </a:p>
+          <a:p>
+            <a:pPr marL="800100" lvl="1" indent="-342900">
+              <a:buFont typeface="Arial" panose="020B0604020202020204" pitchFamily="34" charset="0"/>
+              <a:buChar char="•"/>
+              <a:defRPr/>
+            </a:pPr>
+            <a:r>
+              <a:rPr lang="en-US" dirty="0">
+                <a:solidFill>
+                  <a:srgbClr val="404040"/>
+                </a:solidFill>
+              </a:rPr>
+              <a:t>Goal: Find the Simplest Model that Adequately Predicts</a:t>
+            </a:r>
           </a:p>
         </p:txBody>
       </p:sp>
@@ -11063,7 +14848,1422 @@
     </p:custDataLst>
     <p:extLst>
       <p:ext uri="{BB962C8B-B14F-4D97-AF65-F5344CB8AC3E}">
-        <p14:creationId xmlns:p14="http://schemas.microsoft.com/office/powerpoint/2010/main" val="703569825"/>
+        <p14:creationId xmlns:p14="http://schemas.microsoft.com/office/powerpoint/2010/main" val="4120720136"/>
+      </p:ext>
+    </p:extLst>
+  </p:cSld>
+  <p:clrMapOvr>
+    <a:masterClrMapping/>
+  </p:clrMapOvr>
+</p:sld>
+</file>
+
+<file path=ppt/slides/slide5.xml><?xml version="1.0" encoding="utf-8"?>
+<p:sld xmlns:a="http://schemas.openxmlformats.org/drawingml/2006/main" xmlns:r="http://schemas.openxmlformats.org/officeDocument/2006/relationships" xmlns:p="http://schemas.openxmlformats.org/presentationml/2006/main">
+  <p:cSld>
+    <p:bg>
+      <p:bgPr>
+        <a:solidFill>
+          <a:schemeClr val="bg1">
+            <a:lumMod val="85000"/>
+          </a:schemeClr>
+        </a:solidFill>
+        <a:effectLst/>
+      </p:bgPr>
+    </p:bg>
+    <p:spTree>
+      <p:nvGrpSpPr>
+        <p:cNvPr id="1" name=""/>
+        <p:cNvGrpSpPr/>
+        <p:nvPr/>
+      </p:nvGrpSpPr>
+      <p:grpSpPr>
+        <a:xfrm>
+          <a:off x="0" y="0"/>
+          <a:ext cx="0" cy="0"/>
+          <a:chOff x="0" y="0"/>
+          <a:chExt cx="0" cy="0"/>
+        </a:xfrm>
+      </p:grpSpPr>
+      <p:sp>
+        <p:nvSpPr>
+          <p:cNvPr id="15" name="Rectangle 12">
+            <a:extLst>
+              <a:ext uri="{FF2B5EF4-FFF2-40B4-BE49-F238E27FC236}">
+                <a16:creationId xmlns:a16="http://schemas.microsoft.com/office/drawing/2014/main" id="{867D4867-5BA7-4462-B2F6-A23F4A622AA7}"/>
+              </a:ext>
+              <a:ext uri="{C183D7F6-B498-43B3-948B-1728B52AA6E4}">
+                <adec:decorative xmlns:adec="http://schemas.microsoft.com/office/drawing/2017/decorative" val="1"/>
+              </a:ext>
+            </a:extLst>
+          </p:cNvPr>
+          <p:cNvSpPr>
+            <a:spLocks noGrp="1" noRot="1" noChangeAspect="1" noMove="1" noResize="1" noEditPoints="1" noAdjustHandles="1" noChangeArrowheads="1" noChangeShapeType="1" noTextEdit="1"/>
+          </p:cNvSpPr>
+          <p:nvPr>
+            <p:extLst>
+              <p:ext uri="{386F3935-93C4-4BCD-93E2-E3B085C9AB24}">
+                <p16:designElem xmlns:p16="http://schemas.microsoft.com/office/powerpoint/2015/main" val="1"/>
+              </p:ext>
+            </p:extLst>
+          </p:nvPr>
+        </p:nvSpPr>
+        <p:spPr>
+          <a:xfrm>
+            <a:off x="0" y="0"/>
+            <a:ext cx="3490722" cy="6858000"/>
+          </a:xfrm>
+          <a:prstGeom prst="rect">
+            <a:avLst/>
+          </a:prstGeom>
+          <a:solidFill>
+            <a:schemeClr val="tx1">
+              <a:lumMod val="75000"/>
+              <a:lumOff val="25000"/>
+            </a:schemeClr>
+          </a:solidFill>
+          <a:ln>
+            <a:noFill/>
+          </a:ln>
+        </p:spPr>
+        <p:style>
+          <a:lnRef idx="0">
+            <a:scrgbClr r="0" g="0" b="0"/>
+          </a:lnRef>
+          <a:fillRef idx="0">
+            <a:scrgbClr r="0" g="0" b="0"/>
+          </a:fillRef>
+          <a:effectRef idx="0">
+            <a:scrgbClr r="0" g="0" b="0"/>
+          </a:effectRef>
+          <a:fontRef idx="minor">
+            <a:schemeClr val="lt1"/>
+          </a:fontRef>
+        </p:style>
+        <p:txBody>
+          <a:bodyPr rtlCol="0" anchor="ctr"/>
+          <a:lstStyle/>
+          <a:p>
+            <a:pPr marL="0" marR="0" lvl="0" indent="0" algn="ctr" defTabSz="457200" rtl="0" eaLnBrk="1" fontAlgn="base" latinLnBrk="0" hangingPunct="1">
+              <a:lnSpc>
+                <a:spcPct val="100000"/>
+              </a:lnSpc>
+              <a:spcBef>
+                <a:spcPct val="0"/>
+              </a:spcBef>
+              <a:spcAft>
+                <a:spcPct val="0"/>
+              </a:spcAft>
+              <a:buClrTx/>
+              <a:buSzTx/>
+              <a:buFontTx/>
+              <a:buNone/>
+              <a:tabLst/>
+              <a:defRPr/>
+            </a:pPr>
+            <a:endParaRPr kumimoji="0" lang="en-US" sz="2400" b="0" i="0" u="none" strike="noStrike" kern="1200" cap="none" spc="0" normalizeH="0" baseline="0" noProof="0">
+              <a:ln>
+                <a:noFill/>
+              </a:ln>
+              <a:solidFill>
+                <a:prstClr val="white"/>
+              </a:solidFill>
+              <a:effectLst/>
+              <a:uLnTx/>
+              <a:uFillTx/>
+              <a:latin typeface="Calibri"/>
+              <a:ea typeface="+mn-ea"/>
+              <a:cs typeface="+mn-cs"/>
+            </a:endParaRPr>
+          </a:p>
+        </p:txBody>
+      </p:sp>
+      <p:sp>
+        <p:nvSpPr>
+          <p:cNvPr id="2" name="Title 1"/>
+          <p:cNvSpPr>
+            <a:spLocks noGrp="1"/>
+          </p:cNvSpPr>
+          <p:nvPr>
+            <p:ph type="title"/>
+          </p:nvPr>
+        </p:nvSpPr>
+        <p:spPr>
+          <a:xfrm>
+            <a:off x="482600" y="643467"/>
+            <a:ext cx="2522980" cy="1597315"/>
+          </a:xfrm>
+          <a:noFill/>
+          <a:ln w="19050">
+            <a:solidFill>
+              <a:schemeClr val="bg1"/>
+            </a:solidFill>
+          </a:ln>
+        </p:spPr>
+        <p:txBody>
+          <a:bodyPr vert="horz" wrap="square" lIns="91440" tIns="45720" rIns="91440" bIns="45720" rtlCol="0" anchor="ctr">
+            <a:normAutofit/>
+          </a:bodyPr>
+          <a:lstStyle/>
+          <a:p>
+            <a:pPr defTabSz="914400" eaLnBrk="1" hangingPunct="1">
+              <a:lnSpc>
+                <a:spcPct val="90000"/>
+              </a:lnSpc>
+            </a:pPr>
+            <a:r>
+              <a:rPr lang="en-US" sz="2400" dirty="0">
+                <a:solidFill>
+                  <a:schemeClr val="bg1"/>
+                </a:solidFill>
+              </a:rPr>
+              <a:t>Part 1: </a:t>
+            </a:r>
+            <a:br>
+              <a:rPr lang="en-US" sz="2400" dirty="0">
+                <a:solidFill>
+                  <a:schemeClr val="bg1"/>
+                </a:solidFill>
+              </a:rPr>
+            </a:br>
+            <a:r>
+              <a:rPr lang="en-US" sz="2400" dirty="0">
+                <a:solidFill>
+                  <a:schemeClr val="bg1"/>
+                </a:solidFill>
+              </a:rPr>
+              <a:t>Cross Validation </a:t>
+            </a:r>
+            <a:br>
+              <a:rPr lang="en-US" sz="2400" dirty="0">
+                <a:solidFill>
+                  <a:schemeClr val="bg1"/>
+                </a:solidFill>
+              </a:rPr>
+            </a:br>
+            <a:r>
+              <a:rPr lang="en-US" sz="2400" dirty="0">
+                <a:solidFill>
+                  <a:schemeClr val="bg1"/>
+                </a:solidFill>
+              </a:rPr>
+              <a:t>by Location</a:t>
+            </a:r>
+            <a:endParaRPr lang="en-US" sz="2400" kern="1200" dirty="0">
+              <a:solidFill>
+                <a:schemeClr val="bg1"/>
+              </a:solidFill>
+              <a:latin typeface="+mj-lt"/>
+              <a:ea typeface="+mj-ea"/>
+              <a:cs typeface="+mj-cs"/>
+            </a:endParaRPr>
+          </a:p>
+        </p:txBody>
+      </p:sp>
+      <p:pic>
+        <p:nvPicPr>
+          <p:cNvPr id="8" name="Picture 7">
+            <a:extLst>
+              <a:ext uri="{FF2B5EF4-FFF2-40B4-BE49-F238E27FC236}">
+                <a16:creationId xmlns:a16="http://schemas.microsoft.com/office/drawing/2014/main" id="{521D4292-9ECC-4DA5-8CC0-C561A0DA118E}"/>
+              </a:ext>
+            </a:extLst>
+          </p:cNvPr>
+          <p:cNvPicPr>
+            <a:picLocks noChangeAspect="1"/>
+          </p:cNvPicPr>
+          <p:nvPr/>
+        </p:nvPicPr>
+        <p:blipFill rotWithShape="1">
+          <a:blip r:embed="rId3"/>
+          <a:srcRect l="8000" r="9400"/>
+          <a:stretch/>
+        </p:blipFill>
+        <p:spPr>
+          <a:xfrm>
+            <a:off x="660103" y="3048000"/>
+            <a:ext cx="2167974" cy="2624666"/>
+          </a:xfrm>
+          <a:prstGeom prst="rect">
+            <a:avLst/>
+          </a:prstGeom>
+          <a:noFill/>
+        </p:spPr>
+      </p:pic>
+      <p:sp>
+        <p:nvSpPr>
+          <p:cNvPr id="10" name="TextBox 9">
+            <a:extLst>
+              <a:ext uri="{FF2B5EF4-FFF2-40B4-BE49-F238E27FC236}">
+                <a16:creationId xmlns:a16="http://schemas.microsoft.com/office/drawing/2014/main" id="{65722F6D-DA0E-4285-A21D-ABAAFCB59AC0}"/>
+              </a:ext>
+            </a:extLst>
+          </p:cNvPr>
+          <p:cNvSpPr txBox="1"/>
+          <p:nvPr/>
+        </p:nvSpPr>
+        <p:spPr>
+          <a:xfrm>
+            <a:off x="3810000" y="643467"/>
+            <a:ext cx="5334000" cy="5632311"/>
+          </a:xfrm>
+          <a:prstGeom prst="rect">
+            <a:avLst/>
+          </a:prstGeom>
+          <a:noFill/>
+        </p:spPr>
+        <p:txBody>
+          <a:bodyPr wrap="square" rtlCol="0">
+            <a:spAutoFit/>
+          </a:bodyPr>
+          <a:lstStyle/>
+          <a:p>
+            <a:pPr marL="342900" indent="-342900">
+              <a:buFont typeface="Arial" panose="020B0604020202020204" pitchFamily="34" charset="0"/>
+              <a:buChar char="•"/>
+              <a:defRPr/>
+            </a:pPr>
+            <a:r>
+              <a:rPr lang="en-US" dirty="0">
+                <a:solidFill>
+                  <a:srgbClr val="404040"/>
+                </a:solidFill>
+              </a:rPr>
+              <a:t>Current Issues</a:t>
+            </a:r>
+          </a:p>
+          <a:p>
+            <a:pPr>
+              <a:defRPr/>
+            </a:pPr>
+            <a:endParaRPr lang="en-US" dirty="0">
+              <a:solidFill>
+                <a:srgbClr val="404040"/>
+              </a:solidFill>
+            </a:endParaRPr>
+          </a:p>
+          <a:p>
+            <a:pPr marL="800100" lvl="1" indent="-342900">
+              <a:buFont typeface="Arial" panose="020B0604020202020204" pitchFamily="34" charset="0"/>
+              <a:buChar char="•"/>
+              <a:defRPr/>
+            </a:pPr>
+            <a:r>
+              <a:rPr lang="en-US" dirty="0">
+                <a:solidFill>
+                  <a:srgbClr val="404040"/>
+                </a:solidFill>
+              </a:rPr>
+              <a:t>Decision on Final Model Heavily Influenced by the Test Data</a:t>
+            </a:r>
+          </a:p>
+          <a:p>
+            <a:pPr marL="800100" lvl="1" indent="-342900">
+              <a:buFont typeface="Arial" panose="020B0604020202020204" pitchFamily="34" charset="0"/>
+              <a:buChar char="•"/>
+              <a:defRPr/>
+            </a:pPr>
+            <a:r>
+              <a:rPr lang="en-US" dirty="0">
+                <a:solidFill>
+                  <a:srgbClr val="404040"/>
+                </a:solidFill>
+              </a:rPr>
+              <a:t>Loss of Data in Model Fitting</a:t>
+            </a:r>
+          </a:p>
+          <a:p>
+            <a:pPr marL="800100" lvl="1" indent="-342900">
+              <a:buFont typeface="Arial" panose="020B0604020202020204" pitchFamily="34" charset="0"/>
+              <a:buChar char="•"/>
+              <a:defRPr/>
+            </a:pPr>
+            <a:r>
+              <a:rPr lang="en-US" dirty="0">
+                <a:solidFill>
+                  <a:srgbClr val="404040"/>
+                </a:solidFill>
+              </a:rPr>
+              <a:t>Not Appropriate in Small Datasets</a:t>
+            </a:r>
+          </a:p>
+          <a:p>
+            <a:pPr marL="800100" lvl="1" indent="-342900">
+              <a:buFont typeface="Arial" panose="020B0604020202020204" pitchFamily="34" charset="0"/>
+              <a:buChar char="•"/>
+              <a:defRPr/>
+            </a:pPr>
+            <a:endParaRPr lang="en-US" dirty="0">
+              <a:solidFill>
+                <a:srgbClr val="404040"/>
+              </a:solidFill>
+            </a:endParaRPr>
+          </a:p>
+          <a:p>
+            <a:pPr marL="342900" indent="-342900">
+              <a:buFont typeface="Arial" panose="020B0604020202020204" pitchFamily="34" charset="0"/>
+              <a:buChar char="•"/>
+              <a:defRPr/>
+            </a:pPr>
+            <a:r>
+              <a:rPr lang="en-US" dirty="0">
+                <a:solidFill>
+                  <a:srgbClr val="404040"/>
+                </a:solidFill>
+              </a:rPr>
+              <a:t>Cross Validation Idea</a:t>
+            </a:r>
+          </a:p>
+          <a:p>
+            <a:pPr marL="342900" indent="-342900">
+              <a:buFont typeface="Arial" panose="020B0604020202020204" pitchFamily="34" charset="0"/>
+              <a:buChar char="•"/>
+              <a:defRPr/>
+            </a:pPr>
+            <a:endParaRPr lang="en-US" dirty="0">
+              <a:solidFill>
+                <a:srgbClr val="404040"/>
+              </a:solidFill>
+            </a:endParaRPr>
+          </a:p>
+          <a:p>
+            <a:pPr marL="800100" lvl="1" indent="-342900">
+              <a:buFont typeface="Arial" panose="020B0604020202020204" pitchFamily="34" charset="0"/>
+              <a:buChar char="•"/>
+              <a:defRPr/>
+            </a:pPr>
+            <a:r>
+              <a:rPr lang="en-US" dirty="0">
+                <a:solidFill>
+                  <a:srgbClr val="404040"/>
+                </a:solidFill>
+              </a:rPr>
+              <a:t>Split Data Into Many Groups</a:t>
+            </a:r>
+          </a:p>
+          <a:p>
+            <a:pPr marL="800100" lvl="1" indent="-342900">
+              <a:buFont typeface="Arial" panose="020B0604020202020204" pitchFamily="34" charset="0"/>
+              <a:buChar char="•"/>
+              <a:defRPr/>
+            </a:pPr>
+            <a:r>
+              <a:rPr lang="en-US" dirty="0">
+                <a:solidFill>
+                  <a:srgbClr val="404040"/>
+                </a:solidFill>
+              </a:rPr>
+              <a:t>Each Group Acts as a Test Set</a:t>
+            </a:r>
+          </a:p>
+          <a:p>
+            <a:pPr marL="800100" lvl="1" indent="-342900">
+              <a:buFont typeface="Arial" panose="020B0604020202020204" pitchFamily="34" charset="0"/>
+              <a:buChar char="•"/>
+              <a:defRPr/>
+            </a:pPr>
+            <a:r>
+              <a:rPr lang="en-US" dirty="0">
+                <a:solidFill>
+                  <a:srgbClr val="404040"/>
+                </a:solidFill>
+              </a:rPr>
+              <a:t>All Data is Used in Both Model Fitting and Model Testing</a:t>
+            </a:r>
+          </a:p>
+          <a:p>
+            <a:pPr marL="800100" lvl="1" indent="-342900">
+              <a:buFont typeface="Arial" panose="020B0604020202020204" pitchFamily="34" charset="0"/>
+              <a:buChar char="•"/>
+              <a:defRPr/>
+            </a:pPr>
+            <a:r>
+              <a:rPr lang="en-US" dirty="0">
+                <a:solidFill>
+                  <a:srgbClr val="404040"/>
+                </a:solidFill>
+              </a:rPr>
+              <a:t>Help: Chapter 5 (ISLR)</a:t>
+            </a:r>
+          </a:p>
+        </p:txBody>
+      </p:sp>
+    </p:spTree>
+    <p:custDataLst>
+      <p:tags r:id="rId1"/>
+    </p:custDataLst>
+    <p:extLst>
+      <p:ext uri="{BB962C8B-B14F-4D97-AF65-F5344CB8AC3E}">
+        <p14:creationId xmlns:p14="http://schemas.microsoft.com/office/powerpoint/2010/main" val="1098244301"/>
+      </p:ext>
+    </p:extLst>
+  </p:cSld>
+  <p:clrMapOvr>
+    <a:masterClrMapping/>
+  </p:clrMapOvr>
+</p:sld>
+</file>
+
+<file path=ppt/slides/slide6.xml><?xml version="1.0" encoding="utf-8"?>
+<p:sld xmlns:a="http://schemas.openxmlformats.org/drawingml/2006/main" xmlns:r="http://schemas.openxmlformats.org/officeDocument/2006/relationships" xmlns:p="http://schemas.openxmlformats.org/presentationml/2006/main">
+  <p:cSld>
+    <p:bg>
+      <p:bgPr>
+        <a:solidFill>
+          <a:schemeClr val="bg1">
+            <a:lumMod val="85000"/>
+          </a:schemeClr>
+        </a:solidFill>
+        <a:effectLst/>
+      </p:bgPr>
+    </p:bg>
+    <p:spTree>
+      <p:nvGrpSpPr>
+        <p:cNvPr id="1" name=""/>
+        <p:cNvGrpSpPr/>
+        <p:nvPr/>
+      </p:nvGrpSpPr>
+      <p:grpSpPr>
+        <a:xfrm>
+          <a:off x="0" y="0"/>
+          <a:ext cx="0" cy="0"/>
+          <a:chOff x="0" y="0"/>
+          <a:chExt cx="0" cy="0"/>
+        </a:xfrm>
+      </p:grpSpPr>
+      <p:sp>
+        <p:nvSpPr>
+          <p:cNvPr id="15" name="Rectangle 12">
+            <a:extLst>
+              <a:ext uri="{FF2B5EF4-FFF2-40B4-BE49-F238E27FC236}">
+                <a16:creationId xmlns:a16="http://schemas.microsoft.com/office/drawing/2014/main" id="{867D4867-5BA7-4462-B2F6-A23F4A622AA7}"/>
+              </a:ext>
+              <a:ext uri="{C183D7F6-B498-43B3-948B-1728B52AA6E4}">
+                <adec:decorative xmlns:adec="http://schemas.microsoft.com/office/drawing/2017/decorative" val="1"/>
+              </a:ext>
+            </a:extLst>
+          </p:cNvPr>
+          <p:cNvSpPr>
+            <a:spLocks noGrp="1" noRot="1" noChangeAspect="1" noMove="1" noResize="1" noEditPoints="1" noAdjustHandles="1" noChangeArrowheads="1" noChangeShapeType="1" noTextEdit="1"/>
+          </p:cNvSpPr>
+          <p:nvPr>
+            <p:extLst>
+              <p:ext uri="{386F3935-93C4-4BCD-93E2-E3B085C9AB24}">
+                <p16:designElem xmlns:p16="http://schemas.microsoft.com/office/powerpoint/2015/main" val="1"/>
+              </p:ext>
+            </p:extLst>
+          </p:nvPr>
+        </p:nvSpPr>
+        <p:spPr>
+          <a:xfrm>
+            <a:off x="0" y="0"/>
+            <a:ext cx="3490722" cy="6858000"/>
+          </a:xfrm>
+          <a:prstGeom prst="rect">
+            <a:avLst/>
+          </a:prstGeom>
+          <a:solidFill>
+            <a:schemeClr val="tx1">
+              <a:lumMod val="75000"/>
+              <a:lumOff val="25000"/>
+            </a:schemeClr>
+          </a:solidFill>
+          <a:ln>
+            <a:noFill/>
+          </a:ln>
+        </p:spPr>
+        <p:style>
+          <a:lnRef idx="0">
+            <a:scrgbClr r="0" g="0" b="0"/>
+          </a:lnRef>
+          <a:fillRef idx="0">
+            <a:scrgbClr r="0" g="0" b="0"/>
+          </a:fillRef>
+          <a:effectRef idx="0">
+            <a:scrgbClr r="0" g="0" b="0"/>
+          </a:effectRef>
+          <a:fontRef idx="minor">
+            <a:schemeClr val="lt1"/>
+          </a:fontRef>
+        </p:style>
+        <p:txBody>
+          <a:bodyPr rtlCol="0" anchor="ctr"/>
+          <a:lstStyle/>
+          <a:p>
+            <a:pPr marL="0" marR="0" lvl="0" indent="0" algn="ctr" defTabSz="457200" rtl="0" eaLnBrk="1" fontAlgn="base" latinLnBrk="0" hangingPunct="1">
+              <a:lnSpc>
+                <a:spcPct val="100000"/>
+              </a:lnSpc>
+              <a:spcBef>
+                <a:spcPct val="0"/>
+              </a:spcBef>
+              <a:spcAft>
+                <a:spcPct val="0"/>
+              </a:spcAft>
+              <a:buClrTx/>
+              <a:buSzTx/>
+              <a:buFontTx/>
+              <a:buNone/>
+              <a:tabLst/>
+              <a:defRPr/>
+            </a:pPr>
+            <a:endParaRPr kumimoji="0" lang="en-US" sz="2400" b="0" i="0" u="none" strike="noStrike" kern="1200" cap="none" spc="0" normalizeH="0" baseline="0" noProof="0">
+              <a:ln>
+                <a:noFill/>
+              </a:ln>
+              <a:solidFill>
+                <a:prstClr val="white"/>
+              </a:solidFill>
+              <a:effectLst/>
+              <a:uLnTx/>
+              <a:uFillTx/>
+              <a:latin typeface="Calibri"/>
+              <a:ea typeface="+mn-ea"/>
+              <a:cs typeface="+mn-cs"/>
+            </a:endParaRPr>
+          </a:p>
+        </p:txBody>
+      </p:sp>
+      <p:sp>
+        <p:nvSpPr>
+          <p:cNvPr id="2" name="Title 1"/>
+          <p:cNvSpPr>
+            <a:spLocks noGrp="1"/>
+          </p:cNvSpPr>
+          <p:nvPr>
+            <p:ph type="title"/>
+          </p:nvPr>
+        </p:nvSpPr>
+        <p:spPr>
+          <a:xfrm>
+            <a:off x="482600" y="643467"/>
+            <a:ext cx="2522980" cy="1597315"/>
+          </a:xfrm>
+          <a:noFill/>
+          <a:ln w="19050">
+            <a:solidFill>
+              <a:schemeClr val="bg1"/>
+            </a:solidFill>
+          </a:ln>
+        </p:spPr>
+        <p:txBody>
+          <a:bodyPr vert="horz" wrap="square" lIns="91440" tIns="45720" rIns="91440" bIns="45720" rtlCol="0" anchor="ctr">
+            <a:normAutofit/>
+          </a:bodyPr>
+          <a:lstStyle/>
+          <a:p>
+            <a:pPr defTabSz="914400" eaLnBrk="1" hangingPunct="1">
+              <a:lnSpc>
+                <a:spcPct val="90000"/>
+              </a:lnSpc>
+            </a:pPr>
+            <a:r>
+              <a:rPr lang="en-US" sz="2400" dirty="0">
+                <a:solidFill>
+                  <a:schemeClr val="bg1"/>
+                </a:solidFill>
+              </a:rPr>
+              <a:t>Part 1: </a:t>
+            </a:r>
+            <a:br>
+              <a:rPr lang="en-US" sz="2400" dirty="0">
+                <a:solidFill>
+                  <a:schemeClr val="bg1"/>
+                </a:solidFill>
+              </a:rPr>
+            </a:br>
+            <a:r>
+              <a:rPr lang="en-US" sz="2400" dirty="0">
+                <a:solidFill>
+                  <a:schemeClr val="bg1"/>
+                </a:solidFill>
+              </a:rPr>
+              <a:t>Cross Validation </a:t>
+            </a:r>
+            <a:br>
+              <a:rPr lang="en-US" sz="2400" dirty="0">
+                <a:solidFill>
+                  <a:schemeClr val="bg1"/>
+                </a:solidFill>
+              </a:rPr>
+            </a:br>
+            <a:r>
+              <a:rPr lang="en-US" sz="2400" dirty="0">
+                <a:solidFill>
+                  <a:schemeClr val="bg1"/>
+                </a:solidFill>
+              </a:rPr>
+              <a:t>by Location</a:t>
+            </a:r>
+            <a:endParaRPr lang="en-US" sz="2400" kern="1200" dirty="0">
+              <a:solidFill>
+                <a:schemeClr val="bg1"/>
+              </a:solidFill>
+              <a:latin typeface="+mj-lt"/>
+              <a:ea typeface="+mj-ea"/>
+              <a:cs typeface="+mj-cs"/>
+            </a:endParaRPr>
+          </a:p>
+        </p:txBody>
+      </p:sp>
+      <p:pic>
+        <p:nvPicPr>
+          <p:cNvPr id="8" name="Picture 7">
+            <a:extLst>
+              <a:ext uri="{FF2B5EF4-FFF2-40B4-BE49-F238E27FC236}">
+                <a16:creationId xmlns:a16="http://schemas.microsoft.com/office/drawing/2014/main" id="{521D4292-9ECC-4DA5-8CC0-C561A0DA118E}"/>
+              </a:ext>
+            </a:extLst>
+          </p:cNvPr>
+          <p:cNvPicPr>
+            <a:picLocks noChangeAspect="1"/>
+          </p:cNvPicPr>
+          <p:nvPr/>
+        </p:nvPicPr>
+        <p:blipFill rotWithShape="1">
+          <a:blip r:embed="rId3"/>
+          <a:srcRect l="8000" r="9400"/>
+          <a:stretch/>
+        </p:blipFill>
+        <p:spPr>
+          <a:xfrm>
+            <a:off x="660103" y="3048000"/>
+            <a:ext cx="2167974" cy="2624666"/>
+          </a:xfrm>
+          <a:prstGeom prst="rect">
+            <a:avLst/>
+          </a:prstGeom>
+          <a:noFill/>
+        </p:spPr>
+      </p:pic>
+      <p:sp>
+        <p:nvSpPr>
+          <p:cNvPr id="10" name="TextBox 9">
+            <a:extLst>
+              <a:ext uri="{FF2B5EF4-FFF2-40B4-BE49-F238E27FC236}">
+                <a16:creationId xmlns:a16="http://schemas.microsoft.com/office/drawing/2014/main" id="{65722F6D-DA0E-4285-A21D-ABAAFCB59AC0}"/>
+              </a:ext>
+            </a:extLst>
+          </p:cNvPr>
+          <p:cNvSpPr txBox="1"/>
+          <p:nvPr/>
+        </p:nvSpPr>
+        <p:spPr>
+          <a:xfrm>
+            <a:off x="3810000" y="609600"/>
+            <a:ext cx="5334000" cy="6370975"/>
+          </a:xfrm>
+          <a:prstGeom prst="rect">
+            <a:avLst/>
+          </a:prstGeom>
+          <a:noFill/>
+        </p:spPr>
+        <p:txBody>
+          <a:bodyPr wrap="square" rtlCol="0">
+            <a:spAutoFit/>
+          </a:bodyPr>
+          <a:lstStyle/>
+          <a:p>
+            <a:pPr marL="342900" indent="-342900">
+              <a:buFont typeface="Arial" panose="020B0604020202020204" pitchFamily="34" charset="0"/>
+              <a:buChar char="•"/>
+              <a:defRPr/>
+            </a:pPr>
+            <a:r>
+              <a:rPr lang="en-US" dirty="0" err="1">
+                <a:solidFill>
+                  <a:srgbClr val="404040"/>
+                </a:solidFill>
+              </a:rPr>
+              <a:t>Tidyverse</a:t>
+            </a:r>
+            <a:r>
+              <a:rPr lang="en-US" dirty="0">
+                <a:solidFill>
+                  <a:srgbClr val="404040"/>
+                </a:solidFill>
+              </a:rPr>
+              <a:t> Concepts</a:t>
+            </a:r>
+          </a:p>
+          <a:p>
+            <a:pPr marL="342900" indent="-342900">
+              <a:buFont typeface="Arial" panose="020B0604020202020204" pitchFamily="34" charset="0"/>
+              <a:buChar char="•"/>
+              <a:defRPr/>
+            </a:pPr>
+            <a:endParaRPr lang="en-US" dirty="0">
+              <a:solidFill>
+                <a:srgbClr val="404040"/>
+              </a:solidFill>
+            </a:endParaRPr>
+          </a:p>
+          <a:p>
+            <a:pPr marL="800100" lvl="1" indent="-342900">
+              <a:buFont typeface="Arial" panose="020B0604020202020204" pitchFamily="34" charset="0"/>
+              <a:buChar char="•"/>
+              <a:defRPr/>
+            </a:pPr>
+            <a:r>
+              <a:rPr lang="en-US" dirty="0">
+                <a:solidFill>
+                  <a:srgbClr val="404040"/>
+                </a:solidFill>
+              </a:rPr>
+              <a:t>Chapter 20 (R4DS)</a:t>
+            </a:r>
+          </a:p>
+          <a:p>
+            <a:pPr lvl="1">
+              <a:defRPr/>
+            </a:pPr>
+            <a:endParaRPr lang="en-US" dirty="0">
+              <a:solidFill>
+                <a:srgbClr val="404040"/>
+              </a:solidFill>
+            </a:endParaRPr>
+          </a:p>
+          <a:p>
+            <a:pPr marL="800100" lvl="1" indent="-342900">
+              <a:buFont typeface="Arial" panose="020B0604020202020204" pitchFamily="34" charset="0"/>
+              <a:buChar char="•"/>
+              <a:defRPr/>
+            </a:pPr>
+            <a:r>
+              <a:rPr lang="en-US" dirty="0">
+                <a:solidFill>
+                  <a:srgbClr val="404040"/>
+                </a:solidFill>
+              </a:rPr>
+              <a:t>List-Columns</a:t>
+            </a:r>
+          </a:p>
+          <a:p>
+            <a:pPr marL="1257300" lvl="2" indent="-342900">
+              <a:buFont typeface="Arial" panose="020B0604020202020204" pitchFamily="34" charset="0"/>
+              <a:buChar char="•"/>
+              <a:defRPr/>
+            </a:pPr>
+            <a:r>
+              <a:rPr lang="en-US" dirty="0">
+                <a:solidFill>
+                  <a:srgbClr val="404040"/>
+                </a:solidFill>
+              </a:rPr>
+              <a:t>Columns in Data Frames or Tibbles Can Be Lists</a:t>
+            </a:r>
+          </a:p>
+          <a:p>
+            <a:pPr marL="1257300" lvl="2" indent="-342900">
+              <a:buFont typeface="Arial" panose="020B0604020202020204" pitchFamily="34" charset="0"/>
+              <a:buChar char="•"/>
+              <a:defRPr/>
+            </a:pPr>
+            <a:r>
+              <a:rPr lang="en-US" dirty="0">
+                <a:solidFill>
+                  <a:srgbClr val="404040"/>
+                </a:solidFill>
+              </a:rPr>
+              <a:t>What this Means</a:t>
+            </a:r>
+          </a:p>
+          <a:p>
+            <a:pPr marL="1714500" lvl="3" indent="-342900">
+              <a:buFont typeface="Arial" panose="020B0604020202020204" pitchFamily="34" charset="0"/>
+              <a:buChar char="•"/>
+              <a:defRPr/>
+            </a:pPr>
+            <a:r>
+              <a:rPr lang="en-US" dirty="0">
+                <a:solidFill>
+                  <a:srgbClr val="404040"/>
+                </a:solidFill>
+              </a:rPr>
+              <a:t>Column of Tables</a:t>
+            </a:r>
+          </a:p>
+          <a:p>
+            <a:pPr marL="1714500" lvl="3" indent="-342900">
+              <a:buFont typeface="Arial" panose="020B0604020202020204" pitchFamily="34" charset="0"/>
+              <a:buChar char="•"/>
+              <a:defRPr/>
+            </a:pPr>
+            <a:r>
+              <a:rPr lang="en-US" dirty="0">
+                <a:solidFill>
+                  <a:srgbClr val="404040"/>
+                </a:solidFill>
+              </a:rPr>
+              <a:t>Column of Models</a:t>
+            </a:r>
+          </a:p>
+          <a:p>
+            <a:pPr marL="1714500" lvl="3" indent="-342900">
+              <a:buFont typeface="Arial" panose="020B0604020202020204" pitchFamily="34" charset="0"/>
+              <a:buChar char="•"/>
+              <a:defRPr/>
+            </a:pPr>
+            <a:r>
+              <a:rPr lang="en-US" dirty="0">
+                <a:solidFill>
+                  <a:srgbClr val="404040"/>
+                </a:solidFill>
+              </a:rPr>
+              <a:t>Column of Functions</a:t>
+            </a:r>
+          </a:p>
+          <a:p>
+            <a:pPr lvl="3">
+              <a:defRPr/>
+            </a:pPr>
+            <a:endParaRPr lang="en-US" dirty="0">
+              <a:solidFill>
+                <a:srgbClr val="404040"/>
+              </a:solidFill>
+            </a:endParaRPr>
+          </a:p>
+          <a:p>
+            <a:pPr marL="800100" lvl="1" indent="-342900">
+              <a:buFont typeface="Arial" panose="020B0604020202020204" pitchFamily="34" charset="0"/>
+              <a:buChar char="•"/>
+              <a:defRPr/>
+            </a:pPr>
+            <a:r>
+              <a:rPr lang="en-US" dirty="0">
+                <a:solidFill>
+                  <a:srgbClr val="404040"/>
+                </a:solidFill>
+              </a:rPr>
+              <a:t>Functions</a:t>
+            </a:r>
+          </a:p>
+          <a:p>
+            <a:pPr marL="1257300" lvl="2" indent="-342900">
+              <a:buFont typeface="Arial" panose="020B0604020202020204" pitchFamily="34" charset="0"/>
+              <a:buChar char="•"/>
+              <a:defRPr/>
+            </a:pPr>
+            <a:r>
+              <a:rPr lang="en-US" dirty="0">
+                <a:solidFill>
+                  <a:srgbClr val="404040"/>
+                </a:solidFill>
+              </a:rPr>
+              <a:t>nest(): Converts Rows of a Data Frame into a List</a:t>
+            </a:r>
+          </a:p>
+          <a:p>
+            <a:pPr marL="1257300" lvl="2" indent="-342900">
+              <a:buFont typeface="Arial" panose="020B0604020202020204" pitchFamily="34" charset="0"/>
+              <a:buChar char="•"/>
+              <a:defRPr/>
+            </a:pPr>
+            <a:r>
+              <a:rPr lang="en-US" dirty="0" err="1">
+                <a:solidFill>
+                  <a:srgbClr val="404040"/>
+                </a:solidFill>
+              </a:rPr>
+              <a:t>unnest</a:t>
+            </a:r>
+            <a:r>
+              <a:rPr lang="en-US" dirty="0">
+                <a:solidFill>
+                  <a:srgbClr val="404040"/>
+                </a:solidFill>
+              </a:rPr>
+              <a:t>(): What do You Think It Does?</a:t>
+            </a:r>
+          </a:p>
+        </p:txBody>
+      </p:sp>
+    </p:spTree>
+    <p:custDataLst>
+      <p:tags r:id="rId1"/>
+    </p:custDataLst>
+    <p:extLst>
+      <p:ext uri="{BB962C8B-B14F-4D97-AF65-F5344CB8AC3E}">
+        <p14:creationId xmlns:p14="http://schemas.microsoft.com/office/powerpoint/2010/main" val="4289584945"/>
+      </p:ext>
+    </p:extLst>
+  </p:cSld>
+  <p:clrMapOvr>
+    <a:masterClrMapping/>
+  </p:clrMapOvr>
+</p:sld>
+</file>
+
+<file path=ppt/slides/slide7.xml><?xml version="1.0" encoding="utf-8"?>
+<p:sld xmlns:a="http://schemas.openxmlformats.org/drawingml/2006/main" xmlns:r="http://schemas.openxmlformats.org/officeDocument/2006/relationships" xmlns:p="http://schemas.openxmlformats.org/presentationml/2006/main">
+  <p:cSld>
+    <p:bg>
+      <p:bgPr>
+        <a:solidFill>
+          <a:schemeClr val="bg1">
+            <a:lumMod val="85000"/>
+          </a:schemeClr>
+        </a:solidFill>
+        <a:effectLst/>
+      </p:bgPr>
+    </p:bg>
+    <p:spTree>
+      <p:nvGrpSpPr>
+        <p:cNvPr id="1" name=""/>
+        <p:cNvGrpSpPr/>
+        <p:nvPr/>
+      </p:nvGrpSpPr>
+      <p:grpSpPr>
+        <a:xfrm>
+          <a:off x="0" y="0"/>
+          <a:ext cx="0" cy="0"/>
+          <a:chOff x="0" y="0"/>
+          <a:chExt cx="0" cy="0"/>
+        </a:xfrm>
+      </p:grpSpPr>
+      <p:sp>
+        <p:nvSpPr>
+          <p:cNvPr id="15" name="Rectangle 12">
+            <a:extLst>
+              <a:ext uri="{FF2B5EF4-FFF2-40B4-BE49-F238E27FC236}">
+                <a16:creationId xmlns:a16="http://schemas.microsoft.com/office/drawing/2014/main" id="{867D4867-5BA7-4462-B2F6-A23F4A622AA7}"/>
+              </a:ext>
+              <a:ext uri="{C183D7F6-B498-43B3-948B-1728B52AA6E4}">
+                <adec:decorative xmlns:adec="http://schemas.microsoft.com/office/drawing/2017/decorative" val="1"/>
+              </a:ext>
+            </a:extLst>
+          </p:cNvPr>
+          <p:cNvSpPr>
+            <a:spLocks noGrp="1" noRot="1" noChangeAspect="1" noMove="1" noResize="1" noEditPoints="1" noAdjustHandles="1" noChangeArrowheads="1" noChangeShapeType="1" noTextEdit="1"/>
+          </p:cNvSpPr>
+          <p:nvPr>
+            <p:extLst>
+              <p:ext uri="{386F3935-93C4-4BCD-93E2-E3B085C9AB24}">
+                <p16:designElem xmlns:p16="http://schemas.microsoft.com/office/powerpoint/2015/main" val="1"/>
+              </p:ext>
+            </p:extLst>
+          </p:nvPr>
+        </p:nvSpPr>
+        <p:spPr>
+          <a:xfrm>
+            <a:off x="0" y="0"/>
+            <a:ext cx="3490722" cy="6858000"/>
+          </a:xfrm>
+          <a:prstGeom prst="rect">
+            <a:avLst/>
+          </a:prstGeom>
+          <a:solidFill>
+            <a:schemeClr val="tx1">
+              <a:lumMod val="75000"/>
+              <a:lumOff val="25000"/>
+            </a:schemeClr>
+          </a:solidFill>
+          <a:ln>
+            <a:noFill/>
+          </a:ln>
+        </p:spPr>
+        <p:style>
+          <a:lnRef idx="0">
+            <a:scrgbClr r="0" g="0" b="0"/>
+          </a:lnRef>
+          <a:fillRef idx="0">
+            <a:scrgbClr r="0" g="0" b="0"/>
+          </a:fillRef>
+          <a:effectRef idx="0">
+            <a:scrgbClr r="0" g="0" b="0"/>
+          </a:effectRef>
+          <a:fontRef idx="minor">
+            <a:schemeClr val="lt1"/>
+          </a:fontRef>
+        </p:style>
+        <p:txBody>
+          <a:bodyPr rtlCol="0" anchor="ctr"/>
+          <a:lstStyle/>
+          <a:p>
+            <a:pPr marL="0" marR="0" lvl="0" indent="0" algn="ctr" defTabSz="457200" rtl="0" eaLnBrk="1" fontAlgn="base" latinLnBrk="0" hangingPunct="1">
+              <a:lnSpc>
+                <a:spcPct val="100000"/>
+              </a:lnSpc>
+              <a:spcBef>
+                <a:spcPct val="0"/>
+              </a:spcBef>
+              <a:spcAft>
+                <a:spcPct val="0"/>
+              </a:spcAft>
+              <a:buClrTx/>
+              <a:buSzTx/>
+              <a:buFontTx/>
+              <a:buNone/>
+              <a:tabLst/>
+              <a:defRPr/>
+            </a:pPr>
+            <a:endParaRPr kumimoji="0" lang="en-US" sz="2400" b="0" i="0" u="none" strike="noStrike" kern="1200" cap="none" spc="0" normalizeH="0" baseline="0" noProof="0">
+              <a:ln>
+                <a:noFill/>
+              </a:ln>
+              <a:solidFill>
+                <a:prstClr val="white"/>
+              </a:solidFill>
+              <a:effectLst/>
+              <a:uLnTx/>
+              <a:uFillTx/>
+              <a:latin typeface="Calibri"/>
+              <a:ea typeface="+mn-ea"/>
+              <a:cs typeface="+mn-cs"/>
+            </a:endParaRPr>
+          </a:p>
+        </p:txBody>
+      </p:sp>
+      <p:sp>
+        <p:nvSpPr>
+          <p:cNvPr id="2" name="Title 1"/>
+          <p:cNvSpPr>
+            <a:spLocks noGrp="1"/>
+          </p:cNvSpPr>
+          <p:nvPr>
+            <p:ph type="title"/>
+          </p:nvPr>
+        </p:nvSpPr>
+        <p:spPr>
+          <a:xfrm>
+            <a:off x="482600" y="643467"/>
+            <a:ext cx="2522980" cy="1597315"/>
+          </a:xfrm>
+          <a:noFill/>
+          <a:ln w="19050">
+            <a:solidFill>
+              <a:schemeClr val="bg1"/>
+            </a:solidFill>
+          </a:ln>
+        </p:spPr>
+        <p:txBody>
+          <a:bodyPr vert="horz" wrap="square" lIns="91440" tIns="45720" rIns="91440" bIns="45720" rtlCol="0" anchor="ctr">
+            <a:normAutofit/>
+          </a:bodyPr>
+          <a:lstStyle/>
+          <a:p>
+            <a:pPr defTabSz="914400" eaLnBrk="1" hangingPunct="1">
+              <a:lnSpc>
+                <a:spcPct val="90000"/>
+              </a:lnSpc>
+            </a:pPr>
+            <a:r>
+              <a:rPr lang="en-US" sz="2400" dirty="0">
+                <a:solidFill>
+                  <a:schemeClr val="bg1"/>
+                </a:solidFill>
+              </a:rPr>
+              <a:t>Part 1: </a:t>
+            </a:r>
+            <a:br>
+              <a:rPr lang="en-US" sz="2400" dirty="0">
+                <a:solidFill>
+                  <a:schemeClr val="bg1"/>
+                </a:solidFill>
+              </a:rPr>
+            </a:br>
+            <a:r>
+              <a:rPr lang="en-US" sz="2400" dirty="0">
+                <a:solidFill>
+                  <a:schemeClr val="bg1"/>
+                </a:solidFill>
+              </a:rPr>
+              <a:t>Cross Validation </a:t>
+            </a:r>
+            <a:br>
+              <a:rPr lang="en-US" sz="2400" dirty="0">
+                <a:solidFill>
+                  <a:schemeClr val="bg1"/>
+                </a:solidFill>
+              </a:rPr>
+            </a:br>
+            <a:r>
+              <a:rPr lang="en-US" sz="2400" dirty="0">
+                <a:solidFill>
+                  <a:schemeClr val="bg1"/>
+                </a:solidFill>
+              </a:rPr>
+              <a:t>by Location</a:t>
+            </a:r>
+            <a:endParaRPr lang="en-US" sz="2400" kern="1200" dirty="0">
+              <a:solidFill>
+                <a:schemeClr val="bg1"/>
+              </a:solidFill>
+              <a:latin typeface="+mj-lt"/>
+              <a:ea typeface="+mj-ea"/>
+              <a:cs typeface="+mj-cs"/>
+            </a:endParaRPr>
+          </a:p>
+        </p:txBody>
+      </p:sp>
+      <p:pic>
+        <p:nvPicPr>
+          <p:cNvPr id="8" name="Picture 7">
+            <a:extLst>
+              <a:ext uri="{FF2B5EF4-FFF2-40B4-BE49-F238E27FC236}">
+                <a16:creationId xmlns:a16="http://schemas.microsoft.com/office/drawing/2014/main" id="{521D4292-9ECC-4DA5-8CC0-C561A0DA118E}"/>
+              </a:ext>
+            </a:extLst>
+          </p:cNvPr>
+          <p:cNvPicPr>
+            <a:picLocks noChangeAspect="1"/>
+          </p:cNvPicPr>
+          <p:nvPr/>
+        </p:nvPicPr>
+        <p:blipFill rotWithShape="1">
+          <a:blip r:embed="rId3"/>
+          <a:srcRect l="8000" r="9400"/>
+          <a:stretch/>
+        </p:blipFill>
+        <p:spPr>
+          <a:xfrm>
+            <a:off x="660103" y="3048000"/>
+            <a:ext cx="2167974" cy="2624666"/>
+          </a:xfrm>
+          <a:prstGeom prst="rect">
+            <a:avLst/>
+          </a:prstGeom>
+          <a:noFill/>
+        </p:spPr>
+      </p:pic>
+      <p:sp>
+        <p:nvSpPr>
+          <p:cNvPr id="5" name="TextBox 4">
+            <a:extLst>
+              <a:ext uri="{FF2B5EF4-FFF2-40B4-BE49-F238E27FC236}">
+                <a16:creationId xmlns:a16="http://schemas.microsoft.com/office/drawing/2014/main" id="{B0ED2E22-6C3D-4129-B22C-FA462A587E09}"/>
+              </a:ext>
+            </a:extLst>
+          </p:cNvPr>
+          <p:cNvSpPr txBox="1"/>
+          <p:nvPr/>
+        </p:nvSpPr>
+        <p:spPr>
+          <a:xfrm>
+            <a:off x="3810000" y="645990"/>
+            <a:ext cx="5334000" cy="4893647"/>
+          </a:xfrm>
+          <a:prstGeom prst="rect">
+            <a:avLst/>
+          </a:prstGeom>
+          <a:noFill/>
+        </p:spPr>
+        <p:txBody>
+          <a:bodyPr wrap="square" rtlCol="0">
+            <a:spAutoFit/>
+          </a:bodyPr>
+          <a:lstStyle/>
+          <a:p>
+            <a:pPr marL="342900" indent="-342900">
+              <a:buFont typeface="Arial" panose="020B0604020202020204" pitchFamily="34" charset="0"/>
+              <a:buChar char="•"/>
+              <a:defRPr/>
+            </a:pPr>
+            <a:r>
+              <a:rPr lang="en-US" dirty="0">
+                <a:solidFill>
+                  <a:srgbClr val="404040"/>
+                </a:solidFill>
+              </a:rPr>
+              <a:t>Run Chunk 1</a:t>
+            </a:r>
+          </a:p>
+          <a:p>
+            <a:pPr marL="342900" indent="-342900">
+              <a:buFont typeface="Arial" panose="020B0604020202020204" pitchFamily="34" charset="0"/>
+              <a:buChar char="•"/>
+              <a:defRPr/>
+            </a:pPr>
+            <a:endParaRPr lang="en-US" dirty="0">
+              <a:solidFill>
+                <a:srgbClr val="404040"/>
+              </a:solidFill>
+            </a:endParaRPr>
+          </a:p>
+          <a:p>
+            <a:pPr marL="800100" lvl="1" indent="-342900">
+              <a:buFont typeface="Arial" panose="020B0604020202020204" pitchFamily="34" charset="0"/>
+              <a:buChar char="•"/>
+              <a:defRPr/>
+            </a:pPr>
+            <a:r>
+              <a:rPr lang="en-US" dirty="0">
+                <a:solidFill>
+                  <a:srgbClr val="404040"/>
+                </a:solidFill>
+              </a:rPr>
+              <a:t>Observe the Output</a:t>
+            </a:r>
+          </a:p>
+          <a:p>
+            <a:pPr marL="800100" lvl="1" indent="-342900">
+              <a:buFont typeface="Arial" panose="020B0604020202020204" pitchFamily="34" charset="0"/>
+              <a:buChar char="•"/>
+              <a:defRPr/>
+            </a:pPr>
+            <a:r>
+              <a:rPr lang="en-US" dirty="0">
+                <a:solidFill>
+                  <a:srgbClr val="404040"/>
+                </a:solidFill>
+              </a:rPr>
+              <a:t>Column of Tibbles</a:t>
+            </a:r>
+          </a:p>
+          <a:p>
+            <a:pPr marL="800100" lvl="1" indent="-342900">
+              <a:buFont typeface="Arial" panose="020B0604020202020204" pitchFamily="34" charset="0"/>
+              <a:buChar char="•"/>
+              <a:defRPr/>
+            </a:pPr>
+            <a:endParaRPr lang="en-US" dirty="0">
+              <a:solidFill>
+                <a:srgbClr val="404040"/>
+              </a:solidFill>
+            </a:endParaRPr>
+          </a:p>
+          <a:p>
+            <a:pPr marL="342900" indent="-342900">
+              <a:buFont typeface="Arial" panose="020B0604020202020204" pitchFamily="34" charset="0"/>
+              <a:buChar char="•"/>
+              <a:defRPr/>
+            </a:pPr>
+            <a:r>
+              <a:rPr lang="en-US" dirty="0">
+                <a:solidFill>
+                  <a:srgbClr val="404040"/>
+                </a:solidFill>
+              </a:rPr>
+              <a:t>Run Chunk 2</a:t>
+            </a:r>
+          </a:p>
+          <a:p>
+            <a:pPr marL="800100" lvl="1" indent="-342900">
+              <a:buFont typeface="Arial" panose="020B0604020202020204" pitchFamily="34" charset="0"/>
+              <a:buChar char="•"/>
+              <a:defRPr/>
+            </a:pPr>
+            <a:endParaRPr lang="en-US" dirty="0">
+              <a:solidFill>
+                <a:srgbClr val="404040"/>
+              </a:solidFill>
+            </a:endParaRPr>
+          </a:p>
+          <a:p>
+            <a:pPr marL="800100" lvl="1" indent="-342900">
+              <a:buFont typeface="Arial" panose="020B0604020202020204" pitchFamily="34" charset="0"/>
+              <a:buChar char="•"/>
+              <a:defRPr/>
+            </a:pPr>
+            <a:r>
+              <a:rPr lang="en-US" dirty="0">
+                <a:solidFill>
+                  <a:srgbClr val="404040"/>
+                </a:solidFill>
+              </a:rPr>
+              <a:t>Imagine We Wanted to Split</a:t>
+            </a:r>
+          </a:p>
+          <a:p>
+            <a:pPr marL="1257300" lvl="2" indent="-342900">
+              <a:buFont typeface="Arial" panose="020B0604020202020204" pitchFamily="34" charset="0"/>
+              <a:buChar char="•"/>
+              <a:defRPr/>
+            </a:pPr>
+            <a:r>
+              <a:rPr lang="en-US" dirty="0">
+                <a:solidFill>
+                  <a:srgbClr val="404040"/>
+                </a:solidFill>
+              </a:rPr>
+              <a:t>Test: Data For Location 103</a:t>
+            </a:r>
+          </a:p>
+          <a:p>
+            <a:pPr marL="1257300" lvl="2" indent="-342900">
+              <a:buFont typeface="Arial" panose="020B0604020202020204" pitchFamily="34" charset="0"/>
+              <a:buChar char="•"/>
+              <a:defRPr/>
+            </a:pPr>
+            <a:r>
+              <a:rPr lang="en-US" dirty="0">
+                <a:solidFill>
+                  <a:srgbClr val="404040"/>
+                </a:solidFill>
+              </a:rPr>
+              <a:t>Train: All Remaining Data</a:t>
+            </a:r>
+          </a:p>
+          <a:p>
+            <a:pPr marL="800100" lvl="1" indent="-342900">
+              <a:buFont typeface="Arial" panose="020B0604020202020204" pitchFamily="34" charset="0"/>
+              <a:buChar char="•"/>
+              <a:defRPr/>
+            </a:pPr>
+            <a:r>
+              <a:rPr lang="en-US" dirty="0">
+                <a:solidFill>
+                  <a:srgbClr val="404040"/>
+                </a:solidFill>
+              </a:rPr>
+              <a:t>Use of filter() and </a:t>
+            </a:r>
+            <a:r>
+              <a:rPr lang="en-US" dirty="0" err="1">
+                <a:solidFill>
+                  <a:srgbClr val="404040"/>
+                </a:solidFill>
+              </a:rPr>
+              <a:t>unnest</a:t>
+            </a:r>
+            <a:r>
+              <a:rPr lang="en-US" dirty="0">
+                <a:solidFill>
+                  <a:srgbClr val="404040"/>
+                </a:solidFill>
+              </a:rPr>
+              <a:t>()</a:t>
+            </a:r>
+          </a:p>
+          <a:p>
+            <a:pPr marL="800100" lvl="1" indent="-342900">
+              <a:buFont typeface="Arial" panose="020B0604020202020204" pitchFamily="34" charset="0"/>
+              <a:buChar char="•"/>
+              <a:defRPr/>
+            </a:pPr>
+            <a:r>
+              <a:rPr lang="en-US" dirty="0">
+                <a:solidFill>
+                  <a:srgbClr val="404040"/>
+                </a:solidFill>
+              </a:rPr>
+              <a:t>First Glimpse -&gt; 365 x 8</a:t>
+            </a:r>
+          </a:p>
+          <a:p>
+            <a:pPr marL="800100" lvl="1" indent="-342900">
+              <a:buFont typeface="Arial" panose="020B0604020202020204" pitchFamily="34" charset="0"/>
+              <a:buChar char="•"/>
+              <a:defRPr/>
+            </a:pPr>
+            <a:r>
+              <a:rPr lang="en-US" dirty="0">
+                <a:solidFill>
+                  <a:srgbClr val="404040"/>
+                </a:solidFill>
+              </a:rPr>
+              <a:t>Second Glimpse -&gt; 10,972 x 8</a:t>
+            </a:r>
+          </a:p>
+        </p:txBody>
+      </p:sp>
+    </p:spTree>
+    <p:custDataLst>
+      <p:tags r:id="rId1"/>
+    </p:custDataLst>
+    <p:extLst>
+      <p:ext uri="{BB962C8B-B14F-4D97-AF65-F5344CB8AC3E}">
+        <p14:creationId xmlns:p14="http://schemas.microsoft.com/office/powerpoint/2010/main" val="1434863494"/>
       </p:ext>
     </p:extLst>
   </p:cSld>
@@ -11159,8 +16359,37 @@
           <a:bodyPr rtlCol="0" anchor="ctr"/>
           <a:lstStyle/>
           <a:p>
-            <a:pPr algn="ctr"/>
-            <a:endParaRPr lang="en-US"/>
+            <a:pPr marL="0" marR="0" lvl="0" indent="0" algn="ctr" defTabSz="457200" rtl="0" eaLnBrk="1" fontAlgn="base" latinLnBrk="0" hangingPunct="1">
+              <a:lnSpc>
+                <a:spcPct val="100000"/>
+              </a:lnSpc>
+              <a:spcBef>
+                <a:spcPct val="0"/>
+              </a:spcBef>
+              <a:spcAft>
+                <a:spcPct val="0"/>
+              </a:spcAft>
+              <a:buClrTx/>
+              <a:buSzTx/>
+              <a:buFontTx/>
+              <a:buNone/>
+              <a:tabLst/>
+              <a:defRPr/>
+            </a:pPr>
+            <a:endParaRPr kumimoji="0" lang="en-US" sz="2400" b="0" i="0" u="none" strike="noStrike" kern="1200" cap="none" spc="0" normalizeH="0" baseline="0" noProof="0">
+              <a:ln>
+                <a:noFill/>
+              </a:ln>
+              <a:solidFill>
+                <a:prstClr val="white"/>
+              </a:solidFill>
+              <a:effectLst/>
+              <a:uLnTx/>
+              <a:uFillTx/>
+              <a:latin typeface="Calibri"/>
+              <a:ea typeface="+mn-ea"/>
+              <a:cs typeface="+mn-cs"/>
+            </a:endParaRPr>
           </a:p>
         </p:txBody>
       </p:sp>
@@ -11198,15 +16427,42 @@
               </a:lnSpc>
             </a:pPr>
             <a:r>
-              <a:rPr lang="en-US" sz="2400" kern="1200">
+              <a:rPr lang="en-US" sz="2400" dirty="0">
                 <a:solidFill>
                   <a:schemeClr val="bg1"/>
                 </a:solidFill>
-                <a:latin typeface="+mj-lt"/>
-                <a:ea typeface="+mj-ea"/>
-                <a:cs typeface="+mj-cs"/>
-              </a:rPr>
-              <a:t>Closing</a:t>
+              </a:rPr>
+              <a:t>Part 1: </a:t>
+            </a:r>
+            <a:br>
+              <a:rPr lang="en-US" sz="2400" dirty="0">
+                <a:solidFill>
+                  <a:schemeClr val="bg1"/>
+                </a:solidFill>
+              </a:rPr>
+            </a:br>
+            <a:r>
+              <a:rPr lang="en-US" sz="2400" dirty="0">
+                <a:solidFill>
+                  <a:schemeClr val="bg1"/>
+                </a:solidFill>
+              </a:rPr>
+              <a:t>Cross Validation </a:t>
+            </a:r>
+            <a:br>
+              <a:rPr lang="en-US" sz="2400" dirty="0">
+                <a:solidFill>
+                  <a:schemeClr val="bg1"/>
+                </a:solidFill>
+              </a:rPr>
+            </a:br>
+            <a:r>
+              <a:rPr lang="en-US" sz="2400" dirty="0">
+                <a:solidFill>
+                  <a:schemeClr val="bg1"/>
+                </a:solidFill>
+              </a:rPr>
+              <a:t>by Location</a:t>
             </a:r>
             <a:endParaRPr lang="en-US" sz="2400" kern="1200" dirty="0">
               <a:solidFill>
@@ -11251,483 +16507,201 @@
       </p:pic>
       <p:sp>
         <p:nvSpPr>
-          <p:cNvPr id="7" name="Content Placeholder 2">
+          <p:cNvPr id="5" name="TextBox 4">
             <a:extLst>
               <a:ext uri="{FF2B5EF4-FFF2-40B4-BE49-F238E27FC236}">
-                <a16:creationId xmlns:a16="http://schemas.microsoft.com/office/drawing/2014/main" id="{8FE51533-15BE-453E-90FE-08298901BC34}"/>
+                <a16:creationId xmlns:a16="http://schemas.microsoft.com/office/drawing/2014/main" id="{B0ED2E22-6C3D-4129-B22C-FA462A587E09}"/>
               </a:ext>
             </a:extLst>
           </p:cNvPr>
-          <p:cNvSpPr txBox="1">
-            <a:spLocks/>
-          </p:cNvSpPr>
+          <p:cNvSpPr txBox="1"/>
           <p:nvPr/>
         </p:nvSpPr>
-        <p:spPr bwMode="auto">
+        <p:spPr>
           <a:xfrm>
-            <a:off x="3810000" y="643466"/>
-            <a:ext cx="4851400" cy="5833533"/>
+            <a:off x="3810000" y="645990"/>
+            <a:ext cx="5334000" cy="5632311"/>
           </a:xfrm>
           <a:prstGeom prst="rect">
             <a:avLst/>
           </a:prstGeom>
+          <a:noFill/>
         </p:spPr>
         <p:txBody>
-          <a:bodyPr vert="horz" lIns="91440" tIns="45720" rIns="91440" bIns="45720" numCol="1" rtlCol="0" anchorCtr="0" compatLnSpc="1">
-            <a:prstTxWarp prst="textNoShape">
-              <a:avLst/>
-            </a:prstTxWarp>
-            <a:noAutofit/>
+          <a:bodyPr wrap="square" rtlCol="0">
+            <a:spAutoFit/>
           </a:bodyPr>
-          <a:lstStyle>
-            <a:lvl1pPr marL="342900" indent="-342900" algn="l" defTabSz="457200" rtl="0" eaLnBrk="0" fontAlgn="base" hangingPunct="0">
-              <a:spcBef>
-                <a:spcPct val="20000"/>
-              </a:spcBef>
-              <a:spcAft>
-                <a:spcPct val="0"/>
-              </a:spcAft>
-              <a:buFont typeface="Arial" charset="0"/>
-              <a:buChar char="•"/>
-              <a:defRPr sz="3200" kern="1200">
-                <a:solidFill>
-                  <a:schemeClr val="tx1"/>
-                </a:solidFill>
-                <a:latin typeface="+mn-lt"/>
-                <a:ea typeface="ＭＳ Ｐゴシック" pitchFamily="-109" charset="-128"/>
-                <a:cs typeface="ＭＳ Ｐゴシック" pitchFamily="-109" charset="-128"/>
-              </a:defRPr>
-            </a:lvl1pPr>
-            <a:lvl2pPr marL="742950" indent="-285750" algn="l" defTabSz="457200" rtl="0" eaLnBrk="0" fontAlgn="base" hangingPunct="0">
-              <a:spcBef>
-                <a:spcPct val="20000"/>
-              </a:spcBef>
-              <a:spcAft>
-                <a:spcPct val="0"/>
-              </a:spcAft>
-              <a:buFont typeface="Arial" charset="0"/>
-              <a:buChar char="–"/>
-              <a:defRPr sz="2800" kern="1200">
-                <a:solidFill>
-                  <a:schemeClr val="tx1"/>
-                </a:solidFill>
-                <a:latin typeface="+mn-lt"/>
-                <a:ea typeface="ＭＳ Ｐゴシック" pitchFamily="-109" charset="-128"/>
-                <a:cs typeface="+mn-cs"/>
-              </a:defRPr>
-            </a:lvl2pPr>
-            <a:lvl3pPr marL="1143000" indent="-228600" algn="l" defTabSz="457200" rtl="0" eaLnBrk="0" fontAlgn="base" hangingPunct="0">
-              <a:spcBef>
-                <a:spcPct val="20000"/>
-              </a:spcBef>
-              <a:spcAft>
-                <a:spcPct val="0"/>
-              </a:spcAft>
-              <a:buFont typeface="Arial" charset="0"/>
-              <a:buChar char="•"/>
-              <a:defRPr sz="2400" kern="1200">
-                <a:solidFill>
-                  <a:schemeClr val="tx1"/>
-                </a:solidFill>
-                <a:latin typeface="+mn-lt"/>
-                <a:ea typeface="ＭＳ Ｐゴシック" pitchFamily="-109" charset="-128"/>
-                <a:cs typeface="+mn-cs"/>
-              </a:defRPr>
-            </a:lvl3pPr>
-            <a:lvl4pPr marL="1600200" indent="-228600" algn="l" defTabSz="457200" rtl="0" eaLnBrk="0" fontAlgn="base" hangingPunct="0">
-              <a:spcBef>
-                <a:spcPct val="20000"/>
-              </a:spcBef>
-              <a:spcAft>
-                <a:spcPct val="0"/>
-              </a:spcAft>
-              <a:buFont typeface="Arial" charset="0"/>
-              <a:buChar char="–"/>
-              <a:defRPr sz="2000" kern="1200">
-                <a:solidFill>
-                  <a:schemeClr val="tx1"/>
-                </a:solidFill>
-                <a:latin typeface="+mn-lt"/>
-                <a:ea typeface="ＭＳ Ｐゴシック" pitchFamily="-109" charset="-128"/>
-                <a:cs typeface="+mn-cs"/>
-              </a:defRPr>
-            </a:lvl4pPr>
-            <a:lvl5pPr marL="2057400" indent="-228600" algn="l" defTabSz="457200" rtl="0" eaLnBrk="0" fontAlgn="base" hangingPunct="0">
-              <a:spcBef>
-                <a:spcPct val="20000"/>
-              </a:spcBef>
-              <a:spcAft>
-                <a:spcPct val="0"/>
-              </a:spcAft>
-              <a:buFont typeface="Arial" charset="0"/>
-              <a:buChar char="»"/>
-              <a:defRPr sz="2000" kern="1200">
-                <a:solidFill>
-                  <a:schemeClr val="tx1"/>
-                </a:solidFill>
-                <a:latin typeface="+mn-lt"/>
-                <a:ea typeface="ＭＳ Ｐゴシック" pitchFamily="-109" charset="-128"/>
-                <a:cs typeface="+mn-cs"/>
-              </a:defRPr>
-            </a:lvl5pPr>
-            <a:lvl6pPr marL="2514600" indent="-228600" algn="l" defTabSz="457200" rtl="0" eaLnBrk="1" latinLnBrk="0" hangingPunct="1">
-              <a:spcBef>
-                <a:spcPct val="20000"/>
-              </a:spcBef>
-              <a:buFont typeface="Arial"/>
-              <a:buChar char="•"/>
-              <a:defRPr sz="2000" kern="1200">
-                <a:solidFill>
-                  <a:schemeClr val="tx1"/>
-                </a:solidFill>
-                <a:latin typeface="+mn-lt"/>
-                <a:ea typeface="+mn-ea"/>
-                <a:cs typeface="+mn-cs"/>
-              </a:defRPr>
-            </a:lvl6pPr>
-            <a:lvl7pPr marL="2971800" indent="-228600" algn="l" defTabSz="457200" rtl="0" eaLnBrk="1" latinLnBrk="0" hangingPunct="1">
-              <a:spcBef>
-                <a:spcPct val="20000"/>
-              </a:spcBef>
-              <a:buFont typeface="Arial"/>
-              <a:buChar char="•"/>
-              <a:defRPr sz="2000" kern="1200">
-                <a:solidFill>
-                  <a:schemeClr val="tx1"/>
-                </a:solidFill>
-                <a:latin typeface="+mn-lt"/>
-                <a:ea typeface="+mn-ea"/>
-                <a:cs typeface="+mn-cs"/>
-              </a:defRPr>
-            </a:lvl7pPr>
-            <a:lvl8pPr marL="3429000" indent="-228600" algn="l" defTabSz="457200" rtl="0" eaLnBrk="1" latinLnBrk="0" hangingPunct="1">
-              <a:spcBef>
-                <a:spcPct val="20000"/>
-              </a:spcBef>
-              <a:buFont typeface="Arial"/>
-              <a:buChar char="•"/>
-              <a:defRPr sz="2000" kern="1200">
-                <a:solidFill>
-                  <a:schemeClr val="tx1"/>
-                </a:solidFill>
-                <a:latin typeface="+mn-lt"/>
-                <a:ea typeface="+mn-ea"/>
-                <a:cs typeface="+mn-cs"/>
-              </a:defRPr>
-            </a:lvl8pPr>
-            <a:lvl9pPr marL="3886200" indent="-228600" algn="l" defTabSz="457200" rtl="0" eaLnBrk="1" latinLnBrk="0" hangingPunct="1">
-              <a:spcBef>
-                <a:spcPct val="20000"/>
-              </a:spcBef>
-              <a:buFont typeface="Arial"/>
-              <a:buChar char="•"/>
-              <a:defRPr sz="2000" kern="1200">
-                <a:solidFill>
-                  <a:schemeClr val="tx1"/>
-                </a:solidFill>
-                <a:latin typeface="+mn-lt"/>
-                <a:ea typeface="+mn-ea"/>
-                <a:cs typeface="+mn-cs"/>
-              </a:defRPr>
-            </a:lvl9pPr>
-          </a:lstStyle>
-          <a:p>
-            <a:pPr indent="-228600" defTabSz="914400" eaLnBrk="1" hangingPunct="1">
-              <a:lnSpc>
-                <a:spcPct val="90000"/>
-              </a:lnSpc>
+          <a:lstStyle/>
+          <a:p>
+            <a:pPr marL="342900" indent="-342900">
               <a:buFont typeface="Arial" panose="020B0604020202020204" pitchFamily="34" charset="0"/>
               <a:buChar char="•"/>
-            </a:pPr>
-            <a:endParaRPr lang="en-US" sz="2000" dirty="0">
+              <a:defRPr/>
+            </a:pPr>
+            <a:r>
+              <a:rPr lang="en-US" dirty="0">
+                <a:solidFill>
+                  <a:srgbClr val="404040"/>
+                </a:solidFill>
+              </a:rPr>
+              <a:t>Chunk 3</a:t>
+            </a:r>
+          </a:p>
+          <a:p>
+            <a:pPr marL="342900" indent="-342900">
+              <a:buFont typeface="Arial" panose="020B0604020202020204" pitchFamily="34" charset="0"/>
+              <a:buChar char="•"/>
+              <a:defRPr/>
+            </a:pPr>
+            <a:endParaRPr lang="en-US" dirty="0">
               <a:solidFill>
                 <a:srgbClr val="404040"/>
               </a:solidFill>
-              <a:ea typeface="+mn-ea"/>
-              <a:cs typeface="+mn-cs"/>
             </a:endParaRPr>
           </a:p>
           <a:p>
-            <a:pPr indent="-228600" defTabSz="914400" eaLnBrk="1" hangingPunct="1">
-              <a:lnSpc>
-                <a:spcPct val="90000"/>
-              </a:lnSpc>
+            <a:pPr marL="800100" lvl="1" indent="-342900">
               <a:buFont typeface="Arial" panose="020B0604020202020204" pitchFamily="34" charset="0"/>
               <a:buChar char="•"/>
-            </a:pPr>
-            <a:endParaRPr lang="en-US" sz="2000" dirty="0">
+              <a:defRPr/>
+            </a:pPr>
+            <a:r>
+              <a:rPr lang="en-US" dirty="0">
+                <a:solidFill>
+                  <a:srgbClr val="404040"/>
+                </a:solidFill>
+              </a:rPr>
+              <a:t>Run Each Line</a:t>
+            </a:r>
+          </a:p>
+          <a:p>
+            <a:pPr marL="800100" lvl="1" indent="-342900">
+              <a:buFont typeface="Arial" panose="020B0604020202020204" pitchFamily="34" charset="0"/>
+              <a:buChar char="•"/>
+              <a:defRPr/>
+            </a:pPr>
+            <a:r>
+              <a:rPr lang="en-US" dirty="0">
+                <a:solidFill>
+                  <a:srgbClr val="404040"/>
+                </a:solidFill>
+              </a:rPr>
+              <a:t>What is Happening?</a:t>
+            </a:r>
+          </a:p>
+          <a:p>
+            <a:pPr marL="800100" lvl="1" indent="-342900">
+              <a:buFont typeface="Arial" panose="020B0604020202020204" pitchFamily="34" charset="0"/>
+              <a:buChar char="•"/>
+              <a:defRPr/>
+            </a:pPr>
+            <a:r>
+              <a:rPr lang="en-US" dirty="0">
+                <a:solidFill>
+                  <a:srgbClr val="404040"/>
+                </a:solidFill>
+              </a:rPr>
+              <a:t>Use View() on DATA2 and Scan Through the Data</a:t>
+            </a:r>
+          </a:p>
+          <a:p>
+            <a:pPr marL="800100" lvl="1" indent="-342900">
+              <a:buFont typeface="Arial" panose="020B0604020202020204" pitchFamily="34" charset="0"/>
+              <a:buChar char="•"/>
+              <a:defRPr/>
+            </a:pPr>
+            <a:r>
+              <a:rPr lang="en-US" dirty="0">
+                <a:solidFill>
+                  <a:srgbClr val="404040"/>
+                </a:solidFill>
+              </a:rPr>
+              <a:t>What do You Notice?</a:t>
+            </a:r>
+          </a:p>
+          <a:p>
+            <a:pPr marL="800100" lvl="1" indent="-342900">
+              <a:buFont typeface="Arial" panose="020B0604020202020204" pitchFamily="34" charset="0"/>
+              <a:buChar char="•"/>
+              <a:defRPr/>
+            </a:pPr>
+            <a:endParaRPr lang="en-US" dirty="0">
               <a:solidFill>
                 <a:srgbClr val="404040"/>
               </a:solidFill>
-              <a:ea typeface="+mn-ea"/>
-              <a:cs typeface="+mn-cs"/>
             </a:endParaRPr>
           </a:p>
-        </p:txBody>
-      </p:sp>
-      <p:sp>
-        <p:nvSpPr>
-          <p:cNvPr id="10" name="Content Placeholder 2">
-            <a:extLst>
-              <a:ext uri="{FF2B5EF4-FFF2-40B4-BE49-F238E27FC236}">
-                <a16:creationId xmlns:a16="http://schemas.microsoft.com/office/drawing/2014/main" id="{10754C74-871F-42E2-A79F-10B9CCA16CD5}"/>
-              </a:ext>
-            </a:extLst>
-          </p:cNvPr>
-          <p:cNvSpPr txBox="1">
-            <a:spLocks/>
-          </p:cNvSpPr>
-          <p:nvPr/>
-        </p:nvSpPr>
-        <p:spPr bwMode="auto">
-          <a:xfrm>
-            <a:off x="3973322" y="643466"/>
-            <a:ext cx="4851400" cy="5953916"/>
-          </a:xfrm>
-          <a:prstGeom prst="rect">
-            <a:avLst/>
-          </a:prstGeom>
-        </p:spPr>
-        <p:txBody>
-          <a:bodyPr vert="horz" lIns="91440" tIns="45720" rIns="91440" bIns="45720" numCol="1" rtlCol="0" anchorCtr="0" compatLnSpc="1">
-            <a:prstTxWarp prst="textNoShape">
-              <a:avLst/>
-            </a:prstTxWarp>
-            <a:noAutofit/>
-          </a:bodyPr>
-          <a:lstStyle>
-            <a:lvl1pPr marL="342900" indent="-342900" algn="l" defTabSz="457200" rtl="0" eaLnBrk="0" fontAlgn="base" hangingPunct="0">
-              <a:spcBef>
-                <a:spcPct val="20000"/>
-              </a:spcBef>
-              <a:spcAft>
-                <a:spcPct val="0"/>
-              </a:spcAft>
-              <a:buFont typeface="Arial" charset="0"/>
-              <a:buChar char="•"/>
-              <a:defRPr sz="3200" kern="1200">
-                <a:solidFill>
-                  <a:schemeClr val="tx1"/>
-                </a:solidFill>
-                <a:latin typeface="+mn-lt"/>
-                <a:ea typeface="ＭＳ Ｐゴシック" pitchFamily="-109" charset="-128"/>
-                <a:cs typeface="ＭＳ Ｐゴシック" pitchFamily="-109" charset="-128"/>
-              </a:defRPr>
-            </a:lvl1pPr>
-            <a:lvl2pPr marL="742950" indent="-285750" algn="l" defTabSz="457200" rtl="0" eaLnBrk="0" fontAlgn="base" hangingPunct="0">
-              <a:spcBef>
-                <a:spcPct val="20000"/>
-              </a:spcBef>
-              <a:spcAft>
-                <a:spcPct val="0"/>
-              </a:spcAft>
-              <a:buFont typeface="Arial" charset="0"/>
-              <a:buChar char="–"/>
-              <a:defRPr sz="2800" kern="1200">
-                <a:solidFill>
-                  <a:schemeClr val="tx1"/>
-                </a:solidFill>
-                <a:latin typeface="+mn-lt"/>
-                <a:ea typeface="ＭＳ Ｐゴシック" pitchFamily="-109" charset="-128"/>
-                <a:cs typeface="+mn-cs"/>
-              </a:defRPr>
-            </a:lvl2pPr>
-            <a:lvl3pPr marL="1143000" indent="-228600" algn="l" defTabSz="457200" rtl="0" eaLnBrk="0" fontAlgn="base" hangingPunct="0">
-              <a:spcBef>
-                <a:spcPct val="20000"/>
-              </a:spcBef>
-              <a:spcAft>
-                <a:spcPct val="0"/>
-              </a:spcAft>
-              <a:buFont typeface="Arial" charset="0"/>
-              <a:buChar char="•"/>
-              <a:defRPr sz="2400" kern="1200">
-                <a:solidFill>
-                  <a:schemeClr val="tx1"/>
-                </a:solidFill>
-                <a:latin typeface="+mn-lt"/>
-                <a:ea typeface="ＭＳ Ｐゴシック" pitchFamily="-109" charset="-128"/>
-                <a:cs typeface="+mn-cs"/>
-              </a:defRPr>
-            </a:lvl3pPr>
-            <a:lvl4pPr marL="1600200" indent="-228600" algn="l" defTabSz="457200" rtl="0" eaLnBrk="0" fontAlgn="base" hangingPunct="0">
-              <a:spcBef>
-                <a:spcPct val="20000"/>
-              </a:spcBef>
-              <a:spcAft>
-                <a:spcPct val="0"/>
-              </a:spcAft>
-              <a:buFont typeface="Arial" charset="0"/>
-              <a:buChar char="–"/>
-              <a:defRPr sz="2000" kern="1200">
-                <a:solidFill>
-                  <a:schemeClr val="tx1"/>
-                </a:solidFill>
-                <a:latin typeface="+mn-lt"/>
-                <a:ea typeface="ＭＳ Ｐゴシック" pitchFamily="-109" charset="-128"/>
-                <a:cs typeface="+mn-cs"/>
-              </a:defRPr>
-            </a:lvl4pPr>
-            <a:lvl5pPr marL="2057400" indent="-228600" algn="l" defTabSz="457200" rtl="0" eaLnBrk="0" fontAlgn="base" hangingPunct="0">
-              <a:spcBef>
-                <a:spcPct val="20000"/>
-              </a:spcBef>
-              <a:spcAft>
-                <a:spcPct val="0"/>
-              </a:spcAft>
-              <a:buFont typeface="Arial" charset="0"/>
-              <a:buChar char="»"/>
-              <a:defRPr sz="2000" kern="1200">
-                <a:solidFill>
-                  <a:schemeClr val="tx1"/>
-                </a:solidFill>
-                <a:latin typeface="+mn-lt"/>
-                <a:ea typeface="ＭＳ Ｐゴシック" pitchFamily="-109" charset="-128"/>
-                <a:cs typeface="+mn-cs"/>
-              </a:defRPr>
-            </a:lvl5pPr>
-            <a:lvl6pPr marL="2514600" indent="-228600" algn="l" defTabSz="457200" rtl="0" eaLnBrk="1" latinLnBrk="0" hangingPunct="1">
-              <a:spcBef>
-                <a:spcPct val="20000"/>
-              </a:spcBef>
-              <a:buFont typeface="Arial"/>
-              <a:buChar char="•"/>
-              <a:defRPr sz="2000" kern="1200">
-                <a:solidFill>
-                  <a:schemeClr val="tx1"/>
-                </a:solidFill>
-                <a:latin typeface="+mn-lt"/>
-                <a:ea typeface="+mn-ea"/>
-                <a:cs typeface="+mn-cs"/>
-              </a:defRPr>
-            </a:lvl6pPr>
-            <a:lvl7pPr marL="2971800" indent="-228600" algn="l" defTabSz="457200" rtl="0" eaLnBrk="1" latinLnBrk="0" hangingPunct="1">
-              <a:spcBef>
-                <a:spcPct val="20000"/>
-              </a:spcBef>
-              <a:buFont typeface="Arial"/>
-              <a:buChar char="•"/>
-              <a:defRPr sz="2000" kern="1200">
-                <a:solidFill>
-                  <a:schemeClr val="tx1"/>
-                </a:solidFill>
-                <a:latin typeface="+mn-lt"/>
-                <a:ea typeface="+mn-ea"/>
-                <a:cs typeface="+mn-cs"/>
-              </a:defRPr>
-            </a:lvl7pPr>
-            <a:lvl8pPr marL="3429000" indent="-228600" algn="l" defTabSz="457200" rtl="0" eaLnBrk="1" latinLnBrk="0" hangingPunct="1">
-              <a:spcBef>
-                <a:spcPct val="20000"/>
-              </a:spcBef>
-              <a:buFont typeface="Arial"/>
-              <a:buChar char="•"/>
-              <a:defRPr sz="2000" kern="1200">
-                <a:solidFill>
-                  <a:schemeClr val="tx1"/>
-                </a:solidFill>
-                <a:latin typeface="+mn-lt"/>
-                <a:ea typeface="+mn-ea"/>
-                <a:cs typeface="+mn-cs"/>
-              </a:defRPr>
-            </a:lvl8pPr>
-            <a:lvl9pPr marL="3886200" indent="-228600" algn="l" defTabSz="457200" rtl="0" eaLnBrk="1" latinLnBrk="0" hangingPunct="1">
-              <a:spcBef>
-                <a:spcPct val="20000"/>
-              </a:spcBef>
-              <a:buFont typeface="Arial"/>
-              <a:buChar char="•"/>
-              <a:defRPr sz="2000" kern="1200">
-                <a:solidFill>
-                  <a:schemeClr val="tx1"/>
-                </a:solidFill>
-                <a:latin typeface="+mn-lt"/>
-                <a:ea typeface="+mn-ea"/>
-                <a:cs typeface="+mn-cs"/>
-              </a:defRPr>
-            </a:lvl9pPr>
-          </a:lstStyle>
-          <a:p>
-            <a:pPr marL="114300" indent="0" defTabSz="914400" eaLnBrk="1" hangingPunct="1">
-              <a:lnSpc>
-                <a:spcPct val="90000"/>
-              </a:lnSpc>
-              <a:buNone/>
-            </a:pPr>
-            <a:r>
-              <a:rPr lang="en-US" sz="7200" dirty="0">
-                <a:solidFill>
-                  <a:srgbClr val="404040"/>
-                </a:solidFill>
-                <a:ea typeface="+mn-ea"/>
-                <a:cs typeface="+mn-cs"/>
-              </a:rPr>
-              <a:t>Disperse and Make Reasonable Decisions</a:t>
-            </a:r>
-          </a:p>
-          <a:p>
-            <a:pPr indent="-228600" defTabSz="914400" eaLnBrk="1" hangingPunct="1">
-              <a:lnSpc>
-                <a:spcPct val="90000"/>
-              </a:lnSpc>
+          <a:p>
+            <a:pPr marL="342900" indent="-342900">
               <a:buFont typeface="Arial" panose="020B0604020202020204" pitchFamily="34" charset="0"/>
               <a:buChar char="•"/>
-            </a:pPr>
-            <a:endParaRPr lang="en-US" sz="7200" dirty="0">
+              <a:defRPr/>
+            </a:pPr>
+            <a:r>
+              <a:rPr lang="en-US" dirty="0">
+                <a:solidFill>
+                  <a:srgbClr val="404040"/>
+                </a:solidFill>
+              </a:rPr>
+              <a:t>Run Chunk 4</a:t>
+            </a:r>
+          </a:p>
+          <a:p>
+            <a:pPr marL="800100" lvl="1" indent="-342900">
+              <a:buFont typeface="Arial" panose="020B0604020202020204" pitchFamily="34" charset="0"/>
+              <a:buChar char="•"/>
+              <a:defRPr/>
+            </a:pPr>
+            <a:endParaRPr lang="en-US" dirty="0">
               <a:solidFill>
                 <a:srgbClr val="404040"/>
               </a:solidFill>
-              <a:ea typeface="+mn-ea"/>
-              <a:cs typeface="+mn-cs"/>
             </a:endParaRPr>
           </a:p>
           <a:p>
-            <a:pPr indent="-228600" defTabSz="914400" eaLnBrk="1" hangingPunct="1">
-              <a:lnSpc>
-                <a:spcPct val="90000"/>
-              </a:lnSpc>
+            <a:pPr marL="800100" lvl="1" indent="-342900">
               <a:buFont typeface="Arial" panose="020B0604020202020204" pitchFamily="34" charset="0"/>
               <a:buChar char="•"/>
-            </a:pPr>
-            <a:endParaRPr lang="en-US" sz="7200" dirty="0">
-              <a:solidFill>
-                <a:srgbClr val="404040"/>
-              </a:solidFill>
-              <a:ea typeface="+mn-ea"/>
-              <a:cs typeface="+mn-cs"/>
-            </a:endParaRPr>
-          </a:p>
-          <a:p>
-            <a:pPr indent="-228600" defTabSz="914400" eaLnBrk="1" hangingPunct="1">
-              <a:lnSpc>
-                <a:spcPct val="90000"/>
-              </a:lnSpc>
+              <a:defRPr/>
+            </a:pPr>
+            <a:r>
+              <a:rPr lang="en-US" dirty="0">
+                <a:solidFill>
+                  <a:srgbClr val="404040"/>
+                </a:solidFill>
+              </a:rPr>
+              <a:t>Create a Loop that Repeats this Process for Each Location</a:t>
+            </a:r>
+          </a:p>
+          <a:p>
+            <a:pPr marL="800100" lvl="1" indent="-342900">
               <a:buFont typeface="Arial" panose="020B0604020202020204" pitchFamily="34" charset="0"/>
               <a:buChar char="•"/>
-            </a:pPr>
-            <a:endParaRPr lang="en-US" sz="7200" dirty="0">
-              <a:solidFill>
-                <a:srgbClr val="404040"/>
-              </a:solidFill>
-              <a:ea typeface="+mn-ea"/>
-              <a:cs typeface="+mn-cs"/>
-            </a:endParaRPr>
-          </a:p>
-          <a:p>
-            <a:pPr indent="-228600" defTabSz="914400" eaLnBrk="1" hangingPunct="1">
-              <a:lnSpc>
-                <a:spcPct val="90000"/>
-              </a:lnSpc>
+              <a:defRPr/>
+            </a:pPr>
+            <a:r>
+              <a:rPr lang="en-US" dirty="0">
+                <a:solidFill>
+                  <a:srgbClr val="404040"/>
+                </a:solidFill>
+              </a:rPr>
+              <a:t>Each Location Is a Test Set</a:t>
+            </a:r>
+          </a:p>
+          <a:p>
+            <a:pPr marL="800100" lvl="1" indent="-342900">
               <a:buFont typeface="Arial" panose="020B0604020202020204" pitchFamily="34" charset="0"/>
               <a:buChar char="•"/>
-            </a:pPr>
-            <a:endParaRPr lang="en-US" sz="7200" dirty="0">
-              <a:solidFill>
-                <a:srgbClr val="404040"/>
-              </a:solidFill>
-              <a:ea typeface="+mn-ea"/>
-              <a:cs typeface="+mn-cs"/>
-            </a:endParaRPr>
+              <a:defRPr/>
+            </a:pPr>
+            <a:r>
+              <a:rPr lang="en-US" dirty="0">
+                <a:solidFill>
+                  <a:srgbClr val="404040"/>
+                </a:solidFill>
+              </a:rPr>
+              <a:t>Predictions Saved are All Out-of-Sample </a:t>
+            </a:r>
           </a:p>
         </p:txBody>
       </p:sp>
@@ -11737,7 +16711,470 @@
     </p:custDataLst>
     <p:extLst>
       <p:ext uri="{BB962C8B-B14F-4D97-AF65-F5344CB8AC3E}">
-        <p14:creationId xmlns:p14="http://schemas.microsoft.com/office/powerpoint/2010/main" val="3647066437"/>
+        <p14:creationId xmlns:p14="http://schemas.microsoft.com/office/powerpoint/2010/main" val="3805552308"/>
+      </p:ext>
+    </p:extLst>
+  </p:cSld>
+  <p:clrMapOvr>
+    <a:masterClrMapping/>
+  </p:clrMapOvr>
+</p:sld>
+</file>
+
+<file path=ppt/slides/slide9.xml><?xml version="1.0" encoding="utf-8"?>
+<p:sld xmlns:a="http://schemas.openxmlformats.org/drawingml/2006/main" xmlns:r="http://schemas.openxmlformats.org/officeDocument/2006/relationships" xmlns:p="http://schemas.openxmlformats.org/presentationml/2006/main">
+  <p:cSld>
+    <p:bg>
+      <p:bgPr>
+        <a:solidFill>
+          <a:schemeClr val="bg1">
+            <a:lumMod val="85000"/>
+          </a:schemeClr>
+        </a:solidFill>
+        <a:effectLst/>
+      </p:bgPr>
+    </p:bg>
+    <p:spTree>
+      <p:nvGrpSpPr>
+        <p:cNvPr id="1" name=""/>
+        <p:cNvGrpSpPr/>
+        <p:nvPr/>
+      </p:nvGrpSpPr>
+      <p:grpSpPr>
+        <a:xfrm>
+          <a:off x="0" y="0"/>
+          <a:ext cx="0" cy="0"/>
+          <a:chOff x="0" y="0"/>
+          <a:chExt cx="0" cy="0"/>
+        </a:xfrm>
+      </p:grpSpPr>
+      <p:sp>
+        <p:nvSpPr>
+          <p:cNvPr id="15" name="Rectangle 12">
+            <a:extLst>
+              <a:ext uri="{FF2B5EF4-FFF2-40B4-BE49-F238E27FC236}">
+                <a16:creationId xmlns:a16="http://schemas.microsoft.com/office/drawing/2014/main" id="{867D4867-5BA7-4462-B2F6-A23F4A622AA7}"/>
+              </a:ext>
+              <a:ext uri="{C183D7F6-B498-43B3-948B-1728B52AA6E4}">
+                <adec:decorative xmlns:adec="http://schemas.microsoft.com/office/drawing/2017/decorative" val="1"/>
+              </a:ext>
+            </a:extLst>
+          </p:cNvPr>
+          <p:cNvSpPr>
+            <a:spLocks noGrp="1" noRot="1" noChangeAspect="1" noMove="1" noResize="1" noEditPoints="1" noAdjustHandles="1" noChangeArrowheads="1" noChangeShapeType="1" noTextEdit="1"/>
+          </p:cNvSpPr>
+          <p:nvPr>
+            <p:extLst>
+              <p:ext uri="{386F3935-93C4-4BCD-93E2-E3B085C9AB24}">
+                <p16:designElem xmlns:p16="http://schemas.microsoft.com/office/powerpoint/2015/main" val="1"/>
+              </p:ext>
+            </p:extLst>
+          </p:nvPr>
+        </p:nvSpPr>
+        <p:spPr>
+          <a:xfrm>
+            <a:off x="0" y="0"/>
+            <a:ext cx="3490722" cy="6858000"/>
+          </a:xfrm>
+          <a:prstGeom prst="rect">
+            <a:avLst/>
+          </a:prstGeom>
+          <a:solidFill>
+            <a:schemeClr val="tx1">
+              <a:lumMod val="75000"/>
+              <a:lumOff val="25000"/>
+            </a:schemeClr>
+          </a:solidFill>
+          <a:ln>
+            <a:noFill/>
+          </a:ln>
+        </p:spPr>
+        <p:style>
+          <a:lnRef idx="0">
+            <a:scrgbClr r="0" g="0" b="0"/>
+          </a:lnRef>
+          <a:fillRef idx="0">
+            <a:scrgbClr r="0" g="0" b="0"/>
+          </a:fillRef>
+          <a:effectRef idx="0">
+            <a:scrgbClr r="0" g="0" b="0"/>
+          </a:effectRef>
+          <a:fontRef idx="minor">
+            <a:schemeClr val="lt1"/>
+          </a:fontRef>
+        </p:style>
+        <p:txBody>
+          <a:bodyPr rtlCol="0" anchor="ctr"/>
+          <a:lstStyle/>
+          <a:p>
+            <a:pPr marL="0" marR="0" lvl="0" indent="0" algn="ctr" defTabSz="457200" rtl="0" eaLnBrk="1" fontAlgn="base" latinLnBrk="0" hangingPunct="1">
+              <a:lnSpc>
+                <a:spcPct val="100000"/>
+              </a:lnSpc>
+              <a:spcBef>
+                <a:spcPct val="0"/>
+              </a:spcBef>
+              <a:spcAft>
+                <a:spcPct val="0"/>
+              </a:spcAft>
+              <a:buClrTx/>
+              <a:buSzTx/>
+              <a:buFontTx/>
+              <a:buNone/>
+              <a:tabLst/>
+              <a:defRPr/>
+            </a:pPr>
+            <a:endParaRPr kumimoji="0" lang="en-US" sz="2400" b="0" i="0" u="none" strike="noStrike" kern="1200" cap="none" spc="0" normalizeH="0" baseline="0" noProof="0">
+              <a:ln>
+                <a:noFill/>
+              </a:ln>
+              <a:solidFill>
+                <a:prstClr val="white"/>
+              </a:solidFill>
+              <a:effectLst/>
+              <a:uLnTx/>
+              <a:uFillTx/>
+              <a:latin typeface="Calibri"/>
+              <a:ea typeface="+mn-ea"/>
+              <a:cs typeface="+mn-cs"/>
+            </a:endParaRPr>
+          </a:p>
+        </p:txBody>
+      </p:sp>
+      <p:sp>
+        <p:nvSpPr>
+          <p:cNvPr id="2" name="Title 1"/>
+          <p:cNvSpPr>
+            <a:spLocks noGrp="1"/>
+          </p:cNvSpPr>
+          <p:nvPr>
+            <p:ph type="title"/>
+          </p:nvPr>
+        </p:nvSpPr>
+        <p:spPr>
+          <a:xfrm>
+            <a:off x="482600" y="643467"/>
+            <a:ext cx="2522980" cy="1597315"/>
+          </a:xfrm>
+          <a:noFill/>
+          <a:ln w="19050">
+            <a:solidFill>
+              <a:schemeClr val="bg1"/>
+            </a:solidFill>
+          </a:ln>
+        </p:spPr>
+        <p:txBody>
+          <a:bodyPr vert="horz" wrap="square" lIns="91440" tIns="45720" rIns="91440" bIns="45720" rtlCol="0" anchor="ctr">
+            <a:normAutofit/>
+          </a:bodyPr>
+          <a:lstStyle/>
+          <a:p>
+            <a:pPr defTabSz="914400" eaLnBrk="1" hangingPunct="1">
+              <a:lnSpc>
+                <a:spcPct val="90000"/>
+              </a:lnSpc>
+            </a:pPr>
+            <a:r>
+              <a:rPr lang="en-US" sz="2400" dirty="0">
+                <a:solidFill>
+                  <a:schemeClr val="bg1"/>
+                </a:solidFill>
+              </a:rPr>
+              <a:t>Part 1: </a:t>
+            </a:r>
+            <a:br>
+              <a:rPr lang="en-US" sz="2400" dirty="0">
+                <a:solidFill>
+                  <a:schemeClr val="bg1"/>
+                </a:solidFill>
+              </a:rPr>
+            </a:br>
+            <a:r>
+              <a:rPr lang="en-US" sz="2400" dirty="0">
+                <a:solidFill>
+                  <a:schemeClr val="bg1"/>
+                </a:solidFill>
+              </a:rPr>
+              <a:t>Cross Validation </a:t>
+            </a:r>
+            <a:br>
+              <a:rPr lang="en-US" sz="2400" dirty="0">
+                <a:solidFill>
+                  <a:schemeClr val="bg1"/>
+                </a:solidFill>
+              </a:rPr>
+            </a:br>
+            <a:r>
+              <a:rPr lang="en-US" sz="2400" dirty="0">
+                <a:solidFill>
+                  <a:schemeClr val="bg1"/>
+                </a:solidFill>
+              </a:rPr>
+              <a:t>by Location</a:t>
+            </a:r>
+            <a:endParaRPr lang="en-US" sz="2400" kern="1200" dirty="0">
+              <a:solidFill>
+                <a:schemeClr val="bg1"/>
+              </a:solidFill>
+              <a:latin typeface="+mj-lt"/>
+              <a:ea typeface="+mj-ea"/>
+              <a:cs typeface="+mj-cs"/>
+            </a:endParaRPr>
+          </a:p>
+        </p:txBody>
+      </p:sp>
+      <p:pic>
+        <p:nvPicPr>
+          <p:cNvPr id="8" name="Picture 7">
+            <a:extLst>
+              <a:ext uri="{FF2B5EF4-FFF2-40B4-BE49-F238E27FC236}">
+                <a16:creationId xmlns:a16="http://schemas.microsoft.com/office/drawing/2014/main" id="{521D4292-9ECC-4DA5-8CC0-C561A0DA118E}"/>
+              </a:ext>
+            </a:extLst>
+          </p:cNvPr>
+          <p:cNvPicPr>
+            <a:picLocks noChangeAspect="1"/>
+          </p:cNvPicPr>
+          <p:nvPr/>
+        </p:nvPicPr>
+        <p:blipFill rotWithShape="1">
+          <a:blip r:embed="rId3"/>
+          <a:srcRect l="8000" r="9400"/>
+          <a:stretch/>
+        </p:blipFill>
+        <p:spPr>
+          <a:xfrm>
+            <a:off x="660103" y="3048000"/>
+            <a:ext cx="2167974" cy="2624666"/>
+          </a:xfrm>
+          <a:prstGeom prst="rect">
+            <a:avLst/>
+          </a:prstGeom>
+          <a:noFill/>
+        </p:spPr>
+      </p:pic>
+      <p:sp>
+        <p:nvSpPr>
+          <p:cNvPr id="5" name="TextBox 4">
+            <a:extLst>
+              <a:ext uri="{FF2B5EF4-FFF2-40B4-BE49-F238E27FC236}">
+                <a16:creationId xmlns:a16="http://schemas.microsoft.com/office/drawing/2014/main" id="{B0ED2E22-6C3D-4129-B22C-FA462A587E09}"/>
+              </a:ext>
+            </a:extLst>
+          </p:cNvPr>
+          <p:cNvSpPr txBox="1"/>
+          <p:nvPr/>
+        </p:nvSpPr>
+        <p:spPr>
+          <a:xfrm>
+            <a:off x="3810000" y="645990"/>
+            <a:ext cx="5334000" cy="6001643"/>
+          </a:xfrm>
+          <a:prstGeom prst="rect">
+            <a:avLst/>
+          </a:prstGeom>
+          <a:noFill/>
+        </p:spPr>
+        <p:txBody>
+          <a:bodyPr wrap="square" rtlCol="0">
+            <a:spAutoFit/>
+          </a:bodyPr>
+          <a:lstStyle/>
+          <a:p>
+            <a:pPr marL="342900" indent="-342900">
+              <a:buFont typeface="Arial" panose="020B0604020202020204" pitchFamily="34" charset="0"/>
+              <a:buChar char="•"/>
+              <a:defRPr/>
+            </a:pPr>
+            <a:r>
+              <a:rPr lang="en-US" dirty="0">
+                <a:solidFill>
+                  <a:srgbClr val="404040"/>
+                </a:solidFill>
+              </a:rPr>
+              <a:t>Chunk 3</a:t>
+            </a:r>
+          </a:p>
+          <a:p>
+            <a:pPr marL="342900" indent="-342900">
+              <a:buFont typeface="Arial" panose="020B0604020202020204" pitchFamily="34" charset="0"/>
+              <a:buChar char="•"/>
+              <a:defRPr/>
+            </a:pPr>
+            <a:endParaRPr lang="en-US" dirty="0">
+              <a:solidFill>
+                <a:srgbClr val="404040"/>
+              </a:solidFill>
+            </a:endParaRPr>
+          </a:p>
+          <a:p>
+            <a:pPr marL="800100" lvl="1" indent="-342900">
+              <a:buFont typeface="Arial" panose="020B0604020202020204" pitchFamily="34" charset="0"/>
+              <a:buChar char="•"/>
+              <a:defRPr/>
+            </a:pPr>
+            <a:r>
+              <a:rPr lang="en-US" dirty="0">
+                <a:solidFill>
+                  <a:srgbClr val="404040"/>
+                </a:solidFill>
+              </a:rPr>
+              <a:t>Run Each Line</a:t>
+            </a:r>
+          </a:p>
+          <a:p>
+            <a:pPr marL="800100" lvl="1" indent="-342900">
+              <a:buFont typeface="Arial" panose="020B0604020202020204" pitchFamily="34" charset="0"/>
+              <a:buChar char="•"/>
+              <a:defRPr/>
+            </a:pPr>
+            <a:r>
+              <a:rPr lang="en-US" dirty="0">
+                <a:solidFill>
+                  <a:srgbClr val="404040"/>
+                </a:solidFill>
+              </a:rPr>
+              <a:t>What is Happening?</a:t>
+            </a:r>
+          </a:p>
+          <a:p>
+            <a:pPr marL="800100" lvl="1" indent="-342900">
+              <a:buFont typeface="Arial" panose="020B0604020202020204" pitchFamily="34" charset="0"/>
+              <a:buChar char="•"/>
+              <a:defRPr/>
+            </a:pPr>
+            <a:r>
+              <a:rPr lang="en-US" dirty="0">
+                <a:solidFill>
+                  <a:srgbClr val="404040"/>
+                </a:solidFill>
+              </a:rPr>
+              <a:t>Use View() on DATA2 and Scan Through the Data</a:t>
+            </a:r>
+          </a:p>
+          <a:p>
+            <a:pPr marL="800100" lvl="1" indent="-342900">
+              <a:buFont typeface="Arial" panose="020B0604020202020204" pitchFamily="34" charset="0"/>
+              <a:buChar char="•"/>
+              <a:defRPr/>
+            </a:pPr>
+            <a:r>
+              <a:rPr lang="en-US" dirty="0">
+                <a:solidFill>
+                  <a:srgbClr val="404040"/>
+                </a:solidFill>
+              </a:rPr>
+              <a:t>What do You Notice?</a:t>
+            </a:r>
+          </a:p>
+          <a:p>
+            <a:pPr marL="800100" lvl="1" indent="-342900">
+              <a:buFont typeface="Arial" panose="020B0604020202020204" pitchFamily="34" charset="0"/>
+              <a:buChar char="•"/>
+              <a:defRPr/>
+            </a:pPr>
+            <a:endParaRPr lang="en-US" dirty="0">
+              <a:solidFill>
+                <a:srgbClr val="404040"/>
+              </a:solidFill>
+            </a:endParaRPr>
+          </a:p>
+          <a:p>
+            <a:pPr marL="342900" indent="-342900">
+              <a:buFont typeface="Arial" panose="020B0604020202020204" pitchFamily="34" charset="0"/>
+              <a:buChar char="•"/>
+              <a:defRPr/>
+            </a:pPr>
+            <a:r>
+              <a:rPr lang="en-US" dirty="0">
+                <a:solidFill>
+                  <a:srgbClr val="404040"/>
+                </a:solidFill>
+              </a:rPr>
+              <a:t>Chunk 4</a:t>
+            </a:r>
+          </a:p>
+          <a:p>
+            <a:pPr marL="800100" lvl="1" indent="-342900">
+              <a:buFont typeface="Arial" panose="020B0604020202020204" pitchFamily="34" charset="0"/>
+              <a:buChar char="•"/>
+              <a:defRPr/>
+            </a:pPr>
+            <a:endParaRPr lang="en-US" dirty="0">
+              <a:solidFill>
+                <a:srgbClr val="404040"/>
+              </a:solidFill>
+            </a:endParaRPr>
+          </a:p>
+          <a:p>
+            <a:pPr marL="800100" lvl="1" indent="-342900">
+              <a:buFont typeface="Arial" panose="020B0604020202020204" pitchFamily="34" charset="0"/>
+              <a:buChar char="•"/>
+              <a:defRPr/>
+            </a:pPr>
+            <a:r>
+              <a:rPr lang="en-US" dirty="0">
+                <a:solidFill>
+                  <a:srgbClr val="404040"/>
+                </a:solidFill>
+              </a:rPr>
+              <a:t>Create a Loop that Repeats this Process for Each Location</a:t>
+            </a:r>
+          </a:p>
+          <a:p>
+            <a:pPr marL="800100" lvl="1" indent="-342900">
+              <a:buFont typeface="Arial" panose="020B0604020202020204" pitchFamily="34" charset="0"/>
+              <a:buChar char="•"/>
+              <a:defRPr/>
+            </a:pPr>
+            <a:r>
+              <a:rPr lang="en-US" dirty="0">
+                <a:solidFill>
+                  <a:srgbClr val="404040"/>
+                </a:solidFill>
+              </a:rPr>
+              <a:t>Each Location Is a Test Set</a:t>
+            </a:r>
+          </a:p>
+          <a:p>
+            <a:pPr marL="800100" lvl="1" indent="-342900">
+              <a:buFont typeface="Arial" panose="020B0604020202020204" pitchFamily="34" charset="0"/>
+              <a:buChar char="•"/>
+              <a:defRPr/>
+            </a:pPr>
+            <a:r>
+              <a:rPr lang="en-US" dirty="0">
+                <a:solidFill>
+                  <a:srgbClr val="404040"/>
+                </a:solidFill>
+              </a:rPr>
+              <a:t>Predictions Saved are All Out-of-Sample </a:t>
+            </a:r>
+          </a:p>
+          <a:p>
+            <a:pPr marL="800100" lvl="1" indent="-342900">
+              <a:buFont typeface="Arial" panose="020B0604020202020204" pitchFamily="34" charset="0"/>
+              <a:buChar char="•"/>
+              <a:defRPr/>
+            </a:pPr>
+            <a:r>
+              <a:rPr lang="en-US" dirty="0">
+                <a:solidFill>
+                  <a:srgbClr val="404040"/>
+                </a:solidFill>
+              </a:rPr>
+              <a:t>Run Chunk 4 to Test Your Code</a:t>
+            </a:r>
+          </a:p>
+        </p:txBody>
+      </p:sp>
+    </p:spTree>
+    <p:custDataLst>
+      <p:tags r:id="rId1"/>
+    </p:custDataLst>
+    <p:extLst>
+      <p:ext uri="{BB962C8B-B14F-4D97-AF65-F5344CB8AC3E}">
+        <p14:creationId xmlns:p14="http://schemas.microsoft.com/office/powerpoint/2010/main" val="2645064069"/>
       </p:ext>
     </p:extLst>
   </p:cSld>
@@ -11835,6 +17272,60 @@
   <p:tag name="CUSTOMCELLBACKCOLOR1" val="-657956"/>
   <p:tag name="PRRESPONSE4" val="7"/>
   <p:tag name="ADVANCEDSETTINGSVIEW" val="True"/>
+  <p:tag name="DELIMITERS" val="3.1"/>
+</p:tagLst>
+</file>
+
+<file path=ppt/tags/tag10.xml><?xml version="1.0" encoding="utf-8"?>
+<p:tagLst xmlns:a="http://schemas.openxmlformats.org/drawingml/2006/main" xmlns:r="http://schemas.openxmlformats.org/officeDocument/2006/relationships" xmlns:p="http://schemas.openxmlformats.org/presentationml/2006/main">
+  <p:tag name="DELIMITERS" val="3.1"/>
+</p:tagLst>
+</file>
+
+<file path=ppt/tags/tag11.xml><?xml version="1.0" encoding="utf-8"?>
+<p:tagLst xmlns:a="http://schemas.openxmlformats.org/drawingml/2006/main" xmlns:r="http://schemas.openxmlformats.org/officeDocument/2006/relationships" xmlns:p="http://schemas.openxmlformats.org/presentationml/2006/main">
+  <p:tag name="DELIMITERS" val="3.1"/>
+</p:tagLst>
+</file>
+
+<file path=ppt/tags/tag12.xml><?xml version="1.0" encoding="utf-8"?>
+<p:tagLst xmlns:a="http://schemas.openxmlformats.org/drawingml/2006/main" xmlns:r="http://schemas.openxmlformats.org/officeDocument/2006/relationships" xmlns:p="http://schemas.openxmlformats.org/presentationml/2006/main">
+  <p:tag name="DELIMITERS" val="3.1"/>
+</p:tagLst>
+</file>
+
+<file path=ppt/tags/tag13.xml><?xml version="1.0" encoding="utf-8"?>
+<p:tagLst xmlns:a="http://schemas.openxmlformats.org/drawingml/2006/main" xmlns:r="http://schemas.openxmlformats.org/officeDocument/2006/relationships" xmlns:p="http://schemas.openxmlformats.org/presentationml/2006/main">
+  <p:tag name="DELIMITERS" val="3.1"/>
+</p:tagLst>
+</file>
+
+<file path=ppt/tags/tag14.xml><?xml version="1.0" encoding="utf-8"?>
+<p:tagLst xmlns:a="http://schemas.openxmlformats.org/drawingml/2006/main" xmlns:r="http://schemas.openxmlformats.org/officeDocument/2006/relationships" xmlns:p="http://schemas.openxmlformats.org/presentationml/2006/main">
+  <p:tag name="DELIMITERS" val="3.1"/>
+</p:tagLst>
+</file>
+
+<file path=ppt/tags/tag15.xml><?xml version="1.0" encoding="utf-8"?>
+<p:tagLst xmlns:a="http://schemas.openxmlformats.org/drawingml/2006/main" xmlns:r="http://schemas.openxmlformats.org/officeDocument/2006/relationships" xmlns:p="http://schemas.openxmlformats.org/presentationml/2006/main">
+  <p:tag name="DELIMITERS" val="3.1"/>
+</p:tagLst>
+</file>
+
+<file path=ppt/tags/tag16.xml><?xml version="1.0" encoding="utf-8"?>
+<p:tagLst xmlns:a="http://schemas.openxmlformats.org/drawingml/2006/main" xmlns:r="http://schemas.openxmlformats.org/officeDocument/2006/relationships" xmlns:p="http://schemas.openxmlformats.org/presentationml/2006/main">
+  <p:tag name="DELIMITERS" val="3.1"/>
+</p:tagLst>
+</file>
+
+<file path=ppt/tags/tag17.xml><?xml version="1.0" encoding="utf-8"?>
+<p:tagLst xmlns:a="http://schemas.openxmlformats.org/drawingml/2006/main" xmlns:r="http://schemas.openxmlformats.org/officeDocument/2006/relationships" xmlns:p="http://schemas.openxmlformats.org/presentationml/2006/main">
+  <p:tag name="DELIMITERS" val="3.1"/>
+</p:tagLst>
+</file>
+
+<file path=ppt/tags/tag18.xml><?xml version="1.0" encoding="utf-8"?>
+<p:tagLst xmlns:a="http://schemas.openxmlformats.org/drawingml/2006/main" xmlns:r="http://schemas.openxmlformats.org/officeDocument/2006/relationships" xmlns:p="http://schemas.openxmlformats.org/presentationml/2006/main">
   <p:tag name="DELIMITERS" val="3.1"/>
 </p:tagLst>
 </file>

--- a/Lecture/Lecture 25/Lecture 25.pptx
+++ b/Lecture/Lecture 25/Lecture 25.pptx
@@ -6,10 +6,10 @@
     <p:sldMasterId id="2147483676" r:id="rId2"/>
   </p:sldMasterIdLst>
   <p:notesMasterIdLst>
-    <p:notesMasterId r:id="rId20"/>
+    <p:notesMasterId r:id="rId24"/>
   </p:notesMasterIdLst>
   <p:handoutMasterIdLst>
-    <p:handoutMasterId r:id="rId21"/>
+    <p:handoutMasterId r:id="rId25"/>
   </p:handoutMasterIdLst>
   <p:sldIdLst>
     <p:sldId id="320" r:id="rId3"/>
@@ -19,21 +19,25 @@
     <p:sldId id="415" r:id="rId7"/>
     <p:sldId id="416" r:id="rId8"/>
     <p:sldId id="417" r:id="rId9"/>
-    <p:sldId id="419" r:id="rId10"/>
-    <p:sldId id="420" r:id="rId11"/>
-    <p:sldId id="421" r:id="rId12"/>
-    <p:sldId id="422" r:id="rId13"/>
-    <p:sldId id="423" r:id="rId14"/>
-    <p:sldId id="424" r:id="rId15"/>
-    <p:sldId id="414" r:id="rId16"/>
-    <p:sldId id="428" r:id="rId17"/>
-    <p:sldId id="429" r:id="rId18"/>
-    <p:sldId id="329" r:id="rId19"/>
+    <p:sldId id="420" r:id="rId10"/>
+    <p:sldId id="421" r:id="rId11"/>
+    <p:sldId id="422" r:id="rId12"/>
+    <p:sldId id="423" r:id="rId13"/>
+    <p:sldId id="424" r:id="rId14"/>
+    <p:sldId id="414" r:id="rId15"/>
+    <p:sldId id="428" r:id="rId16"/>
+    <p:sldId id="429" r:id="rId17"/>
+    <p:sldId id="430" r:id="rId18"/>
+    <p:sldId id="431" r:id="rId19"/>
+    <p:sldId id="432" r:id="rId20"/>
+    <p:sldId id="433" r:id="rId21"/>
+    <p:sldId id="434" r:id="rId22"/>
+    <p:sldId id="329" r:id="rId23"/>
   </p:sldIdLst>
   <p:sldSz cx="9144000" cy="6858000" type="screen4x3"/>
   <p:notesSz cx="6858000" cy="9144000"/>
   <p:custDataLst>
-    <p:tags r:id="rId22"/>
+    <p:tags r:id="rId26"/>
   </p:custDataLst>
   <p:defaultTextStyle>
     <a:defPPr>
@@ -304,7 +308,7 @@
               <a:pPr>
                 <a:defRPr/>
               </a:pPr>
-              <a:t>10/31/2018</a:t>
+              <a:t>11/1/2018</a:t>
             </a:fld>
             <a:endParaRPr lang="en-US" dirty="0"/>
           </a:p>
@@ -516,7 +520,7 @@
               <a:pPr>
                 <a:defRPr/>
               </a:pPr>
-              <a:t>10/31/2018</a:t>
+              <a:t>11/1/2018</a:t>
             </a:fld>
             <a:endParaRPr lang="en-US" dirty="0"/>
           </a:p>
@@ -1035,7 +1039,7 @@
               <a:pPr>
                 <a:defRPr/>
               </a:pPr>
-              <a:t>10/31/2018</a:t>
+              <a:t>11/1/2018</a:t>
             </a:fld>
             <a:endParaRPr lang="en-US" dirty="0"/>
           </a:p>
@@ -1225,7 +1229,7 @@
               <a:pPr>
                 <a:defRPr/>
               </a:pPr>
-              <a:t>10/31/2018</a:t>
+              <a:t>11/1/2018</a:t>
             </a:fld>
             <a:endParaRPr lang="en-US" dirty="0"/>
           </a:p>
@@ -1425,7 +1429,7 @@
               <a:pPr>
                 <a:defRPr/>
               </a:pPr>
-              <a:t>10/31/2018</a:t>
+              <a:t>11/1/2018</a:t>
             </a:fld>
             <a:endParaRPr lang="en-US" dirty="0"/>
           </a:p>
@@ -1693,7 +1697,7 @@
               <a:pPr>
                 <a:defRPr/>
               </a:pPr>
-              <a:t>10/31/2018</a:t>
+              <a:t>11/1/2018</a:t>
             </a:fld>
             <a:endParaRPr lang="en-US" dirty="0">
               <a:solidFill>
@@ -1907,7 +1911,7 @@
               <a:pPr>
                 <a:defRPr/>
               </a:pPr>
-              <a:t>10/31/2018</a:t>
+              <a:t>11/1/2018</a:t>
             </a:fld>
             <a:endParaRPr lang="en-US" dirty="0">
               <a:solidFill>
@@ -2198,7 +2202,7 @@
               <a:pPr>
                 <a:defRPr/>
               </a:pPr>
-              <a:t>10/31/2018</a:t>
+              <a:t>11/1/2018</a:t>
             </a:fld>
             <a:endParaRPr lang="en-US" dirty="0">
               <a:solidFill>
@@ -2529,7 +2533,7 @@
               <a:pPr>
                 <a:defRPr/>
               </a:pPr>
-              <a:t>10/31/2018</a:t>
+              <a:t>11/1/2018</a:t>
             </a:fld>
             <a:endParaRPr lang="en-US" dirty="0">
               <a:solidFill>
@@ -2994,7 +2998,7 @@
               <a:pPr>
                 <a:defRPr/>
               </a:pPr>
-              <a:t>10/31/2018</a:t>
+              <a:t>11/1/2018</a:t>
             </a:fld>
             <a:endParaRPr lang="en-US" dirty="0">
               <a:solidFill>
@@ -3157,7 +3161,7 @@
               <a:pPr>
                 <a:defRPr/>
               </a:pPr>
-              <a:t>10/31/2018</a:t>
+              <a:t>11/1/2018</a:t>
             </a:fld>
             <a:endParaRPr lang="en-US" dirty="0">
               <a:solidFill>
@@ -3298,7 +3302,7 @@
               <a:pPr>
                 <a:defRPr/>
               </a:pPr>
-              <a:t>10/31/2018</a:t>
+              <a:t>11/1/2018</a:t>
             </a:fld>
             <a:endParaRPr lang="en-US" dirty="0">
               <a:solidFill>
@@ -3619,7 +3623,7 @@
               <a:pPr>
                 <a:defRPr/>
               </a:pPr>
-              <a:t>10/31/2018</a:t>
+              <a:t>11/1/2018</a:t>
             </a:fld>
             <a:endParaRPr lang="en-US" dirty="0">
               <a:solidFill>
@@ -3827,7 +3831,7 @@
               <a:pPr>
                 <a:defRPr/>
               </a:pPr>
-              <a:t>10/31/2018</a:t>
+              <a:t>11/1/2018</a:t>
             </a:fld>
             <a:endParaRPr lang="en-US" dirty="0"/>
           </a:p>
@@ -4110,7 +4114,7 @@
               <a:pPr>
                 <a:defRPr/>
               </a:pPr>
-              <a:t>10/31/2018</a:t>
+              <a:t>11/1/2018</a:t>
             </a:fld>
             <a:endParaRPr lang="en-US" dirty="0">
               <a:solidFill>
@@ -4324,7 +4328,7 @@
               <a:pPr>
                 <a:defRPr/>
               </a:pPr>
-              <a:t>10/31/2018</a:t>
+              <a:t>11/1/2018</a:t>
             </a:fld>
             <a:endParaRPr lang="en-US" dirty="0">
               <a:solidFill>
@@ -4548,7 +4552,7 @@
               <a:pPr>
                 <a:defRPr/>
               </a:pPr>
-              <a:t>10/31/2018</a:t>
+              <a:t>11/1/2018</a:t>
             </a:fld>
             <a:endParaRPr lang="en-US" dirty="0">
               <a:solidFill>
@@ -4758,7 +4762,7 @@
               <a:pPr>
                 <a:defRPr/>
               </a:pPr>
-              <a:t>10/31/2018</a:t>
+              <a:t>11/1/2018</a:t>
             </a:fld>
             <a:endParaRPr lang="en-US" dirty="0">
               <a:solidFill>
@@ -5035,7 +5039,7 @@
               <a:pPr>
                 <a:defRPr/>
               </a:pPr>
-              <a:t>10/31/2018</a:t>
+              <a:t>11/1/2018</a:t>
             </a:fld>
             <a:endParaRPr lang="en-US" dirty="0"/>
           </a:p>
@@ -5342,7 +5346,7 @@
               <a:pPr>
                 <a:defRPr/>
               </a:pPr>
-              <a:t>10/31/2018</a:t>
+              <a:t>11/1/2018</a:t>
             </a:fld>
             <a:endParaRPr lang="en-US" dirty="0"/>
           </a:p>
@@ -5783,7 +5787,7 @@
               <a:pPr>
                 <a:defRPr/>
               </a:pPr>
-              <a:t>10/31/2018</a:t>
+              <a:t>11/1/2018</a:t>
             </a:fld>
             <a:endParaRPr lang="en-US" dirty="0"/>
           </a:p>
@@ -5922,7 +5926,7 @@
               <a:pPr>
                 <a:defRPr/>
               </a:pPr>
-              <a:t>10/31/2018</a:t>
+              <a:t>11/1/2018</a:t>
             </a:fld>
             <a:endParaRPr lang="en-US" dirty="0"/>
           </a:p>
@@ -6039,7 +6043,7 @@
               <a:pPr>
                 <a:defRPr/>
               </a:pPr>
-              <a:t>10/31/2018</a:t>
+              <a:t>11/1/2018</a:t>
             </a:fld>
             <a:endParaRPr lang="en-US" dirty="0"/>
           </a:p>
@@ -6336,7 +6340,7 @@
               <a:pPr>
                 <a:defRPr/>
               </a:pPr>
-              <a:t>10/31/2018</a:t>
+              <a:t>11/1/2018</a:t>
             </a:fld>
             <a:endParaRPr lang="en-US" dirty="0"/>
           </a:p>
@@ -6613,7 +6617,7 @@
               <a:pPr>
                 <a:defRPr/>
               </a:pPr>
-              <a:t>10/31/2018</a:t>
+              <a:t>11/1/2018</a:t>
             </a:fld>
             <a:endParaRPr lang="en-US" dirty="0"/>
           </a:p>
@@ -6870,7 +6874,7 @@
               <a:pPr>
                 <a:defRPr/>
               </a:pPr>
-              <a:t>10/31/2018</a:t>
+              <a:t>11/1/2018</a:t>
             </a:fld>
             <a:endParaRPr lang="en-US" dirty="0"/>
           </a:p>
@@ -7580,7 +7584,7 @@
               <a:pPr>
                 <a:defRPr/>
               </a:pPr>
-              <a:t>10/31/2018</a:t>
+              <a:t>11/1/2018</a:t>
             </a:fld>
             <a:endParaRPr lang="en-US" dirty="0">
               <a:solidFill>
@@ -8698,315 +8702,6 @@
       </p:pic>
       <p:sp>
         <p:nvSpPr>
-          <p:cNvPr id="5" name="TextBox 4">
-            <a:extLst>
-              <a:ext uri="{FF2B5EF4-FFF2-40B4-BE49-F238E27FC236}">
-                <a16:creationId xmlns:a16="http://schemas.microsoft.com/office/drawing/2014/main" id="{B0ED2E22-6C3D-4129-B22C-FA462A587E09}"/>
-              </a:ext>
-            </a:extLst>
-          </p:cNvPr>
-          <p:cNvSpPr txBox="1"/>
-          <p:nvPr/>
-        </p:nvSpPr>
-        <p:spPr>
-          <a:xfrm>
-            <a:off x="3657600" y="1143000"/>
-            <a:ext cx="5334000" cy="3970318"/>
-          </a:xfrm>
-          <a:prstGeom prst="rect">
-            <a:avLst/>
-          </a:prstGeom>
-          <a:solidFill>
-            <a:srgbClr val="404040"/>
-          </a:solidFill>
-        </p:spPr>
-        <p:txBody>
-          <a:bodyPr wrap="square" rtlCol="0">
-            <a:spAutoFit/>
-          </a:bodyPr>
-          <a:lstStyle/>
-          <a:p>
-            <a:pPr>
-              <a:defRPr/>
-            </a:pPr>
-            <a:r>
-              <a:rPr lang="en-US" sz="1800" dirty="0">
-                <a:solidFill>
-                  <a:schemeClr val="bg1"/>
-                </a:solidFill>
-              </a:rPr>
-              <a:t>DATA2=DATA</a:t>
-            </a:r>
-          </a:p>
-          <a:p>
-            <a:pPr>
-              <a:defRPr/>
-            </a:pPr>
-            <a:r>
-              <a:rPr lang="en-US" sz="1800" dirty="0">
-                <a:solidFill>
-                  <a:schemeClr val="bg1"/>
-                </a:solidFill>
-              </a:rPr>
-              <a:t>DATA2$linpred=NA</a:t>
-            </a:r>
-          </a:p>
-          <a:p>
-            <a:pPr>
-              <a:defRPr/>
-            </a:pPr>
-            <a:endParaRPr lang="en-US" sz="1800" dirty="0">
-              <a:solidFill>
-                <a:schemeClr val="bg1"/>
-              </a:solidFill>
-            </a:endParaRPr>
-          </a:p>
-          <a:p>
-            <a:pPr>
-              <a:defRPr/>
-            </a:pPr>
-            <a:r>
-              <a:rPr lang="en-US" sz="1800" dirty="0">
-                <a:solidFill>
-                  <a:schemeClr val="bg1"/>
-                </a:solidFill>
-              </a:rPr>
-              <a:t>for(k in unique(DATA2$L)){</a:t>
-            </a:r>
-          </a:p>
-          <a:p>
-            <a:pPr>
-              <a:defRPr/>
-            </a:pPr>
-            <a:r>
-              <a:rPr lang="en-US" sz="1800" dirty="0">
-                <a:solidFill>
-                  <a:schemeClr val="bg1"/>
-                </a:solidFill>
-              </a:rPr>
-              <a:t>  TEST = NEST.DATA %&gt;% filter(L==k) %&gt;% </a:t>
-            </a:r>
-            <a:r>
-              <a:rPr lang="en-US" sz="1800" dirty="0" err="1">
-                <a:solidFill>
-                  <a:schemeClr val="bg1"/>
-                </a:solidFill>
-              </a:rPr>
-              <a:t>unnest</a:t>
-            </a:r>
-            <a:r>
-              <a:rPr lang="en-US" sz="1800" dirty="0">
-                <a:solidFill>
-                  <a:schemeClr val="bg1"/>
-                </a:solidFill>
-              </a:rPr>
-              <a:t>()</a:t>
-            </a:r>
-          </a:p>
-          <a:p>
-            <a:pPr>
-              <a:defRPr/>
-            </a:pPr>
-            <a:r>
-              <a:rPr lang="en-US" sz="1800" dirty="0">
-                <a:solidFill>
-                  <a:schemeClr val="bg1"/>
-                </a:solidFill>
-              </a:rPr>
-              <a:t>  TRAIN  = NEST.DATA %&gt;% filter(L!=k) %&gt;% </a:t>
-            </a:r>
-            <a:r>
-              <a:rPr lang="en-US" sz="1800" dirty="0" err="1">
-                <a:solidFill>
-                  <a:schemeClr val="bg1"/>
-                </a:solidFill>
-              </a:rPr>
-              <a:t>unnest</a:t>
-            </a:r>
-            <a:r>
-              <a:rPr lang="en-US" sz="1800" dirty="0">
-                <a:solidFill>
-                  <a:schemeClr val="bg1"/>
-                </a:solidFill>
-              </a:rPr>
-              <a:t>()</a:t>
-            </a:r>
-          </a:p>
-          <a:p>
-            <a:pPr>
-              <a:defRPr/>
-            </a:pPr>
-            <a:r>
-              <a:rPr lang="en-US" sz="1800" dirty="0">
-                <a:solidFill>
-                  <a:schemeClr val="bg1"/>
-                </a:solidFill>
-              </a:rPr>
-              <a:t>  </a:t>
-            </a:r>
-          </a:p>
-          <a:p>
-            <a:pPr>
-              <a:defRPr/>
-            </a:pPr>
-            <a:r>
-              <a:rPr lang="en-US" sz="1800" dirty="0">
-                <a:solidFill>
-                  <a:schemeClr val="bg1"/>
-                </a:solidFill>
-              </a:rPr>
-              <a:t>  </a:t>
-            </a:r>
-            <a:r>
-              <a:rPr lang="en-US" sz="1800" dirty="0" err="1">
-                <a:solidFill>
-                  <a:schemeClr val="bg1"/>
-                </a:solidFill>
-              </a:rPr>
-              <a:t>linmod</a:t>
-            </a:r>
-            <a:r>
-              <a:rPr lang="en-US" sz="1800" dirty="0">
-                <a:solidFill>
-                  <a:schemeClr val="bg1"/>
-                </a:solidFill>
-              </a:rPr>
-              <a:t>=</a:t>
-            </a:r>
-            <a:r>
-              <a:rPr lang="en-US" sz="1800" dirty="0" err="1">
-                <a:solidFill>
-                  <a:schemeClr val="bg1"/>
-                </a:solidFill>
-              </a:rPr>
-              <a:t>lm</a:t>
-            </a:r>
-            <a:r>
-              <a:rPr lang="en-US" sz="1800" dirty="0">
-                <a:solidFill>
-                  <a:schemeClr val="bg1"/>
-                </a:solidFill>
-              </a:rPr>
-              <a:t>(</a:t>
-            </a:r>
-            <a:r>
-              <a:rPr lang="en-US" sz="1800" dirty="0" err="1">
-                <a:solidFill>
-                  <a:schemeClr val="bg1"/>
-                </a:solidFill>
-              </a:rPr>
-              <a:t>W~dplyr</a:t>
-            </a:r>
-            <a:r>
-              <a:rPr lang="en-US" sz="1800" dirty="0">
-                <a:solidFill>
-                  <a:schemeClr val="bg1"/>
-                </a:solidFill>
-              </a:rPr>
-              <a:t>::lag(A,1),data=TRAIN)</a:t>
-            </a:r>
-          </a:p>
-          <a:p>
-            <a:pPr>
-              <a:defRPr/>
-            </a:pPr>
-            <a:r>
-              <a:rPr lang="en-US" sz="1800" dirty="0">
-                <a:solidFill>
-                  <a:schemeClr val="bg1"/>
-                </a:solidFill>
-              </a:rPr>
-              <a:t>  </a:t>
-            </a:r>
-            <a:r>
-              <a:rPr lang="en-US" sz="1800" dirty="0" err="1">
-                <a:solidFill>
-                  <a:schemeClr val="bg1"/>
-                </a:solidFill>
-              </a:rPr>
-              <a:t>linmodpred</a:t>
-            </a:r>
-            <a:r>
-              <a:rPr lang="en-US" sz="1800" dirty="0">
-                <a:solidFill>
-                  <a:schemeClr val="bg1"/>
-                </a:solidFill>
-              </a:rPr>
-              <a:t>=predict(</a:t>
-            </a:r>
-            <a:r>
-              <a:rPr lang="en-US" sz="1800" dirty="0" err="1">
-                <a:solidFill>
-                  <a:schemeClr val="bg1"/>
-                </a:solidFill>
-              </a:rPr>
-              <a:t>linmod,newdata</a:t>
-            </a:r>
-            <a:r>
-              <a:rPr lang="en-US" sz="1800" dirty="0">
-                <a:solidFill>
-                  <a:schemeClr val="bg1"/>
-                </a:solidFill>
-              </a:rPr>
-              <a:t>=TEST)</a:t>
-            </a:r>
-          </a:p>
-          <a:p>
-            <a:pPr>
-              <a:defRPr/>
-            </a:pPr>
-            <a:r>
-              <a:rPr lang="en-US" sz="1800" dirty="0">
-                <a:solidFill>
-                  <a:schemeClr val="bg1"/>
-                </a:solidFill>
-              </a:rPr>
-              <a:t>  </a:t>
-            </a:r>
-          </a:p>
-          <a:p>
-            <a:pPr>
-              <a:defRPr/>
-            </a:pPr>
-            <a:r>
-              <a:rPr lang="en-US" sz="1800" dirty="0">
-                <a:solidFill>
-                  <a:schemeClr val="bg1"/>
-                </a:solidFill>
-              </a:rPr>
-              <a:t>  DATA2$linpred[which(DATA2$L==k)]=</a:t>
-            </a:r>
-            <a:r>
-              <a:rPr lang="en-US" sz="1800" dirty="0" err="1">
-                <a:solidFill>
-                  <a:schemeClr val="bg1"/>
-                </a:solidFill>
-              </a:rPr>
-              <a:t>linmodpred</a:t>
-            </a:r>
-            <a:endParaRPr lang="en-US" sz="1800" dirty="0">
-              <a:solidFill>
-                <a:schemeClr val="bg1"/>
-              </a:solidFill>
-            </a:endParaRPr>
-          </a:p>
-          <a:p>
-            <a:pPr>
-              <a:defRPr/>
-            </a:pPr>
-            <a:r>
-              <a:rPr lang="en-US" sz="1800" dirty="0">
-                <a:solidFill>
-                  <a:schemeClr val="bg1"/>
-                </a:solidFill>
-              </a:rPr>
-              <a:t>}</a:t>
-            </a:r>
-          </a:p>
-        </p:txBody>
-      </p:sp>
-      <p:sp>
-        <p:nvSpPr>
           <p:cNvPr id="6" name="TextBox 5">
             <a:extLst>
               <a:ext uri="{FF2B5EF4-FFF2-40B4-BE49-F238E27FC236}">
@@ -9020,7 +8715,7 @@
         <p:spPr>
           <a:xfrm>
             <a:off x="3810000" y="645990"/>
-            <a:ext cx="5334000" cy="461665"/>
+            <a:ext cx="5334000" cy="6001643"/>
           </a:xfrm>
           <a:prstGeom prst="rect">
             <a:avLst/>
@@ -9044,8 +8739,184 @@
                   <a:srgbClr val="404040"/>
                 </a:solidFill>
               </a:rPr>
-              <a:t>Chunk 4 (Continued)</a:t>
-            </a:r>
+              <a:t>Chunk 5</a:t>
+            </a:r>
+          </a:p>
+          <a:p>
+            <a:pPr marL="342900" indent="-342900">
+              <a:buFont typeface="Arial" panose="020B0604020202020204" pitchFamily="34" charset="0"/>
+              <a:buChar char="•"/>
+              <a:defRPr/>
+            </a:pPr>
+            <a:endParaRPr lang="en-US" dirty="0">
+              <a:solidFill>
+                <a:srgbClr val="404040"/>
+              </a:solidFill>
+            </a:endParaRPr>
+          </a:p>
+          <a:p>
+            <a:pPr marL="800100" lvl="1" indent="-342900">
+              <a:buFont typeface="Arial" panose="020B0604020202020204" pitchFamily="34" charset="0"/>
+              <a:buChar char="•"/>
+              <a:defRPr/>
+            </a:pPr>
+            <a:r>
+              <a:rPr lang="en-US" dirty="0">
+                <a:solidFill>
+                  <a:srgbClr val="404040"/>
+                </a:solidFill>
+              </a:rPr>
+              <a:t>In Our Data, We Have:</a:t>
+            </a:r>
+          </a:p>
+          <a:p>
+            <a:pPr marL="1257300" lvl="2" indent="-342900">
+              <a:buFont typeface="Arial" panose="020B0604020202020204" pitchFamily="34" charset="0"/>
+              <a:buChar char="•"/>
+              <a:defRPr/>
+            </a:pPr>
+            <a:r>
+              <a:rPr lang="en-US" dirty="0">
+                <a:solidFill>
+                  <a:srgbClr val="404040"/>
+                </a:solidFill>
+              </a:rPr>
+              <a:t>Actual Water Temperatures</a:t>
+            </a:r>
+          </a:p>
+          <a:p>
+            <a:pPr marL="1257300" lvl="2" indent="-342900">
+              <a:buFont typeface="Arial" panose="020B0604020202020204" pitchFamily="34" charset="0"/>
+              <a:buChar char="•"/>
+              <a:defRPr/>
+            </a:pPr>
+            <a:r>
+              <a:rPr lang="en-US" dirty="0">
+                <a:solidFill>
+                  <a:srgbClr val="404040"/>
+                </a:solidFill>
+              </a:rPr>
+              <a:t>Out-of-Sample Predicted Water Temperatures</a:t>
+            </a:r>
+          </a:p>
+          <a:p>
+            <a:pPr marL="800100" lvl="1" indent="-342900">
+              <a:buFont typeface="Arial" panose="020B0604020202020204" pitchFamily="34" charset="0"/>
+              <a:buChar char="•"/>
+              <a:defRPr/>
+            </a:pPr>
+            <a:r>
+              <a:rPr lang="en-US" dirty="0">
+                <a:solidFill>
+                  <a:srgbClr val="404040"/>
+                </a:solidFill>
+              </a:rPr>
+              <a:t>Create </a:t>
+            </a:r>
+            <a:r>
+              <a:rPr lang="en-US" dirty="0" err="1">
+                <a:solidFill>
+                  <a:srgbClr val="404040"/>
+                </a:solidFill>
+              </a:rPr>
+              <a:t>RMSE.func</a:t>
+            </a:r>
+            <a:r>
+              <a:rPr lang="en-US" dirty="0">
+                <a:solidFill>
+                  <a:srgbClr val="404040"/>
+                </a:solidFill>
+              </a:rPr>
+              <a:t>() With Two Arguments </a:t>
+            </a:r>
+          </a:p>
+          <a:p>
+            <a:pPr marL="1257300" lvl="2" indent="-342900">
+              <a:buFont typeface="Arial" panose="020B0604020202020204" pitchFamily="34" charset="0"/>
+              <a:buChar char="•"/>
+              <a:defRPr/>
+            </a:pPr>
+            <a:r>
+              <a:rPr lang="en-US" dirty="0">
+                <a:solidFill>
+                  <a:srgbClr val="404040"/>
+                </a:solidFill>
+              </a:rPr>
+              <a:t>actual= vector of actual water temperatures</a:t>
+            </a:r>
+          </a:p>
+          <a:p>
+            <a:pPr marL="1257300" lvl="2" indent="-342900">
+              <a:buFont typeface="Arial" panose="020B0604020202020204" pitchFamily="34" charset="0"/>
+              <a:buChar char="•"/>
+              <a:defRPr/>
+            </a:pPr>
+            <a:r>
+              <a:rPr lang="en-US" dirty="0">
+                <a:solidFill>
+                  <a:srgbClr val="404040"/>
+                </a:solidFill>
+              </a:rPr>
+              <a:t>predict=vector of predicted water temperatures</a:t>
+            </a:r>
+          </a:p>
+          <a:p>
+            <a:pPr marL="800100" lvl="1" indent="-342900">
+              <a:buFont typeface="Arial" panose="020B0604020202020204" pitchFamily="34" charset="0"/>
+              <a:buChar char="•"/>
+              <a:defRPr/>
+            </a:pPr>
+            <a:r>
+              <a:rPr lang="en-US" dirty="0">
+                <a:solidFill>
+                  <a:srgbClr val="404040"/>
+                </a:solidFill>
+              </a:rPr>
+              <a:t>Use This Function on the Two Columns in DATA2 for RMSE</a:t>
+            </a:r>
+          </a:p>
+          <a:p>
+            <a:pPr marL="1257300" lvl="2" indent="-342900">
+              <a:buFont typeface="Arial" panose="020B0604020202020204" pitchFamily="34" charset="0"/>
+              <a:buChar char="•"/>
+              <a:defRPr/>
+            </a:pPr>
+            <a:r>
+              <a:rPr lang="en-US" dirty="0">
+                <a:solidFill>
+                  <a:srgbClr val="404040"/>
+                </a:solidFill>
+              </a:rPr>
+              <a:t>actual=W</a:t>
+            </a:r>
+          </a:p>
+          <a:p>
+            <a:pPr marL="1257300" lvl="2" indent="-342900">
+              <a:buFont typeface="Arial" panose="020B0604020202020204" pitchFamily="34" charset="0"/>
+              <a:buChar char="•"/>
+              <a:defRPr/>
+            </a:pPr>
+            <a:r>
+              <a:rPr lang="en-US" dirty="0">
+                <a:solidFill>
+                  <a:srgbClr val="404040"/>
+                </a:solidFill>
+              </a:rPr>
+              <a:t>predict=</a:t>
+            </a:r>
+            <a:r>
+              <a:rPr lang="en-US" dirty="0" err="1">
+                <a:solidFill>
+                  <a:srgbClr val="404040"/>
+                </a:solidFill>
+              </a:rPr>
+              <a:t>linpred</a:t>
+            </a:r>
+            <a:endParaRPr lang="en-US" dirty="0">
+              <a:solidFill>
+                <a:srgbClr val="404040"/>
+              </a:solidFill>
+            </a:endParaRPr>
           </a:p>
         </p:txBody>
       </p:sp>
@@ -9055,7 +8926,7 @@
     </p:custDataLst>
     <p:extLst>
       <p:ext uri="{BB962C8B-B14F-4D97-AF65-F5344CB8AC3E}">
-        <p14:creationId xmlns:p14="http://schemas.microsoft.com/office/powerpoint/2010/main" val="4216312234"/>
+        <p14:creationId xmlns:p14="http://schemas.microsoft.com/office/powerpoint/2010/main" val="1254781803"/>
       </p:ext>
     </p:extLst>
   </p:cSld>
@@ -9312,7 +9183,7 @@
         <p:spPr>
           <a:xfrm>
             <a:off x="3810000" y="645990"/>
-            <a:ext cx="5334000" cy="6001643"/>
+            <a:ext cx="5334000" cy="461665"/>
           </a:xfrm>
           <a:prstGeom prst="rect">
             <a:avLst/>
@@ -9336,180 +9207,342 @@
                   <a:srgbClr val="404040"/>
                 </a:solidFill>
               </a:rPr>
-              <a:t>Chunk 5</a:t>
-            </a:r>
-          </a:p>
-          <a:p>
-            <a:pPr marL="342900" indent="-342900">
-              <a:buFont typeface="Arial" panose="020B0604020202020204" pitchFamily="34" charset="0"/>
-              <a:buChar char="•"/>
-              <a:defRPr/>
-            </a:pPr>
-            <a:endParaRPr lang="en-US" dirty="0">
+              <a:t>Chunk 5 (Continued)</a:t>
+            </a:r>
+          </a:p>
+        </p:txBody>
+      </p:sp>
+      <p:sp>
+        <p:nvSpPr>
+          <p:cNvPr id="7" name="TextBox 6">
+            <a:extLst>
+              <a:ext uri="{FF2B5EF4-FFF2-40B4-BE49-F238E27FC236}">
+                <a16:creationId xmlns:a16="http://schemas.microsoft.com/office/drawing/2014/main" id="{071B558A-0987-4683-BE55-586144992045}"/>
+              </a:ext>
+            </a:extLst>
+          </p:cNvPr>
+          <p:cNvSpPr txBox="1"/>
+          <p:nvPr/>
+        </p:nvSpPr>
+        <p:spPr>
+          <a:xfrm>
+            <a:off x="3979882" y="1136419"/>
+            <a:ext cx="4343400" cy="2308324"/>
+          </a:xfrm>
+          <a:prstGeom prst="rect">
+            <a:avLst/>
+          </a:prstGeom>
+          <a:solidFill>
+            <a:srgbClr val="404040"/>
+          </a:solidFill>
+        </p:spPr>
+        <p:txBody>
+          <a:bodyPr wrap="square" rtlCol="0">
+            <a:spAutoFit/>
+          </a:bodyPr>
+          <a:lstStyle/>
+          <a:p>
+            <a:pPr>
+              <a:defRPr/>
+            </a:pPr>
+            <a:r>
+              <a:rPr lang="en-US" sz="1800" dirty="0" err="1">
+                <a:solidFill>
+                  <a:schemeClr val="bg1"/>
+                </a:solidFill>
+              </a:rPr>
+              <a:t>RMSE.func</a:t>
+            </a:r>
+            <a:r>
+              <a:rPr lang="en-US" sz="1800" dirty="0">
+                <a:solidFill>
+                  <a:schemeClr val="bg1"/>
+                </a:solidFill>
+              </a:rPr>
+              <a:t> = function(</a:t>
+            </a:r>
+            <a:r>
+              <a:rPr lang="en-US" sz="1800" dirty="0" err="1">
+                <a:solidFill>
+                  <a:schemeClr val="bg1"/>
+                </a:solidFill>
+              </a:rPr>
+              <a:t>actual,predict</a:t>
+            </a:r>
+            <a:r>
+              <a:rPr lang="en-US" sz="1800" dirty="0">
+                <a:solidFill>
+                  <a:schemeClr val="bg1"/>
+                </a:solidFill>
+              </a:rPr>
+              <a:t>){</a:t>
+            </a:r>
+          </a:p>
+          <a:p>
+            <a:pPr>
+              <a:defRPr/>
+            </a:pPr>
+            <a:r>
+              <a:rPr lang="en-US" sz="1800" dirty="0">
+                <a:solidFill>
+                  <a:schemeClr val="bg1"/>
+                </a:solidFill>
+              </a:rPr>
+              <a:t>  </a:t>
+            </a:r>
+            <a:r>
+              <a:rPr lang="en-US" sz="1800" dirty="0" err="1">
+                <a:solidFill>
+                  <a:schemeClr val="bg1"/>
+                </a:solidFill>
+              </a:rPr>
+              <a:t>mse</a:t>
+            </a:r>
+            <a:r>
+              <a:rPr lang="en-US" sz="1800" dirty="0">
+                <a:solidFill>
+                  <a:schemeClr val="bg1"/>
+                </a:solidFill>
+              </a:rPr>
+              <a:t>=mean((actual-predict)^2,na.rm=T)</a:t>
+            </a:r>
+          </a:p>
+          <a:p>
+            <a:pPr>
+              <a:defRPr/>
+            </a:pPr>
+            <a:r>
+              <a:rPr lang="en-US" sz="1800" dirty="0">
+                <a:solidFill>
+                  <a:schemeClr val="bg1"/>
+                </a:solidFill>
+              </a:rPr>
+              <a:t>  </a:t>
+            </a:r>
+            <a:r>
+              <a:rPr lang="en-US" sz="1800" dirty="0" err="1">
+                <a:solidFill>
+                  <a:schemeClr val="bg1"/>
+                </a:solidFill>
+              </a:rPr>
+              <a:t>rmse</a:t>
+            </a:r>
+            <a:r>
+              <a:rPr lang="en-US" sz="1800" dirty="0">
+                <a:solidFill>
+                  <a:schemeClr val="bg1"/>
+                </a:solidFill>
+              </a:rPr>
+              <a:t>=sqrt(</a:t>
+            </a:r>
+            <a:r>
+              <a:rPr lang="en-US" sz="1800" dirty="0" err="1">
+                <a:solidFill>
+                  <a:schemeClr val="bg1"/>
+                </a:solidFill>
+              </a:rPr>
+              <a:t>mse</a:t>
+            </a:r>
+            <a:r>
+              <a:rPr lang="en-US" sz="1800" dirty="0">
+                <a:solidFill>
+                  <a:schemeClr val="bg1"/>
+                </a:solidFill>
+              </a:rPr>
+              <a:t>)</a:t>
+            </a:r>
+          </a:p>
+          <a:p>
+            <a:pPr>
+              <a:defRPr/>
+            </a:pPr>
+            <a:r>
+              <a:rPr lang="en-US" sz="1800" dirty="0">
+                <a:solidFill>
+                  <a:schemeClr val="bg1"/>
+                </a:solidFill>
+              </a:rPr>
+              <a:t>  return(</a:t>
+            </a:r>
+            <a:r>
+              <a:rPr lang="en-US" sz="1800" dirty="0" err="1">
+                <a:solidFill>
+                  <a:schemeClr val="bg1"/>
+                </a:solidFill>
+              </a:rPr>
+              <a:t>rmse</a:t>
+            </a:r>
+            <a:r>
+              <a:rPr lang="en-US" sz="1800" dirty="0">
+                <a:solidFill>
+                  <a:schemeClr val="bg1"/>
+                </a:solidFill>
+              </a:rPr>
+              <a:t>)</a:t>
+            </a:r>
+          </a:p>
+          <a:p>
+            <a:pPr>
+              <a:defRPr/>
+            </a:pPr>
+            <a:r>
+              <a:rPr lang="en-US" sz="1800" dirty="0">
+                <a:solidFill>
+                  <a:schemeClr val="bg1"/>
+                </a:solidFill>
+              </a:rPr>
+              <a:t>}</a:t>
+            </a:r>
+          </a:p>
+          <a:p>
+            <a:pPr>
+              <a:defRPr/>
+            </a:pPr>
+            <a:endParaRPr lang="en-US" sz="1800" dirty="0">
               <a:solidFill>
-                <a:srgbClr val="404040"/>
+                <a:schemeClr val="bg1"/>
               </a:solidFill>
             </a:endParaRPr>
           </a:p>
           <a:p>
-            <a:pPr marL="800100" lvl="1" indent="-342900">
-              <a:buFont typeface="Arial" panose="020B0604020202020204" pitchFamily="34" charset="0"/>
-              <a:buChar char="•"/>
-              <a:defRPr/>
-            </a:pPr>
-            <a:r>
-              <a:rPr lang="en-US" dirty="0">
+            <a:pPr>
+              <a:defRPr/>
+            </a:pPr>
+            <a:r>
+              <a:rPr lang="en-US" sz="1800" dirty="0" err="1">
+                <a:solidFill>
+                  <a:schemeClr val="bg1"/>
+                </a:solidFill>
+              </a:rPr>
+              <a:t>RMSE.func</a:t>
+            </a:r>
+            <a:r>
+              <a:rPr lang="en-US" sz="1800" dirty="0">
+                <a:solidFill>
+                  <a:schemeClr val="bg1"/>
+                </a:solidFill>
+              </a:rPr>
+              <a:t>(actual=DATA2$W,</a:t>
+            </a:r>
+          </a:p>
+          <a:p>
+            <a:pPr>
+              <a:defRPr/>
+            </a:pPr>
+            <a:r>
+              <a:rPr lang="en-US" sz="1800" dirty="0">
+                <a:solidFill>
+                  <a:schemeClr val="bg1"/>
+                </a:solidFill>
+              </a:rPr>
+              <a:t>		     predict=DATA2$linpred)</a:t>
+            </a:r>
+          </a:p>
+        </p:txBody>
+      </p:sp>
+      <p:pic>
+        <p:nvPicPr>
+          <p:cNvPr id="3" name="Picture 2">
+            <a:extLst>
+              <a:ext uri="{FF2B5EF4-FFF2-40B4-BE49-F238E27FC236}">
+                <a16:creationId xmlns:a16="http://schemas.microsoft.com/office/drawing/2014/main" id="{0B08DB3C-B8E8-4471-8A83-6120B863E9EC}"/>
+              </a:ext>
+            </a:extLst>
+          </p:cNvPr>
+          <p:cNvPicPr>
+            <a:picLocks noChangeAspect="1"/>
+          </p:cNvPicPr>
+          <p:nvPr/>
+        </p:nvPicPr>
+        <p:blipFill>
+          <a:blip r:embed="rId4"/>
+          <a:stretch>
+            <a:fillRect/>
+          </a:stretch>
+        </p:blipFill>
+        <p:spPr>
+          <a:xfrm>
+            <a:off x="3656757" y="4724400"/>
+            <a:ext cx="4981575" cy="400050"/>
+          </a:xfrm>
+          <a:prstGeom prst="rect">
+            <a:avLst/>
+          </a:prstGeom>
+          <a:ln>
+            <a:solidFill>
+              <a:srgbClr val="404040"/>
+            </a:solidFill>
+          </a:ln>
+        </p:spPr>
+        <p:style>
+          <a:lnRef idx="2">
+            <a:schemeClr val="dk1"/>
+          </a:lnRef>
+          <a:fillRef idx="1">
+            <a:schemeClr val="lt1"/>
+          </a:fillRef>
+          <a:effectRef idx="0">
+            <a:schemeClr val="dk1"/>
+          </a:effectRef>
+          <a:fontRef idx="minor">
+            <a:schemeClr val="dk1"/>
+          </a:fontRef>
+        </p:style>
+      </p:pic>
+      <p:sp>
+        <p:nvSpPr>
+          <p:cNvPr id="4" name="Arrow: Down 3">
+            <a:extLst>
+              <a:ext uri="{FF2B5EF4-FFF2-40B4-BE49-F238E27FC236}">
+                <a16:creationId xmlns:a16="http://schemas.microsoft.com/office/drawing/2014/main" id="{C08B5796-7CD1-495A-BFB3-7006ECF7EEF1}"/>
+              </a:ext>
+            </a:extLst>
+          </p:cNvPr>
+          <p:cNvSpPr/>
+          <p:nvPr/>
+        </p:nvSpPr>
+        <p:spPr>
+          <a:xfrm>
+            <a:off x="5728444" y="3581400"/>
+            <a:ext cx="838200" cy="914399"/>
+          </a:xfrm>
+          <a:prstGeom prst="downArrow">
+            <a:avLst/>
+          </a:prstGeom>
+          <a:solidFill>
+            <a:srgbClr val="404040"/>
+          </a:solidFill>
+          <a:ln>
+            <a:solidFill>
+              <a:srgbClr val="404040"/>
+            </a:solidFill>
+          </a:ln>
+        </p:spPr>
+        <p:style>
+          <a:lnRef idx="2">
+            <a:schemeClr val="dk1"/>
+          </a:lnRef>
+          <a:fillRef idx="1">
+            <a:schemeClr val="lt1"/>
+          </a:fillRef>
+          <a:effectRef idx="0">
+            <a:schemeClr val="dk1"/>
+          </a:effectRef>
+          <a:fontRef idx="minor">
+            <a:schemeClr val="dk1"/>
+          </a:fontRef>
+        </p:style>
+        <p:txBody>
+          <a:bodyPr rtlCol="0" anchor="ctr"/>
+          <a:lstStyle/>
+          <a:p>
+            <a:pPr algn="ctr"/>
+            <a:endParaRPr lang="en-US">
+              <a:ln>
                 <a:solidFill>
                   <a:srgbClr val="404040"/>
                 </a:solidFill>
-              </a:rPr>
-              <a:t>In Our Data, We Have:</a:t>
-            </a:r>
-          </a:p>
-          <a:p>
-            <a:pPr marL="1257300" lvl="2" indent="-342900">
-              <a:buFont typeface="Arial" panose="020B0604020202020204" pitchFamily="34" charset="0"/>
-              <a:buChar char="•"/>
-              <a:defRPr/>
-            </a:pPr>
-            <a:r>
-              <a:rPr lang="en-US" dirty="0">
-                <a:solidFill>
-                  <a:srgbClr val="404040"/>
-                </a:solidFill>
-              </a:rPr>
-              <a:t>Actual Water Temperatures</a:t>
-            </a:r>
-          </a:p>
-          <a:p>
-            <a:pPr marL="1257300" lvl="2" indent="-342900">
-              <a:buFont typeface="Arial" panose="020B0604020202020204" pitchFamily="34" charset="0"/>
-              <a:buChar char="•"/>
-              <a:defRPr/>
-            </a:pPr>
-            <a:r>
-              <a:rPr lang="en-US" dirty="0">
-                <a:solidFill>
-                  <a:srgbClr val="404040"/>
-                </a:solidFill>
-              </a:rPr>
-              <a:t>Out-of-Sample Predicted Water Temperatures</a:t>
-            </a:r>
-          </a:p>
-          <a:p>
-            <a:pPr marL="800100" lvl="1" indent="-342900">
-              <a:buFont typeface="Arial" panose="020B0604020202020204" pitchFamily="34" charset="0"/>
-              <a:buChar char="•"/>
-              <a:defRPr/>
-            </a:pPr>
-            <a:r>
-              <a:rPr lang="en-US" dirty="0">
-                <a:solidFill>
-                  <a:srgbClr val="404040"/>
-                </a:solidFill>
-              </a:rPr>
-              <a:t>Create </a:t>
-            </a:r>
-            <a:r>
-              <a:rPr lang="en-US" dirty="0" err="1">
-                <a:solidFill>
-                  <a:srgbClr val="404040"/>
-                </a:solidFill>
-              </a:rPr>
-              <a:t>RMSE.func</a:t>
-            </a:r>
-            <a:r>
-              <a:rPr lang="en-US" dirty="0">
-                <a:solidFill>
-                  <a:srgbClr val="404040"/>
-                </a:solidFill>
-              </a:rPr>
-              <a:t>() With Two Arguments </a:t>
-            </a:r>
-          </a:p>
-          <a:p>
-            <a:pPr marL="1257300" lvl="2" indent="-342900">
-              <a:buFont typeface="Arial" panose="020B0604020202020204" pitchFamily="34" charset="0"/>
-              <a:buChar char="•"/>
-              <a:defRPr/>
-            </a:pPr>
-            <a:r>
-              <a:rPr lang="en-US" dirty="0">
-                <a:solidFill>
-                  <a:srgbClr val="404040"/>
-                </a:solidFill>
-              </a:rPr>
-              <a:t>actual= vector of actual water temperatures</a:t>
-            </a:r>
-          </a:p>
-          <a:p>
-            <a:pPr marL="1257300" lvl="2" indent="-342900">
-              <a:buFont typeface="Arial" panose="020B0604020202020204" pitchFamily="34" charset="0"/>
-              <a:buChar char="•"/>
-              <a:defRPr/>
-            </a:pPr>
-            <a:r>
-              <a:rPr lang="en-US" dirty="0">
-                <a:solidFill>
-                  <a:srgbClr val="404040"/>
-                </a:solidFill>
-              </a:rPr>
-              <a:t>predict=vector of predicted water temperatures</a:t>
-            </a:r>
-          </a:p>
-          <a:p>
-            <a:pPr marL="800100" lvl="1" indent="-342900">
-              <a:buFont typeface="Arial" panose="020B0604020202020204" pitchFamily="34" charset="0"/>
-              <a:buChar char="•"/>
-              <a:defRPr/>
-            </a:pPr>
-            <a:r>
-              <a:rPr lang="en-US" dirty="0">
-                <a:solidFill>
-                  <a:srgbClr val="404040"/>
-                </a:solidFill>
-              </a:rPr>
-              <a:t>Use This Function on the Two Columns in DATA2 for RMSE</a:t>
-            </a:r>
-          </a:p>
-          <a:p>
-            <a:pPr marL="1257300" lvl="2" indent="-342900">
-              <a:buFont typeface="Arial" panose="020B0604020202020204" pitchFamily="34" charset="0"/>
-              <a:buChar char="•"/>
-              <a:defRPr/>
-            </a:pPr>
-            <a:r>
-              <a:rPr lang="en-US" dirty="0">
-                <a:solidFill>
-                  <a:srgbClr val="404040"/>
-                </a:solidFill>
-              </a:rPr>
-              <a:t>actual=W</a:t>
-            </a:r>
-          </a:p>
-          <a:p>
-            <a:pPr marL="1257300" lvl="2" indent="-342900">
-              <a:buFont typeface="Arial" panose="020B0604020202020204" pitchFamily="34" charset="0"/>
-              <a:buChar char="•"/>
-              <a:defRPr/>
-            </a:pPr>
-            <a:r>
-              <a:rPr lang="en-US" dirty="0">
-                <a:solidFill>
-                  <a:srgbClr val="404040"/>
-                </a:solidFill>
-              </a:rPr>
-              <a:t>predict=</a:t>
-            </a:r>
-            <a:r>
-              <a:rPr lang="en-US" dirty="0" err="1">
-                <a:solidFill>
-                  <a:srgbClr val="404040"/>
-                </a:solidFill>
-              </a:rPr>
-              <a:t>linpred</a:t>
-            </a:r>
-            <a:endParaRPr lang="en-US" dirty="0">
+              </a:ln>
               <a:solidFill>
                 <a:srgbClr val="404040"/>
               </a:solidFill>
@@ -9523,7 +9556,7 @@
     </p:custDataLst>
     <p:extLst>
       <p:ext uri="{BB962C8B-B14F-4D97-AF65-F5344CB8AC3E}">
-        <p14:creationId xmlns:p14="http://schemas.microsoft.com/office/powerpoint/2010/main" val="1254781803"/>
+        <p14:creationId xmlns:p14="http://schemas.microsoft.com/office/powerpoint/2010/main" val="3558102009"/>
       </p:ext>
     </p:extLst>
   </p:cSld>
@@ -9691,38 +9724,10 @@
                 <a:solidFill>
                   <a:schemeClr val="bg1"/>
                 </a:solidFill>
-              </a:rPr>
-              <a:t>Part 1: </a:t>
-            </a:r>
-            <a:br>
-              <a:rPr lang="en-US" sz="2400" dirty="0">
-                <a:solidFill>
-                  <a:schemeClr val="bg1"/>
-                </a:solidFill>
-              </a:rPr>
-            </a:br>
-            <a:r>
-              <a:rPr lang="en-US" sz="2400" dirty="0">
-                <a:solidFill>
-                  <a:schemeClr val="bg1"/>
-                </a:solidFill>
-              </a:rPr>
-              <a:t>Cross Validation </a:t>
-            </a:r>
-            <a:br>
-              <a:rPr lang="en-US" sz="2400" dirty="0">
-                <a:solidFill>
-                  <a:schemeClr val="bg1"/>
-                </a:solidFill>
-              </a:rPr>
-            </a:br>
-            <a:r>
-              <a:rPr lang="en-US" sz="2400" dirty="0">
-                <a:solidFill>
-                  <a:schemeClr val="bg1"/>
-                </a:solidFill>
-              </a:rPr>
-              <a:t>by Location</a:t>
+                <a:ea typeface="+mj-ea"/>
+                <a:cs typeface="+mj-cs"/>
+              </a:rPr>
+              <a:t>Intermission</a:t>
             </a:r>
             <a:endParaRPr lang="en-US" sz="2400" kern="1200" dirty="0">
               <a:solidFill>
@@ -9780,7 +9785,7 @@
         <p:spPr>
           <a:xfrm>
             <a:off x="3810000" y="645990"/>
-            <a:ext cx="5334000" cy="461665"/>
+            <a:ext cx="5334000" cy="6001643"/>
           </a:xfrm>
           <a:prstGeom prst="rect">
             <a:avLst/>
@@ -9804,235 +9809,177 @@
                   <a:srgbClr val="404040"/>
                 </a:solidFill>
               </a:rPr>
-              <a:t>Chunk 5 (Continued)</a:t>
-            </a:r>
-          </a:p>
-        </p:txBody>
-      </p:sp>
-      <p:sp>
-        <p:nvSpPr>
-          <p:cNvPr id="7" name="TextBox 6">
-            <a:extLst>
-              <a:ext uri="{FF2B5EF4-FFF2-40B4-BE49-F238E27FC236}">
-                <a16:creationId xmlns:a16="http://schemas.microsoft.com/office/drawing/2014/main" id="{071B558A-0987-4683-BE55-586144992045}"/>
-              </a:ext>
-            </a:extLst>
-          </p:cNvPr>
-          <p:cNvSpPr txBox="1"/>
-          <p:nvPr/>
-        </p:nvSpPr>
-        <p:spPr>
-          <a:xfrm>
-            <a:off x="3979882" y="1136419"/>
-            <a:ext cx="4343400" cy="2308324"/>
-          </a:xfrm>
-          <a:prstGeom prst="rect">
-            <a:avLst/>
-          </a:prstGeom>
-          <a:solidFill>
-            <a:srgbClr val="404040"/>
-          </a:solidFill>
-        </p:spPr>
-        <p:txBody>
-          <a:bodyPr wrap="square" rtlCol="0">
-            <a:spAutoFit/>
-          </a:bodyPr>
-          <a:lstStyle/>
+              <a:t>Current</a:t>
+            </a:r>
+          </a:p>
           <a:p>
             <a:pPr>
               <a:defRPr/>
             </a:pPr>
-            <a:r>
-              <a:rPr lang="en-US" sz="1800" dirty="0" err="1">
-                <a:solidFill>
-                  <a:schemeClr val="bg1"/>
-                </a:solidFill>
-              </a:rPr>
-              <a:t>RMSE.func</a:t>
-            </a:r>
-            <a:r>
-              <a:rPr lang="en-US" sz="1800" dirty="0">
-                <a:solidFill>
-                  <a:schemeClr val="bg1"/>
-                </a:solidFill>
-              </a:rPr>
-              <a:t> = function(</a:t>
-            </a:r>
-            <a:r>
-              <a:rPr lang="en-US" sz="1800" dirty="0" err="1">
-                <a:solidFill>
-                  <a:schemeClr val="bg1"/>
-                </a:solidFill>
-              </a:rPr>
-              <a:t>actual,predict</a:t>
-            </a:r>
-            <a:r>
-              <a:rPr lang="en-US" sz="1800" dirty="0">
-                <a:solidFill>
-                  <a:schemeClr val="bg1"/>
-                </a:solidFill>
-              </a:rPr>
-              <a:t>){</a:t>
-            </a:r>
-          </a:p>
-          <a:p>
-            <a:pPr>
-              <a:defRPr/>
-            </a:pPr>
-            <a:r>
-              <a:rPr lang="en-US" sz="1800" dirty="0">
-                <a:solidFill>
-                  <a:schemeClr val="bg1"/>
-                </a:solidFill>
-              </a:rPr>
-              <a:t>  </a:t>
-            </a:r>
-            <a:r>
-              <a:rPr lang="en-US" sz="1800" dirty="0" err="1">
-                <a:solidFill>
-                  <a:schemeClr val="bg1"/>
-                </a:solidFill>
-              </a:rPr>
-              <a:t>mse</a:t>
-            </a:r>
-            <a:r>
-              <a:rPr lang="en-US" sz="1800" dirty="0">
-                <a:solidFill>
-                  <a:schemeClr val="bg1"/>
-                </a:solidFill>
-              </a:rPr>
-              <a:t>=mean((actual-predict)^2,na.rm=T)</a:t>
-            </a:r>
-          </a:p>
-          <a:p>
-            <a:pPr>
-              <a:defRPr/>
-            </a:pPr>
-            <a:r>
-              <a:rPr lang="en-US" sz="1800" dirty="0">
-                <a:solidFill>
-                  <a:schemeClr val="bg1"/>
-                </a:solidFill>
-              </a:rPr>
-              <a:t>  </a:t>
-            </a:r>
-            <a:r>
-              <a:rPr lang="en-US" sz="1800" dirty="0" err="1">
-                <a:solidFill>
-                  <a:schemeClr val="bg1"/>
-                </a:solidFill>
-              </a:rPr>
-              <a:t>rmse</a:t>
-            </a:r>
-            <a:r>
-              <a:rPr lang="en-US" sz="1800" dirty="0">
-                <a:solidFill>
-                  <a:schemeClr val="bg1"/>
-                </a:solidFill>
-              </a:rPr>
-              <a:t>=sqrt(</a:t>
-            </a:r>
-            <a:r>
-              <a:rPr lang="en-US" sz="1800" dirty="0" err="1">
-                <a:solidFill>
-                  <a:schemeClr val="bg1"/>
-                </a:solidFill>
-              </a:rPr>
-              <a:t>mse</a:t>
-            </a:r>
-            <a:r>
-              <a:rPr lang="en-US" sz="1800" dirty="0">
-                <a:solidFill>
-                  <a:schemeClr val="bg1"/>
-                </a:solidFill>
-              </a:rPr>
-              <a:t>)</a:t>
-            </a:r>
-          </a:p>
-          <a:p>
-            <a:pPr>
-              <a:defRPr/>
-            </a:pPr>
-            <a:r>
-              <a:rPr lang="en-US" sz="1800" dirty="0">
-                <a:solidFill>
-                  <a:schemeClr val="bg1"/>
-                </a:solidFill>
-              </a:rPr>
-              <a:t>  return(</a:t>
-            </a:r>
-            <a:r>
-              <a:rPr lang="en-US" sz="1800" dirty="0" err="1">
-                <a:solidFill>
-                  <a:schemeClr val="bg1"/>
-                </a:solidFill>
-              </a:rPr>
-              <a:t>rmse</a:t>
-            </a:r>
-            <a:r>
-              <a:rPr lang="en-US" sz="1800" dirty="0">
-                <a:solidFill>
-                  <a:schemeClr val="bg1"/>
-                </a:solidFill>
-              </a:rPr>
-              <a:t>)</a:t>
-            </a:r>
-          </a:p>
-          <a:p>
-            <a:pPr>
-              <a:defRPr/>
-            </a:pPr>
-            <a:r>
-              <a:rPr lang="en-US" sz="1800" dirty="0">
-                <a:solidFill>
-                  <a:schemeClr val="bg1"/>
-                </a:solidFill>
-              </a:rPr>
-              <a:t>}</a:t>
-            </a:r>
-          </a:p>
-          <a:p>
-            <a:pPr>
-              <a:defRPr/>
-            </a:pPr>
-            <a:endParaRPr lang="en-US" sz="1800" dirty="0">
+            <a:endParaRPr lang="en-US" dirty="0">
               <a:solidFill>
-                <a:schemeClr val="bg1"/>
+                <a:srgbClr val="404040"/>
               </a:solidFill>
             </a:endParaRPr>
           </a:p>
           <a:p>
+            <a:pPr marL="800100" lvl="1" indent="-342900">
+              <a:buFont typeface="Arial" panose="020B0604020202020204" pitchFamily="34" charset="0"/>
+              <a:buChar char="•"/>
+              <a:defRPr/>
+            </a:pPr>
+            <a:r>
+              <a:rPr lang="en-US" dirty="0">
+                <a:solidFill>
+                  <a:srgbClr val="404040"/>
+                </a:solidFill>
+              </a:rPr>
+              <a:t>Using the Natural Grouping of Data for 31-Fold Cross Validation</a:t>
+            </a:r>
+          </a:p>
+          <a:p>
+            <a:pPr marL="800100" lvl="1" indent="-342900">
+              <a:buFont typeface="Arial" panose="020B0604020202020204" pitchFamily="34" charset="0"/>
+              <a:buChar char="•"/>
+              <a:defRPr/>
+            </a:pPr>
+            <a:r>
+              <a:rPr lang="en-US" dirty="0">
+                <a:solidFill>
+                  <a:srgbClr val="404040"/>
+                </a:solidFill>
+              </a:rPr>
+              <a:t>Only Fit One Linear Model</a:t>
+            </a:r>
+          </a:p>
+          <a:p>
+            <a:pPr marL="800100" lvl="1" indent="-342900">
+              <a:buFont typeface="Arial" panose="020B0604020202020204" pitchFamily="34" charset="0"/>
+              <a:buChar char="•"/>
+              <a:defRPr/>
+            </a:pPr>
+            <a:r>
+              <a:rPr lang="en-US" dirty="0">
+                <a:solidFill>
+                  <a:srgbClr val="404040"/>
+                </a:solidFill>
+              </a:rPr>
+              <a:t>Should Use Cross-Validation for Multiple Different Models and Compare Cross-Validated RMSE</a:t>
+            </a:r>
+          </a:p>
+          <a:p>
+            <a:pPr marL="800100" lvl="1" indent="-342900">
+              <a:buFont typeface="Arial" panose="020B0604020202020204" pitchFamily="34" charset="0"/>
+              <a:buChar char="•"/>
+              <a:defRPr/>
+            </a:pPr>
+            <a:endParaRPr lang="en-US" dirty="0">
+              <a:solidFill>
+                <a:srgbClr val="404040"/>
+              </a:solidFill>
+            </a:endParaRPr>
+          </a:p>
+          <a:p>
+            <a:pPr marL="342900" indent="-342900">
+              <a:buFont typeface="Arial" panose="020B0604020202020204" pitchFamily="34" charset="0"/>
+              <a:buChar char="•"/>
+              <a:defRPr/>
+            </a:pPr>
+            <a:r>
+              <a:rPr lang="en-US" dirty="0">
+                <a:solidFill>
+                  <a:srgbClr val="404040"/>
+                </a:solidFill>
+              </a:rPr>
+              <a:t>Next</a:t>
+            </a:r>
+          </a:p>
+          <a:p>
             <a:pPr>
               <a:defRPr/>
             </a:pPr>
-            <a:r>
-              <a:rPr lang="en-US" sz="1800" dirty="0" err="1">
-                <a:solidFill>
-                  <a:schemeClr val="bg1"/>
-                </a:solidFill>
-              </a:rPr>
-              <a:t>RMSE.func</a:t>
-            </a:r>
-            <a:r>
-              <a:rPr lang="en-US" sz="1800" dirty="0">
-                <a:solidFill>
-                  <a:schemeClr val="bg1"/>
-                </a:solidFill>
-              </a:rPr>
-              <a:t>(actual=DATA2$W,</a:t>
-            </a:r>
-          </a:p>
-          <a:p>
-            <a:pPr>
-              <a:defRPr/>
-            </a:pPr>
-            <a:r>
-              <a:rPr lang="en-US" sz="1800" dirty="0">
-                <a:solidFill>
-                  <a:schemeClr val="bg1"/>
-                </a:solidFill>
-              </a:rPr>
-              <a:t>		     predict=DATA2$linpred)</a:t>
+            <a:endParaRPr lang="en-US" dirty="0">
+              <a:solidFill>
+                <a:srgbClr val="404040"/>
+              </a:solidFill>
+            </a:endParaRPr>
+          </a:p>
+          <a:p>
+            <a:pPr marL="800100" lvl="1" indent="-342900">
+              <a:buFont typeface="Arial" panose="020B0604020202020204" pitchFamily="34" charset="0"/>
+              <a:buChar char="•"/>
+              <a:defRPr/>
+            </a:pPr>
+            <a:r>
+              <a:rPr lang="en-US" dirty="0">
+                <a:solidFill>
+                  <a:srgbClr val="404040"/>
+                </a:solidFill>
+              </a:rPr>
+              <a:t>Randomly Assign Observations to </a:t>
+            </a:r>
+            <a:r>
+              <a:rPr lang="en-US" i="1" dirty="0">
+                <a:solidFill>
+                  <a:srgbClr val="404040"/>
+                </a:solidFill>
+              </a:rPr>
+              <a:t>K</a:t>
+            </a:r>
+            <a:r>
+              <a:rPr lang="en-US" dirty="0">
+                <a:solidFill>
+                  <a:srgbClr val="404040"/>
+                </a:solidFill>
+              </a:rPr>
+              <a:t>-Folds</a:t>
+            </a:r>
+          </a:p>
+          <a:p>
+            <a:pPr marL="800100" lvl="1" indent="-342900">
+              <a:buFont typeface="Arial" panose="020B0604020202020204" pitchFamily="34" charset="0"/>
+              <a:buChar char="•"/>
+              <a:defRPr/>
+            </a:pPr>
+            <a:r>
+              <a:rPr lang="en-US" dirty="0">
+                <a:solidFill>
+                  <a:srgbClr val="404040"/>
+                </a:solidFill>
+              </a:rPr>
+              <a:t>Helpful Function: </a:t>
+            </a:r>
+            <a:r>
+              <a:rPr lang="en-US" dirty="0" err="1">
+                <a:solidFill>
+                  <a:srgbClr val="404040"/>
+                </a:solidFill>
+              </a:rPr>
+              <a:t>cross_kfold</a:t>
+            </a:r>
+            <a:r>
+              <a:rPr lang="en-US" dirty="0">
+                <a:solidFill>
+                  <a:srgbClr val="404040"/>
+                </a:solidFill>
+              </a:rPr>
+              <a:t>(</a:t>
+            </a:r>
+            <a:r>
+              <a:rPr lang="en-US" i="1" dirty="0">
+                <a:solidFill>
+                  <a:srgbClr val="404040"/>
+                </a:solidFill>
+              </a:rPr>
+              <a:t>k</a:t>
+            </a:r>
+            <a:r>
+              <a:rPr lang="en-US" dirty="0">
+                <a:solidFill>
+                  <a:srgbClr val="404040"/>
+                </a:solidFill>
+              </a:rPr>
+              <a:t>)</a:t>
             </a:r>
           </a:p>
         </p:txBody>
@@ -10043,7 +9990,7 @@
     </p:custDataLst>
     <p:extLst>
       <p:ext uri="{BB962C8B-B14F-4D97-AF65-F5344CB8AC3E}">
-        <p14:creationId xmlns:p14="http://schemas.microsoft.com/office/powerpoint/2010/main" val="3558102009"/>
+        <p14:creationId xmlns:p14="http://schemas.microsoft.com/office/powerpoint/2010/main" val="1995340771"/>
       </p:ext>
     </p:extLst>
   </p:cSld>
@@ -10214,441 +10161,7 @@
                 <a:ea typeface="+mj-ea"/>
                 <a:cs typeface="+mj-cs"/>
               </a:rPr>
-              <a:t>Intermission</a:t>
-            </a:r>
-            <a:endParaRPr lang="en-US" sz="2400" kern="1200" dirty="0">
-              <a:solidFill>
-                <a:schemeClr val="bg1"/>
-              </a:solidFill>
-              <a:latin typeface="+mj-lt"/>
-              <a:ea typeface="+mj-ea"/>
-              <a:cs typeface="+mj-cs"/>
-            </a:endParaRPr>
-          </a:p>
-        </p:txBody>
-      </p:sp>
-      <p:pic>
-        <p:nvPicPr>
-          <p:cNvPr id="8" name="Picture 7">
-            <a:extLst>
-              <a:ext uri="{FF2B5EF4-FFF2-40B4-BE49-F238E27FC236}">
-                <a16:creationId xmlns:a16="http://schemas.microsoft.com/office/drawing/2014/main" id="{521D4292-9ECC-4DA5-8CC0-C561A0DA118E}"/>
-              </a:ext>
-            </a:extLst>
-          </p:cNvPr>
-          <p:cNvPicPr>
-            <a:picLocks noChangeAspect="1"/>
-          </p:cNvPicPr>
-          <p:nvPr/>
-        </p:nvPicPr>
-        <p:blipFill rotWithShape="1">
-          <a:blip r:embed="rId3"/>
-          <a:srcRect l="8000" r="9400"/>
-          <a:stretch/>
-        </p:blipFill>
-        <p:spPr>
-          <a:xfrm>
-            <a:off x="660103" y="3048000"/>
-            <a:ext cx="2167974" cy="2624666"/>
-          </a:xfrm>
-          <a:prstGeom prst="rect">
-            <a:avLst/>
-          </a:prstGeom>
-          <a:noFill/>
-        </p:spPr>
-      </p:pic>
-      <p:sp>
-        <p:nvSpPr>
-          <p:cNvPr id="6" name="TextBox 5">
-            <a:extLst>
-              <a:ext uri="{FF2B5EF4-FFF2-40B4-BE49-F238E27FC236}">
-                <a16:creationId xmlns:a16="http://schemas.microsoft.com/office/drawing/2014/main" id="{8DB59467-18FE-43FE-A7CD-C188A0845810}"/>
-              </a:ext>
-            </a:extLst>
-          </p:cNvPr>
-          <p:cNvSpPr txBox="1"/>
-          <p:nvPr/>
-        </p:nvSpPr>
-        <p:spPr>
-          <a:xfrm>
-            <a:off x="3810000" y="645990"/>
-            <a:ext cx="5334000" cy="6001643"/>
-          </a:xfrm>
-          <a:prstGeom prst="rect">
-            <a:avLst/>
-          </a:prstGeom>
-          <a:noFill/>
-        </p:spPr>
-        <p:txBody>
-          <a:bodyPr wrap="square" rtlCol="0">
-            <a:spAutoFit/>
-          </a:bodyPr>
-          <a:lstStyle/>
-          <a:p>
-            <a:pPr marL="342900" indent="-342900">
-              <a:buFont typeface="Arial" panose="020B0604020202020204" pitchFamily="34" charset="0"/>
-              <a:buChar char="•"/>
-              <a:defRPr/>
-            </a:pPr>
-            <a:r>
-              <a:rPr lang="en-US" dirty="0">
-                <a:solidFill>
-                  <a:srgbClr val="404040"/>
-                </a:solidFill>
-              </a:rPr>
-              <a:t>Current</a:t>
-            </a:r>
-          </a:p>
-          <a:p>
-            <a:pPr>
-              <a:defRPr/>
-            </a:pPr>
-            <a:endParaRPr lang="en-US" dirty="0">
-              <a:solidFill>
-                <a:srgbClr val="404040"/>
-              </a:solidFill>
-            </a:endParaRPr>
-          </a:p>
-          <a:p>
-            <a:pPr marL="800100" lvl="1" indent="-342900">
-              <a:buFont typeface="Arial" panose="020B0604020202020204" pitchFamily="34" charset="0"/>
-              <a:buChar char="•"/>
-              <a:defRPr/>
-            </a:pPr>
-            <a:r>
-              <a:rPr lang="en-US" dirty="0">
-                <a:solidFill>
-                  <a:srgbClr val="404040"/>
-                </a:solidFill>
-              </a:rPr>
-              <a:t>Using the Natural Grouping of Data for 31-Fold Cross Validation</a:t>
-            </a:r>
-          </a:p>
-          <a:p>
-            <a:pPr marL="800100" lvl="1" indent="-342900">
-              <a:buFont typeface="Arial" panose="020B0604020202020204" pitchFamily="34" charset="0"/>
-              <a:buChar char="•"/>
-              <a:defRPr/>
-            </a:pPr>
-            <a:r>
-              <a:rPr lang="en-US" dirty="0">
-                <a:solidFill>
-                  <a:srgbClr val="404040"/>
-                </a:solidFill>
-              </a:rPr>
-              <a:t>Only Fit One Linear Model</a:t>
-            </a:r>
-          </a:p>
-          <a:p>
-            <a:pPr marL="800100" lvl="1" indent="-342900">
-              <a:buFont typeface="Arial" panose="020B0604020202020204" pitchFamily="34" charset="0"/>
-              <a:buChar char="•"/>
-              <a:defRPr/>
-            </a:pPr>
-            <a:r>
-              <a:rPr lang="en-US" dirty="0">
-                <a:solidFill>
-                  <a:srgbClr val="404040"/>
-                </a:solidFill>
-              </a:rPr>
-              <a:t>Should Use Cross-Validation for Multiple Different Models and Compare Cross-Validated RMSE</a:t>
-            </a:r>
-          </a:p>
-          <a:p>
-            <a:pPr marL="800100" lvl="1" indent="-342900">
-              <a:buFont typeface="Arial" panose="020B0604020202020204" pitchFamily="34" charset="0"/>
-              <a:buChar char="•"/>
-              <a:defRPr/>
-            </a:pPr>
-            <a:endParaRPr lang="en-US" dirty="0">
-              <a:solidFill>
-                <a:srgbClr val="404040"/>
-              </a:solidFill>
-            </a:endParaRPr>
-          </a:p>
-          <a:p>
-            <a:pPr marL="342900" indent="-342900">
-              <a:buFont typeface="Arial" panose="020B0604020202020204" pitchFamily="34" charset="0"/>
-              <a:buChar char="•"/>
-              <a:defRPr/>
-            </a:pPr>
-            <a:r>
-              <a:rPr lang="en-US" dirty="0">
-                <a:solidFill>
-                  <a:srgbClr val="404040"/>
-                </a:solidFill>
-              </a:rPr>
-              <a:t>Next</a:t>
-            </a:r>
-          </a:p>
-          <a:p>
-            <a:pPr>
-              <a:defRPr/>
-            </a:pPr>
-            <a:endParaRPr lang="en-US" dirty="0">
-              <a:solidFill>
-                <a:srgbClr val="404040"/>
-              </a:solidFill>
-            </a:endParaRPr>
-          </a:p>
-          <a:p>
-            <a:pPr marL="800100" lvl="1" indent="-342900">
-              <a:buFont typeface="Arial" panose="020B0604020202020204" pitchFamily="34" charset="0"/>
-              <a:buChar char="•"/>
-              <a:defRPr/>
-            </a:pPr>
-            <a:r>
-              <a:rPr lang="en-US" dirty="0">
-                <a:solidFill>
-                  <a:srgbClr val="404040"/>
-                </a:solidFill>
-              </a:rPr>
-              <a:t>Randomly Assign Observations to </a:t>
-            </a:r>
-            <a:r>
-              <a:rPr lang="en-US" i="1" dirty="0">
-                <a:solidFill>
-                  <a:srgbClr val="404040"/>
-                </a:solidFill>
-              </a:rPr>
-              <a:t>K</a:t>
-            </a:r>
-            <a:r>
-              <a:rPr lang="en-US" dirty="0">
-                <a:solidFill>
-                  <a:srgbClr val="404040"/>
-                </a:solidFill>
-              </a:rPr>
-              <a:t>-Folds</a:t>
-            </a:r>
-          </a:p>
-          <a:p>
-            <a:pPr marL="800100" lvl="1" indent="-342900">
-              <a:buFont typeface="Arial" panose="020B0604020202020204" pitchFamily="34" charset="0"/>
-              <a:buChar char="•"/>
-              <a:defRPr/>
-            </a:pPr>
-            <a:r>
-              <a:rPr lang="en-US" dirty="0">
-                <a:solidFill>
-                  <a:srgbClr val="404040"/>
-                </a:solidFill>
-              </a:rPr>
-              <a:t>Helpful Function: </a:t>
-            </a:r>
-            <a:r>
-              <a:rPr lang="en-US" dirty="0" err="1">
-                <a:solidFill>
-                  <a:srgbClr val="404040"/>
-                </a:solidFill>
-              </a:rPr>
-              <a:t>cross_kfold</a:t>
-            </a:r>
-            <a:r>
-              <a:rPr lang="en-US" dirty="0">
-                <a:solidFill>
-                  <a:srgbClr val="404040"/>
-                </a:solidFill>
-              </a:rPr>
-              <a:t>(</a:t>
-            </a:r>
-            <a:r>
-              <a:rPr lang="en-US" i="1" dirty="0">
-                <a:solidFill>
-                  <a:srgbClr val="404040"/>
-                </a:solidFill>
-              </a:rPr>
-              <a:t>k</a:t>
-            </a:r>
-            <a:r>
-              <a:rPr lang="en-US" dirty="0">
-                <a:solidFill>
-                  <a:srgbClr val="404040"/>
-                </a:solidFill>
-              </a:rPr>
-              <a:t>)</a:t>
-            </a:r>
-          </a:p>
-        </p:txBody>
-      </p:sp>
-    </p:spTree>
-    <p:custDataLst>
-      <p:tags r:id="rId1"/>
-    </p:custDataLst>
-    <p:extLst>
-      <p:ext uri="{BB962C8B-B14F-4D97-AF65-F5344CB8AC3E}">
-        <p14:creationId xmlns:p14="http://schemas.microsoft.com/office/powerpoint/2010/main" val="1995340771"/>
-      </p:ext>
-    </p:extLst>
-  </p:cSld>
-  <p:clrMapOvr>
-    <a:masterClrMapping/>
-  </p:clrMapOvr>
-</p:sld>
-</file>
-
-<file path=ppt/slides/slide14.xml><?xml version="1.0" encoding="utf-8"?>
-<p:sld xmlns:a="http://schemas.openxmlformats.org/drawingml/2006/main" xmlns:r="http://schemas.openxmlformats.org/officeDocument/2006/relationships" xmlns:p="http://schemas.openxmlformats.org/presentationml/2006/main">
-  <p:cSld>
-    <p:bg>
-      <p:bgPr>
-        <a:solidFill>
-          <a:schemeClr val="bg1">
-            <a:lumMod val="85000"/>
-          </a:schemeClr>
-        </a:solidFill>
-        <a:effectLst/>
-      </p:bgPr>
-    </p:bg>
-    <p:spTree>
-      <p:nvGrpSpPr>
-        <p:cNvPr id="1" name=""/>
-        <p:cNvGrpSpPr/>
-        <p:nvPr/>
-      </p:nvGrpSpPr>
-      <p:grpSpPr>
-        <a:xfrm>
-          <a:off x="0" y="0"/>
-          <a:ext cx="0" cy="0"/>
-          <a:chOff x="0" y="0"/>
-          <a:chExt cx="0" cy="0"/>
-        </a:xfrm>
-      </p:grpSpPr>
-      <p:sp>
-        <p:nvSpPr>
-          <p:cNvPr id="15" name="Rectangle 12">
-            <a:extLst>
-              <a:ext uri="{FF2B5EF4-FFF2-40B4-BE49-F238E27FC236}">
-                <a16:creationId xmlns:a16="http://schemas.microsoft.com/office/drawing/2014/main" id="{867D4867-5BA7-4462-B2F6-A23F4A622AA7}"/>
-              </a:ext>
-              <a:ext uri="{C183D7F6-B498-43B3-948B-1728B52AA6E4}">
-                <adec:decorative xmlns:adec="http://schemas.microsoft.com/office/drawing/2017/decorative" val="1"/>
-              </a:ext>
-            </a:extLst>
-          </p:cNvPr>
-          <p:cNvSpPr>
-            <a:spLocks noGrp="1" noRot="1" noChangeAspect="1" noMove="1" noResize="1" noEditPoints="1" noAdjustHandles="1" noChangeArrowheads="1" noChangeShapeType="1" noTextEdit="1"/>
-          </p:cNvSpPr>
-          <p:nvPr>
-            <p:extLst>
-              <p:ext uri="{386F3935-93C4-4BCD-93E2-E3B085C9AB24}">
-                <p16:designElem xmlns:p16="http://schemas.microsoft.com/office/powerpoint/2015/main" val="1"/>
-              </p:ext>
-            </p:extLst>
-          </p:nvPr>
-        </p:nvSpPr>
-        <p:spPr>
-          <a:xfrm>
-            <a:off x="0" y="0"/>
-            <a:ext cx="3490722" cy="6858000"/>
-          </a:xfrm>
-          <a:prstGeom prst="rect">
-            <a:avLst/>
-          </a:prstGeom>
-          <a:solidFill>
-            <a:schemeClr val="tx1">
-              <a:lumMod val="75000"/>
-              <a:lumOff val="25000"/>
-            </a:schemeClr>
-          </a:solidFill>
-          <a:ln>
-            <a:noFill/>
-          </a:ln>
-        </p:spPr>
-        <p:style>
-          <a:lnRef idx="0">
-            <a:scrgbClr r="0" g="0" b="0"/>
-          </a:lnRef>
-          <a:fillRef idx="0">
-            <a:scrgbClr r="0" g="0" b="0"/>
-          </a:fillRef>
-          <a:effectRef idx="0">
-            <a:scrgbClr r="0" g="0" b="0"/>
-          </a:effectRef>
-          <a:fontRef idx="minor">
-            <a:schemeClr val="lt1"/>
-          </a:fontRef>
-        </p:style>
-        <p:txBody>
-          <a:bodyPr rtlCol="0" anchor="ctr"/>
-          <a:lstStyle/>
-          <a:p>
-            <a:pPr marL="0" marR="0" lvl="0" indent="0" algn="ctr" defTabSz="457200" rtl="0" eaLnBrk="1" fontAlgn="base" latinLnBrk="0" hangingPunct="1">
-              <a:lnSpc>
-                <a:spcPct val="100000"/>
-              </a:lnSpc>
-              <a:spcBef>
-                <a:spcPct val="0"/>
-              </a:spcBef>
-              <a:spcAft>
-                <a:spcPct val="0"/>
-              </a:spcAft>
-              <a:buClrTx/>
-              <a:buSzTx/>
-              <a:buFontTx/>
-              <a:buNone/>
-              <a:tabLst/>
-              <a:defRPr/>
-            </a:pPr>
-            <a:endParaRPr kumimoji="0" lang="en-US" sz="2400" b="0" i="0" u="none" strike="noStrike" kern="1200" cap="none" spc="0" normalizeH="0" baseline="0" noProof="0">
-              <a:ln>
-                <a:noFill/>
-              </a:ln>
-              <a:solidFill>
-                <a:prstClr val="white"/>
-              </a:solidFill>
-              <a:effectLst/>
-              <a:uLnTx/>
-              <a:uFillTx/>
-              <a:latin typeface="Calibri"/>
-              <a:ea typeface="+mn-ea"/>
-              <a:cs typeface="+mn-cs"/>
-            </a:endParaRPr>
-          </a:p>
-        </p:txBody>
-      </p:sp>
-      <p:sp>
-        <p:nvSpPr>
-          <p:cNvPr id="2" name="Title 1"/>
-          <p:cNvSpPr>
-            <a:spLocks noGrp="1"/>
-          </p:cNvSpPr>
-          <p:nvPr>
-            <p:ph type="title"/>
-          </p:nvPr>
-        </p:nvSpPr>
-        <p:spPr>
-          <a:xfrm>
-            <a:off x="482600" y="643467"/>
-            <a:ext cx="2522980" cy="1597315"/>
-          </a:xfrm>
-          <a:noFill/>
-          <a:ln w="19050">
-            <a:solidFill>
-              <a:schemeClr val="bg1"/>
-            </a:solidFill>
-          </a:ln>
-        </p:spPr>
-        <p:txBody>
-          <a:bodyPr vert="horz" wrap="square" lIns="91440" tIns="45720" rIns="91440" bIns="45720" rtlCol="0" anchor="ctr">
-            <a:normAutofit/>
-          </a:bodyPr>
-          <a:lstStyle/>
-          <a:p>
-            <a:pPr defTabSz="914400" eaLnBrk="1" hangingPunct="1">
-              <a:lnSpc>
-                <a:spcPct val="90000"/>
-              </a:lnSpc>
-            </a:pPr>
-            <a:r>
-              <a:rPr lang="en-US" sz="2400" dirty="0">
-                <a:solidFill>
-                  <a:schemeClr val="bg1"/>
-                </a:solidFill>
-                <a:ea typeface="+mj-ea"/>
-                <a:cs typeface="+mj-cs"/>
-              </a:rPr>
-              <a:t>Part 1: </a:t>
+              <a:t>Part 2: </a:t>
             </a:r>
             <a:br>
               <a:rPr lang="en-US" sz="2400" dirty="0">
@@ -10906,7 +10419,7 @@
 </p:sld>
 </file>
 
-<file path=ppt/slides/slide15.xml><?xml version="1.0" encoding="utf-8"?>
+<file path=ppt/slides/slide14.xml><?xml version="1.0" encoding="utf-8"?>
 <p:sld xmlns:a="http://schemas.openxmlformats.org/drawingml/2006/main" xmlns:r="http://schemas.openxmlformats.org/officeDocument/2006/relationships" xmlns:p="http://schemas.openxmlformats.org/presentationml/2006/main">
   <p:cSld>
     <p:bg>
@@ -11064,18 +10577,14 @@
                 <a:solidFill>
                   <a:schemeClr val="bg1"/>
                 </a:solidFill>
-                <a:ea typeface="+mj-ea"/>
-                <a:cs typeface="+mj-cs"/>
-              </a:rPr>
-              <a:t>Part 1: </a:t>
+              </a:rPr>
+              <a:t>Part 2: </a:t>
             </a:r>
             <a:br>
               <a:rPr lang="en-US" sz="2400" dirty="0">
                 <a:solidFill>
                   <a:schemeClr val="bg1"/>
                 </a:solidFill>
-                <a:ea typeface="+mj-ea"/>
-                <a:cs typeface="+mj-cs"/>
               </a:rPr>
             </a:br>
             <a:r>
@@ -11083,8 +10592,6 @@
                 <a:solidFill>
                   <a:schemeClr val="bg1"/>
                 </a:solidFill>
-                <a:ea typeface="+mj-ea"/>
-                <a:cs typeface="+mj-cs"/>
               </a:rPr>
               <a:t>K-Fold CV</a:t>
             </a:r>
@@ -11144,7 +10651,7 @@
         <p:spPr>
           <a:xfrm>
             <a:off x="3810000" y="645990"/>
-            <a:ext cx="5334000" cy="3785652"/>
+            <a:ext cx="5334000" cy="4154984"/>
           </a:xfrm>
           <a:prstGeom prst="rect">
             <a:avLst/>
@@ -11168,11 +10675,13 @@
                   <a:srgbClr val="404040"/>
                 </a:solidFill>
               </a:rPr>
-              <a:t>Recall: Polynomial Model</a:t>
-            </a:r>
-          </a:p>
-          <a:p>
-            <a:pPr>
+              <a:t>Run Chunk 1</a:t>
+            </a:r>
+          </a:p>
+          <a:p>
+            <a:pPr marL="342900" indent="-342900">
+              <a:buFont typeface="Arial" panose="020B0604020202020204" pitchFamily="34" charset="0"/>
+              <a:buChar char="•"/>
               <a:defRPr/>
             </a:pPr>
             <a:endParaRPr lang="en-US" dirty="0">
@@ -11182,7 +10691,39 @@
             </a:endParaRPr>
           </a:p>
           <a:p>
-            <a:pPr>
+            <a:pPr marL="800100" lvl="1" indent="-342900">
+              <a:buFont typeface="Arial" panose="020B0604020202020204" pitchFamily="34" charset="0"/>
+              <a:buChar char="•"/>
+              <a:defRPr/>
+            </a:pPr>
+            <a:r>
+              <a:rPr lang="en-US" dirty="0">
+                <a:solidFill>
+                  <a:srgbClr val="404040"/>
+                </a:solidFill>
+              </a:rPr>
+              <a:t>Variables (Julian Day)</a:t>
+            </a:r>
+          </a:p>
+          <a:p>
+            <a:pPr marL="800100" lvl="1" indent="-342900">
+              <a:buFont typeface="Arial" panose="020B0604020202020204" pitchFamily="34" charset="0"/>
+              <a:buChar char="•"/>
+              <a:defRPr/>
+            </a:pPr>
+            <a:r>
+              <a:rPr lang="en-US" dirty="0">
+                <a:solidFill>
+                  <a:srgbClr val="404040"/>
+                </a:solidFill>
+              </a:rPr>
+              <a:t>Clear Non-Linear Relationship</a:t>
+            </a:r>
+          </a:p>
+          <a:p>
+            <a:pPr marL="342900" indent="-342900">
+              <a:buFont typeface="Arial" panose="020B0604020202020204" pitchFamily="34" charset="0"/>
+              <a:buChar char="•"/>
               <a:defRPr/>
             </a:pPr>
             <a:endParaRPr lang="en-US" dirty="0">
@@ -11192,27 +10733,444 @@
             </a:endParaRPr>
           </a:p>
           <a:p>
+            <a:pPr marL="342900" indent="-342900">
+              <a:buFont typeface="Arial" panose="020B0604020202020204" pitchFamily="34" charset="0"/>
+              <a:buChar char="•"/>
+              <a:defRPr/>
+            </a:pPr>
+            <a:endParaRPr lang="en-US" dirty="0">
+              <a:solidFill>
+                <a:srgbClr val="404040"/>
+              </a:solidFill>
+            </a:endParaRPr>
+          </a:p>
+          <a:p>
+            <a:pPr marL="342900" indent="-342900">
+              <a:buFont typeface="Arial" panose="020B0604020202020204" pitchFamily="34" charset="0"/>
+              <a:buChar char="•"/>
+              <a:defRPr/>
+            </a:pPr>
+            <a:endParaRPr lang="en-US" dirty="0">
+              <a:solidFill>
+                <a:srgbClr val="404040"/>
+              </a:solidFill>
+            </a:endParaRPr>
+          </a:p>
+          <a:p>
+            <a:pPr marL="342900" indent="-342900">
+              <a:buFont typeface="Arial" panose="020B0604020202020204" pitchFamily="34" charset="0"/>
+              <a:buChar char="•"/>
+              <a:defRPr/>
+            </a:pPr>
+            <a:endParaRPr lang="en-US" dirty="0">
+              <a:solidFill>
+                <a:srgbClr val="404040"/>
+              </a:solidFill>
+            </a:endParaRPr>
+          </a:p>
+          <a:p>
+            <a:pPr marL="342900" indent="-342900">
+              <a:buFont typeface="Arial" panose="020B0604020202020204" pitchFamily="34" charset="0"/>
+              <a:buChar char="•"/>
+              <a:defRPr/>
+            </a:pPr>
+            <a:endParaRPr lang="en-US" dirty="0">
+              <a:solidFill>
+                <a:srgbClr val="404040"/>
+              </a:solidFill>
+            </a:endParaRPr>
+          </a:p>
+          <a:p>
+            <a:pPr marL="342900" indent="-342900">
+              <a:buFont typeface="Arial" panose="020B0604020202020204" pitchFamily="34" charset="0"/>
+              <a:buChar char="•"/>
+              <a:defRPr/>
+            </a:pPr>
+            <a:endParaRPr lang="en-US" dirty="0">
+              <a:solidFill>
+                <a:srgbClr val="404040"/>
+              </a:solidFill>
+            </a:endParaRPr>
+          </a:p>
+          <a:p>
+            <a:pPr marL="342900" indent="-342900">
+              <a:buFont typeface="Arial" panose="020B0604020202020204" pitchFamily="34" charset="0"/>
+              <a:buChar char="•"/>
+              <a:defRPr/>
+            </a:pPr>
+            <a:endParaRPr lang="en-US" dirty="0">
+              <a:solidFill>
+                <a:srgbClr val="404040"/>
+              </a:solidFill>
+            </a:endParaRPr>
+          </a:p>
+        </p:txBody>
+      </p:sp>
+      <p:pic>
+        <p:nvPicPr>
+          <p:cNvPr id="4" name="Picture 3">
+            <a:extLst>
+              <a:ext uri="{FF2B5EF4-FFF2-40B4-BE49-F238E27FC236}">
+                <a16:creationId xmlns:a16="http://schemas.microsoft.com/office/drawing/2014/main" id="{12C654CC-4BB0-4E30-A3D0-7B5727EE37FD}"/>
+              </a:ext>
+            </a:extLst>
+          </p:cNvPr>
+          <p:cNvPicPr>
+            <a:picLocks noChangeAspect="1"/>
+          </p:cNvPicPr>
+          <p:nvPr/>
+        </p:nvPicPr>
+        <p:blipFill>
+          <a:blip r:embed="rId4"/>
+          <a:stretch>
+            <a:fillRect/>
+          </a:stretch>
+        </p:blipFill>
+        <p:spPr>
+          <a:xfrm>
+            <a:off x="3657600" y="2438400"/>
+            <a:ext cx="5334000" cy="4318339"/>
+          </a:xfrm>
+          <a:prstGeom prst="rect">
+            <a:avLst/>
+          </a:prstGeom>
+          <a:ln>
+            <a:solidFill>
+              <a:srgbClr val="404040"/>
+            </a:solidFill>
+          </a:ln>
+        </p:spPr>
+        <p:style>
+          <a:lnRef idx="2">
+            <a:schemeClr val="dk1"/>
+          </a:lnRef>
+          <a:fillRef idx="1">
+            <a:schemeClr val="lt1"/>
+          </a:fillRef>
+          <a:effectRef idx="0">
+            <a:schemeClr val="dk1"/>
+          </a:effectRef>
+          <a:fontRef idx="minor">
+            <a:schemeClr val="dk1"/>
+          </a:fontRef>
+        </p:style>
+      </p:pic>
+    </p:spTree>
+    <p:custDataLst>
+      <p:tags r:id="rId1"/>
+    </p:custDataLst>
+    <p:extLst>
+      <p:ext uri="{BB962C8B-B14F-4D97-AF65-F5344CB8AC3E}">
+        <p14:creationId xmlns:p14="http://schemas.microsoft.com/office/powerpoint/2010/main" val="3225257146"/>
+      </p:ext>
+    </p:extLst>
+  </p:cSld>
+  <p:clrMapOvr>
+    <a:masterClrMapping/>
+  </p:clrMapOvr>
+</p:sld>
+</file>
+
+<file path=ppt/slides/slide15.xml><?xml version="1.0" encoding="utf-8"?>
+<p:sld xmlns:a="http://schemas.openxmlformats.org/drawingml/2006/main" xmlns:r="http://schemas.openxmlformats.org/officeDocument/2006/relationships" xmlns:p="http://schemas.openxmlformats.org/presentationml/2006/main">
+  <p:cSld>
+    <p:bg>
+      <p:bgPr>
+        <a:solidFill>
+          <a:schemeClr val="bg1">
+            <a:lumMod val="85000"/>
+          </a:schemeClr>
+        </a:solidFill>
+        <a:effectLst/>
+      </p:bgPr>
+    </p:bg>
+    <p:spTree>
+      <p:nvGrpSpPr>
+        <p:cNvPr id="1" name=""/>
+        <p:cNvGrpSpPr/>
+        <p:nvPr/>
+      </p:nvGrpSpPr>
+      <p:grpSpPr>
+        <a:xfrm>
+          <a:off x="0" y="0"/>
+          <a:ext cx="0" cy="0"/>
+          <a:chOff x="0" y="0"/>
+          <a:chExt cx="0" cy="0"/>
+        </a:xfrm>
+      </p:grpSpPr>
+      <p:sp>
+        <p:nvSpPr>
+          <p:cNvPr id="15" name="Rectangle 12">
+            <a:extLst>
+              <a:ext uri="{FF2B5EF4-FFF2-40B4-BE49-F238E27FC236}">
+                <a16:creationId xmlns:a16="http://schemas.microsoft.com/office/drawing/2014/main" id="{867D4867-5BA7-4462-B2F6-A23F4A622AA7}"/>
+              </a:ext>
+              <a:ext uri="{C183D7F6-B498-43B3-948B-1728B52AA6E4}">
+                <adec:decorative xmlns:adec="http://schemas.microsoft.com/office/drawing/2017/decorative" val="1"/>
+              </a:ext>
+            </a:extLst>
+          </p:cNvPr>
+          <p:cNvSpPr>
+            <a:spLocks noGrp="1" noRot="1" noChangeAspect="1" noMove="1" noResize="1" noEditPoints="1" noAdjustHandles="1" noChangeArrowheads="1" noChangeShapeType="1" noTextEdit="1"/>
+          </p:cNvSpPr>
+          <p:nvPr>
+            <p:extLst>
+              <p:ext uri="{386F3935-93C4-4BCD-93E2-E3B085C9AB24}">
+                <p16:designElem xmlns:p16="http://schemas.microsoft.com/office/powerpoint/2015/main" val="1"/>
+              </p:ext>
+            </p:extLst>
+          </p:nvPr>
+        </p:nvSpPr>
+        <p:spPr>
+          <a:xfrm>
+            <a:off x="0" y="0"/>
+            <a:ext cx="3490722" cy="6858000"/>
+          </a:xfrm>
+          <a:prstGeom prst="rect">
+            <a:avLst/>
+          </a:prstGeom>
+          <a:solidFill>
+            <a:schemeClr val="tx1">
+              <a:lumMod val="75000"/>
+              <a:lumOff val="25000"/>
+            </a:schemeClr>
+          </a:solidFill>
+          <a:ln>
+            <a:noFill/>
+          </a:ln>
+        </p:spPr>
+        <p:style>
+          <a:lnRef idx="0">
+            <a:scrgbClr r="0" g="0" b="0"/>
+          </a:lnRef>
+          <a:fillRef idx="0">
+            <a:scrgbClr r="0" g="0" b="0"/>
+          </a:fillRef>
+          <a:effectRef idx="0">
+            <a:scrgbClr r="0" g="0" b="0"/>
+          </a:effectRef>
+          <a:fontRef idx="minor">
+            <a:schemeClr val="lt1"/>
+          </a:fontRef>
+        </p:style>
+        <p:txBody>
+          <a:bodyPr rtlCol="0" anchor="ctr"/>
+          <a:lstStyle/>
+          <a:p>
+            <a:pPr marL="0" marR="0" lvl="0" indent="0" algn="ctr" defTabSz="457200" rtl="0" eaLnBrk="1" fontAlgn="base" latinLnBrk="0" hangingPunct="1">
+              <a:lnSpc>
+                <a:spcPct val="100000"/>
+              </a:lnSpc>
+              <a:spcBef>
+                <a:spcPct val="0"/>
+              </a:spcBef>
+              <a:spcAft>
+                <a:spcPct val="0"/>
+              </a:spcAft>
+              <a:buClrTx/>
+              <a:buSzTx/>
+              <a:buFontTx/>
+              <a:buNone/>
+              <a:tabLst/>
+              <a:defRPr/>
+            </a:pPr>
+            <a:endParaRPr kumimoji="0" lang="en-US" sz="2400" b="0" i="0" u="none" strike="noStrike" kern="1200" cap="none" spc="0" normalizeH="0" baseline="0" noProof="0">
+              <a:ln>
+                <a:noFill/>
+              </a:ln>
+              <a:solidFill>
+                <a:prstClr val="white"/>
+              </a:solidFill>
+              <a:effectLst/>
+              <a:uLnTx/>
+              <a:uFillTx/>
+              <a:latin typeface="Calibri"/>
+              <a:ea typeface="+mn-ea"/>
+              <a:cs typeface="+mn-cs"/>
+            </a:endParaRPr>
+          </a:p>
+        </p:txBody>
+      </p:sp>
+      <p:sp>
+        <p:nvSpPr>
+          <p:cNvPr id="2" name="Title 1"/>
+          <p:cNvSpPr>
+            <a:spLocks noGrp="1"/>
+          </p:cNvSpPr>
+          <p:nvPr>
+            <p:ph type="title"/>
+          </p:nvPr>
+        </p:nvSpPr>
+        <p:spPr>
+          <a:xfrm>
+            <a:off x="482600" y="643467"/>
+            <a:ext cx="2522980" cy="1597315"/>
+          </a:xfrm>
+          <a:noFill/>
+          <a:ln w="19050">
+            <a:solidFill>
+              <a:schemeClr val="bg1"/>
+            </a:solidFill>
+          </a:ln>
+        </p:spPr>
+        <p:txBody>
+          <a:bodyPr vert="horz" wrap="square" lIns="91440" tIns="45720" rIns="91440" bIns="45720" rtlCol="0" anchor="ctr">
+            <a:normAutofit/>
+          </a:bodyPr>
+          <a:lstStyle/>
+          <a:p>
+            <a:pPr defTabSz="914400" eaLnBrk="1" hangingPunct="1">
+              <a:lnSpc>
+                <a:spcPct val="90000"/>
+              </a:lnSpc>
+            </a:pPr>
+            <a:r>
+              <a:rPr lang="en-US" sz="2400" dirty="0">
+                <a:solidFill>
+                  <a:schemeClr val="bg1"/>
+                </a:solidFill>
+              </a:rPr>
+              <a:t>Part 2: </a:t>
+            </a:r>
+            <a:br>
+              <a:rPr lang="en-US" sz="2400" dirty="0">
+                <a:solidFill>
+                  <a:schemeClr val="bg1"/>
+                </a:solidFill>
+              </a:rPr>
+            </a:br>
+            <a:r>
+              <a:rPr lang="en-US" sz="2400" dirty="0">
+                <a:solidFill>
+                  <a:schemeClr val="bg1"/>
+                </a:solidFill>
+              </a:rPr>
+              <a:t>K-Fold CV</a:t>
+            </a:r>
+            <a:endParaRPr lang="en-US" sz="2400" kern="1200" dirty="0">
+              <a:solidFill>
+                <a:schemeClr val="bg1"/>
+              </a:solidFill>
+              <a:latin typeface="+mj-lt"/>
+              <a:ea typeface="+mj-ea"/>
+              <a:cs typeface="+mj-cs"/>
+            </a:endParaRPr>
+          </a:p>
+        </p:txBody>
+      </p:sp>
+      <p:pic>
+        <p:nvPicPr>
+          <p:cNvPr id="8" name="Picture 7">
+            <a:extLst>
+              <a:ext uri="{FF2B5EF4-FFF2-40B4-BE49-F238E27FC236}">
+                <a16:creationId xmlns:a16="http://schemas.microsoft.com/office/drawing/2014/main" id="{521D4292-9ECC-4DA5-8CC0-C561A0DA118E}"/>
+              </a:ext>
+            </a:extLst>
+          </p:cNvPr>
+          <p:cNvPicPr>
+            <a:picLocks noChangeAspect="1"/>
+          </p:cNvPicPr>
+          <p:nvPr/>
+        </p:nvPicPr>
+        <p:blipFill rotWithShape="1">
+          <a:blip r:embed="rId3"/>
+          <a:srcRect l="8000" r="9400"/>
+          <a:stretch/>
+        </p:blipFill>
+        <p:spPr>
+          <a:xfrm>
+            <a:off x="660103" y="3048000"/>
+            <a:ext cx="2167974" cy="2624666"/>
+          </a:xfrm>
+          <a:prstGeom prst="rect">
+            <a:avLst/>
+          </a:prstGeom>
+          <a:noFill/>
+        </p:spPr>
+      </p:pic>
+      <p:sp>
+        <p:nvSpPr>
+          <p:cNvPr id="7" name="TextBox 6">
+            <a:extLst>
+              <a:ext uri="{FF2B5EF4-FFF2-40B4-BE49-F238E27FC236}">
+                <a16:creationId xmlns:a16="http://schemas.microsoft.com/office/drawing/2014/main" id="{DAB48721-5D4E-487F-AAC4-A832B27B1A65}"/>
+              </a:ext>
+            </a:extLst>
+          </p:cNvPr>
+          <p:cNvSpPr txBox="1"/>
+          <p:nvPr/>
+        </p:nvSpPr>
+        <p:spPr>
+          <a:xfrm>
+            <a:off x="3795366" y="643467"/>
+            <a:ext cx="5334000" cy="4154984"/>
+          </a:xfrm>
+          <a:prstGeom prst="rect">
+            <a:avLst/>
+          </a:prstGeom>
+          <a:noFill/>
+        </p:spPr>
+        <p:txBody>
+          <a:bodyPr wrap="square" rtlCol="0">
+            <a:spAutoFit/>
+          </a:bodyPr>
+          <a:lstStyle/>
+          <a:p>
+            <a:pPr marL="342900" indent="-342900">
+              <a:buFont typeface="Arial" panose="020B0604020202020204" pitchFamily="34" charset="0"/>
+              <a:buChar char="•"/>
+              <a:defRPr/>
+            </a:pPr>
+            <a:r>
+              <a:rPr lang="en-US" dirty="0">
+                <a:solidFill>
+                  <a:srgbClr val="404040"/>
+                </a:solidFill>
+              </a:rPr>
+              <a:t>General Polynomial Model</a:t>
+            </a:r>
+          </a:p>
+          <a:p>
+            <a:pPr>
+              <a:defRPr/>
+            </a:pPr>
+            <a:endParaRPr lang="en-US" dirty="0">
+              <a:solidFill>
+                <a:srgbClr val="404040"/>
+              </a:solidFill>
+            </a:endParaRPr>
+          </a:p>
+          <a:p>
+            <a:pPr>
+              <a:defRPr/>
+            </a:pPr>
+            <a:endParaRPr lang="en-US" dirty="0">
+              <a:solidFill>
+                <a:srgbClr val="404040"/>
+              </a:solidFill>
+            </a:endParaRPr>
+          </a:p>
+          <a:p>
             <a:pPr marL="800100" lvl="1" indent="-342900">
               <a:buFont typeface="Arial" panose="020B0604020202020204" pitchFamily="34" charset="0"/>
               <a:buChar char="•"/>
               <a:defRPr/>
             </a:pPr>
-            <a:r>
-              <a:rPr lang="en-US" dirty="0">
-                <a:solidFill>
-                  <a:srgbClr val="404040"/>
-                </a:solidFill>
-              </a:rPr>
-              <a:t>We Want to Perform Cross-Validation to Select the Best </a:t>
-            </a:r>
-            <a:r>
-              <a:rPr lang="en-US" i="1" dirty="0">
-                <a:solidFill>
-                  <a:srgbClr val="404040"/>
-                </a:solidFill>
-              </a:rPr>
-              <a:t>p</a:t>
-            </a:r>
+            <a:endParaRPr lang="en-US" dirty="0">
+              <a:solidFill>
+                <a:srgbClr val="404040"/>
+              </a:solidFill>
+            </a:endParaRPr>
+          </a:p>
+          <a:p>
+            <a:pPr lvl="1">
+              <a:defRPr/>
+            </a:pPr>
+            <a:endParaRPr lang="en-US" dirty="0">
+              <a:solidFill>
+                <a:srgbClr val="404040"/>
+              </a:solidFill>
+            </a:endParaRPr>
           </a:p>
           <a:p>
             <a:pPr marL="800100" lvl="1" indent="-342900">
@@ -11226,7 +11184,7 @@
                   <a:srgbClr val="404040"/>
                 </a:solidFill>
               </a:rPr>
-              <a:t>For each </a:t>
+              <a:t>Perform K-Fold CV to Estimate Out-of-Sample RMSE for Choices of </a:t>
             </a:r>
             <a:r>
               <a:rPr lang="en-US" i="1" dirty="0">
@@ -11234,7 +11192,7 @@
                   <a:srgbClr val="404040"/>
                 </a:solidFill>
               </a:rPr>
-              <a:t>p </a:t>
+              <a:t>I=4 </a:t>
             </a:r>
             <a:r>
               <a:rPr lang="en-US" dirty="0">
@@ -11242,7 +11200,7 @@
                   <a:srgbClr val="404040"/>
                 </a:solidFill>
               </a:rPr>
-              <a:t>in 1,2,…,</a:t>
+              <a:t>and </a:t>
             </a:r>
             <a:r>
               <a:rPr lang="en-US" i="1" dirty="0">
@@ -11250,16 +11208,18 @@
                   <a:srgbClr val="404040"/>
                 </a:solidFill>
               </a:rPr>
-              <a:t>P, </a:t>
-            </a:r>
-            <a:r>
-              <a:rPr lang="en-US" dirty="0">
-                <a:solidFill>
-                  <a:srgbClr val="404040"/>
-                </a:solidFill>
-              </a:rPr>
-              <a:t>Perform K-Fold CV and Compute Cross-Validated RMSE</a:t>
-            </a:r>
+              <a:t>J=3</a:t>
+            </a:r>
+          </a:p>
+          <a:p>
+            <a:pPr lvl="1">
+              <a:defRPr/>
+            </a:pPr>
+            <a:endParaRPr lang="en-US" dirty="0">
+              <a:solidFill>
+                <a:srgbClr val="404040"/>
+              </a:solidFill>
+            </a:endParaRPr>
           </a:p>
           <a:p>
             <a:pPr marL="800100" lvl="1" indent="-342900">
@@ -11273,7 +11233,7 @@
                   <a:srgbClr val="404040"/>
                 </a:solidFill>
               </a:rPr>
-              <a:t>Best Choice of </a:t>
+              <a:t>Ultimate Goal is To Select Best  </a:t>
             </a:r>
             <a:r>
               <a:rPr lang="en-US" i="1" dirty="0">
@@ -11281,7 +11241,7 @@
                   <a:srgbClr val="404040"/>
                 </a:solidFill>
               </a:rPr>
-              <a:t>p</a:t>
+              <a:t>I</a:t>
             </a:r>
             <a:r>
               <a:rPr lang="en-US" dirty="0">
@@ -11289,13 +11249,26 @@
                   <a:srgbClr val="404040"/>
                 </a:solidFill>
               </a:rPr>
-              <a:t> Minimizes Out-of-Sample RMSE</a:t>
-            </a:r>
-          </a:p>
-        </p:txBody>
-      </p:sp>
-      <mc:AlternateContent xmlns:mc="http://schemas.openxmlformats.org/markup-compatibility/2006">
-        <mc:Choice xmlns:a14="http://schemas.microsoft.com/office/drawing/2010/main" Requires="a14">
+              <a:t> and </a:t>
+            </a:r>
+            <a:r>
+              <a:rPr lang="en-US" i="1" dirty="0">
+                <a:solidFill>
+                  <a:srgbClr val="404040"/>
+                </a:solidFill>
+              </a:rPr>
+              <a:t>J</a:t>
+            </a:r>
+            <a:endParaRPr lang="en-US" dirty="0">
+              <a:solidFill>
+                <a:srgbClr val="404040"/>
+              </a:solidFill>
+            </a:endParaRPr>
+          </a:p>
+        </p:txBody>
+      </p:sp>
+      <mc:AlternateContent xmlns:mc="http://schemas.openxmlformats.org/markup-compatibility/2006" xmlns:a14="http://schemas.microsoft.com/office/drawing/2010/main">
+        <mc:Choice Requires="a14">
           <p:sp>
             <p:nvSpPr>
               <p:cNvPr id="10" name="TextBox 9">
@@ -11310,8 +11283,8 @@
             </p:nvSpPr>
             <p:spPr>
               <a:xfrm>
-                <a:off x="3733800" y="1143000"/>
-                <a:ext cx="5334000" cy="497637"/>
+                <a:off x="3710082" y="1143000"/>
+                <a:ext cx="5334000" cy="1172629"/>
               </a:xfrm>
               <a:prstGeom prst="rect">
                 <a:avLst/>
@@ -11369,8 +11342,9 @@
                         </a:rPr>
                         <m:t>+</m:t>
                       </m:r>
-                      <m:sSub>
-                        <m:sSubPr>
+                      <m:nary>
+                        <m:naryPr>
+                          <m:chr m:val="∑"/>
                           <m:ctrlPr>
                             <a:rPr lang="en-US" b="0" i="1" smtClean="0">
                               <a:solidFill>
@@ -11379,18 +11353,7 @@
                               <a:latin typeface="Cambria Math" panose="02040503050406030204" pitchFamily="18" charset="0"/>
                             </a:rPr>
                           </m:ctrlPr>
-                        </m:sSubPr>
-                        <m:e>
-                          <m:r>
-                            <a:rPr lang="en-US" b="0" i="1" smtClean="0">
-                              <a:solidFill>
-                                <a:srgbClr val="404040"/>
-                              </a:solidFill>
-                              <a:latin typeface="Cambria Math" panose="02040503050406030204" pitchFamily="18" charset="0"/>
-                            </a:rPr>
-                            <m:t>𝑏</m:t>
-                          </m:r>
-                        </m:e>
+                        </m:naryPr>
                         <m:sub>
                           <m:r>
                             <a:rPr lang="en-US" b="0" i="1" smtClean="0">
@@ -11399,19 +11362,100 @@
                               </a:solidFill>
                               <a:latin typeface="Cambria Math" panose="02040503050406030204" pitchFamily="18" charset="0"/>
                             </a:rPr>
-                            <m:t>1</m:t>
+                            <m:t>𝑖</m:t>
+                          </m:r>
+                          <m:r>
+                            <a:rPr lang="en-US" b="0" i="1" smtClean="0">
+                              <a:solidFill>
+                                <a:srgbClr val="404040"/>
+                              </a:solidFill>
+                              <a:latin typeface="Cambria Math" panose="02040503050406030204" pitchFamily="18" charset="0"/>
+                            </a:rPr>
+                            <m:t>=1</m:t>
                           </m:r>
                         </m:sub>
-                      </m:sSub>
-                      <m:r>
-                        <a:rPr lang="en-US" b="0" i="1" smtClean="0">
-                          <a:solidFill>
-                            <a:srgbClr val="404040"/>
-                          </a:solidFill>
-                          <a:latin typeface="Cambria Math" panose="02040503050406030204" pitchFamily="18" charset="0"/>
-                        </a:rPr>
-                        <m:t>𝐴</m:t>
-                      </m:r>
+                        <m:sup>
+                          <m:r>
+                            <a:rPr lang="en-US" b="0" i="1" smtClean="0">
+                              <a:solidFill>
+                                <a:srgbClr val="404040"/>
+                              </a:solidFill>
+                              <a:latin typeface="Cambria Math" panose="02040503050406030204" pitchFamily="18" charset="0"/>
+                            </a:rPr>
+                            <m:t>𝐼</m:t>
+                          </m:r>
+                        </m:sup>
+                        <m:e>
+                          <m:sSub>
+                            <m:sSubPr>
+                              <m:ctrlPr>
+                                <a:rPr lang="en-US" i="1">
+                                  <a:solidFill>
+                                    <a:srgbClr val="404040"/>
+                                  </a:solidFill>
+                                  <a:latin typeface="Cambria Math" panose="02040503050406030204" pitchFamily="18" charset="0"/>
+                                </a:rPr>
+                              </m:ctrlPr>
+                            </m:sSubPr>
+                            <m:e>
+                              <m:r>
+                                <a:rPr lang="en-US" i="1">
+                                  <a:solidFill>
+                                    <a:srgbClr val="404040"/>
+                                  </a:solidFill>
+                                  <a:latin typeface="Cambria Math" panose="02040503050406030204" pitchFamily="18" charset="0"/>
+                                </a:rPr>
+                                <m:t>𝑏</m:t>
+                              </m:r>
+                            </m:e>
+                            <m:sub>
+                              <m:r>
+                                <a:rPr lang="en-US" b="0" i="1" smtClean="0">
+                                  <a:solidFill>
+                                    <a:srgbClr val="404040"/>
+                                  </a:solidFill>
+                                  <a:latin typeface="Cambria Math" panose="02040503050406030204" pitchFamily="18" charset="0"/>
+                                </a:rPr>
+                                <m:t>𝑖</m:t>
+                              </m:r>
+                            </m:sub>
+                          </m:sSub>
+                          <m:sSup>
+                            <m:sSupPr>
+                              <m:ctrlPr>
+                                <a:rPr lang="en-US" b="0" i="1" smtClean="0">
+                                  <a:solidFill>
+                                    <a:srgbClr val="404040"/>
+                                  </a:solidFill>
+                                  <a:latin typeface="Cambria Math" panose="02040503050406030204" pitchFamily="18" charset="0"/>
+                                </a:rPr>
+                              </m:ctrlPr>
+                            </m:sSupPr>
+                            <m:e>
+                              <m:r>
+                                <a:rPr lang="en-US" i="1">
+                                  <a:solidFill>
+                                    <a:srgbClr val="404040"/>
+                                  </a:solidFill>
+                                  <a:latin typeface="Cambria Math" panose="02040503050406030204" pitchFamily="18" charset="0"/>
+                                </a:rPr>
+                                <m:t>𝐴</m:t>
+                              </m:r>
+                            </m:e>
+                            <m:sup>
+                              <m:r>
+                                <a:rPr lang="en-US" b="0" i="1" smtClean="0">
+                                  <a:solidFill>
+                                    <a:srgbClr val="404040"/>
+                                  </a:solidFill>
+                                  <a:latin typeface="Cambria Math" panose="02040503050406030204" pitchFamily="18" charset="0"/>
+                                </a:rPr>
+                                <m:t>𝑖</m:t>
+                              </m:r>
+                            </m:sup>
+                          </m:sSup>
+                        </m:e>
+                      </m:nary>
                       <m:r>
                         <a:rPr lang="en-US" b="0" i="1" smtClean="0">
                           <a:solidFill>
@@ -11421,8 +11465,9 @@
                         </a:rPr>
                         <m:t>+</m:t>
                       </m:r>
-                      <m:sSub>
-                        <m:sSubPr>
+                      <m:nary>
+                        <m:naryPr>
+                          <m:chr m:val="∑"/>
                           <m:ctrlPr>
                             <a:rPr lang="en-US" i="1" smtClean="0">
                               <a:solidFill>
@@ -11431,18 +11476,7 @@
                               <a:latin typeface="Cambria Math" panose="02040503050406030204" pitchFamily="18" charset="0"/>
                             </a:rPr>
                           </m:ctrlPr>
-                        </m:sSubPr>
-                        <m:e>
-                          <m:r>
-                            <a:rPr lang="en-US" i="1">
-                              <a:solidFill>
-                                <a:srgbClr val="404040"/>
-                              </a:solidFill>
-                              <a:latin typeface="Cambria Math" panose="02040503050406030204" pitchFamily="18" charset="0"/>
-                            </a:rPr>
-                            <m:t>𝑏</m:t>
-                          </m:r>
-                        </m:e>
+                        </m:naryPr>
                         <m:sub>
                           <m:r>
                             <a:rPr lang="en-US" b="0" i="1" smtClean="0">
@@ -11451,32 +11485,18 @@
                               </a:solidFill>
                               <a:latin typeface="Cambria Math" panose="02040503050406030204" pitchFamily="18" charset="0"/>
                             </a:rPr>
-                            <m:t>2</m:t>
+                            <m:t>𝑗</m:t>
                           </m:r>
-                        </m:sub>
-                      </m:sSub>
-                      <m:sSup>
-                        <m:sSupPr>
-                          <m:ctrlPr>
+                          <m:r>
                             <a:rPr lang="en-US" b="0" i="1" smtClean="0">
                               <a:solidFill>
                                 <a:srgbClr val="404040"/>
                               </a:solidFill>
                               <a:latin typeface="Cambria Math" panose="02040503050406030204" pitchFamily="18" charset="0"/>
                             </a:rPr>
-                          </m:ctrlPr>
-                        </m:sSupPr>
-                        <m:e>
-                          <m:r>
-                            <a:rPr lang="en-US" i="1">
-                              <a:solidFill>
-                                <a:srgbClr val="404040"/>
-                              </a:solidFill>
-                              <a:latin typeface="Cambria Math" panose="02040503050406030204" pitchFamily="18" charset="0"/>
-                            </a:rPr>
-                            <m:t>𝐴</m:t>
+                            <m:t>=1</m:t>
                           </m:r>
-                        </m:e>
+                        </m:sub>
                         <m:sup>
                           <m:r>
                             <a:rPr lang="en-US" b="0" i="1" smtClean="0">
@@ -11485,87 +11505,80 @@
                               </a:solidFill>
                               <a:latin typeface="Cambria Math" panose="02040503050406030204" pitchFamily="18" charset="0"/>
                             </a:rPr>
-                            <m:t>2</m:t>
+                            <m:t>𝐽</m:t>
                           </m:r>
                         </m:sup>
-                      </m:sSup>
-                      <m:r>
-                        <a:rPr lang="en-US" b="0" i="1" smtClean="0">
-                          <a:solidFill>
-                            <a:srgbClr val="404040"/>
-                          </a:solidFill>
-                          <a:latin typeface="Cambria Math" panose="02040503050406030204" pitchFamily="18" charset="0"/>
-                        </a:rPr>
-                        <m:t>+…+</m:t>
-                      </m:r>
-                      <m:sSub>
-                        <m:sSubPr>
-                          <m:ctrlPr>
-                            <a:rPr lang="en-US" i="1">
-                              <a:solidFill>
-                                <a:srgbClr val="404040"/>
-                              </a:solidFill>
-                              <a:latin typeface="Cambria Math" panose="02040503050406030204" pitchFamily="18" charset="0"/>
-                            </a:rPr>
-                          </m:ctrlPr>
-                        </m:sSubPr>
                         <m:e>
-                          <m:r>
-                            <a:rPr lang="en-US" i="1">
-                              <a:solidFill>
-                                <a:srgbClr val="404040"/>
-                              </a:solidFill>
-                              <a:latin typeface="Cambria Math" panose="02040503050406030204" pitchFamily="18" charset="0"/>
-                            </a:rPr>
-                            <m:t>𝑏</m:t>
-                          </m:r>
+                          <m:sSub>
+                            <m:sSubPr>
+                              <m:ctrlPr>
+                                <a:rPr lang="en-US" i="1">
+                                  <a:solidFill>
+                                    <a:srgbClr val="404040"/>
+                                  </a:solidFill>
+                                  <a:latin typeface="Cambria Math" panose="02040503050406030204" pitchFamily="18" charset="0"/>
+                                </a:rPr>
+                              </m:ctrlPr>
+                            </m:sSubPr>
+                            <m:e>
+                              <m:r>
+                                <a:rPr lang="en-US" b="0" i="1" smtClean="0">
+                                  <a:solidFill>
+                                    <a:srgbClr val="404040"/>
+                                  </a:solidFill>
+                                  <a:latin typeface="Cambria Math" panose="02040503050406030204" pitchFamily="18" charset="0"/>
+                                </a:rPr>
+                                <m:t>𝑐</m:t>
+                              </m:r>
+                            </m:e>
+                            <m:sub>
+                              <m:r>
+                                <a:rPr lang="en-US" b="0" i="1" smtClean="0">
+                                  <a:solidFill>
+                                    <a:srgbClr val="404040"/>
+                                  </a:solidFill>
+                                  <a:latin typeface="Cambria Math" panose="02040503050406030204" pitchFamily="18" charset="0"/>
+                                </a:rPr>
+                                <m:t>𝑗</m:t>
+                              </m:r>
+                            </m:sub>
+                          </m:sSub>
+                          <m:sSup>
+                            <m:sSupPr>
+                              <m:ctrlPr>
+                                <a:rPr lang="en-US" i="1">
+                                  <a:solidFill>
+                                    <a:srgbClr val="404040"/>
+                                  </a:solidFill>
+                                  <a:latin typeface="Cambria Math" panose="02040503050406030204" pitchFamily="18" charset="0"/>
+                                </a:rPr>
+                              </m:ctrlPr>
+                            </m:sSupPr>
+                            <m:e>
+                              <m:r>
+                                <a:rPr lang="en-US" b="0" i="1" smtClean="0">
+                                  <a:solidFill>
+                                    <a:srgbClr val="404040"/>
+                                  </a:solidFill>
+                                  <a:latin typeface="Cambria Math" panose="02040503050406030204" pitchFamily="18" charset="0"/>
+                                </a:rPr>
+                                <m:t>𝐷</m:t>
+                              </m:r>
+                            </m:e>
+                            <m:sup>
+                              <m:r>
+                                <a:rPr lang="en-US" b="0" i="1" smtClean="0">
+                                  <a:solidFill>
+                                    <a:srgbClr val="404040"/>
+                                  </a:solidFill>
+                                  <a:latin typeface="Cambria Math" panose="02040503050406030204" pitchFamily="18" charset="0"/>
+                                </a:rPr>
+                                <m:t>𝑗</m:t>
+                              </m:r>
+                            </m:sup>
+                          </m:sSup>
                         </m:e>
-                        <m:sub>
-                          <m:r>
-                            <a:rPr lang="en-US" b="0" i="1" smtClean="0">
-                              <a:solidFill>
-                                <a:srgbClr val="404040"/>
-                              </a:solidFill>
-                              <a:latin typeface="Cambria Math" panose="02040503050406030204" pitchFamily="18" charset="0"/>
-                            </a:rPr>
-                            <m:t>𝑝</m:t>
-                          </m:r>
-                        </m:sub>
-                      </m:sSub>
-                      <m:sSup>
-                        <m:sSupPr>
-                          <m:ctrlPr>
-                            <a:rPr lang="en-US" i="1">
-                              <a:solidFill>
-                                <a:srgbClr val="404040"/>
-                              </a:solidFill>
-                              <a:latin typeface="Cambria Math" panose="02040503050406030204" pitchFamily="18" charset="0"/>
-                            </a:rPr>
-                          </m:ctrlPr>
-                        </m:sSupPr>
-                        <m:e>
-                          <m:r>
-                            <a:rPr lang="en-US" i="1">
-                              <a:solidFill>
-                                <a:srgbClr val="404040"/>
-                              </a:solidFill>
-                              <a:latin typeface="Cambria Math" panose="02040503050406030204" pitchFamily="18" charset="0"/>
-                            </a:rPr>
-                            <m:t>𝐴</m:t>
-                          </m:r>
-                        </m:e>
-                        <m:sup>
-                          <m:r>
-                            <a:rPr lang="en-US" b="0" i="1" smtClean="0">
-                              <a:solidFill>
-                                <a:srgbClr val="404040"/>
-                              </a:solidFill>
-                              <a:latin typeface="Cambria Math" panose="02040503050406030204" pitchFamily="18" charset="0"/>
-                            </a:rPr>
-                            <m:t>𝑝</m:t>
-                          </m:r>
-                        </m:sup>
-                      </m:sSup>
+                      </m:nary>
                       <m:r>
                         <a:rPr lang="en-US" b="0" i="1" smtClean="0">
                           <a:solidFill>
@@ -11597,7 +11610,7 @@
             </p:txBody>
           </p:sp>
         </mc:Choice>
-        <mc:Fallback>
+        <mc:Fallback xmlns="">
           <p:sp>
             <p:nvSpPr>
               <p:cNvPr id="10" name="TextBox 9">
@@ -11614,8 +11627,8 @@
             </p:nvSpPr>
             <p:spPr>
               <a:xfrm>
-                <a:off x="3733800" y="1143000"/>
-                <a:ext cx="5334000" cy="497637"/>
+                <a:off x="3710082" y="1143000"/>
+                <a:ext cx="5334000" cy="1172629"/>
               </a:xfrm>
               <a:prstGeom prst="rect">
                 <a:avLst/>
@@ -11623,7 +11636,7 @@
               <a:blipFill>
                 <a:blip r:embed="rId4"/>
                 <a:stretch>
-                  <a:fillRect b="-6173"/>
+                  <a:fillRect/>
                 </a:stretch>
               </a:blipFill>
             </p:spPr>
@@ -11648,7 +11661,7 @@
     </p:custDataLst>
     <p:extLst>
       <p:ext uri="{BB962C8B-B14F-4D97-AF65-F5344CB8AC3E}">
-        <p14:creationId xmlns:p14="http://schemas.microsoft.com/office/powerpoint/2010/main" val="3225257146"/>
+        <p14:creationId xmlns:p14="http://schemas.microsoft.com/office/powerpoint/2010/main" val="2571195742"/>
       </p:ext>
     </p:extLst>
   </p:cSld>
@@ -11816,18 +11829,14 @@
                 <a:solidFill>
                   <a:schemeClr val="bg1"/>
                 </a:solidFill>
-                <a:ea typeface="+mj-ea"/>
-                <a:cs typeface="+mj-cs"/>
-              </a:rPr>
-              <a:t>Part 1: </a:t>
+              </a:rPr>
+              <a:t>Part 2: </a:t>
             </a:r>
             <a:br>
               <a:rPr lang="en-US" sz="2400" dirty="0">
                 <a:solidFill>
                   <a:schemeClr val="bg1"/>
                 </a:solidFill>
-                <a:ea typeface="+mj-ea"/>
-                <a:cs typeface="+mj-cs"/>
               </a:rPr>
             </a:br>
             <a:r>
@@ -11835,8 +11844,6 @@
                 <a:solidFill>
                   <a:schemeClr val="bg1"/>
                 </a:solidFill>
-                <a:ea typeface="+mj-ea"/>
-                <a:cs typeface="+mj-cs"/>
               </a:rPr>
               <a:t>K-Fold CV</a:t>
             </a:r>
@@ -11895,8 +11902,8 @@
         </p:nvSpPr>
         <p:spPr>
           <a:xfrm>
-            <a:off x="3810000" y="645990"/>
-            <a:ext cx="5334000" cy="3785652"/>
+            <a:off x="3795366" y="643467"/>
+            <a:ext cx="5334000" cy="2677656"/>
           </a:xfrm>
           <a:prstGeom prst="rect">
             <a:avLst/>
@@ -11920,11 +11927,13 @@
                   <a:srgbClr val="404040"/>
                 </a:solidFill>
               </a:rPr>
-              <a:t>Recall: Polynomial Model</a:t>
-            </a:r>
-          </a:p>
-          <a:p>
-            <a:pPr>
+              <a:t>Run Chunk 2</a:t>
+            </a:r>
+          </a:p>
+          <a:p>
+            <a:pPr marL="342900" indent="-342900">
+              <a:buFont typeface="Arial" panose="020B0604020202020204" pitchFamily="34" charset="0"/>
+              <a:buChar char="•"/>
               <a:defRPr/>
             </a:pPr>
             <a:endParaRPr lang="en-US" dirty="0">
@@ -11934,9 +11943,43 @@
             </a:endParaRPr>
           </a:p>
           <a:p>
-            <a:pPr>
-              <a:defRPr/>
-            </a:pPr>
+            <a:pPr marL="800100" lvl="1" indent="-342900">
+              <a:buFont typeface="Arial" panose="020B0604020202020204" pitchFamily="34" charset="0"/>
+              <a:buChar char="•"/>
+              <a:defRPr/>
+            </a:pPr>
+            <a:r>
+              <a:rPr lang="en-US" dirty="0">
+                <a:solidFill>
+                  <a:srgbClr val="404040"/>
+                </a:solidFill>
+              </a:rPr>
+              <a:t>Fit Model with </a:t>
+            </a:r>
+            <a:r>
+              <a:rPr lang="en-US" i="1" dirty="0">
+                <a:solidFill>
+                  <a:srgbClr val="404040"/>
+                </a:solidFill>
+              </a:rPr>
+              <a:t>I=4</a:t>
+            </a:r>
+            <a:r>
+              <a:rPr lang="en-US" dirty="0">
+                <a:solidFill>
+                  <a:srgbClr val="404040"/>
+                </a:solidFill>
+              </a:rPr>
+              <a:t> and </a:t>
+            </a:r>
+            <a:r>
+              <a:rPr lang="en-US" i="1" dirty="0">
+                <a:solidFill>
+                  <a:srgbClr val="404040"/>
+                </a:solidFill>
+              </a:rPr>
+              <a:t>J=3</a:t>
+            </a:r>
             <a:endParaRPr lang="en-US" dirty="0">
               <a:solidFill>
                 <a:srgbClr val="404040"/>
@@ -11955,15 +11998,37 @@
                   <a:srgbClr val="404040"/>
                 </a:solidFill>
               </a:rPr>
-              <a:t>We Want to Perform Cross-Validation to Select the Best </a:t>
-            </a:r>
-            <a:r>
-              <a:rPr lang="en-US" i="1" dirty="0">
+              <a:t>Functions from broom Package</a:t>
+            </a:r>
+          </a:p>
+          <a:p>
+            <a:pPr marL="1257300" lvl="2" indent="-342900">
+              <a:buFont typeface="Arial" panose="020B0604020202020204" pitchFamily="34" charset="0"/>
+              <a:buChar char="•"/>
+              <a:defRPr/>
+            </a:pPr>
+            <a:r>
+              <a:rPr lang="en-US" dirty="0">
                 <a:solidFill>
                   <a:srgbClr val="404040"/>
                 </a:solidFill>
               </a:rPr>
-              <a:t>p</a:t>
+              <a:t>tidy()</a:t>
+            </a:r>
+          </a:p>
+          <a:p>
+            <a:pPr marL="1257300" lvl="2" indent="-342900">
+              <a:buFont typeface="Arial" panose="020B0604020202020204" pitchFamily="34" charset="0"/>
+              <a:buChar char="•"/>
+              <a:defRPr/>
+            </a:pPr>
+            <a:r>
+              <a:rPr lang="en-US" dirty="0">
+                <a:solidFill>
+                  <a:srgbClr val="404040"/>
+                </a:solidFill>
+              </a:rPr>
+              <a:t>glance()</a:t>
             </a:r>
           </a:p>
           <a:p>
@@ -11978,429 +12043,116 @@
                   <a:srgbClr val="404040"/>
                 </a:solidFill>
               </a:rPr>
-              <a:t>For each </a:t>
-            </a:r>
-            <a:r>
-              <a:rPr lang="en-US" i="1" dirty="0">
-                <a:solidFill>
-                  <a:srgbClr val="404040"/>
-                </a:solidFill>
-              </a:rPr>
-              <a:t>p </a:t>
-            </a:r>
-            <a:r>
-              <a:rPr lang="en-US" dirty="0">
-                <a:solidFill>
-                  <a:srgbClr val="404040"/>
-                </a:solidFill>
-              </a:rPr>
-              <a:t>in 1,2,…,</a:t>
-            </a:r>
-            <a:r>
-              <a:rPr lang="en-US" i="1" dirty="0">
-                <a:solidFill>
-                  <a:srgbClr val="404040"/>
-                </a:solidFill>
-              </a:rPr>
-              <a:t>P, </a:t>
-            </a:r>
-            <a:r>
-              <a:rPr lang="en-US" dirty="0">
-                <a:solidFill>
-                  <a:srgbClr val="404040"/>
-                </a:solidFill>
-              </a:rPr>
-              <a:t>Perform K-Fold CV and Compute Cross-Validated RMSE</a:t>
-            </a:r>
-          </a:p>
-          <a:p>
-            <a:pPr marL="800100" lvl="1" indent="-342900">
-              <a:buFont typeface="Arial" panose="020B0604020202020204" pitchFamily="34" charset="0"/>
-              <a:buChar char="•"/>
-              <a:defRPr/>
-            </a:pPr>
-            <a:r>
-              <a:rPr lang="en-US" dirty="0">
-                <a:solidFill>
-                  <a:srgbClr val="404040"/>
-                </a:solidFill>
-              </a:rPr>
-              <a:t>Best Choice of </a:t>
-            </a:r>
-            <a:r>
-              <a:rPr lang="en-US" i="1" dirty="0">
-                <a:solidFill>
-                  <a:srgbClr val="404040"/>
-                </a:solidFill>
-              </a:rPr>
-              <a:t>p</a:t>
-            </a:r>
-            <a:r>
-              <a:rPr lang="en-US" dirty="0">
-                <a:solidFill>
-                  <a:srgbClr val="404040"/>
-                </a:solidFill>
-              </a:rPr>
-              <a:t> Minimizes Out-of-Sample RMSE</a:t>
-            </a:r>
-          </a:p>
-        </p:txBody>
-      </p:sp>
-      <mc:AlternateContent xmlns:mc="http://schemas.openxmlformats.org/markup-compatibility/2006">
-        <mc:Choice xmlns:a14="http://schemas.microsoft.com/office/drawing/2010/main" Requires="a14">
-          <p:sp>
-            <p:nvSpPr>
-              <p:cNvPr id="10" name="TextBox 9">
-                <a:extLst>
-                  <a:ext uri="{FF2B5EF4-FFF2-40B4-BE49-F238E27FC236}">
-                    <a16:creationId xmlns:a16="http://schemas.microsoft.com/office/drawing/2014/main" id="{D29A1949-178D-4AFF-8F67-BA15956AD7E0}"/>
-                  </a:ext>
-                </a:extLst>
-              </p:cNvPr>
-              <p:cNvSpPr txBox="1"/>
-              <p:nvPr/>
-            </p:nvSpPr>
-            <p:spPr>
-              <a:xfrm>
-                <a:off x="3733800" y="1143000"/>
-                <a:ext cx="5334000" cy="497637"/>
-              </a:xfrm>
-              <a:prstGeom prst="rect">
-                <a:avLst/>
-              </a:prstGeom>
-              <a:noFill/>
-            </p:spPr>
-            <p:txBody>
-              <a:bodyPr wrap="square" rtlCol="0">
-                <a:spAutoFit/>
-              </a:bodyPr>
-              <a:lstStyle/>
-              <a:p>
-                <a:pPr>
-                  <a:defRPr/>
-                </a:pPr>
-                <a14:m>
-                  <m:oMathPara xmlns:m="http://schemas.openxmlformats.org/officeDocument/2006/math">
-                    <m:oMathParaPr>
-                      <m:jc m:val="centerGroup"/>
-                    </m:oMathParaPr>
-                    <m:oMath xmlns:m="http://schemas.openxmlformats.org/officeDocument/2006/math">
-                      <m:r>
-                        <a:rPr lang="en-US" b="0" i="1" smtClean="0">
-                          <a:solidFill>
-                            <a:srgbClr val="404040"/>
-                          </a:solidFill>
-                          <a:latin typeface="Cambria Math" panose="02040503050406030204" pitchFamily="18" charset="0"/>
-                        </a:rPr>
-                        <m:t>𝑊</m:t>
-                      </m:r>
-                      <m:r>
-                        <a:rPr lang="en-US" b="0" i="1" smtClean="0">
-                          <a:solidFill>
-                            <a:srgbClr val="404040"/>
-                          </a:solidFill>
-                          <a:latin typeface="Cambria Math" panose="02040503050406030204" pitchFamily="18" charset="0"/>
-                        </a:rPr>
-                        <m:t>=</m:t>
-                      </m:r>
-                      <m:r>
-                        <a:rPr lang="en-US" b="0" i="1" smtClean="0">
-                          <a:solidFill>
-                            <a:srgbClr val="404040"/>
-                          </a:solidFill>
-                          <a:latin typeface="Cambria Math" panose="02040503050406030204" pitchFamily="18" charset="0"/>
-                        </a:rPr>
-                        <m:t>𝑎</m:t>
-                      </m:r>
-                      <m:r>
-                        <a:rPr lang="en-US" b="0" i="1" smtClean="0">
-                          <a:solidFill>
-                            <a:srgbClr val="404040"/>
-                          </a:solidFill>
-                          <a:latin typeface="Cambria Math" panose="02040503050406030204" pitchFamily="18" charset="0"/>
-                        </a:rPr>
-                        <m:t>+</m:t>
-                      </m:r>
-                      <m:sSub>
-                        <m:sSubPr>
-                          <m:ctrlPr>
-                            <a:rPr lang="en-US" b="0" i="1" smtClean="0">
-                              <a:solidFill>
-                                <a:srgbClr val="404040"/>
-                              </a:solidFill>
-                              <a:latin typeface="Cambria Math" panose="02040503050406030204" pitchFamily="18" charset="0"/>
-                            </a:rPr>
-                          </m:ctrlPr>
-                        </m:sSubPr>
-                        <m:e>
-                          <m:r>
-                            <a:rPr lang="en-US" b="0" i="1" smtClean="0">
-                              <a:solidFill>
-                                <a:srgbClr val="404040"/>
-                              </a:solidFill>
-                              <a:latin typeface="Cambria Math" panose="02040503050406030204" pitchFamily="18" charset="0"/>
-                            </a:rPr>
-                            <m:t>𝑏</m:t>
-                          </m:r>
-                        </m:e>
-                        <m:sub>
-                          <m:r>
-                            <a:rPr lang="en-US" b="0" i="1" smtClean="0">
-                              <a:solidFill>
-                                <a:srgbClr val="404040"/>
-                              </a:solidFill>
-                              <a:latin typeface="Cambria Math" panose="02040503050406030204" pitchFamily="18" charset="0"/>
-                            </a:rPr>
-                            <m:t>1</m:t>
-                          </m:r>
-                        </m:sub>
-                      </m:sSub>
-                      <m:r>
-                        <a:rPr lang="en-US" b="0" i="1" smtClean="0">
-                          <a:solidFill>
-                            <a:srgbClr val="404040"/>
-                          </a:solidFill>
-                          <a:latin typeface="Cambria Math" panose="02040503050406030204" pitchFamily="18" charset="0"/>
-                        </a:rPr>
-                        <m:t>𝐴</m:t>
-                      </m:r>
-                      <m:r>
-                        <a:rPr lang="en-US" b="0" i="1" smtClean="0">
-                          <a:solidFill>
-                            <a:srgbClr val="404040"/>
-                          </a:solidFill>
-                          <a:latin typeface="Cambria Math" panose="02040503050406030204" pitchFamily="18" charset="0"/>
-                        </a:rPr>
-                        <m:t>+</m:t>
-                      </m:r>
-                      <m:sSub>
-                        <m:sSubPr>
-                          <m:ctrlPr>
-                            <a:rPr lang="en-US" i="1" smtClean="0">
-                              <a:solidFill>
-                                <a:srgbClr val="404040"/>
-                              </a:solidFill>
-                              <a:latin typeface="Cambria Math" panose="02040503050406030204" pitchFamily="18" charset="0"/>
-                            </a:rPr>
-                          </m:ctrlPr>
-                        </m:sSubPr>
-                        <m:e>
-                          <m:r>
-                            <a:rPr lang="en-US" i="1">
-                              <a:solidFill>
-                                <a:srgbClr val="404040"/>
-                              </a:solidFill>
-                              <a:latin typeface="Cambria Math" panose="02040503050406030204" pitchFamily="18" charset="0"/>
-                            </a:rPr>
-                            <m:t>𝑏</m:t>
-                          </m:r>
-                        </m:e>
-                        <m:sub>
-                          <m:r>
-                            <a:rPr lang="en-US" b="0" i="1" smtClean="0">
-                              <a:solidFill>
-                                <a:srgbClr val="404040"/>
-                              </a:solidFill>
-                              <a:latin typeface="Cambria Math" panose="02040503050406030204" pitchFamily="18" charset="0"/>
-                            </a:rPr>
-                            <m:t>2</m:t>
-                          </m:r>
-                        </m:sub>
-                      </m:sSub>
-                      <m:sSup>
-                        <m:sSupPr>
-                          <m:ctrlPr>
-                            <a:rPr lang="en-US" b="0" i="1" smtClean="0">
-                              <a:solidFill>
-                                <a:srgbClr val="404040"/>
-                              </a:solidFill>
-                              <a:latin typeface="Cambria Math" panose="02040503050406030204" pitchFamily="18" charset="0"/>
-                            </a:rPr>
-                          </m:ctrlPr>
-                        </m:sSupPr>
-                        <m:e>
-                          <m:r>
-                            <a:rPr lang="en-US" i="1">
-                              <a:solidFill>
-                                <a:srgbClr val="404040"/>
-                              </a:solidFill>
-                              <a:latin typeface="Cambria Math" panose="02040503050406030204" pitchFamily="18" charset="0"/>
-                            </a:rPr>
-                            <m:t>𝐴</m:t>
-                          </m:r>
-                        </m:e>
-                        <m:sup>
-                          <m:r>
-                            <a:rPr lang="en-US" b="0" i="1" smtClean="0">
-                              <a:solidFill>
-                                <a:srgbClr val="404040"/>
-                              </a:solidFill>
-                              <a:latin typeface="Cambria Math" panose="02040503050406030204" pitchFamily="18" charset="0"/>
-                            </a:rPr>
-                            <m:t>2</m:t>
-                          </m:r>
-                        </m:sup>
-                      </m:sSup>
-                      <m:r>
-                        <a:rPr lang="en-US" b="0" i="1" smtClean="0">
-                          <a:solidFill>
-                            <a:srgbClr val="404040"/>
-                          </a:solidFill>
-                          <a:latin typeface="Cambria Math" panose="02040503050406030204" pitchFamily="18" charset="0"/>
-                        </a:rPr>
-                        <m:t>+…+</m:t>
-                      </m:r>
-                      <m:sSub>
-                        <m:sSubPr>
-                          <m:ctrlPr>
-                            <a:rPr lang="en-US" i="1">
-                              <a:solidFill>
-                                <a:srgbClr val="404040"/>
-                              </a:solidFill>
-                              <a:latin typeface="Cambria Math" panose="02040503050406030204" pitchFamily="18" charset="0"/>
-                            </a:rPr>
-                          </m:ctrlPr>
-                        </m:sSubPr>
-                        <m:e>
-                          <m:r>
-                            <a:rPr lang="en-US" i="1">
-                              <a:solidFill>
-                                <a:srgbClr val="404040"/>
-                              </a:solidFill>
-                              <a:latin typeface="Cambria Math" panose="02040503050406030204" pitchFamily="18" charset="0"/>
-                            </a:rPr>
-                            <m:t>𝑏</m:t>
-                          </m:r>
-                        </m:e>
-                        <m:sub>
-                          <m:r>
-                            <a:rPr lang="en-US" b="0" i="1" smtClean="0">
-                              <a:solidFill>
-                                <a:srgbClr val="404040"/>
-                              </a:solidFill>
-                              <a:latin typeface="Cambria Math" panose="02040503050406030204" pitchFamily="18" charset="0"/>
-                            </a:rPr>
-                            <m:t>𝑝</m:t>
-                          </m:r>
-                        </m:sub>
-                      </m:sSub>
-                      <m:sSup>
-                        <m:sSupPr>
-                          <m:ctrlPr>
-                            <a:rPr lang="en-US" i="1">
-                              <a:solidFill>
-                                <a:srgbClr val="404040"/>
-                              </a:solidFill>
-                              <a:latin typeface="Cambria Math" panose="02040503050406030204" pitchFamily="18" charset="0"/>
-                            </a:rPr>
-                          </m:ctrlPr>
-                        </m:sSupPr>
-                        <m:e>
-                          <m:r>
-                            <a:rPr lang="en-US" i="1">
-                              <a:solidFill>
-                                <a:srgbClr val="404040"/>
-                              </a:solidFill>
-                              <a:latin typeface="Cambria Math" panose="02040503050406030204" pitchFamily="18" charset="0"/>
-                            </a:rPr>
-                            <m:t>𝐴</m:t>
-                          </m:r>
-                        </m:e>
-                        <m:sup>
-                          <m:r>
-                            <a:rPr lang="en-US" b="0" i="1" smtClean="0">
-                              <a:solidFill>
-                                <a:srgbClr val="404040"/>
-                              </a:solidFill>
-                              <a:latin typeface="Cambria Math" panose="02040503050406030204" pitchFamily="18" charset="0"/>
-                            </a:rPr>
-                            <m:t>𝑝</m:t>
-                          </m:r>
-                        </m:sup>
-                      </m:sSup>
-                      <m:r>
-                        <a:rPr lang="en-US" b="0" i="1" smtClean="0">
-                          <a:solidFill>
-                            <a:srgbClr val="404040"/>
-                          </a:solidFill>
-                          <a:latin typeface="Cambria Math" panose="02040503050406030204" pitchFamily="18" charset="0"/>
-                        </a:rPr>
-                        <m:t>+ </m:t>
-                      </m:r>
-                      <m:r>
-                        <a:rPr lang="en-US" b="0" i="1" smtClean="0">
-                          <a:solidFill>
-                            <a:srgbClr val="404040"/>
-                          </a:solidFill>
-                          <a:latin typeface="Cambria Math" panose="02040503050406030204" pitchFamily="18" charset="0"/>
-                          <a:ea typeface="Cambria Math" panose="02040503050406030204" pitchFamily="18" charset="0"/>
-                        </a:rPr>
-                        <m:t>𝜀</m:t>
-                      </m:r>
-                    </m:oMath>
-                  </m:oMathPara>
-                </a14:m>
-                <a:endParaRPr lang="en-US" dirty="0">
-                  <a:solidFill>
-                    <a:srgbClr val="404040"/>
-                  </a:solidFill>
-                </a:endParaRPr>
-              </a:p>
-            </p:txBody>
-          </p:sp>
-        </mc:Choice>
-        <mc:Fallback>
-          <p:sp>
-            <p:nvSpPr>
-              <p:cNvPr id="10" name="TextBox 9">
-                <a:extLst>
-                  <a:ext uri="{FF2B5EF4-FFF2-40B4-BE49-F238E27FC236}">
-                    <a16:creationId xmlns:a16="http://schemas.microsoft.com/office/drawing/2014/main" id="{D29A1949-178D-4AFF-8F67-BA15956AD7E0}"/>
-                  </a:ext>
-                </a:extLst>
-              </p:cNvPr>
-              <p:cNvSpPr txBox="1">
-                <a:spLocks noRot="1" noChangeAspect="1" noMove="1" noResize="1" noEditPoints="1" noAdjustHandles="1" noChangeArrowheads="1" noChangeShapeType="1" noTextEdit="1"/>
-              </p:cNvSpPr>
-              <p:nvPr/>
-            </p:nvSpPr>
-            <p:spPr>
-              <a:xfrm>
-                <a:off x="3733800" y="1143000"/>
-                <a:ext cx="5334000" cy="497637"/>
-              </a:xfrm>
-              <a:prstGeom prst="rect">
-                <a:avLst/>
-              </a:prstGeom>
-              <a:blipFill>
-                <a:blip r:embed="rId4"/>
-                <a:stretch>
-                  <a:fillRect b="-6173"/>
-                </a:stretch>
-              </a:blipFill>
-            </p:spPr>
-            <p:txBody>
-              <a:bodyPr/>
-              <a:lstStyle/>
-              <a:p>
-                <a:r>
-                  <a:rPr lang="en-US">
-                    <a:noFill/>
-                  </a:rPr>
-                  <a:t> </a:t>
-                </a:r>
-              </a:p>
-            </p:txBody>
-          </p:sp>
-        </mc:Fallback>
-      </mc:AlternateContent>
+              <a:t>Used For Previewing Data</a:t>
+            </a:r>
+          </a:p>
+        </p:txBody>
+      </p:sp>
+      <p:pic>
+        <p:nvPicPr>
+          <p:cNvPr id="3" name="Picture 2">
+            <a:extLst>
+              <a:ext uri="{FF2B5EF4-FFF2-40B4-BE49-F238E27FC236}">
+                <a16:creationId xmlns:a16="http://schemas.microsoft.com/office/drawing/2014/main" id="{F9DDE414-0050-466B-A2C5-46CC20F06E0E}"/>
+              </a:ext>
+            </a:extLst>
+          </p:cNvPr>
+          <p:cNvPicPr>
+            <a:picLocks noChangeAspect="1"/>
+          </p:cNvPicPr>
+          <p:nvPr/>
+        </p:nvPicPr>
+        <p:blipFill>
+          <a:blip r:embed="rId4"/>
+          <a:stretch>
+            <a:fillRect/>
+          </a:stretch>
+        </p:blipFill>
+        <p:spPr>
+          <a:xfrm>
+            <a:off x="3581400" y="3733800"/>
+            <a:ext cx="5363054" cy="2135366"/>
+          </a:xfrm>
+          <a:prstGeom prst="rect">
+            <a:avLst/>
+          </a:prstGeom>
+          <a:ln>
+            <a:solidFill>
+              <a:srgbClr val="404040"/>
+            </a:solidFill>
+          </a:ln>
+        </p:spPr>
+        <p:style>
+          <a:lnRef idx="2">
+            <a:schemeClr val="dk1"/>
+          </a:lnRef>
+          <a:fillRef idx="1">
+            <a:schemeClr val="lt1"/>
+          </a:fillRef>
+          <a:effectRef idx="0">
+            <a:schemeClr val="dk1"/>
+          </a:effectRef>
+          <a:fontRef idx="minor">
+            <a:schemeClr val="dk1"/>
+          </a:fontRef>
+        </p:style>
+      </p:pic>
+      <p:pic>
+        <p:nvPicPr>
+          <p:cNvPr id="5" name="Picture 4">
+            <a:extLst>
+              <a:ext uri="{FF2B5EF4-FFF2-40B4-BE49-F238E27FC236}">
+                <a16:creationId xmlns:a16="http://schemas.microsoft.com/office/drawing/2014/main" id="{568B4C73-DDB9-43D4-BB83-ED4F32573BEB}"/>
+              </a:ext>
+            </a:extLst>
+          </p:cNvPr>
+          <p:cNvPicPr>
+            <a:picLocks noChangeAspect="1"/>
+          </p:cNvPicPr>
+          <p:nvPr/>
+        </p:nvPicPr>
+        <p:blipFill>
+          <a:blip r:embed="rId5"/>
+          <a:stretch>
+            <a:fillRect/>
+          </a:stretch>
+        </p:blipFill>
+        <p:spPr>
+          <a:xfrm>
+            <a:off x="3581400" y="5988521"/>
+            <a:ext cx="5363054" cy="699333"/>
+          </a:xfrm>
+          <a:prstGeom prst="rect">
+            <a:avLst/>
+          </a:prstGeom>
+          <a:ln>
+            <a:solidFill>
+              <a:srgbClr val="404040"/>
+            </a:solidFill>
+          </a:ln>
+        </p:spPr>
+        <p:style>
+          <a:lnRef idx="2">
+            <a:schemeClr val="dk1"/>
+          </a:lnRef>
+          <a:fillRef idx="1">
+            <a:schemeClr val="lt1"/>
+          </a:fillRef>
+          <a:effectRef idx="0">
+            <a:schemeClr val="dk1"/>
+          </a:effectRef>
+          <a:fontRef idx="minor">
+            <a:schemeClr val="dk1"/>
+          </a:fontRef>
+        </p:style>
+      </p:pic>
     </p:spTree>
     <p:custDataLst>
       <p:tags r:id="rId1"/>
     </p:custDataLst>
     <p:extLst>
       <p:ext uri="{BB962C8B-B14F-4D97-AF65-F5344CB8AC3E}">
-        <p14:creationId xmlns:p14="http://schemas.microsoft.com/office/powerpoint/2010/main" val="2571195742"/>
+        <p14:creationId xmlns:p14="http://schemas.microsoft.com/office/powerpoint/2010/main" val="2673471070"/>
       </p:ext>
     </p:extLst>
   </p:cSld>
@@ -12496,8 +12248,37 @@
           <a:bodyPr rtlCol="0" anchor="ctr"/>
           <a:lstStyle/>
           <a:p>
-            <a:pPr algn="ctr"/>
-            <a:endParaRPr lang="en-US"/>
+            <a:pPr marL="0" marR="0" lvl="0" indent="0" algn="ctr" defTabSz="457200" rtl="0" eaLnBrk="1" fontAlgn="base" latinLnBrk="0" hangingPunct="1">
+              <a:lnSpc>
+                <a:spcPct val="100000"/>
+              </a:lnSpc>
+              <a:spcBef>
+                <a:spcPct val="0"/>
+              </a:spcBef>
+              <a:spcAft>
+                <a:spcPct val="0"/>
+              </a:spcAft>
+              <a:buClrTx/>
+              <a:buSzTx/>
+              <a:buFontTx/>
+              <a:buNone/>
+              <a:tabLst/>
+              <a:defRPr/>
+            </a:pPr>
+            <a:endParaRPr kumimoji="0" lang="en-US" sz="2400" b="0" i="0" u="none" strike="noStrike" kern="1200" cap="none" spc="0" normalizeH="0" baseline="0" noProof="0">
+              <a:ln>
+                <a:noFill/>
+              </a:ln>
+              <a:solidFill>
+                <a:prstClr val="white"/>
+              </a:solidFill>
+              <a:effectLst/>
+              <a:uLnTx/>
+              <a:uFillTx/>
+              <a:latin typeface="Calibri"/>
+              <a:ea typeface="+mn-ea"/>
+              <a:cs typeface="+mn-cs"/>
+            </a:endParaRPr>
           </a:p>
         </p:txBody>
       </p:sp>
@@ -12535,15 +12316,27 @@
               </a:lnSpc>
             </a:pPr>
             <a:r>
-              <a:rPr lang="en-US" sz="2400" kern="1200">
+              <a:rPr lang="en-US" sz="2400" dirty="0">
                 <a:solidFill>
                   <a:schemeClr val="bg1"/>
                 </a:solidFill>
-                <a:latin typeface="+mj-lt"/>
-                <a:ea typeface="+mj-ea"/>
-                <a:cs typeface="+mj-cs"/>
-              </a:rPr>
-              <a:t>Closing</a:t>
+              </a:rPr>
+              <a:t>Part 2: </a:t>
+            </a:r>
+            <a:br>
+              <a:rPr lang="en-US" sz="2400" dirty="0">
+                <a:solidFill>
+                  <a:schemeClr val="bg1"/>
+                </a:solidFill>
+              </a:rPr>
+            </a:br>
+            <a:r>
+              <a:rPr lang="en-US" sz="2400" dirty="0">
+                <a:solidFill>
+                  <a:schemeClr val="bg1"/>
+                </a:solidFill>
+              </a:rPr>
+              <a:t>K-Fold CV</a:t>
             </a:r>
             <a:endParaRPr lang="en-US" sz="2400" kern="1200" dirty="0">
               <a:solidFill>
@@ -12588,493 +12381,1485 @@
       </p:pic>
       <p:sp>
         <p:nvSpPr>
-          <p:cNvPr id="7" name="Content Placeholder 2">
+          <p:cNvPr id="7" name="TextBox 6">
             <a:extLst>
               <a:ext uri="{FF2B5EF4-FFF2-40B4-BE49-F238E27FC236}">
-                <a16:creationId xmlns:a16="http://schemas.microsoft.com/office/drawing/2014/main" id="{8FE51533-15BE-453E-90FE-08298901BC34}"/>
+                <a16:creationId xmlns:a16="http://schemas.microsoft.com/office/drawing/2014/main" id="{DAB48721-5D4E-487F-AAC4-A832B27B1A65}"/>
               </a:ext>
             </a:extLst>
           </p:cNvPr>
-          <p:cNvSpPr txBox="1">
-            <a:spLocks/>
-          </p:cNvSpPr>
+          <p:cNvSpPr txBox="1"/>
           <p:nvPr/>
         </p:nvSpPr>
-        <p:spPr bwMode="auto">
+        <p:spPr>
           <a:xfrm>
-            <a:off x="3810000" y="643466"/>
-            <a:ext cx="4851400" cy="5833533"/>
+            <a:off x="3795366" y="643467"/>
+            <a:ext cx="5334000" cy="3046988"/>
           </a:xfrm>
           <a:prstGeom prst="rect">
             <a:avLst/>
           </a:prstGeom>
+          <a:noFill/>
         </p:spPr>
         <p:txBody>
-          <a:bodyPr vert="horz" lIns="91440" tIns="45720" rIns="91440" bIns="45720" numCol="1" rtlCol="0" anchorCtr="0" compatLnSpc="1">
-            <a:prstTxWarp prst="textNoShape">
-              <a:avLst/>
-            </a:prstTxWarp>
-            <a:noAutofit/>
+          <a:bodyPr wrap="square" rtlCol="0">
+            <a:spAutoFit/>
           </a:bodyPr>
-          <a:lstStyle>
-            <a:lvl1pPr marL="342900" indent="-342900" algn="l" defTabSz="457200" rtl="0" eaLnBrk="0" fontAlgn="base" hangingPunct="0">
-              <a:spcBef>
-                <a:spcPct val="20000"/>
-              </a:spcBef>
-              <a:spcAft>
-                <a:spcPct val="0"/>
-              </a:spcAft>
-              <a:buFont typeface="Arial" charset="0"/>
-              <a:buChar char="•"/>
-              <a:defRPr sz="3200" kern="1200">
-                <a:solidFill>
-                  <a:schemeClr val="tx1"/>
-                </a:solidFill>
-                <a:latin typeface="+mn-lt"/>
-                <a:ea typeface="ＭＳ Ｐゴシック" pitchFamily="-109" charset="-128"/>
-                <a:cs typeface="ＭＳ Ｐゴシック" pitchFamily="-109" charset="-128"/>
-              </a:defRPr>
-            </a:lvl1pPr>
-            <a:lvl2pPr marL="742950" indent="-285750" algn="l" defTabSz="457200" rtl="0" eaLnBrk="0" fontAlgn="base" hangingPunct="0">
-              <a:spcBef>
-                <a:spcPct val="20000"/>
-              </a:spcBef>
-              <a:spcAft>
-                <a:spcPct val="0"/>
-              </a:spcAft>
-              <a:buFont typeface="Arial" charset="0"/>
-              <a:buChar char="–"/>
-              <a:defRPr sz="2800" kern="1200">
-                <a:solidFill>
-                  <a:schemeClr val="tx1"/>
-                </a:solidFill>
-                <a:latin typeface="+mn-lt"/>
-                <a:ea typeface="ＭＳ Ｐゴシック" pitchFamily="-109" charset="-128"/>
-                <a:cs typeface="+mn-cs"/>
-              </a:defRPr>
-            </a:lvl2pPr>
-            <a:lvl3pPr marL="1143000" indent="-228600" algn="l" defTabSz="457200" rtl="0" eaLnBrk="0" fontAlgn="base" hangingPunct="0">
-              <a:spcBef>
-                <a:spcPct val="20000"/>
-              </a:spcBef>
-              <a:spcAft>
-                <a:spcPct val="0"/>
-              </a:spcAft>
-              <a:buFont typeface="Arial" charset="0"/>
-              <a:buChar char="•"/>
-              <a:defRPr sz="2400" kern="1200">
-                <a:solidFill>
-                  <a:schemeClr val="tx1"/>
-                </a:solidFill>
-                <a:latin typeface="+mn-lt"/>
-                <a:ea typeface="ＭＳ Ｐゴシック" pitchFamily="-109" charset="-128"/>
-                <a:cs typeface="+mn-cs"/>
-              </a:defRPr>
-            </a:lvl3pPr>
-            <a:lvl4pPr marL="1600200" indent="-228600" algn="l" defTabSz="457200" rtl="0" eaLnBrk="0" fontAlgn="base" hangingPunct="0">
-              <a:spcBef>
-                <a:spcPct val="20000"/>
-              </a:spcBef>
-              <a:spcAft>
-                <a:spcPct val="0"/>
-              </a:spcAft>
-              <a:buFont typeface="Arial" charset="0"/>
-              <a:buChar char="–"/>
-              <a:defRPr sz="2000" kern="1200">
-                <a:solidFill>
-                  <a:schemeClr val="tx1"/>
-                </a:solidFill>
-                <a:latin typeface="+mn-lt"/>
-                <a:ea typeface="ＭＳ Ｐゴシック" pitchFamily="-109" charset="-128"/>
-                <a:cs typeface="+mn-cs"/>
-              </a:defRPr>
-            </a:lvl4pPr>
-            <a:lvl5pPr marL="2057400" indent="-228600" algn="l" defTabSz="457200" rtl="0" eaLnBrk="0" fontAlgn="base" hangingPunct="0">
-              <a:spcBef>
-                <a:spcPct val="20000"/>
-              </a:spcBef>
-              <a:spcAft>
-                <a:spcPct val="0"/>
-              </a:spcAft>
-              <a:buFont typeface="Arial" charset="0"/>
-              <a:buChar char="»"/>
-              <a:defRPr sz="2000" kern="1200">
-                <a:solidFill>
-                  <a:schemeClr val="tx1"/>
-                </a:solidFill>
-                <a:latin typeface="+mn-lt"/>
-                <a:ea typeface="ＭＳ Ｐゴシック" pitchFamily="-109" charset="-128"/>
-                <a:cs typeface="+mn-cs"/>
-              </a:defRPr>
-            </a:lvl5pPr>
-            <a:lvl6pPr marL="2514600" indent="-228600" algn="l" defTabSz="457200" rtl="0" eaLnBrk="1" latinLnBrk="0" hangingPunct="1">
-              <a:spcBef>
-                <a:spcPct val="20000"/>
-              </a:spcBef>
-              <a:buFont typeface="Arial"/>
-              <a:buChar char="•"/>
-              <a:defRPr sz="2000" kern="1200">
-                <a:solidFill>
-                  <a:schemeClr val="tx1"/>
-                </a:solidFill>
-                <a:latin typeface="+mn-lt"/>
-                <a:ea typeface="+mn-ea"/>
-                <a:cs typeface="+mn-cs"/>
-              </a:defRPr>
-            </a:lvl6pPr>
-            <a:lvl7pPr marL="2971800" indent="-228600" algn="l" defTabSz="457200" rtl="0" eaLnBrk="1" latinLnBrk="0" hangingPunct="1">
-              <a:spcBef>
-                <a:spcPct val="20000"/>
-              </a:spcBef>
-              <a:buFont typeface="Arial"/>
-              <a:buChar char="•"/>
-              <a:defRPr sz="2000" kern="1200">
-                <a:solidFill>
-                  <a:schemeClr val="tx1"/>
-                </a:solidFill>
-                <a:latin typeface="+mn-lt"/>
-                <a:ea typeface="+mn-ea"/>
-                <a:cs typeface="+mn-cs"/>
-              </a:defRPr>
-            </a:lvl7pPr>
-            <a:lvl8pPr marL="3429000" indent="-228600" algn="l" defTabSz="457200" rtl="0" eaLnBrk="1" latinLnBrk="0" hangingPunct="1">
-              <a:spcBef>
-                <a:spcPct val="20000"/>
-              </a:spcBef>
-              <a:buFont typeface="Arial"/>
-              <a:buChar char="•"/>
-              <a:defRPr sz="2000" kern="1200">
-                <a:solidFill>
-                  <a:schemeClr val="tx1"/>
-                </a:solidFill>
-                <a:latin typeface="+mn-lt"/>
-                <a:ea typeface="+mn-ea"/>
-                <a:cs typeface="+mn-cs"/>
-              </a:defRPr>
-            </a:lvl8pPr>
-            <a:lvl9pPr marL="3886200" indent="-228600" algn="l" defTabSz="457200" rtl="0" eaLnBrk="1" latinLnBrk="0" hangingPunct="1">
-              <a:spcBef>
-                <a:spcPct val="20000"/>
-              </a:spcBef>
-              <a:buFont typeface="Arial"/>
-              <a:buChar char="•"/>
-              <a:defRPr sz="2000" kern="1200">
-                <a:solidFill>
-                  <a:schemeClr val="tx1"/>
-                </a:solidFill>
-                <a:latin typeface="+mn-lt"/>
-                <a:ea typeface="+mn-ea"/>
-                <a:cs typeface="+mn-cs"/>
-              </a:defRPr>
-            </a:lvl9pPr>
-          </a:lstStyle>
-          <a:p>
-            <a:pPr indent="-228600" defTabSz="914400" eaLnBrk="1" hangingPunct="1">
-              <a:lnSpc>
-                <a:spcPct val="90000"/>
-              </a:lnSpc>
+          <a:lstStyle/>
+          <a:p>
+            <a:pPr marL="342900" indent="-342900">
               <a:buFont typeface="Arial" panose="020B0604020202020204" pitchFamily="34" charset="0"/>
               <a:buChar char="•"/>
-            </a:pPr>
-            <a:endParaRPr lang="en-US" sz="2000" dirty="0">
+              <a:defRPr/>
+            </a:pPr>
+            <a:r>
+              <a:rPr lang="en-US" dirty="0">
+                <a:solidFill>
+                  <a:srgbClr val="404040"/>
+                </a:solidFill>
+              </a:rPr>
+              <a:t>Run Chunk 3</a:t>
+            </a:r>
+          </a:p>
+          <a:p>
+            <a:pPr marL="342900" indent="-342900">
+              <a:buFont typeface="Arial" panose="020B0604020202020204" pitchFamily="34" charset="0"/>
+              <a:buChar char="•"/>
+              <a:defRPr/>
+            </a:pPr>
+            <a:endParaRPr lang="en-US" dirty="0">
               <a:solidFill>
                 <a:srgbClr val="404040"/>
               </a:solidFill>
-              <a:ea typeface="+mn-ea"/>
-              <a:cs typeface="+mn-cs"/>
             </a:endParaRPr>
           </a:p>
           <a:p>
-            <a:pPr indent="-228600" defTabSz="914400" eaLnBrk="1" hangingPunct="1">
-              <a:lnSpc>
-                <a:spcPct val="90000"/>
-              </a:lnSpc>
+            <a:pPr marL="800100" lvl="1" indent="-342900">
               <a:buFont typeface="Arial" panose="020B0604020202020204" pitchFamily="34" charset="0"/>
               <a:buChar char="•"/>
-            </a:pPr>
-            <a:endParaRPr lang="en-US" sz="2000" dirty="0">
-              <a:solidFill>
-                <a:srgbClr val="404040"/>
-              </a:solidFill>
-              <a:ea typeface="+mn-ea"/>
-              <a:cs typeface="+mn-cs"/>
-            </a:endParaRPr>
-          </a:p>
-        </p:txBody>
-      </p:sp>
-      <p:sp>
-        <p:nvSpPr>
-          <p:cNvPr id="10" name="Content Placeholder 2">
+              <a:defRPr/>
+            </a:pPr>
+            <a:r>
+              <a:rPr lang="en-US" dirty="0">
+                <a:solidFill>
+                  <a:srgbClr val="404040"/>
+                </a:solidFill>
+              </a:rPr>
+              <a:t>Divide Data into 10 Folds</a:t>
+            </a:r>
+          </a:p>
+          <a:p>
+            <a:pPr marL="1257300" lvl="2" indent="-342900">
+              <a:buFont typeface="Arial" panose="020B0604020202020204" pitchFamily="34" charset="0"/>
+              <a:buChar char="•"/>
+              <a:defRPr/>
+            </a:pPr>
+            <a:r>
+              <a:rPr lang="en-US" dirty="0">
+                <a:solidFill>
+                  <a:srgbClr val="404040"/>
+                </a:solidFill>
+              </a:rPr>
+              <a:t>Use </a:t>
+            </a:r>
+            <a:r>
+              <a:rPr lang="en-US" dirty="0" err="1">
+                <a:solidFill>
+                  <a:srgbClr val="404040"/>
+                </a:solidFill>
+              </a:rPr>
+              <a:t>crossv_kfold</a:t>
+            </a:r>
+            <a:r>
+              <a:rPr lang="en-US" dirty="0">
+                <a:solidFill>
+                  <a:srgbClr val="404040"/>
+                </a:solidFill>
+              </a:rPr>
+              <a:t>() Function</a:t>
+            </a:r>
+          </a:p>
+          <a:p>
+            <a:pPr marL="1257300" lvl="2" indent="-342900">
+              <a:buFont typeface="Arial" panose="020B0604020202020204" pitchFamily="34" charset="0"/>
+              <a:buChar char="•"/>
+              <a:defRPr/>
+            </a:pPr>
+            <a:r>
+              <a:rPr lang="en-US" dirty="0">
+                <a:solidFill>
+                  <a:srgbClr val="404040"/>
+                </a:solidFill>
+              </a:rPr>
+              <a:t>Variables are Lists of Train and Test Sets</a:t>
+            </a:r>
+          </a:p>
+          <a:p>
+            <a:pPr marL="800100" lvl="1" indent="-342900">
+              <a:buFont typeface="Arial" panose="020B0604020202020204" pitchFamily="34" charset="0"/>
+              <a:buChar char="•"/>
+              <a:defRPr/>
+            </a:pPr>
+            <a:r>
+              <a:rPr lang="en-US" dirty="0">
+                <a:solidFill>
+                  <a:srgbClr val="404040"/>
+                </a:solidFill>
+              </a:rPr>
+              <a:t>For Each Row, We Want to Fit on Train and Predict on Test</a:t>
+            </a:r>
+          </a:p>
+        </p:txBody>
+      </p:sp>
+      <p:pic>
+        <p:nvPicPr>
+          <p:cNvPr id="4" name="Picture 3">
             <a:extLst>
               <a:ext uri="{FF2B5EF4-FFF2-40B4-BE49-F238E27FC236}">
-                <a16:creationId xmlns:a16="http://schemas.microsoft.com/office/drawing/2014/main" id="{10754C74-871F-42E2-A79F-10B9CCA16CD5}"/>
+                <a16:creationId xmlns:a16="http://schemas.microsoft.com/office/drawing/2014/main" id="{8D8B4D18-1C5F-4B0D-927E-0DD5F8B533AF}"/>
               </a:ext>
             </a:extLst>
           </p:cNvPr>
-          <p:cNvSpPr txBox="1">
-            <a:spLocks/>
-          </p:cNvSpPr>
+          <p:cNvPicPr>
+            <a:picLocks noChangeAspect="1"/>
+          </p:cNvPicPr>
           <p:nvPr/>
-        </p:nvSpPr>
-        <p:spPr bwMode="auto">
+        </p:nvPicPr>
+        <p:blipFill>
+          <a:blip r:embed="rId4"/>
+          <a:stretch>
+            <a:fillRect/>
+          </a:stretch>
+        </p:blipFill>
+        <p:spPr>
           <a:xfrm>
-            <a:off x="3973322" y="643466"/>
-            <a:ext cx="4851400" cy="5953916"/>
+            <a:off x="3645993" y="3881987"/>
+            <a:ext cx="5393829" cy="2884759"/>
           </a:xfrm>
           <a:prstGeom prst="rect">
             <a:avLst/>
           </a:prstGeom>
+          <a:ln>
+            <a:solidFill>
+              <a:srgbClr val="404040"/>
+            </a:solidFill>
+          </a:ln>
         </p:spPr>
-        <p:txBody>
-          <a:bodyPr vert="horz" lIns="91440" tIns="45720" rIns="91440" bIns="45720" numCol="1" rtlCol="0" anchorCtr="0" compatLnSpc="1">
-            <a:prstTxWarp prst="textNoShape">
-              <a:avLst/>
-            </a:prstTxWarp>
-            <a:noAutofit/>
-          </a:bodyPr>
-          <a:lstStyle>
-            <a:lvl1pPr marL="342900" indent="-342900" algn="l" defTabSz="457200" rtl="0" eaLnBrk="0" fontAlgn="base" hangingPunct="0">
-              <a:spcBef>
-                <a:spcPct val="20000"/>
-              </a:spcBef>
-              <a:spcAft>
-                <a:spcPct val="0"/>
-              </a:spcAft>
-              <a:buFont typeface="Arial" charset="0"/>
-              <a:buChar char="•"/>
-              <a:defRPr sz="3200" kern="1200">
-                <a:solidFill>
-                  <a:schemeClr val="tx1"/>
-                </a:solidFill>
-                <a:latin typeface="+mn-lt"/>
-                <a:ea typeface="ＭＳ Ｐゴシック" pitchFamily="-109" charset="-128"/>
-                <a:cs typeface="ＭＳ Ｐゴシック" pitchFamily="-109" charset="-128"/>
-              </a:defRPr>
-            </a:lvl1pPr>
-            <a:lvl2pPr marL="742950" indent="-285750" algn="l" defTabSz="457200" rtl="0" eaLnBrk="0" fontAlgn="base" hangingPunct="0">
-              <a:spcBef>
-                <a:spcPct val="20000"/>
-              </a:spcBef>
-              <a:spcAft>
-                <a:spcPct val="0"/>
-              </a:spcAft>
-              <a:buFont typeface="Arial" charset="0"/>
-              <a:buChar char="–"/>
-              <a:defRPr sz="2800" kern="1200">
-                <a:solidFill>
-                  <a:schemeClr val="tx1"/>
-                </a:solidFill>
-                <a:latin typeface="+mn-lt"/>
-                <a:ea typeface="ＭＳ Ｐゴシック" pitchFamily="-109" charset="-128"/>
-                <a:cs typeface="+mn-cs"/>
-              </a:defRPr>
-            </a:lvl2pPr>
-            <a:lvl3pPr marL="1143000" indent="-228600" algn="l" defTabSz="457200" rtl="0" eaLnBrk="0" fontAlgn="base" hangingPunct="0">
-              <a:spcBef>
-                <a:spcPct val="20000"/>
-              </a:spcBef>
-              <a:spcAft>
-                <a:spcPct val="0"/>
-              </a:spcAft>
-              <a:buFont typeface="Arial" charset="0"/>
-              <a:buChar char="•"/>
-              <a:defRPr sz="2400" kern="1200">
-                <a:solidFill>
-                  <a:schemeClr val="tx1"/>
-                </a:solidFill>
-                <a:latin typeface="+mn-lt"/>
-                <a:ea typeface="ＭＳ Ｐゴシック" pitchFamily="-109" charset="-128"/>
-                <a:cs typeface="+mn-cs"/>
-              </a:defRPr>
-            </a:lvl3pPr>
-            <a:lvl4pPr marL="1600200" indent="-228600" algn="l" defTabSz="457200" rtl="0" eaLnBrk="0" fontAlgn="base" hangingPunct="0">
-              <a:spcBef>
-                <a:spcPct val="20000"/>
-              </a:spcBef>
-              <a:spcAft>
-                <a:spcPct val="0"/>
-              </a:spcAft>
-              <a:buFont typeface="Arial" charset="0"/>
-              <a:buChar char="–"/>
-              <a:defRPr sz="2000" kern="1200">
-                <a:solidFill>
-                  <a:schemeClr val="tx1"/>
-                </a:solidFill>
-                <a:latin typeface="+mn-lt"/>
-                <a:ea typeface="ＭＳ Ｐゴシック" pitchFamily="-109" charset="-128"/>
-                <a:cs typeface="+mn-cs"/>
-              </a:defRPr>
-            </a:lvl4pPr>
-            <a:lvl5pPr marL="2057400" indent="-228600" algn="l" defTabSz="457200" rtl="0" eaLnBrk="0" fontAlgn="base" hangingPunct="0">
-              <a:spcBef>
-                <a:spcPct val="20000"/>
-              </a:spcBef>
-              <a:spcAft>
-                <a:spcPct val="0"/>
-              </a:spcAft>
-              <a:buFont typeface="Arial" charset="0"/>
-              <a:buChar char="»"/>
-              <a:defRPr sz="2000" kern="1200">
-                <a:solidFill>
-                  <a:schemeClr val="tx1"/>
-                </a:solidFill>
-                <a:latin typeface="+mn-lt"/>
-                <a:ea typeface="ＭＳ Ｐゴシック" pitchFamily="-109" charset="-128"/>
-                <a:cs typeface="+mn-cs"/>
-              </a:defRPr>
-            </a:lvl5pPr>
-            <a:lvl6pPr marL="2514600" indent="-228600" algn="l" defTabSz="457200" rtl="0" eaLnBrk="1" latinLnBrk="0" hangingPunct="1">
-              <a:spcBef>
-                <a:spcPct val="20000"/>
-              </a:spcBef>
-              <a:buFont typeface="Arial"/>
-              <a:buChar char="•"/>
-              <a:defRPr sz="2000" kern="1200">
-                <a:solidFill>
-                  <a:schemeClr val="tx1"/>
-                </a:solidFill>
-                <a:latin typeface="+mn-lt"/>
-                <a:ea typeface="+mn-ea"/>
-                <a:cs typeface="+mn-cs"/>
-              </a:defRPr>
-            </a:lvl6pPr>
-            <a:lvl7pPr marL="2971800" indent="-228600" algn="l" defTabSz="457200" rtl="0" eaLnBrk="1" latinLnBrk="0" hangingPunct="1">
-              <a:spcBef>
-                <a:spcPct val="20000"/>
-              </a:spcBef>
-              <a:buFont typeface="Arial"/>
-              <a:buChar char="•"/>
-              <a:defRPr sz="2000" kern="1200">
-                <a:solidFill>
-                  <a:schemeClr val="tx1"/>
-                </a:solidFill>
-                <a:latin typeface="+mn-lt"/>
-                <a:ea typeface="+mn-ea"/>
-                <a:cs typeface="+mn-cs"/>
-              </a:defRPr>
-            </a:lvl7pPr>
-            <a:lvl8pPr marL="3429000" indent="-228600" algn="l" defTabSz="457200" rtl="0" eaLnBrk="1" latinLnBrk="0" hangingPunct="1">
-              <a:spcBef>
-                <a:spcPct val="20000"/>
-              </a:spcBef>
-              <a:buFont typeface="Arial"/>
-              <a:buChar char="•"/>
-              <a:defRPr sz="2000" kern="1200">
-                <a:solidFill>
-                  <a:schemeClr val="tx1"/>
-                </a:solidFill>
-                <a:latin typeface="+mn-lt"/>
-                <a:ea typeface="+mn-ea"/>
-                <a:cs typeface="+mn-cs"/>
-              </a:defRPr>
-            </a:lvl8pPr>
-            <a:lvl9pPr marL="3886200" indent="-228600" algn="l" defTabSz="457200" rtl="0" eaLnBrk="1" latinLnBrk="0" hangingPunct="1">
-              <a:spcBef>
-                <a:spcPct val="20000"/>
-              </a:spcBef>
-              <a:buFont typeface="Arial"/>
-              <a:buChar char="•"/>
-              <a:defRPr sz="2000" kern="1200">
-                <a:solidFill>
-                  <a:schemeClr val="tx1"/>
-                </a:solidFill>
-                <a:latin typeface="+mn-lt"/>
-                <a:ea typeface="+mn-ea"/>
-                <a:cs typeface="+mn-cs"/>
-              </a:defRPr>
-            </a:lvl9pPr>
-          </a:lstStyle>
-          <a:p>
-            <a:pPr marL="114300" indent="0" defTabSz="914400" eaLnBrk="1" hangingPunct="1">
-              <a:lnSpc>
-                <a:spcPct val="90000"/>
-              </a:lnSpc>
-              <a:buNone/>
-            </a:pPr>
-            <a:r>
-              <a:rPr lang="en-US" sz="7200" dirty="0">
-                <a:solidFill>
-                  <a:srgbClr val="404040"/>
-                </a:solidFill>
-                <a:ea typeface="+mn-ea"/>
-                <a:cs typeface="+mn-cs"/>
-              </a:rPr>
-              <a:t>Disperse and Make Reasonable Decisions</a:t>
-            </a:r>
-          </a:p>
-          <a:p>
-            <a:pPr indent="-228600" defTabSz="914400" eaLnBrk="1" hangingPunct="1">
-              <a:lnSpc>
-                <a:spcPct val="90000"/>
-              </a:lnSpc>
-              <a:buFont typeface="Arial" panose="020B0604020202020204" pitchFamily="34" charset="0"/>
-              <a:buChar char="•"/>
-            </a:pPr>
-            <a:endParaRPr lang="en-US" sz="7200" dirty="0">
-              <a:solidFill>
-                <a:srgbClr val="404040"/>
-              </a:solidFill>
-              <a:ea typeface="+mn-ea"/>
-              <a:cs typeface="+mn-cs"/>
-            </a:endParaRPr>
-          </a:p>
-          <a:p>
-            <a:pPr indent="-228600" defTabSz="914400" eaLnBrk="1" hangingPunct="1">
-              <a:lnSpc>
-                <a:spcPct val="90000"/>
-              </a:lnSpc>
-              <a:buFont typeface="Arial" panose="020B0604020202020204" pitchFamily="34" charset="0"/>
-              <a:buChar char="•"/>
-            </a:pPr>
-            <a:endParaRPr lang="en-US" sz="7200" dirty="0">
-              <a:solidFill>
-                <a:srgbClr val="404040"/>
-              </a:solidFill>
-              <a:ea typeface="+mn-ea"/>
-              <a:cs typeface="+mn-cs"/>
-            </a:endParaRPr>
-          </a:p>
-          <a:p>
-            <a:pPr indent="-228600" defTabSz="914400" eaLnBrk="1" hangingPunct="1">
-              <a:lnSpc>
-                <a:spcPct val="90000"/>
-              </a:lnSpc>
-              <a:buFont typeface="Arial" panose="020B0604020202020204" pitchFamily="34" charset="0"/>
-              <a:buChar char="•"/>
-            </a:pPr>
-            <a:endParaRPr lang="en-US" sz="7200" dirty="0">
-              <a:solidFill>
-                <a:srgbClr val="404040"/>
-              </a:solidFill>
-              <a:ea typeface="+mn-ea"/>
-              <a:cs typeface="+mn-cs"/>
-            </a:endParaRPr>
-          </a:p>
-          <a:p>
-            <a:pPr indent="-228600" defTabSz="914400" eaLnBrk="1" hangingPunct="1">
-              <a:lnSpc>
-                <a:spcPct val="90000"/>
-              </a:lnSpc>
-              <a:buFont typeface="Arial" panose="020B0604020202020204" pitchFamily="34" charset="0"/>
-              <a:buChar char="•"/>
-            </a:pPr>
-            <a:endParaRPr lang="en-US" sz="7200" dirty="0">
-              <a:solidFill>
-                <a:srgbClr val="404040"/>
-              </a:solidFill>
-              <a:ea typeface="+mn-ea"/>
-              <a:cs typeface="+mn-cs"/>
-            </a:endParaRPr>
-          </a:p>
-        </p:txBody>
-      </p:sp>
+        <p:style>
+          <a:lnRef idx="2">
+            <a:schemeClr val="dk1"/>
+          </a:lnRef>
+          <a:fillRef idx="1">
+            <a:schemeClr val="lt1"/>
+          </a:fillRef>
+          <a:effectRef idx="0">
+            <a:schemeClr val="dk1"/>
+          </a:effectRef>
+          <a:fontRef idx="minor">
+            <a:schemeClr val="dk1"/>
+          </a:fontRef>
+        </p:style>
+      </p:pic>
     </p:spTree>
     <p:custDataLst>
       <p:tags r:id="rId1"/>
     </p:custDataLst>
     <p:extLst>
       <p:ext uri="{BB962C8B-B14F-4D97-AF65-F5344CB8AC3E}">
-        <p14:creationId xmlns:p14="http://schemas.microsoft.com/office/powerpoint/2010/main" val="3647066437"/>
+        <p14:creationId xmlns:p14="http://schemas.microsoft.com/office/powerpoint/2010/main" val="312950548"/>
+      </p:ext>
+    </p:extLst>
+  </p:cSld>
+  <p:clrMapOvr>
+    <a:masterClrMapping/>
+  </p:clrMapOvr>
+</p:sld>
+</file>
+
+<file path=ppt/slides/slide18.xml><?xml version="1.0" encoding="utf-8"?>
+<p:sld xmlns:a="http://schemas.openxmlformats.org/drawingml/2006/main" xmlns:r="http://schemas.openxmlformats.org/officeDocument/2006/relationships" xmlns:p="http://schemas.openxmlformats.org/presentationml/2006/main">
+  <p:cSld>
+    <p:bg>
+      <p:bgPr>
+        <a:solidFill>
+          <a:schemeClr val="bg1">
+            <a:lumMod val="85000"/>
+          </a:schemeClr>
+        </a:solidFill>
+        <a:effectLst/>
+      </p:bgPr>
+    </p:bg>
+    <p:spTree>
+      <p:nvGrpSpPr>
+        <p:cNvPr id="1" name=""/>
+        <p:cNvGrpSpPr/>
+        <p:nvPr/>
+      </p:nvGrpSpPr>
+      <p:grpSpPr>
+        <a:xfrm>
+          <a:off x="0" y="0"/>
+          <a:ext cx="0" cy="0"/>
+          <a:chOff x="0" y="0"/>
+          <a:chExt cx="0" cy="0"/>
+        </a:xfrm>
+      </p:grpSpPr>
+      <p:sp>
+        <p:nvSpPr>
+          <p:cNvPr id="15" name="Rectangle 12">
+            <a:extLst>
+              <a:ext uri="{FF2B5EF4-FFF2-40B4-BE49-F238E27FC236}">
+                <a16:creationId xmlns:a16="http://schemas.microsoft.com/office/drawing/2014/main" id="{867D4867-5BA7-4462-B2F6-A23F4A622AA7}"/>
+              </a:ext>
+              <a:ext uri="{C183D7F6-B498-43B3-948B-1728B52AA6E4}">
+                <adec:decorative xmlns:adec="http://schemas.microsoft.com/office/drawing/2017/decorative" val="1"/>
+              </a:ext>
+            </a:extLst>
+          </p:cNvPr>
+          <p:cNvSpPr>
+            <a:spLocks noGrp="1" noRot="1" noChangeAspect="1" noMove="1" noResize="1" noEditPoints="1" noAdjustHandles="1" noChangeArrowheads="1" noChangeShapeType="1" noTextEdit="1"/>
+          </p:cNvSpPr>
+          <p:nvPr>
+            <p:extLst>
+              <p:ext uri="{386F3935-93C4-4BCD-93E2-E3B085C9AB24}">
+                <p16:designElem xmlns:p16="http://schemas.microsoft.com/office/powerpoint/2015/main" val="1"/>
+              </p:ext>
+            </p:extLst>
+          </p:nvPr>
+        </p:nvSpPr>
+        <p:spPr>
+          <a:xfrm>
+            <a:off x="0" y="0"/>
+            <a:ext cx="3490722" cy="6858000"/>
+          </a:xfrm>
+          <a:prstGeom prst="rect">
+            <a:avLst/>
+          </a:prstGeom>
+          <a:solidFill>
+            <a:schemeClr val="tx1">
+              <a:lumMod val="75000"/>
+              <a:lumOff val="25000"/>
+            </a:schemeClr>
+          </a:solidFill>
+          <a:ln>
+            <a:noFill/>
+          </a:ln>
+        </p:spPr>
+        <p:style>
+          <a:lnRef idx="0">
+            <a:scrgbClr r="0" g="0" b="0"/>
+          </a:lnRef>
+          <a:fillRef idx="0">
+            <a:scrgbClr r="0" g="0" b="0"/>
+          </a:fillRef>
+          <a:effectRef idx="0">
+            <a:scrgbClr r="0" g="0" b="0"/>
+          </a:effectRef>
+          <a:fontRef idx="minor">
+            <a:schemeClr val="lt1"/>
+          </a:fontRef>
+        </p:style>
+        <p:txBody>
+          <a:bodyPr rtlCol="0" anchor="ctr"/>
+          <a:lstStyle/>
+          <a:p>
+            <a:pPr marL="0" marR="0" lvl="0" indent="0" algn="ctr" defTabSz="457200" rtl="0" eaLnBrk="1" fontAlgn="base" latinLnBrk="0" hangingPunct="1">
+              <a:lnSpc>
+                <a:spcPct val="100000"/>
+              </a:lnSpc>
+              <a:spcBef>
+                <a:spcPct val="0"/>
+              </a:spcBef>
+              <a:spcAft>
+                <a:spcPct val="0"/>
+              </a:spcAft>
+              <a:buClrTx/>
+              <a:buSzTx/>
+              <a:buFontTx/>
+              <a:buNone/>
+              <a:tabLst/>
+              <a:defRPr/>
+            </a:pPr>
+            <a:endParaRPr kumimoji="0" lang="en-US" sz="2400" b="0" i="0" u="none" strike="noStrike" kern="1200" cap="none" spc="0" normalizeH="0" baseline="0" noProof="0">
+              <a:ln>
+                <a:noFill/>
+              </a:ln>
+              <a:solidFill>
+                <a:prstClr val="white"/>
+              </a:solidFill>
+              <a:effectLst/>
+              <a:uLnTx/>
+              <a:uFillTx/>
+              <a:latin typeface="Calibri"/>
+              <a:ea typeface="+mn-ea"/>
+              <a:cs typeface="+mn-cs"/>
+            </a:endParaRPr>
+          </a:p>
+        </p:txBody>
+      </p:sp>
+      <p:sp>
+        <p:nvSpPr>
+          <p:cNvPr id="2" name="Title 1"/>
+          <p:cNvSpPr>
+            <a:spLocks noGrp="1"/>
+          </p:cNvSpPr>
+          <p:nvPr>
+            <p:ph type="title"/>
+          </p:nvPr>
+        </p:nvSpPr>
+        <p:spPr>
+          <a:xfrm>
+            <a:off x="482600" y="643467"/>
+            <a:ext cx="2522980" cy="1597315"/>
+          </a:xfrm>
+          <a:noFill/>
+          <a:ln w="19050">
+            <a:solidFill>
+              <a:schemeClr val="bg1"/>
+            </a:solidFill>
+          </a:ln>
+        </p:spPr>
+        <p:txBody>
+          <a:bodyPr vert="horz" wrap="square" lIns="91440" tIns="45720" rIns="91440" bIns="45720" rtlCol="0" anchor="ctr">
+            <a:normAutofit/>
+          </a:bodyPr>
+          <a:lstStyle/>
+          <a:p>
+            <a:pPr defTabSz="914400" eaLnBrk="1" hangingPunct="1">
+              <a:lnSpc>
+                <a:spcPct val="90000"/>
+              </a:lnSpc>
+            </a:pPr>
+            <a:r>
+              <a:rPr lang="en-US" sz="2400" dirty="0">
+                <a:solidFill>
+                  <a:schemeClr val="bg1"/>
+                </a:solidFill>
+              </a:rPr>
+              <a:t>Part 2: </a:t>
+            </a:r>
+            <a:br>
+              <a:rPr lang="en-US" sz="2400" dirty="0">
+                <a:solidFill>
+                  <a:schemeClr val="bg1"/>
+                </a:solidFill>
+              </a:rPr>
+            </a:br>
+            <a:r>
+              <a:rPr lang="en-US" sz="2400" dirty="0">
+                <a:solidFill>
+                  <a:schemeClr val="bg1"/>
+                </a:solidFill>
+              </a:rPr>
+              <a:t>K-Fold CV</a:t>
+            </a:r>
+            <a:endParaRPr lang="en-US" sz="2400" kern="1200" dirty="0">
+              <a:solidFill>
+                <a:schemeClr val="bg1"/>
+              </a:solidFill>
+              <a:latin typeface="+mj-lt"/>
+              <a:ea typeface="+mj-ea"/>
+              <a:cs typeface="+mj-cs"/>
+            </a:endParaRPr>
+          </a:p>
+        </p:txBody>
+      </p:sp>
+      <p:pic>
+        <p:nvPicPr>
+          <p:cNvPr id="8" name="Picture 7">
+            <a:extLst>
+              <a:ext uri="{FF2B5EF4-FFF2-40B4-BE49-F238E27FC236}">
+                <a16:creationId xmlns:a16="http://schemas.microsoft.com/office/drawing/2014/main" id="{521D4292-9ECC-4DA5-8CC0-C561A0DA118E}"/>
+              </a:ext>
+            </a:extLst>
+          </p:cNvPr>
+          <p:cNvPicPr>
+            <a:picLocks noChangeAspect="1"/>
+          </p:cNvPicPr>
+          <p:nvPr/>
+        </p:nvPicPr>
+        <p:blipFill rotWithShape="1">
+          <a:blip r:embed="rId3"/>
+          <a:srcRect l="8000" r="9400"/>
+          <a:stretch/>
+        </p:blipFill>
+        <p:spPr>
+          <a:xfrm>
+            <a:off x="660103" y="3048000"/>
+            <a:ext cx="2167974" cy="2624666"/>
+          </a:xfrm>
+          <a:prstGeom prst="rect">
+            <a:avLst/>
+          </a:prstGeom>
+          <a:noFill/>
+        </p:spPr>
+      </p:pic>
+      <p:sp>
+        <p:nvSpPr>
+          <p:cNvPr id="7" name="TextBox 6">
+            <a:extLst>
+              <a:ext uri="{FF2B5EF4-FFF2-40B4-BE49-F238E27FC236}">
+                <a16:creationId xmlns:a16="http://schemas.microsoft.com/office/drawing/2014/main" id="{DAB48721-5D4E-487F-AAC4-A832B27B1A65}"/>
+              </a:ext>
+            </a:extLst>
+          </p:cNvPr>
+          <p:cNvSpPr txBox="1"/>
+          <p:nvPr/>
+        </p:nvSpPr>
+        <p:spPr>
+          <a:xfrm>
+            <a:off x="3795366" y="643467"/>
+            <a:ext cx="5334000" cy="6740307"/>
+          </a:xfrm>
+          <a:prstGeom prst="rect">
+            <a:avLst/>
+          </a:prstGeom>
+          <a:noFill/>
+        </p:spPr>
+        <p:txBody>
+          <a:bodyPr wrap="square" rtlCol="0">
+            <a:spAutoFit/>
+          </a:bodyPr>
+          <a:lstStyle/>
+          <a:p>
+            <a:pPr marL="342900" indent="-342900">
+              <a:buFont typeface="Arial" panose="020B0604020202020204" pitchFamily="34" charset="0"/>
+              <a:buChar char="•"/>
+              <a:defRPr/>
+            </a:pPr>
+            <a:r>
+              <a:rPr lang="en-US" dirty="0">
+                <a:solidFill>
+                  <a:srgbClr val="404040"/>
+                </a:solidFill>
+              </a:rPr>
+              <a:t>Run Chunk 4</a:t>
+            </a:r>
+          </a:p>
+          <a:p>
+            <a:pPr marL="800100" lvl="1" indent="-342900">
+              <a:buFont typeface="Arial" panose="020B0604020202020204" pitchFamily="34" charset="0"/>
+              <a:buChar char="•"/>
+              <a:defRPr/>
+            </a:pPr>
+            <a:endParaRPr lang="en-US" dirty="0">
+              <a:solidFill>
+                <a:srgbClr val="404040"/>
+              </a:solidFill>
+            </a:endParaRPr>
+          </a:p>
+          <a:p>
+            <a:pPr marL="800100" lvl="1" indent="-342900">
+              <a:buFont typeface="Arial" panose="020B0604020202020204" pitchFamily="34" charset="0"/>
+              <a:buChar char="•"/>
+              <a:defRPr/>
+            </a:pPr>
+            <a:r>
+              <a:rPr lang="en-US" dirty="0">
+                <a:solidFill>
+                  <a:srgbClr val="404040"/>
+                </a:solidFill>
+              </a:rPr>
+              <a:t>Create Function to Fit Models</a:t>
+            </a:r>
+          </a:p>
+          <a:p>
+            <a:pPr marL="800100" lvl="1" indent="-342900">
+              <a:buFont typeface="Arial" panose="020B0604020202020204" pitchFamily="34" charset="0"/>
+              <a:buChar char="•"/>
+              <a:defRPr/>
+            </a:pPr>
+            <a:r>
+              <a:rPr lang="en-US" dirty="0">
+                <a:solidFill>
+                  <a:srgbClr val="404040"/>
+                </a:solidFill>
+              </a:rPr>
+              <a:t>Apply Function to All Train Sets Using </a:t>
+            </a:r>
+            <a:r>
+              <a:rPr lang="en-US" dirty="0" err="1">
+                <a:solidFill>
+                  <a:srgbClr val="404040"/>
+                </a:solidFill>
+              </a:rPr>
+              <a:t>purrr:map</a:t>
+            </a:r>
+            <a:r>
+              <a:rPr lang="en-US" dirty="0">
+                <a:solidFill>
+                  <a:srgbClr val="404040"/>
+                </a:solidFill>
+              </a:rPr>
+              <a:t>() Function</a:t>
+            </a:r>
+          </a:p>
+          <a:p>
+            <a:pPr marL="800100" lvl="1" indent="-342900">
+              <a:buFont typeface="Arial" panose="020B0604020202020204" pitchFamily="34" charset="0"/>
+              <a:buChar char="•"/>
+              <a:defRPr/>
+            </a:pPr>
+            <a:endParaRPr lang="en-US" dirty="0">
+              <a:solidFill>
+                <a:srgbClr val="404040"/>
+              </a:solidFill>
+            </a:endParaRPr>
+          </a:p>
+          <a:p>
+            <a:pPr marL="800100" lvl="1" indent="-342900">
+              <a:buFont typeface="Arial" panose="020B0604020202020204" pitchFamily="34" charset="0"/>
+              <a:buChar char="•"/>
+              <a:defRPr/>
+            </a:pPr>
+            <a:endParaRPr lang="en-US" dirty="0">
+              <a:solidFill>
+                <a:srgbClr val="404040"/>
+              </a:solidFill>
+            </a:endParaRPr>
+          </a:p>
+          <a:p>
+            <a:pPr marL="800100" lvl="1" indent="-342900">
+              <a:buFont typeface="Arial" panose="020B0604020202020204" pitchFamily="34" charset="0"/>
+              <a:buChar char="•"/>
+              <a:defRPr/>
+            </a:pPr>
+            <a:endParaRPr lang="en-US" i="1" dirty="0">
+              <a:solidFill>
+                <a:srgbClr val="404040"/>
+              </a:solidFill>
+            </a:endParaRPr>
+          </a:p>
+          <a:p>
+            <a:pPr marL="800100" lvl="1" indent="-342900">
+              <a:buFont typeface="Arial" panose="020B0604020202020204" pitchFamily="34" charset="0"/>
+              <a:buChar char="•"/>
+              <a:defRPr/>
+            </a:pPr>
+            <a:endParaRPr lang="en-US" i="1" dirty="0">
+              <a:solidFill>
+                <a:srgbClr val="404040"/>
+              </a:solidFill>
+            </a:endParaRPr>
+          </a:p>
+          <a:p>
+            <a:pPr marL="800100" lvl="1" indent="-342900">
+              <a:buFont typeface="Arial" panose="020B0604020202020204" pitchFamily="34" charset="0"/>
+              <a:buChar char="•"/>
+              <a:defRPr/>
+            </a:pPr>
+            <a:endParaRPr lang="en-US" i="1" dirty="0">
+              <a:solidFill>
+                <a:srgbClr val="404040"/>
+              </a:solidFill>
+            </a:endParaRPr>
+          </a:p>
+          <a:p>
+            <a:pPr marL="800100" lvl="1" indent="-342900">
+              <a:buFont typeface="Arial" panose="020B0604020202020204" pitchFamily="34" charset="0"/>
+              <a:buChar char="•"/>
+              <a:defRPr/>
+            </a:pPr>
+            <a:endParaRPr lang="en-US" i="1" dirty="0">
+              <a:solidFill>
+                <a:srgbClr val="404040"/>
+              </a:solidFill>
+            </a:endParaRPr>
+          </a:p>
+          <a:p>
+            <a:pPr lvl="1">
+              <a:defRPr/>
+            </a:pPr>
+            <a:endParaRPr lang="en-US" i="1" dirty="0">
+              <a:solidFill>
+                <a:srgbClr val="404040"/>
+              </a:solidFill>
+            </a:endParaRPr>
+          </a:p>
+          <a:p>
+            <a:pPr marL="800100" lvl="1" indent="-342900">
+              <a:buFont typeface="Arial" panose="020B0604020202020204" pitchFamily="34" charset="0"/>
+              <a:buChar char="•"/>
+              <a:defRPr/>
+            </a:pPr>
+            <a:r>
+              <a:rPr lang="en-US" dirty="0">
+                <a:solidFill>
+                  <a:srgbClr val="404040"/>
+                </a:solidFill>
+              </a:rPr>
+              <a:t>Functions from </a:t>
+            </a:r>
+            <a:r>
+              <a:rPr lang="en-US" dirty="0" err="1">
+                <a:solidFill>
+                  <a:srgbClr val="404040"/>
+                </a:solidFill>
+              </a:rPr>
+              <a:t>purrr</a:t>
+            </a:r>
+            <a:r>
+              <a:rPr lang="en-US" dirty="0">
+                <a:solidFill>
+                  <a:srgbClr val="404040"/>
+                </a:solidFill>
+              </a:rPr>
+              <a:t> Package</a:t>
+            </a:r>
+          </a:p>
+          <a:p>
+            <a:pPr marL="1257300" lvl="2" indent="-342900">
+              <a:buFont typeface="Arial" panose="020B0604020202020204" pitchFamily="34" charset="0"/>
+              <a:buChar char="•"/>
+              <a:defRPr/>
+            </a:pPr>
+            <a:r>
+              <a:rPr lang="en-US" dirty="0">
+                <a:solidFill>
+                  <a:srgbClr val="404040"/>
+                </a:solidFill>
+              </a:rPr>
+              <a:t>map() – Loop Over Train</a:t>
+            </a:r>
+          </a:p>
+          <a:p>
+            <a:pPr marL="1257300" lvl="2" indent="-342900">
+              <a:buFont typeface="Arial" panose="020B0604020202020204" pitchFamily="34" charset="0"/>
+              <a:buChar char="•"/>
+              <a:defRPr/>
+            </a:pPr>
+            <a:r>
+              <a:rPr lang="en-US" dirty="0">
+                <a:solidFill>
+                  <a:srgbClr val="404040"/>
+                </a:solidFill>
+              </a:rPr>
+              <a:t>map2() – Loop Over Fitted Models and Test</a:t>
+            </a:r>
+          </a:p>
+          <a:p>
+            <a:pPr marL="342900" indent="-342900">
+              <a:buFont typeface="Arial" panose="020B0604020202020204" pitchFamily="34" charset="0"/>
+              <a:buChar char="•"/>
+              <a:defRPr/>
+            </a:pPr>
+            <a:endParaRPr lang="en-US" dirty="0">
+              <a:solidFill>
+                <a:srgbClr val="404040"/>
+              </a:solidFill>
+            </a:endParaRPr>
+          </a:p>
+          <a:p>
+            <a:pPr marL="800100" lvl="1" indent="-342900">
+              <a:buFont typeface="Arial" panose="020B0604020202020204" pitchFamily="34" charset="0"/>
+              <a:buChar char="•"/>
+              <a:defRPr/>
+            </a:pPr>
+            <a:endParaRPr lang="en-US" dirty="0">
+              <a:solidFill>
+                <a:srgbClr val="404040"/>
+              </a:solidFill>
+            </a:endParaRPr>
+          </a:p>
+        </p:txBody>
+      </p:sp>
+      <p:pic>
+        <p:nvPicPr>
+          <p:cNvPr id="6" name="Picture 5">
+            <a:extLst>
+              <a:ext uri="{FF2B5EF4-FFF2-40B4-BE49-F238E27FC236}">
+                <a16:creationId xmlns:a16="http://schemas.microsoft.com/office/drawing/2014/main" id="{59F32DA9-4D6F-4D0D-B6B7-8409850E5511}"/>
+              </a:ext>
+            </a:extLst>
+          </p:cNvPr>
+          <p:cNvPicPr>
+            <a:picLocks noChangeAspect="1"/>
+          </p:cNvPicPr>
+          <p:nvPr/>
+        </p:nvPicPr>
+        <p:blipFill>
+          <a:blip r:embed="rId4"/>
+          <a:stretch>
+            <a:fillRect/>
+          </a:stretch>
+        </p:blipFill>
+        <p:spPr>
+          <a:xfrm>
+            <a:off x="3657600" y="2667000"/>
+            <a:ext cx="5334000" cy="2073885"/>
+          </a:xfrm>
+          <a:prstGeom prst="rect">
+            <a:avLst/>
+          </a:prstGeom>
+          <a:ln>
+            <a:solidFill>
+              <a:srgbClr val="404040"/>
+            </a:solidFill>
+          </a:ln>
+        </p:spPr>
+        <p:style>
+          <a:lnRef idx="2">
+            <a:schemeClr val="dk1"/>
+          </a:lnRef>
+          <a:fillRef idx="1">
+            <a:schemeClr val="lt1"/>
+          </a:fillRef>
+          <a:effectRef idx="0">
+            <a:schemeClr val="dk1"/>
+          </a:effectRef>
+          <a:fontRef idx="minor">
+            <a:schemeClr val="dk1"/>
+          </a:fontRef>
+        </p:style>
+      </p:pic>
+    </p:spTree>
+    <p:custDataLst>
+      <p:tags r:id="rId1"/>
+    </p:custDataLst>
+    <p:extLst>
+      <p:ext uri="{BB962C8B-B14F-4D97-AF65-F5344CB8AC3E}">
+        <p14:creationId xmlns:p14="http://schemas.microsoft.com/office/powerpoint/2010/main" val="1686707192"/>
+      </p:ext>
+    </p:extLst>
+  </p:cSld>
+  <p:clrMapOvr>
+    <a:masterClrMapping/>
+  </p:clrMapOvr>
+</p:sld>
+</file>
+
+<file path=ppt/slides/slide19.xml><?xml version="1.0" encoding="utf-8"?>
+<p:sld xmlns:a="http://schemas.openxmlformats.org/drawingml/2006/main" xmlns:r="http://schemas.openxmlformats.org/officeDocument/2006/relationships" xmlns:p="http://schemas.openxmlformats.org/presentationml/2006/main">
+  <p:cSld>
+    <p:bg>
+      <p:bgPr>
+        <a:solidFill>
+          <a:schemeClr val="bg1">
+            <a:lumMod val="85000"/>
+          </a:schemeClr>
+        </a:solidFill>
+        <a:effectLst/>
+      </p:bgPr>
+    </p:bg>
+    <p:spTree>
+      <p:nvGrpSpPr>
+        <p:cNvPr id="1" name=""/>
+        <p:cNvGrpSpPr/>
+        <p:nvPr/>
+      </p:nvGrpSpPr>
+      <p:grpSpPr>
+        <a:xfrm>
+          <a:off x="0" y="0"/>
+          <a:ext cx="0" cy="0"/>
+          <a:chOff x="0" y="0"/>
+          <a:chExt cx="0" cy="0"/>
+        </a:xfrm>
+      </p:grpSpPr>
+      <p:sp>
+        <p:nvSpPr>
+          <p:cNvPr id="15" name="Rectangle 12">
+            <a:extLst>
+              <a:ext uri="{FF2B5EF4-FFF2-40B4-BE49-F238E27FC236}">
+                <a16:creationId xmlns:a16="http://schemas.microsoft.com/office/drawing/2014/main" id="{867D4867-5BA7-4462-B2F6-A23F4A622AA7}"/>
+              </a:ext>
+              <a:ext uri="{C183D7F6-B498-43B3-948B-1728B52AA6E4}">
+                <adec:decorative xmlns:adec="http://schemas.microsoft.com/office/drawing/2017/decorative" val="1"/>
+              </a:ext>
+            </a:extLst>
+          </p:cNvPr>
+          <p:cNvSpPr>
+            <a:spLocks noGrp="1" noRot="1" noChangeAspect="1" noMove="1" noResize="1" noEditPoints="1" noAdjustHandles="1" noChangeArrowheads="1" noChangeShapeType="1" noTextEdit="1"/>
+          </p:cNvSpPr>
+          <p:nvPr>
+            <p:extLst>
+              <p:ext uri="{386F3935-93C4-4BCD-93E2-E3B085C9AB24}">
+                <p16:designElem xmlns:p16="http://schemas.microsoft.com/office/powerpoint/2015/main" val="1"/>
+              </p:ext>
+            </p:extLst>
+          </p:nvPr>
+        </p:nvSpPr>
+        <p:spPr>
+          <a:xfrm>
+            <a:off x="0" y="0"/>
+            <a:ext cx="3490722" cy="6858000"/>
+          </a:xfrm>
+          <a:prstGeom prst="rect">
+            <a:avLst/>
+          </a:prstGeom>
+          <a:solidFill>
+            <a:schemeClr val="tx1">
+              <a:lumMod val="75000"/>
+              <a:lumOff val="25000"/>
+            </a:schemeClr>
+          </a:solidFill>
+          <a:ln>
+            <a:noFill/>
+          </a:ln>
+        </p:spPr>
+        <p:style>
+          <a:lnRef idx="0">
+            <a:scrgbClr r="0" g="0" b="0"/>
+          </a:lnRef>
+          <a:fillRef idx="0">
+            <a:scrgbClr r="0" g="0" b="0"/>
+          </a:fillRef>
+          <a:effectRef idx="0">
+            <a:scrgbClr r="0" g="0" b="0"/>
+          </a:effectRef>
+          <a:fontRef idx="minor">
+            <a:schemeClr val="lt1"/>
+          </a:fontRef>
+        </p:style>
+        <p:txBody>
+          <a:bodyPr rtlCol="0" anchor="ctr"/>
+          <a:lstStyle/>
+          <a:p>
+            <a:pPr marL="0" marR="0" lvl="0" indent="0" algn="ctr" defTabSz="457200" rtl="0" eaLnBrk="1" fontAlgn="base" latinLnBrk="0" hangingPunct="1">
+              <a:lnSpc>
+                <a:spcPct val="100000"/>
+              </a:lnSpc>
+              <a:spcBef>
+                <a:spcPct val="0"/>
+              </a:spcBef>
+              <a:spcAft>
+                <a:spcPct val="0"/>
+              </a:spcAft>
+              <a:buClrTx/>
+              <a:buSzTx/>
+              <a:buFontTx/>
+              <a:buNone/>
+              <a:tabLst/>
+              <a:defRPr/>
+            </a:pPr>
+            <a:endParaRPr kumimoji="0" lang="en-US" sz="2400" b="0" i="0" u="none" strike="noStrike" kern="1200" cap="none" spc="0" normalizeH="0" baseline="0" noProof="0">
+              <a:ln>
+                <a:noFill/>
+              </a:ln>
+              <a:solidFill>
+                <a:prstClr val="white"/>
+              </a:solidFill>
+              <a:effectLst/>
+              <a:uLnTx/>
+              <a:uFillTx/>
+              <a:latin typeface="Calibri"/>
+              <a:ea typeface="+mn-ea"/>
+              <a:cs typeface="+mn-cs"/>
+            </a:endParaRPr>
+          </a:p>
+        </p:txBody>
+      </p:sp>
+      <p:sp>
+        <p:nvSpPr>
+          <p:cNvPr id="2" name="Title 1"/>
+          <p:cNvSpPr>
+            <a:spLocks noGrp="1"/>
+          </p:cNvSpPr>
+          <p:nvPr>
+            <p:ph type="title"/>
+          </p:nvPr>
+        </p:nvSpPr>
+        <p:spPr>
+          <a:xfrm>
+            <a:off x="482600" y="643467"/>
+            <a:ext cx="2522980" cy="1597315"/>
+          </a:xfrm>
+          <a:noFill/>
+          <a:ln w="19050">
+            <a:solidFill>
+              <a:schemeClr val="bg1"/>
+            </a:solidFill>
+          </a:ln>
+        </p:spPr>
+        <p:txBody>
+          <a:bodyPr vert="horz" wrap="square" lIns="91440" tIns="45720" rIns="91440" bIns="45720" rtlCol="0" anchor="ctr">
+            <a:normAutofit/>
+          </a:bodyPr>
+          <a:lstStyle/>
+          <a:p>
+            <a:pPr defTabSz="914400" eaLnBrk="1" hangingPunct="1">
+              <a:lnSpc>
+                <a:spcPct val="90000"/>
+              </a:lnSpc>
+            </a:pPr>
+            <a:r>
+              <a:rPr lang="en-US" sz="2400" dirty="0">
+                <a:solidFill>
+                  <a:schemeClr val="bg1"/>
+                </a:solidFill>
+              </a:rPr>
+              <a:t>Part 2: </a:t>
+            </a:r>
+            <a:br>
+              <a:rPr lang="en-US" sz="2400" dirty="0">
+                <a:solidFill>
+                  <a:schemeClr val="bg1"/>
+                </a:solidFill>
+              </a:rPr>
+            </a:br>
+            <a:r>
+              <a:rPr lang="en-US" sz="2400" dirty="0">
+                <a:solidFill>
+                  <a:schemeClr val="bg1"/>
+                </a:solidFill>
+              </a:rPr>
+              <a:t>K-Fold CV</a:t>
+            </a:r>
+            <a:endParaRPr lang="en-US" sz="2400" kern="1200" dirty="0">
+              <a:solidFill>
+                <a:schemeClr val="bg1"/>
+              </a:solidFill>
+              <a:latin typeface="+mj-lt"/>
+              <a:ea typeface="+mj-ea"/>
+              <a:cs typeface="+mj-cs"/>
+            </a:endParaRPr>
+          </a:p>
+        </p:txBody>
+      </p:sp>
+      <p:pic>
+        <p:nvPicPr>
+          <p:cNvPr id="8" name="Picture 7">
+            <a:extLst>
+              <a:ext uri="{FF2B5EF4-FFF2-40B4-BE49-F238E27FC236}">
+                <a16:creationId xmlns:a16="http://schemas.microsoft.com/office/drawing/2014/main" id="{521D4292-9ECC-4DA5-8CC0-C561A0DA118E}"/>
+              </a:ext>
+            </a:extLst>
+          </p:cNvPr>
+          <p:cNvPicPr>
+            <a:picLocks noChangeAspect="1"/>
+          </p:cNvPicPr>
+          <p:nvPr/>
+        </p:nvPicPr>
+        <p:blipFill rotWithShape="1">
+          <a:blip r:embed="rId3"/>
+          <a:srcRect l="8000" r="9400"/>
+          <a:stretch/>
+        </p:blipFill>
+        <p:spPr>
+          <a:xfrm>
+            <a:off x="660103" y="3048000"/>
+            <a:ext cx="2167974" cy="2624666"/>
+          </a:xfrm>
+          <a:prstGeom prst="rect">
+            <a:avLst/>
+          </a:prstGeom>
+          <a:noFill/>
+        </p:spPr>
+      </p:pic>
+      <p:sp>
+        <p:nvSpPr>
+          <p:cNvPr id="7" name="TextBox 6">
+            <a:extLst>
+              <a:ext uri="{FF2B5EF4-FFF2-40B4-BE49-F238E27FC236}">
+                <a16:creationId xmlns:a16="http://schemas.microsoft.com/office/drawing/2014/main" id="{DAB48721-5D4E-487F-AAC4-A832B27B1A65}"/>
+              </a:ext>
+            </a:extLst>
+          </p:cNvPr>
+          <p:cNvSpPr txBox="1"/>
+          <p:nvPr/>
+        </p:nvSpPr>
+        <p:spPr>
+          <a:xfrm>
+            <a:off x="3795366" y="643467"/>
+            <a:ext cx="5334000" cy="6740307"/>
+          </a:xfrm>
+          <a:prstGeom prst="rect">
+            <a:avLst/>
+          </a:prstGeom>
+          <a:noFill/>
+        </p:spPr>
+        <p:txBody>
+          <a:bodyPr wrap="square" rtlCol="0">
+            <a:spAutoFit/>
+          </a:bodyPr>
+          <a:lstStyle/>
+          <a:p>
+            <a:pPr marL="342900" indent="-342900">
+              <a:buFont typeface="Arial" panose="020B0604020202020204" pitchFamily="34" charset="0"/>
+              <a:buChar char="•"/>
+              <a:defRPr/>
+            </a:pPr>
+            <a:r>
+              <a:rPr lang="en-US" dirty="0">
+                <a:solidFill>
+                  <a:srgbClr val="404040"/>
+                </a:solidFill>
+              </a:rPr>
+              <a:t>Run Chunk 5</a:t>
+            </a:r>
+          </a:p>
+          <a:p>
+            <a:pPr marL="342900" indent="-342900">
+              <a:buFont typeface="Arial" panose="020B0604020202020204" pitchFamily="34" charset="0"/>
+              <a:buChar char="•"/>
+              <a:defRPr/>
+            </a:pPr>
+            <a:endParaRPr lang="en-US" dirty="0">
+              <a:solidFill>
+                <a:srgbClr val="404040"/>
+              </a:solidFill>
+            </a:endParaRPr>
+          </a:p>
+          <a:p>
+            <a:pPr marL="800100" lvl="1" indent="-342900">
+              <a:buFont typeface="Arial" panose="020B0604020202020204" pitchFamily="34" charset="0"/>
+              <a:buChar char="•"/>
+              <a:defRPr/>
+            </a:pPr>
+            <a:r>
+              <a:rPr lang="en-US" dirty="0">
+                <a:solidFill>
+                  <a:srgbClr val="404040"/>
+                </a:solidFill>
+              </a:rPr>
+              <a:t>purrr:map2() Iterates Function Over Two Arguments</a:t>
+            </a:r>
+          </a:p>
+          <a:p>
+            <a:pPr marL="800100" lvl="1" indent="-342900">
+              <a:buFont typeface="Arial" panose="020B0604020202020204" pitchFamily="34" charset="0"/>
+              <a:buChar char="•"/>
+              <a:defRPr/>
+            </a:pPr>
+            <a:r>
+              <a:rPr lang="en-US" dirty="0">
+                <a:solidFill>
+                  <a:srgbClr val="404040"/>
+                </a:solidFill>
+              </a:rPr>
+              <a:t>For Every Test Set and Trained Model, We Use augment() to Get Predictions</a:t>
+            </a:r>
+          </a:p>
+          <a:p>
+            <a:pPr marL="800100" lvl="1" indent="-342900">
+              <a:buFont typeface="Arial" panose="020B0604020202020204" pitchFamily="34" charset="0"/>
+              <a:buChar char="•"/>
+              <a:defRPr/>
+            </a:pPr>
+            <a:endParaRPr lang="en-US" dirty="0">
+              <a:solidFill>
+                <a:srgbClr val="404040"/>
+              </a:solidFill>
+            </a:endParaRPr>
+          </a:p>
+          <a:p>
+            <a:pPr marL="800100" lvl="1" indent="-342900">
+              <a:buFont typeface="Arial" panose="020B0604020202020204" pitchFamily="34" charset="0"/>
+              <a:buChar char="•"/>
+              <a:defRPr/>
+            </a:pPr>
+            <a:endParaRPr lang="en-US" dirty="0">
+              <a:solidFill>
+                <a:srgbClr val="404040"/>
+              </a:solidFill>
+            </a:endParaRPr>
+          </a:p>
+          <a:p>
+            <a:pPr marL="800100" lvl="1" indent="-342900">
+              <a:buFont typeface="Arial" panose="020B0604020202020204" pitchFamily="34" charset="0"/>
+              <a:buChar char="•"/>
+              <a:defRPr/>
+            </a:pPr>
+            <a:endParaRPr lang="en-US" i="1" dirty="0">
+              <a:solidFill>
+                <a:srgbClr val="404040"/>
+              </a:solidFill>
+            </a:endParaRPr>
+          </a:p>
+          <a:p>
+            <a:pPr marL="800100" lvl="1" indent="-342900">
+              <a:buFont typeface="Arial" panose="020B0604020202020204" pitchFamily="34" charset="0"/>
+              <a:buChar char="•"/>
+              <a:defRPr/>
+            </a:pPr>
+            <a:endParaRPr lang="en-US" i="1" dirty="0">
+              <a:solidFill>
+                <a:srgbClr val="404040"/>
+              </a:solidFill>
+            </a:endParaRPr>
+          </a:p>
+          <a:p>
+            <a:pPr marL="800100" lvl="1" indent="-342900">
+              <a:buFont typeface="Arial" panose="020B0604020202020204" pitchFamily="34" charset="0"/>
+              <a:buChar char="•"/>
+              <a:defRPr/>
+            </a:pPr>
+            <a:endParaRPr lang="en-US" i="1" dirty="0">
+              <a:solidFill>
+                <a:srgbClr val="404040"/>
+              </a:solidFill>
+            </a:endParaRPr>
+          </a:p>
+          <a:p>
+            <a:pPr lvl="1">
+              <a:defRPr/>
+            </a:pPr>
+            <a:endParaRPr lang="en-US" i="1" dirty="0">
+              <a:solidFill>
+                <a:srgbClr val="404040"/>
+              </a:solidFill>
+            </a:endParaRPr>
+          </a:p>
+          <a:p>
+            <a:pPr marL="800100" lvl="1" indent="-342900">
+              <a:buFont typeface="Arial" panose="020B0604020202020204" pitchFamily="34" charset="0"/>
+              <a:buChar char="•"/>
+              <a:defRPr/>
+            </a:pPr>
+            <a:r>
+              <a:rPr lang="en-US" dirty="0">
+                <a:solidFill>
+                  <a:srgbClr val="404040"/>
+                </a:solidFill>
+              </a:rPr>
+              <a:t>Next, Compare Fitted With Actual Using </a:t>
+            </a:r>
+            <a:r>
+              <a:rPr lang="en-US" dirty="0" err="1">
+                <a:solidFill>
+                  <a:srgbClr val="404040"/>
+                </a:solidFill>
+              </a:rPr>
+              <a:t>RMSE.func</a:t>
+            </a:r>
+            <a:r>
+              <a:rPr lang="en-US" dirty="0">
+                <a:solidFill>
+                  <a:srgbClr val="404040"/>
+                </a:solidFill>
+              </a:rPr>
+              <a:t>()</a:t>
+            </a:r>
+          </a:p>
+          <a:p>
+            <a:pPr marL="800100" lvl="1" indent="-342900">
+              <a:buFont typeface="Arial" panose="020B0604020202020204" pitchFamily="34" charset="0"/>
+              <a:buChar char="•"/>
+              <a:defRPr/>
+            </a:pPr>
+            <a:endParaRPr lang="en-US" i="1" dirty="0">
+              <a:solidFill>
+                <a:srgbClr val="404040"/>
+              </a:solidFill>
+            </a:endParaRPr>
+          </a:p>
+          <a:p>
+            <a:pPr marL="342900" indent="-342900">
+              <a:buFont typeface="Arial" panose="020B0604020202020204" pitchFamily="34" charset="0"/>
+              <a:buChar char="•"/>
+              <a:defRPr/>
+            </a:pPr>
+            <a:endParaRPr lang="en-US" dirty="0">
+              <a:solidFill>
+                <a:srgbClr val="404040"/>
+              </a:solidFill>
+            </a:endParaRPr>
+          </a:p>
+          <a:p>
+            <a:pPr marL="800100" lvl="1" indent="-342900">
+              <a:buFont typeface="Arial" panose="020B0604020202020204" pitchFamily="34" charset="0"/>
+              <a:buChar char="•"/>
+              <a:defRPr/>
+            </a:pPr>
+            <a:endParaRPr lang="en-US" dirty="0">
+              <a:solidFill>
+                <a:srgbClr val="404040"/>
+              </a:solidFill>
+            </a:endParaRPr>
+          </a:p>
+        </p:txBody>
+      </p:sp>
+      <p:pic>
+        <p:nvPicPr>
+          <p:cNvPr id="4" name="Picture 3">
+            <a:extLst>
+              <a:ext uri="{FF2B5EF4-FFF2-40B4-BE49-F238E27FC236}">
+                <a16:creationId xmlns:a16="http://schemas.microsoft.com/office/drawing/2014/main" id="{BD792729-83E3-442A-BC27-571F5211F768}"/>
+              </a:ext>
+            </a:extLst>
+          </p:cNvPr>
+          <p:cNvPicPr>
+            <a:picLocks noChangeAspect="1"/>
+          </p:cNvPicPr>
+          <p:nvPr/>
+        </p:nvPicPr>
+        <p:blipFill>
+          <a:blip r:embed="rId4"/>
+          <a:stretch>
+            <a:fillRect/>
+          </a:stretch>
+        </p:blipFill>
+        <p:spPr>
+          <a:xfrm>
+            <a:off x="3589055" y="3276600"/>
+            <a:ext cx="5478745" cy="2019193"/>
+          </a:xfrm>
+          <a:prstGeom prst="rect">
+            <a:avLst/>
+          </a:prstGeom>
+          <a:ln>
+            <a:solidFill>
+              <a:srgbClr val="404040"/>
+            </a:solidFill>
+          </a:ln>
+        </p:spPr>
+        <p:style>
+          <a:lnRef idx="2">
+            <a:schemeClr val="dk1"/>
+          </a:lnRef>
+          <a:fillRef idx="1">
+            <a:schemeClr val="lt1"/>
+          </a:fillRef>
+          <a:effectRef idx="0">
+            <a:schemeClr val="dk1"/>
+          </a:effectRef>
+          <a:fontRef idx="minor">
+            <a:schemeClr val="dk1"/>
+          </a:fontRef>
+        </p:style>
+      </p:pic>
+      <p:sp>
+        <p:nvSpPr>
+          <p:cNvPr id="6" name="Rectangle 5">
+            <a:extLst>
+              <a:ext uri="{FF2B5EF4-FFF2-40B4-BE49-F238E27FC236}">
+                <a16:creationId xmlns:a16="http://schemas.microsoft.com/office/drawing/2014/main" id="{DB56CBF3-EB6E-4436-B46A-7847319F8345}"/>
+              </a:ext>
+            </a:extLst>
+          </p:cNvPr>
+          <p:cNvSpPr/>
+          <p:nvPr/>
+        </p:nvSpPr>
+        <p:spPr>
+          <a:xfrm>
+            <a:off x="5334000" y="4013620"/>
+            <a:ext cx="457200" cy="1396580"/>
+          </a:xfrm>
+          <a:prstGeom prst="rect">
+            <a:avLst/>
+          </a:prstGeom>
+          <a:noFill/>
+          <a:ln>
+            <a:solidFill>
+              <a:srgbClr val="404040"/>
+            </a:solidFill>
+          </a:ln>
+        </p:spPr>
+        <p:style>
+          <a:lnRef idx="2">
+            <a:schemeClr val="dk1"/>
+          </a:lnRef>
+          <a:fillRef idx="1">
+            <a:schemeClr val="lt1"/>
+          </a:fillRef>
+          <a:effectRef idx="0">
+            <a:schemeClr val="dk1"/>
+          </a:effectRef>
+          <a:fontRef idx="minor">
+            <a:schemeClr val="dk1"/>
+          </a:fontRef>
+        </p:style>
+        <p:txBody>
+          <a:bodyPr rtlCol="0" anchor="ctr"/>
+          <a:lstStyle/>
+          <a:p>
+            <a:pPr algn="ctr"/>
+            <a:endParaRPr lang="en-US"/>
+          </a:p>
+        </p:txBody>
+      </p:sp>
+      <p:sp>
+        <p:nvSpPr>
+          <p:cNvPr id="10" name="Rectangle 9">
+            <a:extLst>
+              <a:ext uri="{FF2B5EF4-FFF2-40B4-BE49-F238E27FC236}">
+                <a16:creationId xmlns:a16="http://schemas.microsoft.com/office/drawing/2014/main" id="{A69FF41C-FDB5-439C-87A1-DEBBA8D1C852}"/>
+              </a:ext>
+            </a:extLst>
+          </p:cNvPr>
+          <p:cNvSpPr/>
+          <p:nvPr/>
+        </p:nvSpPr>
+        <p:spPr>
+          <a:xfrm>
+            <a:off x="7548846" y="4013620"/>
+            <a:ext cx="533400" cy="1396580"/>
+          </a:xfrm>
+          <a:prstGeom prst="rect">
+            <a:avLst/>
+          </a:prstGeom>
+          <a:noFill/>
+          <a:ln>
+            <a:solidFill>
+              <a:srgbClr val="404040"/>
+            </a:solidFill>
+          </a:ln>
+        </p:spPr>
+        <p:style>
+          <a:lnRef idx="2">
+            <a:schemeClr val="dk1"/>
+          </a:lnRef>
+          <a:fillRef idx="1">
+            <a:schemeClr val="lt1"/>
+          </a:fillRef>
+          <a:effectRef idx="0">
+            <a:schemeClr val="dk1"/>
+          </a:effectRef>
+          <a:fontRef idx="minor">
+            <a:schemeClr val="dk1"/>
+          </a:fontRef>
+        </p:style>
+        <p:txBody>
+          <a:bodyPr rtlCol="0" anchor="ctr"/>
+          <a:lstStyle/>
+          <a:p>
+            <a:pPr algn="ctr"/>
+            <a:endParaRPr lang="en-US"/>
+          </a:p>
+        </p:txBody>
+      </p:sp>
+      <p:cxnSp>
+        <p:nvCxnSpPr>
+          <p:cNvPr id="11" name="Straight Arrow Connector 10">
+            <a:extLst>
+              <a:ext uri="{FF2B5EF4-FFF2-40B4-BE49-F238E27FC236}">
+                <a16:creationId xmlns:a16="http://schemas.microsoft.com/office/drawing/2014/main" id="{E822D9F1-7998-4F9F-A438-2C3C4897C77C}"/>
+              </a:ext>
+            </a:extLst>
+          </p:cNvPr>
+          <p:cNvCxnSpPr>
+            <a:cxnSpLocks/>
+          </p:cNvCxnSpPr>
+          <p:nvPr/>
+        </p:nvCxnSpPr>
+        <p:spPr>
+          <a:xfrm flipH="1">
+            <a:off x="7329834" y="5410200"/>
+            <a:ext cx="219012" cy="152400"/>
+          </a:xfrm>
+          <a:prstGeom prst="straightConnector1">
+            <a:avLst/>
+          </a:prstGeom>
+          <a:ln>
+            <a:solidFill>
+              <a:srgbClr val="404040"/>
+            </a:solidFill>
+            <a:tailEnd type="triangle"/>
+          </a:ln>
+        </p:spPr>
+        <p:style>
+          <a:lnRef idx="2">
+            <a:schemeClr val="accent1"/>
+          </a:lnRef>
+          <a:fillRef idx="0">
+            <a:schemeClr val="accent1"/>
+          </a:fillRef>
+          <a:effectRef idx="1">
+            <a:schemeClr val="accent1"/>
+          </a:effectRef>
+          <a:fontRef idx="minor">
+            <a:schemeClr val="tx1"/>
+          </a:fontRef>
+        </p:style>
+      </p:cxnSp>
+      <p:cxnSp>
+        <p:nvCxnSpPr>
+          <p:cNvPr id="13" name="Straight Arrow Connector 12">
+            <a:extLst>
+              <a:ext uri="{FF2B5EF4-FFF2-40B4-BE49-F238E27FC236}">
+                <a16:creationId xmlns:a16="http://schemas.microsoft.com/office/drawing/2014/main" id="{CB32FDD9-F57E-4731-9168-CFE07416C611}"/>
+              </a:ext>
+            </a:extLst>
+          </p:cNvPr>
+          <p:cNvCxnSpPr>
+            <a:cxnSpLocks/>
+          </p:cNvCxnSpPr>
+          <p:nvPr/>
+        </p:nvCxnSpPr>
+        <p:spPr>
+          <a:xfrm flipH="1">
+            <a:off x="5410200" y="5400107"/>
+            <a:ext cx="85536" cy="513785"/>
+          </a:xfrm>
+          <a:prstGeom prst="straightConnector1">
+            <a:avLst/>
+          </a:prstGeom>
+          <a:ln>
+            <a:solidFill>
+              <a:srgbClr val="404040"/>
+            </a:solidFill>
+            <a:tailEnd type="triangle"/>
+          </a:ln>
+        </p:spPr>
+        <p:style>
+          <a:lnRef idx="2">
+            <a:schemeClr val="accent1"/>
+          </a:lnRef>
+          <a:fillRef idx="0">
+            <a:schemeClr val="accent1"/>
+          </a:fillRef>
+          <a:effectRef idx="1">
+            <a:schemeClr val="accent1"/>
+          </a:effectRef>
+          <a:fontRef idx="minor">
+            <a:schemeClr val="tx1"/>
+          </a:fontRef>
+        </p:style>
+      </p:cxnSp>
+      <p:pic>
+        <p:nvPicPr>
+          <p:cNvPr id="18" name="Picture 17">
+            <a:extLst>
+              <a:ext uri="{FF2B5EF4-FFF2-40B4-BE49-F238E27FC236}">
+                <a16:creationId xmlns:a16="http://schemas.microsoft.com/office/drawing/2014/main" id="{CA51BC9A-996E-4F18-9EA8-844DD07025DA}"/>
+              </a:ext>
+            </a:extLst>
+          </p:cNvPr>
+          <p:cNvPicPr>
+            <a:picLocks noChangeAspect="1"/>
+          </p:cNvPicPr>
+          <p:nvPr/>
+        </p:nvPicPr>
+        <p:blipFill>
+          <a:blip r:embed="rId5"/>
+          <a:stretch>
+            <a:fillRect/>
+          </a:stretch>
+        </p:blipFill>
+        <p:spPr>
+          <a:xfrm>
+            <a:off x="3589055" y="6308122"/>
+            <a:ext cx="5478745" cy="361063"/>
+          </a:xfrm>
+          <a:prstGeom prst="rect">
+            <a:avLst/>
+          </a:prstGeom>
+          <a:ln>
+            <a:solidFill>
+              <a:srgbClr val="404040"/>
+            </a:solidFill>
+          </a:ln>
+        </p:spPr>
+        <p:style>
+          <a:lnRef idx="2">
+            <a:schemeClr val="dk1"/>
+          </a:lnRef>
+          <a:fillRef idx="1">
+            <a:schemeClr val="lt1"/>
+          </a:fillRef>
+          <a:effectRef idx="0">
+            <a:schemeClr val="dk1"/>
+          </a:effectRef>
+          <a:fontRef idx="minor">
+            <a:schemeClr val="dk1"/>
+          </a:fontRef>
+        </p:style>
+      </p:pic>
+    </p:spTree>
+    <p:custDataLst>
+      <p:tags r:id="rId1"/>
+    </p:custDataLst>
+    <p:extLst>
+      <p:ext uri="{BB962C8B-B14F-4D97-AF65-F5344CB8AC3E}">
+        <p14:creationId xmlns:p14="http://schemas.microsoft.com/office/powerpoint/2010/main" val="3329214615"/>
       </p:ext>
     </p:extLst>
   </p:cSld>
@@ -13303,7 +14088,7 @@
         <p:spPr>
           <a:xfrm>
             <a:off x="3810000" y="643467"/>
-            <a:ext cx="5334000" cy="4524315"/>
+            <a:ext cx="5334000" cy="5632311"/>
           </a:xfrm>
           <a:prstGeom prst="rect">
             <a:avLst/>
@@ -13451,6 +14236,43 @@
               </a:rPr>
               <a:t> </a:t>
             </a:r>
+          </a:p>
+          <a:p>
+            <a:pPr marL="1257300" lvl="2" indent="-342900">
+              <a:buFont typeface="Arial" panose="020B0604020202020204" pitchFamily="34" charset="0"/>
+              <a:buChar char="•"/>
+              <a:defRPr/>
+            </a:pPr>
+            <a:endParaRPr lang="en-US" dirty="0">
+              <a:solidFill>
+                <a:srgbClr val="404040"/>
+              </a:solidFill>
+            </a:endParaRPr>
+          </a:p>
+          <a:p>
+            <a:pPr marL="1257300" lvl="2" indent="-342900">
+              <a:buFont typeface="Arial" panose="020B0604020202020204" pitchFamily="34" charset="0"/>
+              <a:buChar char="•"/>
+              <a:defRPr/>
+            </a:pPr>
+            <a:r>
+              <a:rPr lang="en-US" dirty="0">
+                <a:solidFill>
+                  <a:srgbClr val="404040"/>
+                </a:solidFill>
+              </a:rPr>
+              <a:t> </a:t>
+            </a:r>
+          </a:p>
+          <a:p>
+            <a:pPr lvl="2">
+              <a:defRPr/>
+            </a:pPr>
+            <a:endParaRPr lang="en-US" dirty="0">
+              <a:solidFill>
+                <a:srgbClr val="404040"/>
+              </a:solidFill>
+            </a:endParaRPr>
           </a:p>
           <a:p>
             <a:pPr marL="800100" lvl="1" indent="-342900">
@@ -13625,7 +14447,7 @@
         </p:nvSpPr>
         <p:spPr>
           <a:xfrm>
-            <a:off x="5029200" y="3921856"/>
+            <a:off x="5024658" y="4722799"/>
             <a:ext cx="1924050" cy="369332"/>
           </a:xfrm>
           <a:prstGeom prst="rect">
@@ -13647,6 +14469,47 @@
                   <a:schemeClr val="bg1"/>
                 </a:solidFill>
               </a:rPr>
+              <a:t>library(broom)</a:t>
+            </a:r>
+          </a:p>
+        </p:txBody>
+      </p:sp>
+      <p:sp>
+        <p:nvSpPr>
+          <p:cNvPr id="11" name="TextBox 10">
+            <a:extLst>
+              <a:ext uri="{FF2B5EF4-FFF2-40B4-BE49-F238E27FC236}">
+                <a16:creationId xmlns:a16="http://schemas.microsoft.com/office/drawing/2014/main" id="{D5882481-7F24-4C33-81AC-612100E83953}"/>
+              </a:ext>
+            </a:extLst>
+          </p:cNvPr>
+          <p:cNvSpPr txBox="1"/>
+          <p:nvPr/>
+        </p:nvSpPr>
+        <p:spPr>
+          <a:xfrm>
+            <a:off x="5024658" y="3983566"/>
+            <a:ext cx="1924050" cy="369332"/>
+          </a:xfrm>
+          <a:prstGeom prst="rect">
+            <a:avLst/>
+          </a:prstGeom>
+          <a:solidFill>
+            <a:srgbClr val="404040"/>
+          </a:solidFill>
+        </p:spPr>
+        <p:txBody>
+          <a:bodyPr wrap="square" rtlCol="0">
+            <a:spAutoFit/>
+          </a:bodyPr>
+          <a:lstStyle/>
+          <a:p>
+            <a:r>
+              <a:rPr lang="en-US" sz="1800" dirty="0">
+                <a:solidFill>
+                  <a:schemeClr val="bg1"/>
+                </a:solidFill>
+              </a:rPr>
               <a:t>library(</a:t>
             </a:r>
             <a:r>
@@ -13655,7 +14518,7 @@
                   <a:schemeClr val="bg1"/>
                 </a:solidFill>
               </a:rPr>
-              <a:t>xtable</a:t>
+              <a:t>purrr</a:t>
             </a:r>
             <a:r>
               <a:rPr lang="en-US" sz="1800" dirty="0">
@@ -13675,6 +14538,1260 @@
     <p:extLst>
       <p:ext uri="{BB962C8B-B14F-4D97-AF65-F5344CB8AC3E}">
         <p14:creationId xmlns:p14="http://schemas.microsoft.com/office/powerpoint/2010/main" val="2056469305"/>
+      </p:ext>
+    </p:extLst>
+  </p:cSld>
+  <p:clrMapOvr>
+    <a:masterClrMapping/>
+  </p:clrMapOvr>
+</p:sld>
+</file>
+
+<file path=ppt/slides/slide20.xml><?xml version="1.0" encoding="utf-8"?>
+<p:sld xmlns:a="http://schemas.openxmlformats.org/drawingml/2006/main" xmlns:r="http://schemas.openxmlformats.org/officeDocument/2006/relationships" xmlns:p="http://schemas.openxmlformats.org/presentationml/2006/main">
+  <p:cSld>
+    <p:bg>
+      <p:bgPr>
+        <a:solidFill>
+          <a:schemeClr val="bg1">
+            <a:lumMod val="85000"/>
+          </a:schemeClr>
+        </a:solidFill>
+        <a:effectLst/>
+      </p:bgPr>
+    </p:bg>
+    <p:spTree>
+      <p:nvGrpSpPr>
+        <p:cNvPr id="1" name=""/>
+        <p:cNvGrpSpPr/>
+        <p:nvPr/>
+      </p:nvGrpSpPr>
+      <p:grpSpPr>
+        <a:xfrm>
+          <a:off x="0" y="0"/>
+          <a:ext cx="0" cy="0"/>
+          <a:chOff x="0" y="0"/>
+          <a:chExt cx="0" cy="0"/>
+        </a:xfrm>
+      </p:grpSpPr>
+      <p:sp>
+        <p:nvSpPr>
+          <p:cNvPr id="15" name="Rectangle 12">
+            <a:extLst>
+              <a:ext uri="{FF2B5EF4-FFF2-40B4-BE49-F238E27FC236}">
+                <a16:creationId xmlns:a16="http://schemas.microsoft.com/office/drawing/2014/main" id="{867D4867-5BA7-4462-B2F6-A23F4A622AA7}"/>
+              </a:ext>
+              <a:ext uri="{C183D7F6-B498-43B3-948B-1728B52AA6E4}">
+                <adec:decorative xmlns:adec="http://schemas.microsoft.com/office/drawing/2017/decorative" val="1"/>
+              </a:ext>
+            </a:extLst>
+          </p:cNvPr>
+          <p:cNvSpPr>
+            <a:spLocks noGrp="1" noRot="1" noChangeAspect="1" noMove="1" noResize="1" noEditPoints="1" noAdjustHandles="1" noChangeArrowheads="1" noChangeShapeType="1" noTextEdit="1"/>
+          </p:cNvSpPr>
+          <p:nvPr>
+            <p:extLst>
+              <p:ext uri="{386F3935-93C4-4BCD-93E2-E3B085C9AB24}">
+                <p16:designElem xmlns:p16="http://schemas.microsoft.com/office/powerpoint/2015/main" val="1"/>
+              </p:ext>
+            </p:extLst>
+          </p:nvPr>
+        </p:nvSpPr>
+        <p:spPr>
+          <a:xfrm>
+            <a:off x="0" y="0"/>
+            <a:ext cx="3490722" cy="6858000"/>
+          </a:xfrm>
+          <a:prstGeom prst="rect">
+            <a:avLst/>
+          </a:prstGeom>
+          <a:solidFill>
+            <a:schemeClr val="tx1">
+              <a:lumMod val="75000"/>
+              <a:lumOff val="25000"/>
+            </a:schemeClr>
+          </a:solidFill>
+          <a:ln>
+            <a:noFill/>
+          </a:ln>
+        </p:spPr>
+        <p:style>
+          <a:lnRef idx="0">
+            <a:scrgbClr r="0" g="0" b="0"/>
+          </a:lnRef>
+          <a:fillRef idx="0">
+            <a:scrgbClr r="0" g="0" b="0"/>
+          </a:fillRef>
+          <a:effectRef idx="0">
+            <a:scrgbClr r="0" g="0" b="0"/>
+          </a:effectRef>
+          <a:fontRef idx="minor">
+            <a:schemeClr val="lt1"/>
+          </a:fontRef>
+        </p:style>
+        <p:txBody>
+          <a:bodyPr rtlCol="0" anchor="ctr"/>
+          <a:lstStyle/>
+          <a:p>
+            <a:pPr marL="0" marR="0" lvl="0" indent="0" algn="ctr" defTabSz="457200" rtl="0" eaLnBrk="1" fontAlgn="base" latinLnBrk="0" hangingPunct="1">
+              <a:lnSpc>
+                <a:spcPct val="100000"/>
+              </a:lnSpc>
+              <a:spcBef>
+                <a:spcPct val="0"/>
+              </a:spcBef>
+              <a:spcAft>
+                <a:spcPct val="0"/>
+              </a:spcAft>
+              <a:buClrTx/>
+              <a:buSzTx/>
+              <a:buFontTx/>
+              <a:buNone/>
+              <a:tabLst/>
+              <a:defRPr/>
+            </a:pPr>
+            <a:endParaRPr kumimoji="0" lang="en-US" sz="2400" b="0" i="0" u="none" strike="noStrike" kern="1200" cap="none" spc="0" normalizeH="0" baseline="0" noProof="0">
+              <a:ln>
+                <a:noFill/>
+              </a:ln>
+              <a:solidFill>
+                <a:prstClr val="white"/>
+              </a:solidFill>
+              <a:effectLst/>
+              <a:uLnTx/>
+              <a:uFillTx/>
+              <a:latin typeface="Calibri"/>
+              <a:ea typeface="+mn-ea"/>
+              <a:cs typeface="+mn-cs"/>
+            </a:endParaRPr>
+          </a:p>
+        </p:txBody>
+      </p:sp>
+      <p:sp>
+        <p:nvSpPr>
+          <p:cNvPr id="2" name="Title 1"/>
+          <p:cNvSpPr>
+            <a:spLocks noGrp="1"/>
+          </p:cNvSpPr>
+          <p:nvPr>
+            <p:ph type="title"/>
+          </p:nvPr>
+        </p:nvSpPr>
+        <p:spPr>
+          <a:xfrm>
+            <a:off x="482600" y="643467"/>
+            <a:ext cx="2522980" cy="1597315"/>
+          </a:xfrm>
+          <a:noFill/>
+          <a:ln w="19050">
+            <a:solidFill>
+              <a:schemeClr val="bg1"/>
+            </a:solidFill>
+          </a:ln>
+        </p:spPr>
+        <p:txBody>
+          <a:bodyPr vert="horz" wrap="square" lIns="91440" tIns="45720" rIns="91440" bIns="45720" rtlCol="0" anchor="ctr">
+            <a:normAutofit/>
+          </a:bodyPr>
+          <a:lstStyle/>
+          <a:p>
+            <a:pPr defTabSz="914400" eaLnBrk="1" hangingPunct="1">
+              <a:lnSpc>
+                <a:spcPct val="90000"/>
+              </a:lnSpc>
+            </a:pPr>
+            <a:r>
+              <a:rPr lang="en-US" sz="2400" kern="1200" dirty="0">
+                <a:solidFill>
+                  <a:schemeClr val="bg1"/>
+                </a:solidFill>
+                <a:latin typeface="+mj-lt"/>
+                <a:ea typeface="+mj-ea"/>
+                <a:cs typeface="+mj-cs"/>
+              </a:rPr>
+              <a:t>Look Ahead</a:t>
+            </a:r>
+          </a:p>
+        </p:txBody>
+      </p:sp>
+      <p:pic>
+        <p:nvPicPr>
+          <p:cNvPr id="8" name="Picture 7">
+            <a:extLst>
+              <a:ext uri="{FF2B5EF4-FFF2-40B4-BE49-F238E27FC236}">
+                <a16:creationId xmlns:a16="http://schemas.microsoft.com/office/drawing/2014/main" id="{521D4292-9ECC-4DA5-8CC0-C561A0DA118E}"/>
+              </a:ext>
+            </a:extLst>
+          </p:cNvPr>
+          <p:cNvPicPr>
+            <a:picLocks noChangeAspect="1"/>
+          </p:cNvPicPr>
+          <p:nvPr/>
+        </p:nvPicPr>
+        <p:blipFill rotWithShape="1">
+          <a:blip r:embed="rId3"/>
+          <a:srcRect l="8000" r="9400"/>
+          <a:stretch/>
+        </p:blipFill>
+        <p:spPr>
+          <a:xfrm>
+            <a:off x="660103" y="3048000"/>
+            <a:ext cx="2167974" cy="2624666"/>
+          </a:xfrm>
+          <a:prstGeom prst="rect">
+            <a:avLst/>
+          </a:prstGeom>
+          <a:noFill/>
+        </p:spPr>
+      </p:pic>
+      <p:sp>
+        <p:nvSpPr>
+          <p:cNvPr id="7" name="TextBox 6">
+            <a:extLst>
+              <a:ext uri="{FF2B5EF4-FFF2-40B4-BE49-F238E27FC236}">
+                <a16:creationId xmlns:a16="http://schemas.microsoft.com/office/drawing/2014/main" id="{DAB48721-5D4E-487F-AAC4-A832B27B1A65}"/>
+              </a:ext>
+            </a:extLst>
+          </p:cNvPr>
+          <p:cNvSpPr txBox="1"/>
+          <p:nvPr/>
+        </p:nvSpPr>
+        <p:spPr>
+          <a:xfrm>
+            <a:off x="3795366" y="643467"/>
+            <a:ext cx="5334000" cy="5632311"/>
+          </a:xfrm>
+          <a:prstGeom prst="rect">
+            <a:avLst/>
+          </a:prstGeom>
+          <a:noFill/>
+        </p:spPr>
+        <p:txBody>
+          <a:bodyPr wrap="square" rtlCol="0">
+            <a:spAutoFit/>
+          </a:bodyPr>
+          <a:lstStyle/>
+          <a:p>
+            <a:pPr marL="342900" indent="-342900">
+              <a:buFont typeface="Arial" panose="020B0604020202020204" pitchFamily="34" charset="0"/>
+              <a:buChar char="•"/>
+              <a:defRPr/>
+            </a:pPr>
+            <a:r>
+              <a:rPr lang="en-US" dirty="0">
+                <a:solidFill>
+                  <a:srgbClr val="404040"/>
+                </a:solidFill>
+              </a:rPr>
+              <a:t>What We Have Done</a:t>
+            </a:r>
+          </a:p>
+          <a:p>
+            <a:pPr marL="800100" lvl="1" indent="-342900">
+              <a:buFont typeface="Arial" panose="020B0604020202020204" pitchFamily="34" charset="0"/>
+              <a:buChar char="•"/>
+              <a:defRPr/>
+            </a:pPr>
+            <a:r>
+              <a:rPr lang="en-US" dirty="0">
+                <a:solidFill>
+                  <a:srgbClr val="404040"/>
+                </a:solidFill>
+              </a:rPr>
+              <a:t>Specify </a:t>
+            </a:r>
+            <a:r>
+              <a:rPr lang="en-US" i="1" dirty="0">
+                <a:solidFill>
+                  <a:srgbClr val="404040"/>
+                </a:solidFill>
+              </a:rPr>
+              <a:t>I </a:t>
+            </a:r>
+            <a:r>
+              <a:rPr lang="en-US" dirty="0">
+                <a:solidFill>
+                  <a:srgbClr val="404040"/>
+                </a:solidFill>
+              </a:rPr>
+              <a:t>and </a:t>
+            </a:r>
+            <a:r>
+              <a:rPr lang="en-US" i="1" dirty="0">
+                <a:solidFill>
+                  <a:srgbClr val="404040"/>
+                </a:solidFill>
+              </a:rPr>
+              <a:t>J </a:t>
+            </a:r>
+          </a:p>
+          <a:p>
+            <a:pPr marL="800100" lvl="1" indent="-342900">
+              <a:buFont typeface="Arial" panose="020B0604020202020204" pitchFamily="34" charset="0"/>
+              <a:buChar char="•"/>
+              <a:defRPr/>
+            </a:pPr>
+            <a:r>
+              <a:rPr lang="en-US" dirty="0">
+                <a:solidFill>
+                  <a:srgbClr val="404040"/>
+                </a:solidFill>
+              </a:rPr>
+              <a:t>Use 10-Fold Cross Validation to Estimate Out-of-Sample RMSE</a:t>
+            </a:r>
+          </a:p>
+          <a:p>
+            <a:pPr marL="342900" indent="-342900">
+              <a:buFont typeface="Arial" panose="020B0604020202020204" pitchFamily="34" charset="0"/>
+              <a:buChar char="•"/>
+              <a:defRPr/>
+            </a:pPr>
+            <a:endParaRPr lang="en-US" dirty="0">
+              <a:solidFill>
+                <a:srgbClr val="404040"/>
+              </a:solidFill>
+            </a:endParaRPr>
+          </a:p>
+          <a:p>
+            <a:pPr marL="342900" indent="-342900">
+              <a:buFont typeface="Arial" panose="020B0604020202020204" pitchFamily="34" charset="0"/>
+              <a:buChar char="•"/>
+              <a:defRPr/>
+            </a:pPr>
+            <a:r>
+              <a:rPr lang="en-US" dirty="0">
+                <a:solidFill>
+                  <a:srgbClr val="404040"/>
+                </a:solidFill>
+              </a:rPr>
+              <a:t>How We Should Use This</a:t>
+            </a:r>
+          </a:p>
+          <a:p>
+            <a:pPr marL="800100" lvl="1" indent="-342900">
+              <a:buFont typeface="Arial" panose="020B0604020202020204" pitchFamily="34" charset="0"/>
+              <a:buChar char="•"/>
+              <a:defRPr/>
+            </a:pPr>
+            <a:r>
+              <a:rPr lang="en-US" dirty="0">
+                <a:solidFill>
+                  <a:srgbClr val="404040"/>
+                </a:solidFill>
+              </a:rPr>
+              <a:t>Choose Max </a:t>
+            </a:r>
+            <a:r>
+              <a:rPr lang="en-US" i="1" dirty="0">
+                <a:solidFill>
+                  <a:srgbClr val="404040"/>
+                </a:solidFill>
+              </a:rPr>
+              <a:t>I </a:t>
+            </a:r>
+            <a:r>
+              <a:rPr lang="en-US" dirty="0">
+                <a:solidFill>
+                  <a:srgbClr val="404040"/>
+                </a:solidFill>
+              </a:rPr>
+              <a:t>and Max </a:t>
+            </a:r>
+            <a:r>
+              <a:rPr lang="en-US" i="1" dirty="0">
+                <a:solidFill>
+                  <a:srgbClr val="404040"/>
+                </a:solidFill>
+              </a:rPr>
+              <a:t>J</a:t>
+            </a:r>
+            <a:r>
+              <a:rPr lang="en-US" dirty="0">
+                <a:solidFill>
+                  <a:srgbClr val="404040"/>
+                </a:solidFill>
+              </a:rPr>
+              <a:t> </a:t>
+            </a:r>
+          </a:p>
+          <a:p>
+            <a:pPr lvl="1">
+              <a:defRPr/>
+            </a:pPr>
+            <a:r>
+              <a:rPr lang="en-US" dirty="0">
+                <a:solidFill>
+                  <a:srgbClr val="404040"/>
+                </a:solidFill>
+              </a:rPr>
+              <a:t>       (Example: 10)</a:t>
+            </a:r>
+          </a:p>
+          <a:p>
+            <a:pPr marL="800100" lvl="1" indent="-342900">
+              <a:buFont typeface="Arial" panose="020B0604020202020204" pitchFamily="34" charset="0"/>
+              <a:buChar char="•"/>
+              <a:defRPr/>
+            </a:pPr>
+            <a:r>
+              <a:rPr lang="en-US" dirty="0">
+                <a:solidFill>
+                  <a:srgbClr val="404040"/>
+                </a:solidFill>
+              </a:rPr>
+              <a:t>Initiate 10 x 10 Matrix of </a:t>
+            </a:r>
+            <a:r>
+              <a:rPr lang="en-US" i="1" dirty="0">
+                <a:solidFill>
+                  <a:srgbClr val="404040"/>
+                </a:solidFill>
+              </a:rPr>
+              <a:t>NA</a:t>
+            </a:r>
+            <a:endParaRPr lang="en-US" dirty="0">
+              <a:solidFill>
+                <a:srgbClr val="404040"/>
+              </a:solidFill>
+            </a:endParaRPr>
+          </a:p>
+          <a:p>
+            <a:pPr marL="800100" lvl="1" indent="-342900">
+              <a:buFont typeface="Arial" panose="020B0604020202020204" pitchFamily="34" charset="0"/>
+              <a:buChar char="•"/>
+              <a:defRPr/>
+            </a:pPr>
+            <a:r>
+              <a:rPr lang="en-US" dirty="0">
+                <a:solidFill>
+                  <a:srgbClr val="404040"/>
+                </a:solidFill>
+              </a:rPr>
+              <a:t>Loop Through All </a:t>
+            </a:r>
+            <a:r>
+              <a:rPr lang="en-US" i="1" dirty="0" err="1">
+                <a:solidFill>
+                  <a:srgbClr val="404040"/>
+                </a:solidFill>
+              </a:rPr>
+              <a:t>i</a:t>
+            </a:r>
+            <a:r>
+              <a:rPr lang="en-US" i="1" dirty="0">
+                <a:solidFill>
+                  <a:srgbClr val="404040"/>
+                </a:solidFill>
+              </a:rPr>
+              <a:t> </a:t>
+            </a:r>
+            <a:r>
+              <a:rPr lang="en-US" dirty="0">
+                <a:solidFill>
+                  <a:srgbClr val="404040"/>
+                </a:solidFill>
+              </a:rPr>
+              <a:t>and </a:t>
+            </a:r>
+            <a:r>
+              <a:rPr lang="en-US" i="1" dirty="0">
+                <a:solidFill>
+                  <a:srgbClr val="404040"/>
+                </a:solidFill>
+              </a:rPr>
+              <a:t>j </a:t>
+            </a:r>
+            <a:r>
+              <a:rPr lang="en-US" dirty="0">
+                <a:solidFill>
+                  <a:srgbClr val="404040"/>
+                </a:solidFill>
+              </a:rPr>
+              <a:t>to Capture Out-of-Sample RMSE</a:t>
+            </a:r>
+          </a:p>
+          <a:p>
+            <a:pPr marL="800100" lvl="1" indent="-342900">
+              <a:buFont typeface="Arial" panose="020B0604020202020204" pitchFamily="34" charset="0"/>
+              <a:buChar char="•"/>
+              <a:defRPr/>
+            </a:pPr>
+            <a:r>
+              <a:rPr lang="en-US" dirty="0">
+                <a:solidFill>
+                  <a:srgbClr val="404040"/>
+                </a:solidFill>
+              </a:rPr>
+              <a:t>Create a Tile Plot that Visualizes the RMSE for Each Combination of </a:t>
+            </a:r>
+            <a:r>
+              <a:rPr lang="en-US" i="1" dirty="0" err="1">
+                <a:solidFill>
+                  <a:srgbClr val="404040"/>
+                </a:solidFill>
+              </a:rPr>
+              <a:t>i</a:t>
+            </a:r>
+            <a:r>
+              <a:rPr lang="en-US" i="1" dirty="0">
+                <a:solidFill>
+                  <a:srgbClr val="404040"/>
+                </a:solidFill>
+              </a:rPr>
+              <a:t> </a:t>
+            </a:r>
+            <a:r>
+              <a:rPr lang="en-US" dirty="0">
+                <a:solidFill>
+                  <a:srgbClr val="404040"/>
+                </a:solidFill>
+              </a:rPr>
+              <a:t>and </a:t>
+            </a:r>
+            <a:r>
+              <a:rPr lang="en-US" i="1" dirty="0">
+                <a:solidFill>
+                  <a:srgbClr val="404040"/>
+                </a:solidFill>
+              </a:rPr>
+              <a:t>j</a:t>
+            </a:r>
+          </a:p>
+          <a:p>
+            <a:pPr marL="800100" lvl="1" indent="-342900">
+              <a:buFont typeface="Arial" panose="020B0604020202020204" pitchFamily="34" charset="0"/>
+              <a:buChar char="•"/>
+              <a:defRPr/>
+            </a:pPr>
+            <a:r>
+              <a:rPr lang="en-US" dirty="0">
+                <a:solidFill>
+                  <a:srgbClr val="404040"/>
+                </a:solidFill>
+              </a:rPr>
+              <a:t>Choose Best </a:t>
+            </a:r>
+            <a:r>
+              <a:rPr lang="en-US" i="1" dirty="0" err="1">
+                <a:solidFill>
+                  <a:srgbClr val="404040"/>
+                </a:solidFill>
+              </a:rPr>
+              <a:t>i</a:t>
+            </a:r>
+            <a:r>
+              <a:rPr lang="en-US" i="1" dirty="0">
+                <a:solidFill>
+                  <a:srgbClr val="404040"/>
+                </a:solidFill>
+              </a:rPr>
+              <a:t> </a:t>
+            </a:r>
+            <a:r>
+              <a:rPr lang="en-US" dirty="0">
+                <a:solidFill>
+                  <a:srgbClr val="404040"/>
+                </a:solidFill>
+              </a:rPr>
+              <a:t>and </a:t>
+            </a:r>
+            <a:r>
+              <a:rPr lang="en-US" i="1" dirty="0">
+                <a:solidFill>
+                  <a:srgbClr val="404040"/>
+                </a:solidFill>
+              </a:rPr>
+              <a:t>j</a:t>
+            </a:r>
+            <a:endParaRPr lang="en-US" dirty="0">
+              <a:solidFill>
+                <a:srgbClr val="404040"/>
+              </a:solidFill>
+            </a:endParaRPr>
+          </a:p>
+        </p:txBody>
+      </p:sp>
+    </p:spTree>
+    <p:custDataLst>
+      <p:tags r:id="rId1"/>
+    </p:custDataLst>
+    <p:extLst>
+      <p:ext uri="{BB962C8B-B14F-4D97-AF65-F5344CB8AC3E}">
+        <p14:creationId xmlns:p14="http://schemas.microsoft.com/office/powerpoint/2010/main" val="1311098050"/>
+      </p:ext>
+    </p:extLst>
+  </p:cSld>
+  <p:clrMapOvr>
+    <a:masterClrMapping/>
+  </p:clrMapOvr>
+</p:sld>
+</file>
+
+<file path=ppt/slides/slide21.xml><?xml version="1.0" encoding="utf-8"?>
+<p:sld xmlns:a="http://schemas.openxmlformats.org/drawingml/2006/main" xmlns:r="http://schemas.openxmlformats.org/officeDocument/2006/relationships" xmlns:p="http://schemas.openxmlformats.org/presentationml/2006/main">
+  <p:cSld>
+    <p:bg>
+      <p:bgPr>
+        <a:solidFill>
+          <a:schemeClr val="bg1">
+            <a:lumMod val="85000"/>
+          </a:schemeClr>
+        </a:solidFill>
+        <a:effectLst/>
+      </p:bgPr>
+    </p:bg>
+    <p:spTree>
+      <p:nvGrpSpPr>
+        <p:cNvPr id="1" name=""/>
+        <p:cNvGrpSpPr/>
+        <p:nvPr/>
+      </p:nvGrpSpPr>
+      <p:grpSpPr>
+        <a:xfrm>
+          <a:off x="0" y="0"/>
+          <a:ext cx="0" cy="0"/>
+          <a:chOff x="0" y="0"/>
+          <a:chExt cx="0" cy="0"/>
+        </a:xfrm>
+      </p:grpSpPr>
+      <p:sp>
+        <p:nvSpPr>
+          <p:cNvPr id="15" name="Rectangle 12">
+            <a:extLst>
+              <a:ext uri="{FF2B5EF4-FFF2-40B4-BE49-F238E27FC236}">
+                <a16:creationId xmlns:a16="http://schemas.microsoft.com/office/drawing/2014/main" id="{867D4867-5BA7-4462-B2F6-A23F4A622AA7}"/>
+              </a:ext>
+              <a:ext uri="{C183D7F6-B498-43B3-948B-1728B52AA6E4}">
+                <adec:decorative xmlns:adec="http://schemas.microsoft.com/office/drawing/2017/decorative" val="1"/>
+              </a:ext>
+            </a:extLst>
+          </p:cNvPr>
+          <p:cNvSpPr>
+            <a:spLocks noGrp="1" noRot="1" noChangeAspect="1" noMove="1" noResize="1" noEditPoints="1" noAdjustHandles="1" noChangeArrowheads="1" noChangeShapeType="1" noTextEdit="1"/>
+          </p:cNvSpPr>
+          <p:nvPr>
+            <p:extLst>
+              <p:ext uri="{386F3935-93C4-4BCD-93E2-E3B085C9AB24}">
+                <p16:designElem xmlns:p16="http://schemas.microsoft.com/office/powerpoint/2015/main" val="1"/>
+              </p:ext>
+            </p:extLst>
+          </p:nvPr>
+        </p:nvSpPr>
+        <p:spPr>
+          <a:xfrm>
+            <a:off x="0" y="0"/>
+            <a:ext cx="3490722" cy="6858000"/>
+          </a:xfrm>
+          <a:prstGeom prst="rect">
+            <a:avLst/>
+          </a:prstGeom>
+          <a:solidFill>
+            <a:schemeClr val="tx1">
+              <a:lumMod val="75000"/>
+              <a:lumOff val="25000"/>
+            </a:schemeClr>
+          </a:solidFill>
+          <a:ln>
+            <a:noFill/>
+          </a:ln>
+        </p:spPr>
+        <p:style>
+          <a:lnRef idx="0">
+            <a:scrgbClr r="0" g="0" b="0"/>
+          </a:lnRef>
+          <a:fillRef idx="0">
+            <a:scrgbClr r="0" g="0" b="0"/>
+          </a:fillRef>
+          <a:effectRef idx="0">
+            <a:scrgbClr r="0" g="0" b="0"/>
+          </a:effectRef>
+          <a:fontRef idx="minor">
+            <a:schemeClr val="lt1"/>
+          </a:fontRef>
+        </p:style>
+        <p:txBody>
+          <a:bodyPr rtlCol="0" anchor="ctr"/>
+          <a:lstStyle/>
+          <a:p>
+            <a:pPr algn="ctr"/>
+            <a:endParaRPr lang="en-US"/>
+          </a:p>
+        </p:txBody>
+      </p:sp>
+      <p:sp>
+        <p:nvSpPr>
+          <p:cNvPr id="2" name="Title 1"/>
+          <p:cNvSpPr>
+            <a:spLocks noGrp="1"/>
+          </p:cNvSpPr>
+          <p:nvPr>
+            <p:ph type="title"/>
+          </p:nvPr>
+        </p:nvSpPr>
+        <p:spPr>
+          <a:xfrm>
+            <a:off x="482600" y="643467"/>
+            <a:ext cx="2522980" cy="1597315"/>
+          </a:xfrm>
+          <a:noFill/>
+          <a:ln w="19050">
+            <a:solidFill>
+              <a:schemeClr val="bg1"/>
+            </a:solidFill>
+          </a:ln>
+        </p:spPr>
+        <p:txBody>
+          <a:bodyPr vert="horz" wrap="square" lIns="91440" tIns="45720" rIns="91440" bIns="45720" rtlCol="0" anchor="ctr">
+            <a:normAutofit/>
+          </a:bodyPr>
+          <a:lstStyle/>
+          <a:p>
+            <a:pPr defTabSz="914400" eaLnBrk="1" hangingPunct="1">
+              <a:lnSpc>
+                <a:spcPct val="90000"/>
+              </a:lnSpc>
+            </a:pPr>
+            <a:r>
+              <a:rPr lang="en-US" sz="2400" kern="1200">
+                <a:solidFill>
+                  <a:schemeClr val="bg1"/>
+                </a:solidFill>
+                <a:latin typeface="+mj-lt"/>
+                <a:ea typeface="+mj-ea"/>
+                <a:cs typeface="+mj-cs"/>
+              </a:rPr>
+              <a:t>Closing</a:t>
+            </a:r>
+            <a:endParaRPr lang="en-US" sz="2400" kern="1200" dirty="0">
+              <a:solidFill>
+                <a:schemeClr val="bg1"/>
+              </a:solidFill>
+              <a:latin typeface="+mj-lt"/>
+              <a:ea typeface="+mj-ea"/>
+              <a:cs typeface="+mj-cs"/>
+            </a:endParaRPr>
+          </a:p>
+        </p:txBody>
+      </p:sp>
+      <p:pic>
+        <p:nvPicPr>
+          <p:cNvPr id="8" name="Picture 7">
+            <a:extLst>
+              <a:ext uri="{FF2B5EF4-FFF2-40B4-BE49-F238E27FC236}">
+                <a16:creationId xmlns:a16="http://schemas.microsoft.com/office/drawing/2014/main" id="{521D4292-9ECC-4DA5-8CC0-C561A0DA118E}"/>
+              </a:ext>
+            </a:extLst>
+          </p:cNvPr>
+          <p:cNvPicPr>
+            <a:picLocks noChangeAspect="1"/>
+          </p:cNvPicPr>
+          <p:nvPr/>
+        </p:nvPicPr>
+        <p:blipFill rotWithShape="1">
+          <a:blip r:embed="rId3"/>
+          <a:srcRect l="8000" r="9400"/>
+          <a:stretch/>
+        </p:blipFill>
+        <p:spPr>
+          <a:xfrm>
+            <a:off x="660103" y="3048000"/>
+            <a:ext cx="2167974" cy="2624666"/>
+          </a:xfrm>
+          <a:prstGeom prst="rect">
+            <a:avLst/>
+          </a:prstGeom>
+          <a:noFill/>
+        </p:spPr>
+      </p:pic>
+      <p:sp>
+        <p:nvSpPr>
+          <p:cNvPr id="7" name="Content Placeholder 2">
+            <a:extLst>
+              <a:ext uri="{FF2B5EF4-FFF2-40B4-BE49-F238E27FC236}">
+                <a16:creationId xmlns:a16="http://schemas.microsoft.com/office/drawing/2014/main" id="{8FE51533-15BE-453E-90FE-08298901BC34}"/>
+              </a:ext>
+            </a:extLst>
+          </p:cNvPr>
+          <p:cNvSpPr txBox="1">
+            <a:spLocks/>
+          </p:cNvSpPr>
+          <p:nvPr/>
+        </p:nvSpPr>
+        <p:spPr bwMode="auto">
+          <a:xfrm>
+            <a:off x="3810000" y="643466"/>
+            <a:ext cx="4851400" cy="5833533"/>
+          </a:xfrm>
+          <a:prstGeom prst="rect">
+            <a:avLst/>
+          </a:prstGeom>
+        </p:spPr>
+        <p:txBody>
+          <a:bodyPr vert="horz" lIns="91440" tIns="45720" rIns="91440" bIns="45720" numCol="1" rtlCol="0" anchorCtr="0" compatLnSpc="1">
+            <a:prstTxWarp prst="textNoShape">
+              <a:avLst/>
+            </a:prstTxWarp>
+            <a:noAutofit/>
+          </a:bodyPr>
+          <a:lstStyle>
+            <a:lvl1pPr marL="342900" indent="-342900" algn="l" defTabSz="457200" rtl="0" eaLnBrk="0" fontAlgn="base" hangingPunct="0">
+              <a:spcBef>
+                <a:spcPct val="20000"/>
+              </a:spcBef>
+              <a:spcAft>
+                <a:spcPct val="0"/>
+              </a:spcAft>
+              <a:buFont typeface="Arial" charset="0"/>
+              <a:buChar char="•"/>
+              <a:defRPr sz="3200" kern="1200">
+                <a:solidFill>
+                  <a:schemeClr val="tx1"/>
+                </a:solidFill>
+                <a:latin typeface="+mn-lt"/>
+                <a:ea typeface="ＭＳ Ｐゴシック" pitchFamily="-109" charset="-128"/>
+                <a:cs typeface="ＭＳ Ｐゴシック" pitchFamily="-109" charset="-128"/>
+              </a:defRPr>
+            </a:lvl1pPr>
+            <a:lvl2pPr marL="742950" indent="-285750" algn="l" defTabSz="457200" rtl="0" eaLnBrk="0" fontAlgn="base" hangingPunct="0">
+              <a:spcBef>
+                <a:spcPct val="20000"/>
+              </a:spcBef>
+              <a:spcAft>
+                <a:spcPct val="0"/>
+              </a:spcAft>
+              <a:buFont typeface="Arial" charset="0"/>
+              <a:buChar char="–"/>
+              <a:defRPr sz="2800" kern="1200">
+                <a:solidFill>
+                  <a:schemeClr val="tx1"/>
+                </a:solidFill>
+                <a:latin typeface="+mn-lt"/>
+                <a:ea typeface="ＭＳ Ｐゴシック" pitchFamily="-109" charset="-128"/>
+                <a:cs typeface="+mn-cs"/>
+              </a:defRPr>
+            </a:lvl2pPr>
+            <a:lvl3pPr marL="1143000" indent="-228600" algn="l" defTabSz="457200" rtl="0" eaLnBrk="0" fontAlgn="base" hangingPunct="0">
+              <a:spcBef>
+                <a:spcPct val="20000"/>
+              </a:spcBef>
+              <a:spcAft>
+                <a:spcPct val="0"/>
+              </a:spcAft>
+              <a:buFont typeface="Arial" charset="0"/>
+              <a:buChar char="•"/>
+              <a:defRPr sz="2400" kern="1200">
+                <a:solidFill>
+                  <a:schemeClr val="tx1"/>
+                </a:solidFill>
+                <a:latin typeface="+mn-lt"/>
+                <a:ea typeface="ＭＳ Ｐゴシック" pitchFamily="-109" charset="-128"/>
+                <a:cs typeface="+mn-cs"/>
+              </a:defRPr>
+            </a:lvl3pPr>
+            <a:lvl4pPr marL="1600200" indent="-228600" algn="l" defTabSz="457200" rtl="0" eaLnBrk="0" fontAlgn="base" hangingPunct="0">
+              <a:spcBef>
+                <a:spcPct val="20000"/>
+              </a:spcBef>
+              <a:spcAft>
+                <a:spcPct val="0"/>
+              </a:spcAft>
+              <a:buFont typeface="Arial" charset="0"/>
+              <a:buChar char="–"/>
+              <a:defRPr sz="2000" kern="1200">
+                <a:solidFill>
+                  <a:schemeClr val="tx1"/>
+                </a:solidFill>
+                <a:latin typeface="+mn-lt"/>
+                <a:ea typeface="ＭＳ Ｐゴシック" pitchFamily="-109" charset="-128"/>
+                <a:cs typeface="+mn-cs"/>
+              </a:defRPr>
+            </a:lvl4pPr>
+            <a:lvl5pPr marL="2057400" indent="-228600" algn="l" defTabSz="457200" rtl="0" eaLnBrk="0" fontAlgn="base" hangingPunct="0">
+              <a:spcBef>
+                <a:spcPct val="20000"/>
+              </a:spcBef>
+              <a:spcAft>
+                <a:spcPct val="0"/>
+              </a:spcAft>
+              <a:buFont typeface="Arial" charset="0"/>
+              <a:buChar char="»"/>
+              <a:defRPr sz="2000" kern="1200">
+                <a:solidFill>
+                  <a:schemeClr val="tx1"/>
+                </a:solidFill>
+                <a:latin typeface="+mn-lt"/>
+                <a:ea typeface="ＭＳ Ｐゴシック" pitchFamily="-109" charset="-128"/>
+                <a:cs typeface="+mn-cs"/>
+              </a:defRPr>
+            </a:lvl5pPr>
+            <a:lvl6pPr marL="2514600" indent="-228600" algn="l" defTabSz="457200" rtl="0" eaLnBrk="1" latinLnBrk="0" hangingPunct="1">
+              <a:spcBef>
+                <a:spcPct val="20000"/>
+              </a:spcBef>
+              <a:buFont typeface="Arial"/>
+              <a:buChar char="•"/>
+              <a:defRPr sz="2000" kern="1200">
+                <a:solidFill>
+                  <a:schemeClr val="tx1"/>
+                </a:solidFill>
+                <a:latin typeface="+mn-lt"/>
+                <a:ea typeface="+mn-ea"/>
+                <a:cs typeface="+mn-cs"/>
+              </a:defRPr>
+            </a:lvl6pPr>
+            <a:lvl7pPr marL="2971800" indent="-228600" algn="l" defTabSz="457200" rtl="0" eaLnBrk="1" latinLnBrk="0" hangingPunct="1">
+              <a:spcBef>
+                <a:spcPct val="20000"/>
+              </a:spcBef>
+              <a:buFont typeface="Arial"/>
+              <a:buChar char="•"/>
+              <a:defRPr sz="2000" kern="1200">
+                <a:solidFill>
+                  <a:schemeClr val="tx1"/>
+                </a:solidFill>
+                <a:latin typeface="+mn-lt"/>
+                <a:ea typeface="+mn-ea"/>
+                <a:cs typeface="+mn-cs"/>
+              </a:defRPr>
+            </a:lvl7pPr>
+            <a:lvl8pPr marL="3429000" indent="-228600" algn="l" defTabSz="457200" rtl="0" eaLnBrk="1" latinLnBrk="0" hangingPunct="1">
+              <a:spcBef>
+                <a:spcPct val="20000"/>
+              </a:spcBef>
+              <a:buFont typeface="Arial"/>
+              <a:buChar char="•"/>
+              <a:defRPr sz="2000" kern="1200">
+                <a:solidFill>
+                  <a:schemeClr val="tx1"/>
+                </a:solidFill>
+                <a:latin typeface="+mn-lt"/>
+                <a:ea typeface="+mn-ea"/>
+                <a:cs typeface="+mn-cs"/>
+              </a:defRPr>
+            </a:lvl8pPr>
+            <a:lvl9pPr marL="3886200" indent="-228600" algn="l" defTabSz="457200" rtl="0" eaLnBrk="1" latinLnBrk="0" hangingPunct="1">
+              <a:spcBef>
+                <a:spcPct val="20000"/>
+              </a:spcBef>
+              <a:buFont typeface="Arial"/>
+              <a:buChar char="•"/>
+              <a:defRPr sz="2000" kern="1200">
+                <a:solidFill>
+                  <a:schemeClr val="tx1"/>
+                </a:solidFill>
+                <a:latin typeface="+mn-lt"/>
+                <a:ea typeface="+mn-ea"/>
+                <a:cs typeface="+mn-cs"/>
+              </a:defRPr>
+            </a:lvl9pPr>
+          </a:lstStyle>
+          <a:p>
+            <a:pPr indent="-228600" defTabSz="914400" eaLnBrk="1" hangingPunct="1">
+              <a:lnSpc>
+                <a:spcPct val="90000"/>
+              </a:lnSpc>
+              <a:buFont typeface="Arial" panose="020B0604020202020204" pitchFamily="34" charset="0"/>
+              <a:buChar char="•"/>
+            </a:pPr>
+            <a:endParaRPr lang="en-US" sz="2000" dirty="0">
+              <a:solidFill>
+                <a:srgbClr val="404040"/>
+              </a:solidFill>
+              <a:ea typeface="+mn-ea"/>
+              <a:cs typeface="+mn-cs"/>
+            </a:endParaRPr>
+          </a:p>
+          <a:p>
+            <a:pPr indent="-228600" defTabSz="914400" eaLnBrk="1" hangingPunct="1">
+              <a:lnSpc>
+                <a:spcPct val="90000"/>
+              </a:lnSpc>
+              <a:buFont typeface="Arial" panose="020B0604020202020204" pitchFamily="34" charset="0"/>
+              <a:buChar char="•"/>
+            </a:pPr>
+            <a:endParaRPr lang="en-US" sz="2000" dirty="0">
+              <a:solidFill>
+                <a:srgbClr val="404040"/>
+              </a:solidFill>
+              <a:ea typeface="+mn-ea"/>
+              <a:cs typeface="+mn-cs"/>
+            </a:endParaRPr>
+          </a:p>
+        </p:txBody>
+      </p:sp>
+      <p:sp>
+        <p:nvSpPr>
+          <p:cNvPr id="10" name="Content Placeholder 2">
+            <a:extLst>
+              <a:ext uri="{FF2B5EF4-FFF2-40B4-BE49-F238E27FC236}">
+                <a16:creationId xmlns:a16="http://schemas.microsoft.com/office/drawing/2014/main" id="{10754C74-871F-42E2-A79F-10B9CCA16CD5}"/>
+              </a:ext>
+            </a:extLst>
+          </p:cNvPr>
+          <p:cNvSpPr txBox="1">
+            <a:spLocks/>
+          </p:cNvSpPr>
+          <p:nvPr/>
+        </p:nvSpPr>
+        <p:spPr bwMode="auto">
+          <a:xfrm>
+            <a:off x="3973322" y="643466"/>
+            <a:ext cx="4851400" cy="5953916"/>
+          </a:xfrm>
+          <a:prstGeom prst="rect">
+            <a:avLst/>
+          </a:prstGeom>
+        </p:spPr>
+        <p:txBody>
+          <a:bodyPr vert="horz" lIns="91440" tIns="45720" rIns="91440" bIns="45720" numCol="1" rtlCol="0" anchorCtr="0" compatLnSpc="1">
+            <a:prstTxWarp prst="textNoShape">
+              <a:avLst/>
+            </a:prstTxWarp>
+            <a:noAutofit/>
+          </a:bodyPr>
+          <a:lstStyle>
+            <a:lvl1pPr marL="342900" indent="-342900" algn="l" defTabSz="457200" rtl="0" eaLnBrk="0" fontAlgn="base" hangingPunct="0">
+              <a:spcBef>
+                <a:spcPct val="20000"/>
+              </a:spcBef>
+              <a:spcAft>
+                <a:spcPct val="0"/>
+              </a:spcAft>
+              <a:buFont typeface="Arial" charset="0"/>
+              <a:buChar char="•"/>
+              <a:defRPr sz="3200" kern="1200">
+                <a:solidFill>
+                  <a:schemeClr val="tx1"/>
+                </a:solidFill>
+                <a:latin typeface="+mn-lt"/>
+                <a:ea typeface="ＭＳ Ｐゴシック" pitchFamily="-109" charset="-128"/>
+                <a:cs typeface="ＭＳ Ｐゴシック" pitchFamily="-109" charset="-128"/>
+              </a:defRPr>
+            </a:lvl1pPr>
+            <a:lvl2pPr marL="742950" indent="-285750" algn="l" defTabSz="457200" rtl="0" eaLnBrk="0" fontAlgn="base" hangingPunct="0">
+              <a:spcBef>
+                <a:spcPct val="20000"/>
+              </a:spcBef>
+              <a:spcAft>
+                <a:spcPct val="0"/>
+              </a:spcAft>
+              <a:buFont typeface="Arial" charset="0"/>
+              <a:buChar char="–"/>
+              <a:defRPr sz="2800" kern="1200">
+                <a:solidFill>
+                  <a:schemeClr val="tx1"/>
+                </a:solidFill>
+                <a:latin typeface="+mn-lt"/>
+                <a:ea typeface="ＭＳ Ｐゴシック" pitchFamily="-109" charset="-128"/>
+                <a:cs typeface="+mn-cs"/>
+              </a:defRPr>
+            </a:lvl2pPr>
+            <a:lvl3pPr marL="1143000" indent="-228600" algn="l" defTabSz="457200" rtl="0" eaLnBrk="0" fontAlgn="base" hangingPunct="0">
+              <a:spcBef>
+                <a:spcPct val="20000"/>
+              </a:spcBef>
+              <a:spcAft>
+                <a:spcPct val="0"/>
+              </a:spcAft>
+              <a:buFont typeface="Arial" charset="0"/>
+              <a:buChar char="•"/>
+              <a:defRPr sz="2400" kern="1200">
+                <a:solidFill>
+                  <a:schemeClr val="tx1"/>
+                </a:solidFill>
+                <a:latin typeface="+mn-lt"/>
+                <a:ea typeface="ＭＳ Ｐゴシック" pitchFamily="-109" charset="-128"/>
+                <a:cs typeface="+mn-cs"/>
+              </a:defRPr>
+            </a:lvl3pPr>
+            <a:lvl4pPr marL="1600200" indent="-228600" algn="l" defTabSz="457200" rtl="0" eaLnBrk="0" fontAlgn="base" hangingPunct="0">
+              <a:spcBef>
+                <a:spcPct val="20000"/>
+              </a:spcBef>
+              <a:spcAft>
+                <a:spcPct val="0"/>
+              </a:spcAft>
+              <a:buFont typeface="Arial" charset="0"/>
+              <a:buChar char="–"/>
+              <a:defRPr sz="2000" kern="1200">
+                <a:solidFill>
+                  <a:schemeClr val="tx1"/>
+                </a:solidFill>
+                <a:latin typeface="+mn-lt"/>
+                <a:ea typeface="ＭＳ Ｐゴシック" pitchFamily="-109" charset="-128"/>
+                <a:cs typeface="+mn-cs"/>
+              </a:defRPr>
+            </a:lvl4pPr>
+            <a:lvl5pPr marL="2057400" indent="-228600" algn="l" defTabSz="457200" rtl="0" eaLnBrk="0" fontAlgn="base" hangingPunct="0">
+              <a:spcBef>
+                <a:spcPct val="20000"/>
+              </a:spcBef>
+              <a:spcAft>
+                <a:spcPct val="0"/>
+              </a:spcAft>
+              <a:buFont typeface="Arial" charset="0"/>
+              <a:buChar char="»"/>
+              <a:defRPr sz="2000" kern="1200">
+                <a:solidFill>
+                  <a:schemeClr val="tx1"/>
+                </a:solidFill>
+                <a:latin typeface="+mn-lt"/>
+                <a:ea typeface="ＭＳ Ｐゴシック" pitchFamily="-109" charset="-128"/>
+                <a:cs typeface="+mn-cs"/>
+              </a:defRPr>
+            </a:lvl5pPr>
+            <a:lvl6pPr marL="2514600" indent="-228600" algn="l" defTabSz="457200" rtl="0" eaLnBrk="1" latinLnBrk="0" hangingPunct="1">
+              <a:spcBef>
+                <a:spcPct val="20000"/>
+              </a:spcBef>
+              <a:buFont typeface="Arial"/>
+              <a:buChar char="•"/>
+              <a:defRPr sz="2000" kern="1200">
+                <a:solidFill>
+                  <a:schemeClr val="tx1"/>
+                </a:solidFill>
+                <a:latin typeface="+mn-lt"/>
+                <a:ea typeface="+mn-ea"/>
+                <a:cs typeface="+mn-cs"/>
+              </a:defRPr>
+            </a:lvl6pPr>
+            <a:lvl7pPr marL="2971800" indent="-228600" algn="l" defTabSz="457200" rtl="0" eaLnBrk="1" latinLnBrk="0" hangingPunct="1">
+              <a:spcBef>
+                <a:spcPct val="20000"/>
+              </a:spcBef>
+              <a:buFont typeface="Arial"/>
+              <a:buChar char="•"/>
+              <a:defRPr sz="2000" kern="1200">
+                <a:solidFill>
+                  <a:schemeClr val="tx1"/>
+                </a:solidFill>
+                <a:latin typeface="+mn-lt"/>
+                <a:ea typeface="+mn-ea"/>
+                <a:cs typeface="+mn-cs"/>
+              </a:defRPr>
+            </a:lvl7pPr>
+            <a:lvl8pPr marL="3429000" indent="-228600" algn="l" defTabSz="457200" rtl="0" eaLnBrk="1" latinLnBrk="0" hangingPunct="1">
+              <a:spcBef>
+                <a:spcPct val="20000"/>
+              </a:spcBef>
+              <a:buFont typeface="Arial"/>
+              <a:buChar char="•"/>
+              <a:defRPr sz="2000" kern="1200">
+                <a:solidFill>
+                  <a:schemeClr val="tx1"/>
+                </a:solidFill>
+                <a:latin typeface="+mn-lt"/>
+                <a:ea typeface="+mn-ea"/>
+                <a:cs typeface="+mn-cs"/>
+              </a:defRPr>
+            </a:lvl8pPr>
+            <a:lvl9pPr marL="3886200" indent="-228600" algn="l" defTabSz="457200" rtl="0" eaLnBrk="1" latinLnBrk="0" hangingPunct="1">
+              <a:spcBef>
+                <a:spcPct val="20000"/>
+              </a:spcBef>
+              <a:buFont typeface="Arial"/>
+              <a:buChar char="•"/>
+              <a:defRPr sz="2000" kern="1200">
+                <a:solidFill>
+                  <a:schemeClr val="tx1"/>
+                </a:solidFill>
+                <a:latin typeface="+mn-lt"/>
+                <a:ea typeface="+mn-ea"/>
+                <a:cs typeface="+mn-cs"/>
+              </a:defRPr>
+            </a:lvl9pPr>
+          </a:lstStyle>
+          <a:p>
+            <a:pPr marL="114300" indent="0" defTabSz="914400" eaLnBrk="1" hangingPunct="1">
+              <a:lnSpc>
+                <a:spcPct val="90000"/>
+              </a:lnSpc>
+              <a:buNone/>
+            </a:pPr>
+            <a:r>
+              <a:rPr lang="en-US" sz="7200" dirty="0">
+                <a:solidFill>
+                  <a:srgbClr val="404040"/>
+                </a:solidFill>
+                <a:ea typeface="+mn-ea"/>
+                <a:cs typeface="+mn-cs"/>
+              </a:rPr>
+              <a:t>Disperse and Make Reasonable Decisions</a:t>
+            </a:r>
+          </a:p>
+          <a:p>
+            <a:pPr indent="-228600" defTabSz="914400" eaLnBrk="1" hangingPunct="1">
+              <a:lnSpc>
+                <a:spcPct val="90000"/>
+              </a:lnSpc>
+              <a:buFont typeface="Arial" panose="020B0604020202020204" pitchFamily="34" charset="0"/>
+              <a:buChar char="•"/>
+            </a:pPr>
+            <a:endParaRPr lang="en-US" sz="7200" dirty="0">
+              <a:solidFill>
+                <a:srgbClr val="404040"/>
+              </a:solidFill>
+              <a:ea typeface="+mn-ea"/>
+              <a:cs typeface="+mn-cs"/>
+            </a:endParaRPr>
+          </a:p>
+          <a:p>
+            <a:pPr indent="-228600" defTabSz="914400" eaLnBrk="1" hangingPunct="1">
+              <a:lnSpc>
+                <a:spcPct val="90000"/>
+              </a:lnSpc>
+              <a:buFont typeface="Arial" panose="020B0604020202020204" pitchFamily="34" charset="0"/>
+              <a:buChar char="•"/>
+            </a:pPr>
+            <a:endParaRPr lang="en-US" sz="7200" dirty="0">
+              <a:solidFill>
+                <a:srgbClr val="404040"/>
+              </a:solidFill>
+              <a:ea typeface="+mn-ea"/>
+              <a:cs typeface="+mn-cs"/>
+            </a:endParaRPr>
+          </a:p>
+          <a:p>
+            <a:pPr indent="-228600" defTabSz="914400" eaLnBrk="1" hangingPunct="1">
+              <a:lnSpc>
+                <a:spcPct val="90000"/>
+              </a:lnSpc>
+              <a:buFont typeface="Arial" panose="020B0604020202020204" pitchFamily="34" charset="0"/>
+              <a:buChar char="•"/>
+            </a:pPr>
+            <a:endParaRPr lang="en-US" sz="7200" dirty="0">
+              <a:solidFill>
+                <a:srgbClr val="404040"/>
+              </a:solidFill>
+              <a:ea typeface="+mn-ea"/>
+              <a:cs typeface="+mn-cs"/>
+            </a:endParaRPr>
+          </a:p>
+          <a:p>
+            <a:pPr indent="-228600" defTabSz="914400" eaLnBrk="1" hangingPunct="1">
+              <a:lnSpc>
+                <a:spcPct val="90000"/>
+              </a:lnSpc>
+              <a:buFont typeface="Arial" panose="020B0604020202020204" pitchFamily="34" charset="0"/>
+              <a:buChar char="•"/>
+            </a:pPr>
+            <a:endParaRPr lang="en-US" sz="7200" dirty="0">
+              <a:solidFill>
+                <a:srgbClr val="404040"/>
+              </a:solidFill>
+              <a:ea typeface="+mn-ea"/>
+              <a:cs typeface="+mn-cs"/>
+            </a:endParaRPr>
+          </a:p>
+        </p:txBody>
+      </p:sp>
+    </p:spTree>
+    <p:custDataLst>
+      <p:tags r:id="rId1"/>
+    </p:custDataLst>
+    <p:extLst>
+      <p:ext uri="{BB962C8B-B14F-4D97-AF65-F5344CB8AC3E}">
+        <p14:creationId xmlns:p14="http://schemas.microsoft.com/office/powerpoint/2010/main" val="3647066437"/>
       </p:ext>
     </p:extLst>
   </p:cSld>
@@ -16520,7 +18637,7 @@
         <p:spPr>
           <a:xfrm>
             <a:off x="3810000" y="645990"/>
-            <a:ext cx="5334000" cy="5632311"/>
+            <a:ext cx="5334000" cy="6001643"/>
           </a:xfrm>
           <a:prstGeom prst="rect">
             <a:avLst/>
@@ -16643,7 +18760,7 @@
                   <a:srgbClr val="404040"/>
                 </a:solidFill>
               </a:rPr>
-              <a:t>Run Chunk 4</a:t>
+              <a:t>Chunk 4</a:t>
             </a:r>
           </a:p>
           <a:p>
@@ -16701,6 +18818,21 @@
                 </a:solidFill>
               </a:rPr>
               <a:t>Predictions Saved are All Out-of-Sample </a:t>
+            </a:r>
+          </a:p>
+          <a:p>
+            <a:pPr marL="800100" lvl="1" indent="-342900">
+              <a:buFont typeface="Arial" panose="020B0604020202020204" pitchFamily="34" charset="0"/>
+              <a:buChar char="•"/>
+              <a:defRPr/>
+            </a:pPr>
+            <a:r>
+              <a:rPr lang="en-US" dirty="0">
+                <a:solidFill>
+                  <a:srgbClr val="404040"/>
+                </a:solidFill>
+              </a:rPr>
+              <a:t>Run Chunk 4 to Test Your Code</a:t>
             </a:r>
           </a:p>
         </p:txBody>
@@ -16711,7 +18843,7 @@
     </p:custDataLst>
     <p:extLst>
       <p:ext uri="{BB962C8B-B14F-4D97-AF65-F5344CB8AC3E}">
-        <p14:creationId xmlns:p14="http://schemas.microsoft.com/office/powerpoint/2010/main" val="3805552308"/>
+        <p14:creationId xmlns:p14="http://schemas.microsoft.com/office/powerpoint/2010/main" val="2645064069"/>
       </p:ext>
     </p:extLst>
   </p:cSld>
@@ -16967,8 +19099,317 @@
         </p:nvSpPr>
         <p:spPr>
           <a:xfrm>
+            <a:off x="3657600" y="1143000"/>
+            <a:ext cx="5334000" cy="3970318"/>
+          </a:xfrm>
+          <a:prstGeom prst="rect">
+            <a:avLst/>
+          </a:prstGeom>
+          <a:solidFill>
+            <a:srgbClr val="404040"/>
+          </a:solidFill>
+        </p:spPr>
+        <p:txBody>
+          <a:bodyPr wrap="square" rtlCol="0">
+            <a:spAutoFit/>
+          </a:bodyPr>
+          <a:lstStyle/>
+          <a:p>
+            <a:pPr>
+              <a:defRPr/>
+            </a:pPr>
+            <a:r>
+              <a:rPr lang="en-US" sz="1800" dirty="0">
+                <a:solidFill>
+                  <a:schemeClr val="bg1"/>
+                </a:solidFill>
+              </a:rPr>
+              <a:t>DATA2=DATA</a:t>
+            </a:r>
+          </a:p>
+          <a:p>
+            <a:pPr>
+              <a:defRPr/>
+            </a:pPr>
+            <a:r>
+              <a:rPr lang="en-US" sz="1800" dirty="0">
+                <a:solidFill>
+                  <a:schemeClr val="bg1"/>
+                </a:solidFill>
+              </a:rPr>
+              <a:t>DATA2$linpred=NA</a:t>
+            </a:r>
+          </a:p>
+          <a:p>
+            <a:pPr>
+              <a:defRPr/>
+            </a:pPr>
+            <a:endParaRPr lang="en-US" sz="1800" dirty="0">
+              <a:solidFill>
+                <a:schemeClr val="bg1"/>
+              </a:solidFill>
+            </a:endParaRPr>
+          </a:p>
+          <a:p>
+            <a:pPr>
+              <a:defRPr/>
+            </a:pPr>
+            <a:r>
+              <a:rPr lang="en-US" sz="1800" dirty="0">
+                <a:solidFill>
+                  <a:schemeClr val="bg1"/>
+                </a:solidFill>
+              </a:rPr>
+              <a:t>for(k in unique(DATA2$L)){</a:t>
+            </a:r>
+          </a:p>
+          <a:p>
+            <a:pPr>
+              <a:defRPr/>
+            </a:pPr>
+            <a:r>
+              <a:rPr lang="en-US" sz="1800" dirty="0">
+                <a:solidFill>
+                  <a:schemeClr val="bg1"/>
+                </a:solidFill>
+              </a:rPr>
+              <a:t>  TEST = NEST.DATA %&gt;% filter(L==k) %&gt;% </a:t>
+            </a:r>
+            <a:r>
+              <a:rPr lang="en-US" sz="1800" dirty="0" err="1">
+                <a:solidFill>
+                  <a:schemeClr val="bg1"/>
+                </a:solidFill>
+              </a:rPr>
+              <a:t>unnest</a:t>
+            </a:r>
+            <a:r>
+              <a:rPr lang="en-US" sz="1800" dirty="0">
+                <a:solidFill>
+                  <a:schemeClr val="bg1"/>
+                </a:solidFill>
+              </a:rPr>
+              <a:t>()</a:t>
+            </a:r>
+          </a:p>
+          <a:p>
+            <a:pPr>
+              <a:defRPr/>
+            </a:pPr>
+            <a:r>
+              <a:rPr lang="en-US" sz="1800" dirty="0">
+                <a:solidFill>
+                  <a:schemeClr val="bg1"/>
+                </a:solidFill>
+              </a:rPr>
+              <a:t>  TRAIN  = NEST.DATA %&gt;% filter(L!=k) %&gt;% </a:t>
+            </a:r>
+            <a:r>
+              <a:rPr lang="en-US" sz="1800" dirty="0" err="1">
+                <a:solidFill>
+                  <a:schemeClr val="bg1"/>
+                </a:solidFill>
+              </a:rPr>
+              <a:t>unnest</a:t>
+            </a:r>
+            <a:r>
+              <a:rPr lang="en-US" sz="1800" dirty="0">
+                <a:solidFill>
+                  <a:schemeClr val="bg1"/>
+                </a:solidFill>
+              </a:rPr>
+              <a:t>()</a:t>
+            </a:r>
+          </a:p>
+          <a:p>
+            <a:pPr>
+              <a:defRPr/>
+            </a:pPr>
+            <a:r>
+              <a:rPr lang="en-US" sz="1800" dirty="0">
+                <a:solidFill>
+                  <a:schemeClr val="bg1"/>
+                </a:solidFill>
+              </a:rPr>
+              <a:t>  </a:t>
+            </a:r>
+          </a:p>
+          <a:p>
+            <a:pPr>
+              <a:defRPr/>
+            </a:pPr>
+            <a:r>
+              <a:rPr lang="en-US" sz="1800" dirty="0">
+                <a:solidFill>
+                  <a:schemeClr val="bg1"/>
+                </a:solidFill>
+              </a:rPr>
+              <a:t>  </a:t>
+            </a:r>
+            <a:r>
+              <a:rPr lang="en-US" sz="1800" dirty="0" err="1">
+                <a:solidFill>
+                  <a:schemeClr val="bg1"/>
+                </a:solidFill>
+              </a:rPr>
+              <a:t>linmod</a:t>
+            </a:r>
+            <a:r>
+              <a:rPr lang="en-US" sz="1800" dirty="0">
+                <a:solidFill>
+                  <a:schemeClr val="bg1"/>
+                </a:solidFill>
+              </a:rPr>
+              <a:t>=</a:t>
+            </a:r>
+            <a:r>
+              <a:rPr lang="en-US" sz="1800" dirty="0" err="1">
+                <a:solidFill>
+                  <a:schemeClr val="bg1"/>
+                </a:solidFill>
+              </a:rPr>
+              <a:t>lm</a:t>
+            </a:r>
+            <a:r>
+              <a:rPr lang="en-US" sz="1800" dirty="0">
+                <a:solidFill>
+                  <a:schemeClr val="bg1"/>
+                </a:solidFill>
+              </a:rPr>
+              <a:t>(</a:t>
+            </a:r>
+            <a:r>
+              <a:rPr lang="en-US" sz="1800" dirty="0" err="1">
+                <a:solidFill>
+                  <a:schemeClr val="bg1"/>
+                </a:solidFill>
+              </a:rPr>
+              <a:t>W~dplyr</a:t>
+            </a:r>
+            <a:r>
+              <a:rPr lang="en-US" sz="1800" dirty="0">
+                <a:solidFill>
+                  <a:schemeClr val="bg1"/>
+                </a:solidFill>
+              </a:rPr>
+              <a:t>::lag(A,1),data=TRAIN)</a:t>
+            </a:r>
+          </a:p>
+          <a:p>
+            <a:pPr>
+              <a:defRPr/>
+            </a:pPr>
+            <a:r>
+              <a:rPr lang="en-US" sz="1800" dirty="0">
+                <a:solidFill>
+                  <a:schemeClr val="bg1"/>
+                </a:solidFill>
+              </a:rPr>
+              <a:t>  </a:t>
+            </a:r>
+            <a:r>
+              <a:rPr lang="en-US" sz="1800" dirty="0" err="1">
+                <a:solidFill>
+                  <a:schemeClr val="bg1"/>
+                </a:solidFill>
+              </a:rPr>
+              <a:t>linmodpred</a:t>
+            </a:r>
+            <a:r>
+              <a:rPr lang="en-US" sz="1800" dirty="0">
+                <a:solidFill>
+                  <a:schemeClr val="bg1"/>
+                </a:solidFill>
+              </a:rPr>
+              <a:t>=predict(</a:t>
+            </a:r>
+            <a:r>
+              <a:rPr lang="en-US" sz="1800" dirty="0" err="1">
+                <a:solidFill>
+                  <a:schemeClr val="bg1"/>
+                </a:solidFill>
+              </a:rPr>
+              <a:t>linmod,newdata</a:t>
+            </a:r>
+            <a:r>
+              <a:rPr lang="en-US" sz="1800" dirty="0">
+                <a:solidFill>
+                  <a:schemeClr val="bg1"/>
+                </a:solidFill>
+              </a:rPr>
+              <a:t>=TEST)</a:t>
+            </a:r>
+          </a:p>
+          <a:p>
+            <a:pPr>
+              <a:defRPr/>
+            </a:pPr>
+            <a:r>
+              <a:rPr lang="en-US" sz="1800" dirty="0">
+                <a:solidFill>
+                  <a:schemeClr val="bg1"/>
+                </a:solidFill>
+              </a:rPr>
+              <a:t>  </a:t>
+            </a:r>
+          </a:p>
+          <a:p>
+            <a:pPr>
+              <a:defRPr/>
+            </a:pPr>
+            <a:r>
+              <a:rPr lang="en-US" sz="1800" dirty="0">
+                <a:solidFill>
+                  <a:schemeClr val="bg1"/>
+                </a:solidFill>
+              </a:rPr>
+              <a:t>  DATA2$linpred[which(DATA2$L==k)]=</a:t>
+            </a:r>
+            <a:r>
+              <a:rPr lang="en-US" sz="1800" dirty="0" err="1">
+                <a:solidFill>
+                  <a:schemeClr val="bg1"/>
+                </a:solidFill>
+              </a:rPr>
+              <a:t>linmodpred</a:t>
+            </a:r>
+            <a:endParaRPr lang="en-US" sz="1800" dirty="0">
+              <a:solidFill>
+                <a:schemeClr val="bg1"/>
+              </a:solidFill>
+            </a:endParaRPr>
+          </a:p>
+          <a:p>
+            <a:pPr>
+              <a:defRPr/>
+            </a:pPr>
+            <a:r>
+              <a:rPr lang="en-US" sz="1800" dirty="0">
+                <a:solidFill>
+                  <a:schemeClr val="bg1"/>
+                </a:solidFill>
+              </a:rPr>
+              <a:t>}</a:t>
+            </a:r>
+          </a:p>
+        </p:txBody>
+      </p:sp>
+      <p:sp>
+        <p:nvSpPr>
+          <p:cNvPr id="6" name="TextBox 5">
+            <a:extLst>
+              <a:ext uri="{FF2B5EF4-FFF2-40B4-BE49-F238E27FC236}">
+                <a16:creationId xmlns:a16="http://schemas.microsoft.com/office/drawing/2014/main" id="{8DB59467-18FE-43FE-A7CD-C188A0845810}"/>
+              </a:ext>
+            </a:extLst>
+          </p:cNvPr>
+          <p:cNvSpPr txBox="1"/>
+          <p:nvPr/>
+        </p:nvSpPr>
+        <p:spPr>
+          <a:xfrm>
             <a:off x="3810000" y="645990"/>
-            <a:ext cx="5334000" cy="6001643"/>
+            <a:ext cx="5334000" cy="461665"/>
           </a:xfrm>
           <a:prstGeom prst="rect">
             <a:avLst/>
@@ -16992,178 +19433,7 @@
                   <a:srgbClr val="404040"/>
                 </a:solidFill>
               </a:rPr>
-              <a:t>Chunk 3</a:t>
-            </a:r>
-          </a:p>
-          <a:p>
-            <a:pPr marL="342900" indent="-342900">
-              <a:buFont typeface="Arial" panose="020B0604020202020204" pitchFamily="34" charset="0"/>
-              <a:buChar char="•"/>
-              <a:defRPr/>
-            </a:pPr>
-            <a:endParaRPr lang="en-US" dirty="0">
-              <a:solidFill>
-                <a:srgbClr val="404040"/>
-              </a:solidFill>
-            </a:endParaRPr>
-          </a:p>
-          <a:p>
-            <a:pPr marL="800100" lvl="1" indent="-342900">
-              <a:buFont typeface="Arial" panose="020B0604020202020204" pitchFamily="34" charset="0"/>
-              <a:buChar char="•"/>
-              <a:defRPr/>
-            </a:pPr>
-            <a:r>
-              <a:rPr lang="en-US" dirty="0">
-                <a:solidFill>
-                  <a:srgbClr val="404040"/>
-                </a:solidFill>
-              </a:rPr>
-              <a:t>Run Each Line</a:t>
-            </a:r>
-          </a:p>
-          <a:p>
-            <a:pPr marL="800100" lvl="1" indent="-342900">
-              <a:buFont typeface="Arial" panose="020B0604020202020204" pitchFamily="34" charset="0"/>
-              <a:buChar char="•"/>
-              <a:defRPr/>
-            </a:pPr>
-            <a:r>
-              <a:rPr lang="en-US" dirty="0">
-                <a:solidFill>
-                  <a:srgbClr val="404040"/>
-                </a:solidFill>
-              </a:rPr>
-              <a:t>What is Happening?</a:t>
-            </a:r>
-          </a:p>
-          <a:p>
-            <a:pPr marL="800100" lvl="1" indent="-342900">
-              <a:buFont typeface="Arial" panose="020B0604020202020204" pitchFamily="34" charset="0"/>
-              <a:buChar char="•"/>
-              <a:defRPr/>
-            </a:pPr>
-            <a:r>
-              <a:rPr lang="en-US" dirty="0">
-                <a:solidFill>
-                  <a:srgbClr val="404040"/>
-                </a:solidFill>
-              </a:rPr>
-              <a:t>Use View() on DATA2 and Scan Through the Data</a:t>
-            </a:r>
-          </a:p>
-          <a:p>
-            <a:pPr marL="800100" lvl="1" indent="-342900">
-              <a:buFont typeface="Arial" panose="020B0604020202020204" pitchFamily="34" charset="0"/>
-              <a:buChar char="•"/>
-              <a:defRPr/>
-            </a:pPr>
-            <a:r>
-              <a:rPr lang="en-US" dirty="0">
-                <a:solidFill>
-                  <a:srgbClr val="404040"/>
-                </a:solidFill>
-              </a:rPr>
-              <a:t>What do You Notice?</a:t>
-            </a:r>
-          </a:p>
-          <a:p>
-            <a:pPr marL="800100" lvl="1" indent="-342900">
-              <a:buFont typeface="Arial" panose="020B0604020202020204" pitchFamily="34" charset="0"/>
-              <a:buChar char="•"/>
-              <a:defRPr/>
-            </a:pPr>
-            <a:endParaRPr lang="en-US" dirty="0">
-              <a:solidFill>
-                <a:srgbClr val="404040"/>
-              </a:solidFill>
-            </a:endParaRPr>
-          </a:p>
-          <a:p>
-            <a:pPr marL="342900" indent="-342900">
-              <a:buFont typeface="Arial" panose="020B0604020202020204" pitchFamily="34" charset="0"/>
-              <a:buChar char="•"/>
-              <a:defRPr/>
-            </a:pPr>
-            <a:r>
-              <a:rPr lang="en-US" dirty="0">
-                <a:solidFill>
-                  <a:srgbClr val="404040"/>
-                </a:solidFill>
-              </a:rPr>
-              <a:t>Chunk 4</a:t>
-            </a:r>
-          </a:p>
-          <a:p>
-            <a:pPr marL="800100" lvl="1" indent="-342900">
-              <a:buFont typeface="Arial" panose="020B0604020202020204" pitchFamily="34" charset="0"/>
-              <a:buChar char="•"/>
-              <a:defRPr/>
-            </a:pPr>
-            <a:endParaRPr lang="en-US" dirty="0">
-              <a:solidFill>
-                <a:srgbClr val="404040"/>
-              </a:solidFill>
-            </a:endParaRPr>
-          </a:p>
-          <a:p>
-            <a:pPr marL="800100" lvl="1" indent="-342900">
-              <a:buFont typeface="Arial" panose="020B0604020202020204" pitchFamily="34" charset="0"/>
-              <a:buChar char="•"/>
-              <a:defRPr/>
-            </a:pPr>
-            <a:r>
-              <a:rPr lang="en-US" dirty="0">
-                <a:solidFill>
-                  <a:srgbClr val="404040"/>
-                </a:solidFill>
-              </a:rPr>
-              <a:t>Create a Loop that Repeats this Process for Each Location</a:t>
-            </a:r>
-          </a:p>
-          <a:p>
-            <a:pPr marL="800100" lvl="1" indent="-342900">
-              <a:buFont typeface="Arial" panose="020B0604020202020204" pitchFamily="34" charset="0"/>
-              <a:buChar char="•"/>
-              <a:defRPr/>
-            </a:pPr>
-            <a:r>
-              <a:rPr lang="en-US" dirty="0">
-                <a:solidFill>
-                  <a:srgbClr val="404040"/>
-                </a:solidFill>
-              </a:rPr>
-              <a:t>Each Location Is a Test Set</a:t>
-            </a:r>
-          </a:p>
-          <a:p>
-            <a:pPr marL="800100" lvl="1" indent="-342900">
-              <a:buFont typeface="Arial" panose="020B0604020202020204" pitchFamily="34" charset="0"/>
-              <a:buChar char="•"/>
-              <a:defRPr/>
-            </a:pPr>
-            <a:r>
-              <a:rPr lang="en-US" dirty="0">
-                <a:solidFill>
-                  <a:srgbClr val="404040"/>
-                </a:solidFill>
-              </a:rPr>
-              <a:t>Predictions Saved are All Out-of-Sample </a:t>
-            </a:r>
-          </a:p>
-          <a:p>
-            <a:pPr marL="800100" lvl="1" indent="-342900">
-              <a:buFont typeface="Arial" panose="020B0604020202020204" pitchFamily="34" charset="0"/>
-              <a:buChar char="•"/>
-              <a:defRPr/>
-            </a:pPr>
-            <a:r>
-              <a:rPr lang="en-US" dirty="0">
-                <a:solidFill>
-                  <a:srgbClr val="404040"/>
-                </a:solidFill>
-              </a:rPr>
-              <a:t>Run Chunk 4 to Test Your Code</a:t>
+              <a:t>Chunk 4 (Continued)</a:t>
             </a:r>
           </a:p>
         </p:txBody>
@@ -17174,7 +19444,7 @@
     </p:custDataLst>
     <p:extLst>
       <p:ext uri="{BB962C8B-B14F-4D97-AF65-F5344CB8AC3E}">
-        <p14:creationId xmlns:p14="http://schemas.microsoft.com/office/powerpoint/2010/main" val="2645064069"/>
+        <p14:creationId xmlns:p14="http://schemas.microsoft.com/office/powerpoint/2010/main" val="4216312234"/>
       </p:ext>
     </p:extLst>
   </p:cSld>
@@ -17330,7 +19600,31 @@
 </p:tagLst>
 </file>
 
+<file path=ppt/tags/tag19.xml><?xml version="1.0" encoding="utf-8"?>
+<p:tagLst xmlns:a="http://schemas.openxmlformats.org/drawingml/2006/main" xmlns:r="http://schemas.openxmlformats.org/officeDocument/2006/relationships" xmlns:p="http://schemas.openxmlformats.org/presentationml/2006/main">
+  <p:tag name="DELIMITERS" val="3.1"/>
+</p:tagLst>
+</file>
+
 <file path=ppt/tags/tag2.xml><?xml version="1.0" encoding="utf-8"?>
+<p:tagLst xmlns:a="http://schemas.openxmlformats.org/drawingml/2006/main" xmlns:r="http://schemas.openxmlformats.org/officeDocument/2006/relationships" xmlns:p="http://schemas.openxmlformats.org/presentationml/2006/main">
+  <p:tag name="DELIMITERS" val="3.1"/>
+</p:tagLst>
+</file>
+
+<file path=ppt/tags/tag20.xml><?xml version="1.0" encoding="utf-8"?>
+<p:tagLst xmlns:a="http://schemas.openxmlformats.org/drawingml/2006/main" xmlns:r="http://schemas.openxmlformats.org/officeDocument/2006/relationships" xmlns:p="http://schemas.openxmlformats.org/presentationml/2006/main">
+  <p:tag name="DELIMITERS" val="3.1"/>
+</p:tagLst>
+</file>
+
+<file path=ppt/tags/tag21.xml><?xml version="1.0" encoding="utf-8"?>
+<p:tagLst xmlns:a="http://schemas.openxmlformats.org/drawingml/2006/main" xmlns:r="http://schemas.openxmlformats.org/officeDocument/2006/relationships" xmlns:p="http://schemas.openxmlformats.org/presentationml/2006/main">
+  <p:tag name="DELIMITERS" val="3.1"/>
+</p:tagLst>
+</file>
+
+<file path=ppt/tags/tag22.xml><?xml version="1.0" encoding="utf-8"?>
 <p:tagLst xmlns:a="http://schemas.openxmlformats.org/drawingml/2006/main" xmlns:r="http://schemas.openxmlformats.org/officeDocument/2006/relationships" xmlns:p="http://schemas.openxmlformats.org/presentationml/2006/main">
   <p:tag name="DELIMITERS" val="3.1"/>
 </p:tagLst>

--- a/Lecture/Lecture 25/Lecture 25.pptx
+++ b/Lecture/Lecture 25/Lecture 25.pptx
@@ -308,7 +308,7 @@
               <a:pPr>
                 <a:defRPr/>
               </a:pPr>
-              <a:t>11/1/2018</a:t>
+              <a:t>11/4/2018</a:t>
             </a:fld>
             <a:endParaRPr lang="en-US" dirty="0"/>
           </a:p>
@@ -520,7 +520,7 @@
               <a:pPr>
                 <a:defRPr/>
               </a:pPr>
-              <a:t>11/1/2018</a:t>
+              <a:t>11/4/2018</a:t>
             </a:fld>
             <a:endParaRPr lang="en-US" dirty="0"/>
           </a:p>
@@ -1039,7 +1039,7 @@
               <a:pPr>
                 <a:defRPr/>
               </a:pPr>
-              <a:t>11/1/2018</a:t>
+              <a:t>11/4/2018</a:t>
             </a:fld>
             <a:endParaRPr lang="en-US" dirty="0"/>
           </a:p>
@@ -1229,7 +1229,7 @@
               <a:pPr>
                 <a:defRPr/>
               </a:pPr>
-              <a:t>11/1/2018</a:t>
+              <a:t>11/4/2018</a:t>
             </a:fld>
             <a:endParaRPr lang="en-US" dirty="0"/>
           </a:p>
@@ -1429,7 +1429,7 @@
               <a:pPr>
                 <a:defRPr/>
               </a:pPr>
-              <a:t>11/1/2018</a:t>
+              <a:t>11/4/2018</a:t>
             </a:fld>
             <a:endParaRPr lang="en-US" dirty="0"/>
           </a:p>
@@ -1697,7 +1697,7 @@
               <a:pPr>
                 <a:defRPr/>
               </a:pPr>
-              <a:t>11/1/2018</a:t>
+              <a:t>11/4/2018</a:t>
             </a:fld>
             <a:endParaRPr lang="en-US" dirty="0">
               <a:solidFill>
@@ -1911,7 +1911,7 @@
               <a:pPr>
                 <a:defRPr/>
               </a:pPr>
-              <a:t>11/1/2018</a:t>
+              <a:t>11/4/2018</a:t>
             </a:fld>
             <a:endParaRPr lang="en-US" dirty="0">
               <a:solidFill>
@@ -2202,7 +2202,7 @@
               <a:pPr>
                 <a:defRPr/>
               </a:pPr>
-              <a:t>11/1/2018</a:t>
+              <a:t>11/4/2018</a:t>
             </a:fld>
             <a:endParaRPr lang="en-US" dirty="0">
               <a:solidFill>
@@ -2533,7 +2533,7 @@
               <a:pPr>
                 <a:defRPr/>
               </a:pPr>
-              <a:t>11/1/2018</a:t>
+              <a:t>11/4/2018</a:t>
             </a:fld>
             <a:endParaRPr lang="en-US" dirty="0">
               <a:solidFill>
@@ -2998,7 +2998,7 @@
               <a:pPr>
                 <a:defRPr/>
               </a:pPr>
-              <a:t>11/1/2018</a:t>
+              <a:t>11/4/2018</a:t>
             </a:fld>
             <a:endParaRPr lang="en-US" dirty="0">
               <a:solidFill>
@@ -3161,7 +3161,7 @@
               <a:pPr>
                 <a:defRPr/>
               </a:pPr>
-              <a:t>11/1/2018</a:t>
+              <a:t>11/4/2018</a:t>
             </a:fld>
             <a:endParaRPr lang="en-US" dirty="0">
               <a:solidFill>
@@ -3302,7 +3302,7 @@
               <a:pPr>
                 <a:defRPr/>
               </a:pPr>
-              <a:t>11/1/2018</a:t>
+              <a:t>11/4/2018</a:t>
             </a:fld>
             <a:endParaRPr lang="en-US" dirty="0">
               <a:solidFill>
@@ -3623,7 +3623,7 @@
               <a:pPr>
                 <a:defRPr/>
               </a:pPr>
-              <a:t>11/1/2018</a:t>
+              <a:t>11/4/2018</a:t>
             </a:fld>
             <a:endParaRPr lang="en-US" dirty="0">
               <a:solidFill>
@@ -3831,7 +3831,7 @@
               <a:pPr>
                 <a:defRPr/>
               </a:pPr>
-              <a:t>11/1/2018</a:t>
+              <a:t>11/4/2018</a:t>
             </a:fld>
             <a:endParaRPr lang="en-US" dirty="0"/>
           </a:p>
@@ -4114,7 +4114,7 @@
               <a:pPr>
                 <a:defRPr/>
               </a:pPr>
-              <a:t>11/1/2018</a:t>
+              <a:t>11/4/2018</a:t>
             </a:fld>
             <a:endParaRPr lang="en-US" dirty="0">
               <a:solidFill>
@@ -4328,7 +4328,7 @@
               <a:pPr>
                 <a:defRPr/>
               </a:pPr>
-              <a:t>11/1/2018</a:t>
+              <a:t>11/4/2018</a:t>
             </a:fld>
             <a:endParaRPr lang="en-US" dirty="0">
               <a:solidFill>
@@ -4552,7 +4552,7 @@
               <a:pPr>
                 <a:defRPr/>
               </a:pPr>
-              <a:t>11/1/2018</a:t>
+              <a:t>11/4/2018</a:t>
             </a:fld>
             <a:endParaRPr lang="en-US" dirty="0">
               <a:solidFill>
@@ -4762,7 +4762,7 @@
               <a:pPr>
                 <a:defRPr/>
               </a:pPr>
-              <a:t>11/1/2018</a:t>
+              <a:t>11/4/2018</a:t>
             </a:fld>
             <a:endParaRPr lang="en-US" dirty="0">
               <a:solidFill>
@@ -5039,7 +5039,7 @@
               <a:pPr>
                 <a:defRPr/>
               </a:pPr>
-              <a:t>11/1/2018</a:t>
+              <a:t>11/4/2018</a:t>
             </a:fld>
             <a:endParaRPr lang="en-US" dirty="0"/>
           </a:p>
@@ -5346,7 +5346,7 @@
               <a:pPr>
                 <a:defRPr/>
               </a:pPr>
-              <a:t>11/1/2018</a:t>
+              <a:t>11/4/2018</a:t>
             </a:fld>
             <a:endParaRPr lang="en-US" dirty="0"/>
           </a:p>
@@ -5787,7 +5787,7 @@
               <a:pPr>
                 <a:defRPr/>
               </a:pPr>
-              <a:t>11/1/2018</a:t>
+              <a:t>11/4/2018</a:t>
             </a:fld>
             <a:endParaRPr lang="en-US" dirty="0"/>
           </a:p>
@@ -5926,7 +5926,7 @@
               <a:pPr>
                 <a:defRPr/>
               </a:pPr>
-              <a:t>11/1/2018</a:t>
+              <a:t>11/4/2018</a:t>
             </a:fld>
             <a:endParaRPr lang="en-US" dirty="0"/>
           </a:p>
@@ -6043,7 +6043,7 @@
               <a:pPr>
                 <a:defRPr/>
               </a:pPr>
-              <a:t>11/1/2018</a:t>
+              <a:t>11/4/2018</a:t>
             </a:fld>
             <a:endParaRPr lang="en-US" dirty="0"/>
           </a:p>
@@ -6340,7 +6340,7 @@
               <a:pPr>
                 <a:defRPr/>
               </a:pPr>
-              <a:t>11/1/2018</a:t>
+              <a:t>11/4/2018</a:t>
             </a:fld>
             <a:endParaRPr lang="en-US" dirty="0"/>
           </a:p>
@@ -6617,7 +6617,7 @@
               <a:pPr>
                 <a:defRPr/>
               </a:pPr>
-              <a:t>11/1/2018</a:t>
+              <a:t>11/4/2018</a:t>
             </a:fld>
             <a:endParaRPr lang="en-US" dirty="0"/>
           </a:p>
@@ -6874,7 +6874,7 @@
               <a:pPr>
                 <a:defRPr/>
               </a:pPr>
-              <a:t>11/1/2018</a:t>
+              <a:t>11/4/2018</a:t>
             </a:fld>
             <a:endParaRPr lang="en-US" dirty="0"/>
           </a:p>
@@ -7584,7 +7584,7 @@
               <a:pPr>
                 <a:defRPr/>
               </a:pPr>
-              <a:t>11/1/2018</a:t>
+              <a:t>11/4/2018</a:t>
             </a:fld>
             <a:endParaRPr lang="en-US" dirty="0">
               <a:solidFill>
@@ -9947,7 +9947,7 @@
                   <a:srgbClr val="404040"/>
                 </a:solidFill>
               </a:rPr>
-              <a:t>Helpful Function: </a:t>
+              <a:t>CV Function: </a:t>
             </a:r>
             <a:r>
               <a:rPr lang="en-US" dirty="0" err="1">
@@ -9955,10 +9955,10 @@
                   <a:srgbClr val="404040"/>
                 </a:solidFill>
               </a:rPr>
-              <a:t>cross_kfold</a:t>
-            </a:r>
-            <a:r>
-              <a:rPr lang="en-US" dirty="0">
+              <a:t>crossv_kfold</a:t>
+            </a:r>
+            <a:r>
+              <a:rPr lang="en-US">
                 <a:solidFill>
                   <a:srgbClr val="404040"/>
                 </a:solidFill>
@@ -9971,16 +9971,21 @@
                   <a:srgbClr val="404040"/>
                 </a:solidFill>
               </a:rPr>
-              <a:t>k</a:t>
-            </a:r>
-            <a:r>
-              <a:rPr lang="en-US" dirty="0">
+              <a:t>K</a:t>
+            </a:r>
+            <a:r>
+              <a:rPr lang="en-US">
                 <a:solidFill>
                   <a:srgbClr val="404040"/>
                 </a:solidFill>
               </a:rPr>
               <a:t>)</a:t>
             </a:r>
+            <a:endParaRPr lang="en-US" dirty="0">
+              <a:solidFill>
+                <a:srgbClr val="404040"/>
+              </a:solidFill>
+            </a:endParaRPr>
           </a:p>
         </p:txBody>
       </p:sp>
@@ -19276,23 +19281,7 @@
                   <a:schemeClr val="bg1"/>
                 </a:solidFill>
               </a:rPr>
-              <a:t>(</a:t>
-            </a:r>
-            <a:r>
-              <a:rPr lang="en-US" sz="1800" dirty="0" err="1">
-                <a:solidFill>
-                  <a:schemeClr val="bg1"/>
-                </a:solidFill>
-              </a:rPr>
-              <a:t>W~dplyr</a:t>
-            </a:r>
-            <a:r>
-              <a:rPr lang="en-US" sz="1800" dirty="0">
-                <a:solidFill>
-                  <a:schemeClr val="bg1"/>
-                </a:solidFill>
-              </a:rPr>
-              <a:t>::lag(A,1),data=TRAIN)</a:t>
+              <a:t>(W~A, data=TRAIN)</a:t>
             </a:r>
           </a:p>
           <a:p>
